--- a/final/ppt/第八組.pptx
+++ b/final/ppt/第八組.pptx
@@ -5,7 +5,7 @@
     <p:sldMasterId id="2147483648" r:id="rId1"/>
   </p:sldMasterIdLst>
   <p:notesMasterIdLst>
-    <p:notesMasterId r:id="rId33"/>
+    <p:notesMasterId r:id="rId35"/>
   </p:notesMasterIdLst>
   <p:sldIdLst>
     <p:sldId id="256" r:id="rId2"/>
@@ -20,25 +20,27 @@
     <p:sldId id="379" r:id="rId11"/>
     <p:sldId id="358" r:id="rId12"/>
     <p:sldId id="364" r:id="rId13"/>
-    <p:sldId id="376" r:id="rId14"/>
-    <p:sldId id="377" r:id="rId15"/>
-    <p:sldId id="378" r:id="rId16"/>
+    <p:sldId id="390" r:id="rId14"/>
+    <p:sldId id="376" r:id="rId15"/>
+    <p:sldId id="377" r:id="rId16"/>
     <p:sldId id="355" r:id="rId17"/>
     <p:sldId id="383" r:id="rId18"/>
-    <p:sldId id="373" r:id="rId19"/>
-    <p:sldId id="374" r:id="rId20"/>
-    <p:sldId id="375" r:id="rId21"/>
-    <p:sldId id="359" r:id="rId22"/>
-    <p:sldId id="296" r:id="rId23"/>
-    <p:sldId id="365" r:id="rId24"/>
-    <p:sldId id="366" r:id="rId25"/>
-    <p:sldId id="380" r:id="rId26"/>
-    <p:sldId id="381" r:id="rId27"/>
-    <p:sldId id="382" r:id="rId28"/>
-    <p:sldId id="367" r:id="rId29"/>
-    <p:sldId id="368" r:id="rId30"/>
-    <p:sldId id="369" r:id="rId31"/>
-    <p:sldId id="352" r:id="rId32"/>
+    <p:sldId id="374" r:id="rId19"/>
+    <p:sldId id="359" r:id="rId20"/>
+    <p:sldId id="384" r:id="rId21"/>
+    <p:sldId id="386" r:id="rId22"/>
+    <p:sldId id="387" r:id="rId23"/>
+    <p:sldId id="388" r:id="rId24"/>
+    <p:sldId id="389" r:id="rId25"/>
+    <p:sldId id="296" r:id="rId26"/>
+    <p:sldId id="365" r:id="rId27"/>
+    <p:sldId id="366" r:id="rId28"/>
+    <p:sldId id="392" r:id="rId29"/>
+    <p:sldId id="380" r:id="rId30"/>
+    <p:sldId id="381" r:id="rId31"/>
+    <p:sldId id="382" r:id="rId32"/>
+    <p:sldId id="391" r:id="rId33"/>
+    <p:sldId id="352" r:id="rId34"/>
   </p:sldIdLst>
   <p:sldSz cx="12192000" cy="6858000"/>
   <p:notesSz cx="6858000" cy="9144000"/>
@@ -228,7 +230,7 @@
             <a:fld id="{3FB5B2D1-289F-40B4-A3FC-FB0E4C34F200}" type="datetimeFigureOut">
               <a:rPr lang="zh-TW" altLang="en-US" smtClean="0"/>
               <a:pPr/>
-              <a:t>2023/5/27</a:t>
+              <a:t>2023/5/31</a:t>
             </a:fld>
             <a:endParaRPr lang="zh-TW" altLang="en-US"/>
           </a:p>
@@ -644,7 +646,7 @@
             <a:fld id="{E7E67EC7-B2B3-4B5A-99A9-D8678F51F06A}" type="datetimeFigureOut">
               <a:rPr lang="zh-TW" altLang="en-US" smtClean="0"/>
               <a:pPr/>
-              <a:t>2023/5/27</a:t>
+              <a:t>2023/5/31</a:t>
             </a:fld>
             <a:endParaRPr lang="zh-TW" altLang="en-US"/>
           </a:p>
@@ -844,7 +846,7 @@
             <a:fld id="{E7E67EC7-B2B3-4B5A-99A9-D8678F51F06A}" type="datetimeFigureOut">
               <a:rPr lang="zh-TW" altLang="en-US" smtClean="0"/>
               <a:pPr/>
-              <a:t>2023/5/27</a:t>
+              <a:t>2023/5/31</a:t>
             </a:fld>
             <a:endParaRPr lang="zh-TW" altLang="en-US"/>
           </a:p>
@@ -1054,7 +1056,7 @@
             <a:fld id="{E7E67EC7-B2B3-4B5A-99A9-D8678F51F06A}" type="datetimeFigureOut">
               <a:rPr lang="zh-TW" altLang="en-US" smtClean="0"/>
               <a:pPr/>
-              <a:t>2023/5/27</a:t>
+              <a:t>2023/5/31</a:t>
             </a:fld>
             <a:endParaRPr lang="zh-TW" altLang="en-US"/>
           </a:p>
@@ -1254,7 +1256,7 @@
             <a:fld id="{E7E67EC7-B2B3-4B5A-99A9-D8678F51F06A}" type="datetimeFigureOut">
               <a:rPr lang="zh-TW" altLang="en-US" smtClean="0"/>
               <a:pPr/>
-              <a:t>2023/5/27</a:t>
+              <a:t>2023/5/31</a:t>
             </a:fld>
             <a:endParaRPr lang="zh-TW" altLang="en-US"/>
           </a:p>
@@ -1531,7 +1533,7 @@
             <a:fld id="{E7E67EC7-B2B3-4B5A-99A9-D8678F51F06A}" type="datetimeFigureOut">
               <a:rPr lang="zh-TW" altLang="en-US" smtClean="0"/>
               <a:pPr/>
-              <a:t>2023/5/27</a:t>
+              <a:t>2023/5/31</a:t>
             </a:fld>
             <a:endParaRPr lang="zh-TW" altLang="en-US"/>
           </a:p>
@@ -1798,7 +1800,7 @@
             <a:fld id="{E7E67EC7-B2B3-4B5A-99A9-D8678F51F06A}" type="datetimeFigureOut">
               <a:rPr lang="zh-TW" altLang="en-US" smtClean="0"/>
               <a:pPr/>
-              <a:t>2023/5/27</a:t>
+              <a:t>2023/5/31</a:t>
             </a:fld>
             <a:endParaRPr lang="zh-TW" altLang="en-US"/>
           </a:p>
@@ -2212,7 +2214,7 @@
             <a:fld id="{E7E67EC7-B2B3-4B5A-99A9-D8678F51F06A}" type="datetimeFigureOut">
               <a:rPr lang="zh-TW" altLang="en-US" smtClean="0"/>
               <a:pPr/>
-              <a:t>2023/5/27</a:t>
+              <a:t>2023/5/31</a:t>
             </a:fld>
             <a:endParaRPr lang="zh-TW" altLang="en-US"/>
           </a:p>
@@ -2355,7 +2357,7 @@
             <a:fld id="{E7E67EC7-B2B3-4B5A-99A9-D8678F51F06A}" type="datetimeFigureOut">
               <a:rPr lang="zh-TW" altLang="en-US" smtClean="0"/>
               <a:pPr/>
-              <a:t>2023/5/27</a:t>
+              <a:t>2023/5/31</a:t>
             </a:fld>
             <a:endParaRPr lang="zh-TW" altLang="en-US"/>
           </a:p>
@@ -2470,7 +2472,7 @@
             <a:fld id="{E7E67EC7-B2B3-4B5A-99A9-D8678F51F06A}" type="datetimeFigureOut">
               <a:rPr lang="zh-TW" altLang="en-US" smtClean="0"/>
               <a:pPr/>
-              <a:t>2023/5/27</a:t>
+              <a:t>2023/5/31</a:t>
             </a:fld>
             <a:endParaRPr lang="zh-TW" altLang="en-US"/>
           </a:p>
@@ -2783,7 +2785,7 @@
             <a:fld id="{E7E67EC7-B2B3-4B5A-99A9-D8678F51F06A}" type="datetimeFigureOut">
               <a:rPr lang="zh-TW" altLang="en-US" smtClean="0"/>
               <a:pPr/>
-              <a:t>2023/5/27</a:t>
+              <a:t>2023/5/31</a:t>
             </a:fld>
             <a:endParaRPr lang="zh-TW" altLang="en-US"/>
           </a:p>
@@ -3073,7 +3075,7 @@
             <a:fld id="{E7E67EC7-B2B3-4B5A-99A9-D8678F51F06A}" type="datetimeFigureOut">
               <a:rPr lang="zh-TW" altLang="en-US" smtClean="0"/>
               <a:pPr/>
-              <a:t>2023/5/27</a:t>
+              <a:t>2023/5/31</a:t>
             </a:fld>
             <a:endParaRPr lang="zh-TW" altLang="en-US"/>
           </a:p>
@@ -3316,7 +3318,7 @@
             <a:fld id="{E7E67EC7-B2B3-4B5A-99A9-D8678F51F06A}" type="datetimeFigureOut">
               <a:rPr lang="zh-TW" altLang="en-US" smtClean="0"/>
               <a:pPr/>
-              <a:t>2023/5/27</a:t>
+              <a:t>2023/5/31</a:t>
             </a:fld>
             <a:endParaRPr lang="zh-TW" altLang="en-US"/>
           </a:p>
@@ -4220,7 +4222,19 @@
               <a:rPr lang="en-US" altLang="zh-TW" dirty="0" smtClean="0">
                 <a:latin typeface="Consolas" pitchFamily="49" charset="0"/>
               </a:rPr>
-              <a:t>SVDD</a:t>
+              <a:t>Naïve </a:t>
+            </a:r>
+            <a:r>
+              <a:rPr lang="en-US" altLang="zh-TW" dirty="0" err="1" smtClean="0">
+                <a:latin typeface="Consolas" pitchFamily="49" charset="0"/>
+              </a:rPr>
+              <a:t>Bayes</a:t>
+            </a:r>
+            <a:r>
+              <a:rPr lang="en-US" altLang="zh-TW" dirty="0" smtClean="0">
+                <a:latin typeface="Consolas" pitchFamily="49" charset="0"/>
+              </a:rPr>
+              <a:t> classifier</a:t>
             </a:r>
             <a:endParaRPr lang="zh-TW" altLang="en-US" dirty="0">
               <a:latin typeface="Consolas" pitchFamily="49" charset="0"/>
@@ -4228,79 +4242,49 @@
           </a:p>
         </p:txBody>
       </p:sp>
-      <p:sp>
-        <p:nvSpPr>
-          <p:cNvPr id="3" name="內容版面配置區 2">
+      <p:pic>
+        <p:nvPicPr>
+          <p:cNvPr id="6" name="圖片 5" descr="一張含有 設計 的圖片&#10;&#10;描述是以低可信度自動產生">
             <a:extLst>
               <a:ext uri="{FF2B5EF4-FFF2-40B4-BE49-F238E27FC236}">
-                <a16:creationId xmlns:a16="http://schemas.microsoft.com/office/drawing/2014/main" xmlns="" id="{6E388533-5448-0A67-48CA-668EC0362C5B}"/>
+                <a16:creationId xmlns="" xmlns:a16="http://schemas.microsoft.com/office/drawing/2014/main" id="{7723406A-A76D-8A6B-FDD2-046BE714743B}"/>
               </a:ext>
             </a:extLst>
           </p:cNvPr>
-          <p:cNvSpPr>
-            <a:spLocks noGrp="1"/>
-          </p:cNvSpPr>
-          <p:nvPr>
-            <p:ph idx="1"/>
-          </p:nvPr>
-        </p:nvSpPr>
-        <p:spPr/>
-        <p:txBody>
-          <a:bodyPr anchor="t">
-            <a:normAutofit/>
-          </a:bodyPr>
-          <a:lstStyle/>
-          <a:p>
-            <a:pPr marL="0" indent="0">
-              <a:buNone/>
-            </a:pPr>
-            <a:r>
-              <a:rPr lang="zh-TW" altLang="en-US" sz="3200" dirty="0"/>
-              <a:t>在對資料集進行前處理之後，這裡使用</a:t>
-            </a:r>
-            <a:r>
-              <a:rPr lang="en-US" altLang="zh-TW" sz="3200" dirty="0"/>
-              <a:t>SVDD(Support Vector Data Description)</a:t>
-            </a:r>
-            <a:r>
-              <a:rPr lang="zh-TW" altLang="en-US" sz="3200" dirty="0"/>
-              <a:t>來將資料做「知道」和「不知道」的分類，由於訓練資料集和測試資料集的類別數不同，因此需要將「要分群」的資料從「要分類」的資料區分出來。而</a:t>
-            </a:r>
-            <a:r>
-              <a:rPr lang="en-US" altLang="zh-TW" sz="3200" dirty="0"/>
-              <a:t>SVDD</a:t>
-            </a:r>
-            <a:r>
-              <a:rPr lang="zh-TW" altLang="en-US" sz="3200" dirty="0"/>
-              <a:t>是</a:t>
-            </a:r>
-            <a:r>
-              <a:rPr lang="en-US" altLang="zh-TW" sz="3200" dirty="0"/>
-              <a:t>one-class classification</a:t>
-            </a:r>
-            <a:r>
-              <a:rPr lang="zh-TW" altLang="en-US" sz="3200" dirty="0"/>
-              <a:t>，代表訓練集只需要</a:t>
-            </a:r>
-            <a:r>
-              <a:rPr lang="en-US" altLang="zh-TW" sz="3200" dirty="0"/>
-              <a:t>1</a:t>
-            </a:r>
-            <a:r>
-              <a:rPr lang="zh-TW" altLang="en-US" sz="3200" dirty="0"/>
-              <a:t>個</a:t>
-            </a:r>
-            <a:r>
-              <a:rPr lang="en-US" altLang="zh-TW" sz="3200" dirty="0"/>
-              <a:t>class</a:t>
-            </a:r>
-            <a:r>
-              <a:rPr lang="zh-TW" altLang="en-US" sz="3200" dirty="0"/>
-              <a:t>的資料，符合此階段的需求。</a:t>
-            </a:r>
-          </a:p>
-        </p:txBody>
-      </p:sp>
+          <p:cNvPicPr>
+            <a:picLocks noChangeAspect="1"/>
+          </p:cNvPicPr>
+          <p:nvPr/>
+        </p:nvPicPr>
+        <p:blipFill>
+          <a:blip r:embed="rId2" cstate="print">
+            <a:extLst>
+              <a:ext uri="{28A0092B-C50C-407E-A947-70E740481C1C}">
+                <a14:useLocalDpi xmlns:a14="http://schemas.microsoft.com/office/drawing/2010/main" xmlns="" val="0"/>
+              </a:ext>
+            </a:extLst>
+          </a:blip>
+          <a:stretch>
+            <a:fillRect/>
+          </a:stretch>
+        </p:blipFill>
+        <p:spPr>
+          <a:xfrm>
+            <a:off x="861874" y="1997720"/>
+            <a:ext cx="10491926" cy="4219123"/>
+          </a:xfrm>
+          <a:prstGeom prst="rect">
+            <a:avLst/>
+          </a:prstGeom>
+          <a:effectLst>
+            <a:outerShdw blurRad="50800" dist="38100" dir="5400000" algn="t" rotWithShape="0">
+              <a:prstClr val="black">
+                <a:alpha val="40000"/>
+              </a:prstClr>
+            </a:outerShdw>
+          </a:effectLst>
+        </p:spPr>
+      </p:pic>
     </p:spTree>
     <p:extLst>
       <p:ext uri="{BB962C8B-B14F-4D97-AF65-F5344CB8AC3E}">
@@ -4358,6 +4342,30 @@
               </a:rPr>
               <a:t>SVDD</a:t>
             </a:r>
+            <a:r>
+              <a:rPr lang="zh-TW" altLang="en-US" dirty="0" smtClean="0">
+                <a:latin typeface="Consolas" pitchFamily="49" charset="0"/>
+              </a:rPr>
+              <a:t> </a:t>
+            </a:r>
+            <a:r>
+              <a:rPr lang="en-US" altLang="zh-TW" dirty="0" smtClean="0">
+                <a:latin typeface="Consolas" pitchFamily="49" charset="0"/>
+              </a:rPr>
+              <a:t>+</a:t>
+            </a:r>
+            <a:r>
+              <a:rPr lang="zh-TW" altLang="en-US" dirty="0" smtClean="0">
+                <a:latin typeface="Consolas" pitchFamily="49" charset="0"/>
+              </a:rPr>
+              <a:t> </a:t>
+            </a:r>
+            <a:r>
+              <a:rPr lang="en-US" altLang="zh-TW" dirty="0" smtClean="0">
+                <a:latin typeface="Consolas" pitchFamily="49" charset="0"/>
+              </a:rPr>
+              <a:t>NN</a:t>
+            </a:r>
             <a:endParaRPr lang="zh-TW" altLang="en-US" dirty="0">
               <a:latin typeface="Consolas" pitchFamily="49" charset="0"/>
             </a:endParaRPr>
@@ -4366,13 +4374,7 @@
       </p:sp>
       <p:sp>
         <p:nvSpPr>
-          <p:cNvPr id="3" name="內容版面配置區 2">
-            <a:extLst>
-              <a:ext uri="{FF2B5EF4-FFF2-40B4-BE49-F238E27FC236}">
-                <a16:creationId xmlns:a16="http://schemas.microsoft.com/office/drawing/2014/main" xmlns="" id="{6E388533-5448-0A67-48CA-668EC0362C5B}"/>
-              </a:ext>
-            </a:extLst>
-          </p:cNvPr>
+          <p:cNvPr id="5" name="內容版面配置區 2"/>
           <p:cNvSpPr>
             <a:spLocks noGrp="1"/>
           </p:cNvSpPr>
@@ -4380,77 +4382,40 @@
             <p:ph idx="1"/>
           </p:nvPr>
         </p:nvSpPr>
-        <p:spPr/>
+        <p:spPr>
+          <a:xfrm>
+            <a:off x="838200" y="1825625"/>
+            <a:ext cx="10515600" cy="4351338"/>
+          </a:xfrm>
+        </p:spPr>
         <p:txBody>
-          <a:bodyPr anchor="t">
-            <a:normAutofit/>
-          </a:bodyPr>
+          <a:bodyPr/>
           <a:lstStyle/>
           <a:p>
-            <a:pPr marL="0" indent="0">
-              <a:buNone/>
-            </a:pPr>
-            <a:r>
-              <a:rPr lang="en-US" altLang="zh-TW" sz="3200" dirty="0"/>
-              <a:t>SVDD</a:t>
-            </a:r>
-            <a:r>
-              <a:rPr lang="zh-TW" altLang="en-US" sz="3200" dirty="0"/>
-              <a:t>的目標是使訓練集的資料靠近其定義的超球體的圓心，因此其</a:t>
-            </a:r>
-            <a:r>
-              <a:rPr lang="en-US" altLang="zh-TW" sz="3200" dirty="0"/>
-              <a:t>loss function</a:t>
-            </a:r>
-            <a:r>
-              <a:rPr lang="zh-TW" altLang="en-US" sz="3200" dirty="0"/>
-              <a:t>是計算每個點到圓心的距離。在訓練完</a:t>
-            </a:r>
-            <a:r>
-              <a:rPr lang="en-US" altLang="zh-TW" sz="3200" dirty="0"/>
-              <a:t>SVDD</a:t>
-            </a:r>
-            <a:r>
-              <a:rPr lang="zh-TW" altLang="en-US" sz="3200" dirty="0"/>
-              <a:t>之後，能得到超球體的半徑，只要在超球體內，就將其分類為「知道」，後續做分類；在超球體外，就將其分類為「不知道」，後續做分群。</a:t>
-            </a:r>
+            <a:r>
+              <a:rPr lang="en-US" altLang="zh-TW" dirty="0" smtClean="0">
+                <a:latin typeface="Consolas" pitchFamily="49" charset="0"/>
+              </a:rPr>
+              <a:t>Use SVDD to separate unknown types and known types first.</a:t>
+            </a:r>
+          </a:p>
+          <a:p>
+            <a:r>
+              <a:rPr lang="en-US" altLang="zh-TW" dirty="0" smtClean="0">
+                <a:latin typeface="Consolas" pitchFamily="49" charset="0"/>
+              </a:rPr>
+              <a:t>Then apply pre-trained neural network to classify known types.</a:t>
+            </a:r>
+            <a:endParaRPr lang="zh-TW" altLang="en-US" dirty="0">
+              <a:latin typeface="Consolas" pitchFamily="49" charset="0"/>
+            </a:endParaRPr>
           </a:p>
         </p:txBody>
       </p:sp>
-      <p:pic>
-        <p:nvPicPr>
-          <p:cNvPr id="4" name="圖片 3" descr="一張含有 圖表, 圓形, 行, 字型 的圖片&#10;&#10;自動產生的描述">
-            <a:extLst>
-              <a:ext uri="{FF2B5EF4-FFF2-40B4-BE49-F238E27FC236}">
-                <a16:creationId xmlns:a16="http://schemas.microsoft.com/office/drawing/2014/main" xmlns="" id="{217F03D2-C181-F0F9-9C70-5BCF4302A9D1}"/>
-              </a:ext>
-            </a:extLst>
-          </p:cNvPr>
-          <p:cNvPicPr>
-            <a:picLocks noChangeAspect="1"/>
-          </p:cNvPicPr>
-          <p:nvPr/>
-        </p:nvPicPr>
-        <p:blipFill>
-          <a:blip r:embed="rId2" cstate="print"/>
-          <a:stretch>
-            <a:fillRect/>
-          </a:stretch>
-        </p:blipFill>
-        <p:spPr>
-          <a:xfrm>
-            <a:off x="7791060" y="4023307"/>
-            <a:ext cx="2410823" cy="2524422"/>
-          </a:xfrm>
-          <a:prstGeom prst="rect">
-            <a:avLst/>
-          </a:prstGeom>
-        </p:spPr>
-      </p:pic>
     </p:spTree>
     <p:extLst>
       <p:ext uri="{BB962C8B-B14F-4D97-AF65-F5344CB8AC3E}">
-        <p14:creationId xmlns:p14="http://schemas.microsoft.com/office/powerpoint/2010/main" xmlns="" val="4165772210"/>
+        <p14:creationId xmlns:p14="http://schemas.microsoft.com/office/powerpoint/2010/main" xmlns="" val="2053074938"/>
       </p:ext>
     </p:extLst>
   </p:cSld>
@@ -4502,7 +4467,7 @@
               <a:rPr lang="en-US" altLang="zh-TW" dirty="0" smtClean="0">
                 <a:latin typeface="Consolas" pitchFamily="49" charset="0"/>
               </a:rPr>
-              <a:t>NN</a:t>
+              <a:t>SVDD</a:t>
             </a:r>
             <a:endParaRPr lang="zh-TW" altLang="en-US" dirty="0">
               <a:latin typeface="Consolas" pitchFamily="49" charset="0"/>
@@ -4510,59 +4475,40 @@
           </a:p>
         </p:txBody>
       </p:sp>
-      <p:sp>
-        <p:nvSpPr>
-          <p:cNvPr id="3" name="內容版面配置區 2">
+      <p:pic>
+        <p:nvPicPr>
+          <p:cNvPr id="4" name="圖片 3" descr="一張含有 圖表, 圓形, 行, 字型 的圖片&#10;&#10;自動產生的描述">
             <a:extLst>
               <a:ext uri="{FF2B5EF4-FFF2-40B4-BE49-F238E27FC236}">
-                <a16:creationId xmlns:a16="http://schemas.microsoft.com/office/drawing/2014/main" xmlns="" id="{6E388533-5448-0A67-48CA-668EC0362C5B}"/>
+                <a16:creationId xmlns:a16="http://schemas.microsoft.com/office/drawing/2014/main" xmlns="" id="{217F03D2-C181-F0F9-9C70-5BCF4302A9D1}"/>
               </a:ext>
             </a:extLst>
           </p:cNvPr>
-          <p:cNvSpPr>
-            <a:spLocks noGrp="1"/>
-          </p:cNvSpPr>
-          <p:nvPr>
-            <p:ph idx="1"/>
-          </p:nvPr>
-        </p:nvSpPr>
-        <p:spPr/>
-        <p:txBody>
-          <a:bodyPr anchor="t">
-            <a:normAutofit/>
-          </a:bodyPr>
-          <a:lstStyle/>
-          <a:p>
-            <a:pPr marL="0" indent="0">
-              <a:buNone/>
-            </a:pPr>
-            <a:r>
-              <a:rPr lang="zh-TW" altLang="en-US" sz="3200" dirty="0"/>
-              <a:t>在得到了知道的資料之後，使用類神經網路來分類資料。這裡使用深度為</a:t>
-            </a:r>
-            <a:r>
-              <a:rPr lang="en-US" altLang="zh-TW" sz="3200" dirty="0"/>
-              <a:t>24</a:t>
-            </a:r>
-            <a:r>
-              <a:rPr lang="zh-TW" altLang="en-US" sz="3200" dirty="0"/>
-              <a:t>層的神經網路，最後準確度可以在基因資料集達到</a:t>
-            </a:r>
-            <a:r>
-              <a:rPr lang="en-US" altLang="zh-TW" sz="3200" dirty="0"/>
-              <a:t>100%</a:t>
-            </a:r>
-            <a:r>
-              <a:rPr lang="zh-TW" altLang="en-US" sz="3200" dirty="0"/>
-              <a:t>。</a:t>
-            </a:r>
-          </a:p>
-        </p:txBody>
-      </p:sp>
+          <p:cNvPicPr>
+            <a:picLocks noChangeAspect="1"/>
+          </p:cNvPicPr>
+          <p:nvPr/>
+        </p:nvPicPr>
+        <p:blipFill>
+          <a:blip r:embed="rId2" cstate="print"/>
+          <a:stretch>
+            <a:fillRect/>
+          </a:stretch>
+        </p:blipFill>
+        <p:spPr>
+          <a:xfrm>
+            <a:off x="3750907" y="1560025"/>
+            <a:ext cx="4422710" cy="4631110"/>
+          </a:xfrm>
+          <a:prstGeom prst="rect">
+            <a:avLst/>
+          </a:prstGeom>
+        </p:spPr>
+      </p:pic>
     </p:spTree>
     <p:extLst>
       <p:ext uri="{BB962C8B-B14F-4D97-AF65-F5344CB8AC3E}">
-        <p14:creationId xmlns:p14="http://schemas.microsoft.com/office/powerpoint/2010/main" xmlns="" val="2211636549"/>
+        <p14:creationId xmlns:p14="http://schemas.microsoft.com/office/powerpoint/2010/main" xmlns="" val="4165772210"/>
       </p:ext>
     </p:extLst>
   </p:cSld>
@@ -4788,184 +4734,40 @@
           </a:p>
         </p:txBody>
       </p:sp>
-      <p:sp>
-        <p:nvSpPr>
-          <p:cNvPr id="3" name="內容版面配置區 2">
+      <p:pic>
+        <p:nvPicPr>
+          <p:cNvPr id="5" name="圖片 4" descr="一張含有 圓形, 圖畫, 美工圖案, 圖解 的圖片&#10;&#10;自動產生的描述">
             <a:extLst>
               <a:ext uri="{FF2B5EF4-FFF2-40B4-BE49-F238E27FC236}">
-                <a16:creationId xmlns:a16="http://schemas.microsoft.com/office/drawing/2014/main" xmlns="" id="{6E388533-5448-0A67-48CA-668EC0362C5B}"/>
+                <a16:creationId xmlns:a16="http://schemas.microsoft.com/office/drawing/2014/main" xmlns="" id="{D589D8A7-6511-E7DB-1F5C-0BFF88C2CFAC}"/>
               </a:ext>
             </a:extLst>
           </p:cNvPr>
-          <p:cNvSpPr>
-            <a:spLocks noGrp="1"/>
-          </p:cNvSpPr>
-          <p:nvPr>
-            <p:ph idx="1"/>
-          </p:nvPr>
-        </p:nvSpPr>
+          <p:cNvPicPr>
+            <a:picLocks noChangeAspect="1"/>
+          </p:cNvPicPr>
+          <p:nvPr/>
+        </p:nvPicPr>
+        <p:blipFill>
+          <a:blip r:embed="rId2" cstate="print"/>
+          <a:stretch>
+            <a:fillRect/>
+          </a:stretch>
+        </p:blipFill>
         <p:spPr>
           <a:xfrm>
-            <a:off x="581192" y="2180496"/>
-            <a:ext cx="11029615" cy="4567776"/>
+            <a:off x="3320407" y="1801002"/>
+            <a:ext cx="4965177" cy="3939040"/>
           </a:xfrm>
+          <a:prstGeom prst="rect">
+            <a:avLst/>
+          </a:prstGeom>
         </p:spPr>
-        <p:txBody>
-          <a:bodyPr anchor="t">
-            <a:normAutofit/>
-          </a:bodyPr>
-          <a:lstStyle/>
-          <a:p>
-            <a:pPr marL="0" indent="0">
-              <a:buNone/>
-            </a:pPr>
-            <a:r>
-              <a:rPr lang="zh-TW" altLang="en-US" sz="3200" dirty="0"/>
-              <a:t>在分群部分，這裡使用</a:t>
-            </a:r>
-            <a:r>
-              <a:rPr lang="en-US" altLang="zh-TW" sz="3200" dirty="0"/>
-              <a:t>Nearest neighbor chain</a:t>
-            </a:r>
-            <a:r>
-              <a:rPr lang="zh-TW" altLang="en-US" sz="3200" dirty="0"/>
-              <a:t>。</a:t>
-            </a:r>
-            <a:endParaRPr lang="en-US" altLang="zh-TW" sz="3200" dirty="0"/>
-          </a:p>
-          <a:p>
-            <a:pPr marL="0" indent="0">
-              <a:buNone/>
-            </a:pPr>
-            <a:r>
-              <a:rPr lang="zh-TW" altLang="en-US" sz="3200" dirty="0"/>
-              <a:t>演算法如下：</a:t>
-            </a:r>
-            <a:endParaRPr lang="en-US" altLang="zh-TW" sz="3200" dirty="0"/>
-          </a:p>
-          <a:p>
-            <a:pPr marL="0" indent="0">
-              <a:buNone/>
-            </a:pPr>
-            <a:r>
-              <a:rPr lang="en-US" altLang="zh-TW" sz="3200" dirty="0"/>
-              <a:t>1.</a:t>
-            </a:r>
-            <a:r>
-              <a:rPr lang="zh-TW" altLang="en-US" sz="3200" dirty="0"/>
-              <a:t>隨機挑一個點推入</a:t>
-            </a:r>
-            <a:r>
-              <a:rPr lang="en-US" altLang="zh-TW" sz="3200" dirty="0"/>
-              <a:t>stack</a:t>
-            </a:r>
-          </a:p>
-          <a:p>
-            <a:pPr marL="0" indent="0">
-              <a:buNone/>
-            </a:pPr>
-            <a:r>
-              <a:rPr lang="en-US" altLang="zh-TW" sz="3200" dirty="0"/>
-              <a:t>2.</a:t>
-            </a:r>
-            <a:r>
-              <a:rPr lang="zh-TW" altLang="en-US" sz="3200" dirty="0"/>
-              <a:t>挑離</a:t>
-            </a:r>
-            <a:r>
-              <a:rPr lang="en-US" altLang="zh-TW" sz="3200" dirty="0"/>
-              <a:t>stack</a:t>
-            </a:r>
-            <a:r>
-              <a:rPr lang="zh-TW" altLang="en-US" sz="3200" dirty="0"/>
-              <a:t>頂端的點最近的點，並推入</a:t>
-            </a:r>
-            <a:r>
-              <a:rPr lang="en-US" altLang="zh-TW" sz="3200" dirty="0"/>
-              <a:t>stack</a:t>
-            </a:r>
-          </a:p>
-          <a:p>
-            <a:pPr marL="0" indent="0">
-              <a:buNone/>
-            </a:pPr>
-            <a:r>
-              <a:rPr lang="en-US" altLang="zh-TW" sz="3200" dirty="0"/>
-              <a:t>3.</a:t>
-            </a:r>
-            <a:r>
-              <a:rPr lang="zh-TW" altLang="en-US" sz="3200" dirty="0"/>
-              <a:t>挑離</a:t>
-            </a:r>
-            <a:r>
-              <a:rPr lang="en-US" altLang="zh-TW" sz="3200" dirty="0"/>
-              <a:t>stack</a:t>
-            </a:r>
-            <a:r>
-              <a:rPr lang="zh-TW" altLang="en-US" sz="3200" dirty="0"/>
-              <a:t>頂端的點最近的點，如果點在</a:t>
-            </a:r>
-            <a:r>
-              <a:rPr lang="en-US" altLang="zh-TW" sz="3200" dirty="0"/>
-              <a:t>stack</a:t>
-            </a:r>
-            <a:r>
-              <a:rPr lang="zh-TW" altLang="en-US" sz="3200" dirty="0"/>
-              <a:t>內，將頂點和該點從</a:t>
-            </a:r>
-            <a:r>
-              <a:rPr lang="en-US" altLang="zh-TW" sz="3200" dirty="0"/>
-              <a:t>stack</a:t>
-            </a:r>
-            <a:r>
-              <a:rPr lang="zh-TW" altLang="en-US" sz="3200" dirty="0"/>
-              <a:t>中挑出並</a:t>
-            </a:r>
-            <a:r>
-              <a:rPr lang="en-US" altLang="zh-TW" sz="3200" dirty="0"/>
-              <a:t>Merge</a:t>
-            </a:r>
-            <a:r>
-              <a:rPr lang="zh-TW" altLang="en-US" sz="3200" dirty="0"/>
-              <a:t>。</a:t>
-            </a:r>
-            <a:endParaRPr lang="en-US" altLang="zh-TW" sz="3200" dirty="0"/>
-          </a:p>
-          <a:p>
-            <a:pPr marL="0" indent="0">
-              <a:buNone/>
-            </a:pPr>
-            <a:r>
-              <a:rPr lang="en-US" altLang="zh-TW" sz="3200" dirty="0"/>
-              <a:t>4.</a:t>
-            </a:r>
-            <a:r>
-              <a:rPr lang="zh-TW" altLang="en-US" sz="3200" dirty="0"/>
-              <a:t>重復</a:t>
-            </a:r>
-            <a:r>
-              <a:rPr lang="en-US" altLang="zh-TW" sz="3200" dirty="0"/>
-              <a:t>1</a:t>
-            </a:r>
-            <a:r>
-              <a:rPr lang="zh-TW" altLang="en-US" sz="3200" dirty="0"/>
-              <a:t>到</a:t>
-            </a:r>
-            <a:r>
-              <a:rPr lang="en-US" altLang="zh-TW" sz="3200" dirty="0"/>
-              <a:t>3</a:t>
-            </a:r>
-            <a:r>
-              <a:rPr lang="zh-TW" altLang="en-US" sz="3200" dirty="0"/>
-              <a:t>，直到分群目標達到為止。</a:t>
-            </a:r>
-          </a:p>
-        </p:txBody>
-      </p:sp>
+      </p:pic>
     </p:spTree>
     <p:extLst>
       <p:ext uri="{BB962C8B-B14F-4D97-AF65-F5344CB8AC3E}">
-        <p14:creationId xmlns:p14="http://schemas.microsoft.com/office/powerpoint/2010/main" xmlns="" val="2915845439"/>
+        <p14:creationId xmlns:p14="http://schemas.microsoft.com/office/powerpoint/2010/main" xmlns="" val="649286207"/>
       </p:ext>
     </p:extLst>
   </p:cSld>
@@ -4994,13 +4796,7 @@
       </p:grpSpPr>
       <p:sp>
         <p:nvSpPr>
-          <p:cNvPr id="2" name="標題 1">
-            <a:extLst>
-              <a:ext uri="{FF2B5EF4-FFF2-40B4-BE49-F238E27FC236}">
-                <a16:creationId xmlns:a16="http://schemas.microsoft.com/office/drawing/2014/main" xmlns="" id="{B06715E6-4E1D-883E-2493-1E78C1C902A7}"/>
-              </a:ext>
-            </a:extLst>
-          </p:cNvPr>
+          <p:cNvPr id="2" name="標題 1"/>
           <p:cNvSpPr>
             <a:spLocks noGrp="1"/>
           </p:cNvSpPr>
@@ -5008,16 +4804,23 @@
             <p:ph type="title"/>
           </p:nvPr>
         </p:nvSpPr>
-        <p:spPr/>
+        <p:spPr>
+          <a:xfrm>
+            <a:off x="810208" y="579728"/>
+            <a:ext cx="10526486" cy="5737095"/>
+          </a:xfrm>
+        </p:spPr>
         <p:txBody>
-          <a:bodyPr/>
+          <a:bodyPr>
+            <a:normAutofit/>
+          </a:bodyPr>
           <a:lstStyle/>
           <a:p>
             <a:r>
               <a:rPr lang="en-US" altLang="zh-TW" dirty="0" smtClean="0">
                 <a:latin typeface="Consolas" pitchFamily="49" charset="0"/>
               </a:rPr>
-              <a:t>NN-chain</a:t>
+              <a:t>Within the framework of Main algorithm, we compare multiple combinations of those techniques.</a:t>
             </a:r>
             <a:endParaRPr lang="zh-TW" altLang="en-US" dirty="0">
               <a:latin typeface="Consolas" pitchFamily="49" charset="0"/>
@@ -5025,100 +4828,7 @@
           </a:p>
         </p:txBody>
       </p:sp>
-      <p:sp>
-        <p:nvSpPr>
-          <p:cNvPr id="3" name="內容版面配置區 2">
-            <a:extLst>
-              <a:ext uri="{FF2B5EF4-FFF2-40B4-BE49-F238E27FC236}">
-                <a16:creationId xmlns:a16="http://schemas.microsoft.com/office/drawing/2014/main" xmlns="" id="{6E388533-5448-0A67-48CA-668EC0362C5B}"/>
-              </a:ext>
-            </a:extLst>
-          </p:cNvPr>
-          <p:cNvSpPr>
-            <a:spLocks noGrp="1"/>
-          </p:cNvSpPr>
-          <p:nvPr>
-            <p:ph idx="1"/>
-          </p:nvPr>
-        </p:nvSpPr>
-        <p:spPr>
-          <a:xfrm>
-            <a:off x="581193" y="2180496"/>
-            <a:ext cx="6685240" cy="2044032"/>
-          </a:xfrm>
-        </p:spPr>
-        <p:txBody>
-          <a:bodyPr anchor="t">
-            <a:normAutofit/>
-          </a:bodyPr>
-          <a:lstStyle/>
-          <a:p>
-            <a:pPr marL="0" indent="0">
-              <a:buNone/>
-            </a:pPr>
-            <a:r>
-              <a:rPr lang="en-US" altLang="zh-TW" sz="3200" dirty="0"/>
-              <a:t>NN-Chain</a:t>
-            </a:r>
-            <a:r>
-              <a:rPr lang="zh-TW" altLang="en-US" sz="3200" dirty="0"/>
-              <a:t>是樹狀分群演算法的一種，如右圖，當兩點</a:t>
-            </a:r>
-            <a:r>
-              <a:rPr lang="en-US" altLang="zh-TW" sz="3200" dirty="0"/>
-              <a:t>merge</a:t>
-            </a:r>
-            <a:r>
-              <a:rPr lang="zh-TW" altLang="en-US" sz="3200" dirty="0"/>
-              <a:t>後，會再次變成圖中的一點，可繼續</a:t>
-            </a:r>
-            <a:r>
-              <a:rPr lang="en-US" altLang="zh-TW" sz="3200" dirty="0"/>
-              <a:t>merge</a:t>
-            </a:r>
-            <a:r>
-              <a:rPr lang="zh-TW" altLang="en-US" sz="3200" dirty="0"/>
-              <a:t>直至所有點被分類到同一群為止。</a:t>
-            </a:r>
-          </a:p>
-        </p:txBody>
-      </p:sp>
-      <p:pic>
-        <p:nvPicPr>
-          <p:cNvPr id="5" name="圖片 4" descr="一張含有 圓形, 圖畫, 美工圖案, 圖解 的圖片&#10;&#10;自動產生的描述">
-            <a:extLst>
-              <a:ext uri="{FF2B5EF4-FFF2-40B4-BE49-F238E27FC236}">
-                <a16:creationId xmlns:a16="http://schemas.microsoft.com/office/drawing/2014/main" xmlns="" id="{D589D8A7-6511-E7DB-1F5C-0BFF88C2CFAC}"/>
-              </a:ext>
-            </a:extLst>
-          </p:cNvPr>
-          <p:cNvPicPr>
-            <a:picLocks noChangeAspect="1"/>
-          </p:cNvPicPr>
-          <p:nvPr/>
-        </p:nvPicPr>
-        <p:blipFill>
-          <a:blip r:embed="rId2" cstate="print"/>
-          <a:stretch>
-            <a:fillRect/>
-          </a:stretch>
-        </p:blipFill>
-        <p:spPr>
-          <a:xfrm>
-            <a:off x="7416546" y="2295525"/>
-            <a:ext cx="3796790" cy="3012120"/>
-          </a:xfrm>
-          <a:prstGeom prst="rect">
-            <a:avLst/>
-          </a:prstGeom>
-        </p:spPr>
-      </p:pic>
     </p:spTree>
-    <p:extLst>
-      <p:ext uri="{BB962C8B-B14F-4D97-AF65-F5344CB8AC3E}">
-        <p14:creationId xmlns:p14="http://schemas.microsoft.com/office/powerpoint/2010/main" xmlns="" val="649286207"/>
-      </p:ext>
-    </p:extLst>
   </p:cSld>
   <p:clrMapOvr>
     <a:masterClrMapping/>
@@ -5240,13 +4950,7 @@
       </p:grpSpPr>
       <p:sp>
         <p:nvSpPr>
-          <p:cNvPr id="2" name="標題 1">
-            <a:extLst>
-              <a:ext uri="{FF2B5EF4-FFF2-40B4-BE49-F238E27FC236}">
-                <a16:creationId xmlns:a16="http://schemas.microsoft.com/office/drawing/2014/main" xmlns="" id="{B06715E6-4E1D-883E-2493-1E78C1C902A7}"/>
-              </a:ext>
-            </a:extLst>
-          </p:cNvPr>
+          <p:cNvPr id="2" name="標題 1"/>
           <p:cNvSpPr>
             <a:spLocks noGrp="1"/>
           </p:cNvSpPr>
@@ -5254,16 +4958,23 @@
             <p:ph type="title"/>
           </p:nvPr>
         </p:nvSpPr>
-        <p:spPr/>
+        <p:spPr>
+          <a:xfrm>
+            <a:off x="810208" y="579728"/>
+            <a:ext cx="10526486" cy="5737095"/>
+          </a:xfrm>
+        </p:spPr>
         <p:txBody>
-          <a:bodyPr/>
+          <a:bodyPr>
+            <a:normAutofit/>
+          </a:bodyPr>
           <a:lstStyle/>
           <a:p>
             <a:r>
               <a:rPr lang="en-US" altLang="zh-TW" dirty="0" smtClean="0">
                 <a:latin typeface="Consolas" pitchFamily="49" charset="0"/>
               </a:rPr>
-              <a:t>NN-chain</a:t>
+              <a:t>But there’s one more thing.</a:t>
             </a:r>
             <a:endParaRPr lang="zh-TW" altLang="en-US" dirty="0">
               <a:latin typeface="Consolas" pitchFamily="49" charset="0"/>
@@ -5271,345 +4982,7 @@
           </a:p>
         </p:txBody>
       </p:sp>
-      <p:pic>
-        <p:nvPicPr>
-          <p:cNvPr id="10" name="內容版面配置區 9" descr="一張含有 行, 圖表 的圖片&#10;&#10;自動產生的描述">
-            <a:extLst>
-              <a:ext uri="{FF2B5EF4-FFF2-40B4-BE49-F238E27FC236}">
-                <a16:creationId xmlns:a16="http://schemas.microsoft.com/office/drawing/2014/main" xmlns="" id="{64690121-6021-EE35-2DE2-CA669B87DE76}"/>
-              </a:ext>
-            </a:extLst>
-          </p:cNvPr>
-          <p:cNvPicPr>
-            <a:picLocks noGrp="1" noChangeAspect="1"/>
-          </p:cNvPicPr>
-          <p:nvPr>
-            <p:ph idx="1"/>
-          </p:nvPr>
-        </p:nvPicPr>
-        <p:blipFill>
-          <a:blip r:embed="rId2" cstate="print"/>
-          <a:stretch>
-            <a:fillRect/>
-          </a:stretch>
-        </p:blipFill>
-        <p:spPr>
-          <a:xfrm>
-            <a:off x="8558606" y="2326076"/>
-            <a:ext cx="2857500" cy="2962275"/>
-          </a:xfrm>
-        </p:spPr>
-      </p:pic>
-      <p:sp>
-        <p:nvSpPr>
-          <p:cNvPr id="11" name="內容版面配置區 2">
-            <a:extLst>
-              <a:ext uri="{FF2B5EF4-FFF2-40B4-BE49-F238E27FC236}">
-                <a16:creationId xmlns:a16="http://schemas.microsoft.com/office/drawing/2014/main" xmlns="" id="{704B3561-2025-88A8-DAAF-5EFF133403CA}"/>
-              </a:ext>
-            </a:extLst>
-          </p:cNvPr>
-          <p:cNvSpPr txBox="1">
-            <a:spLocks/>
-          </p:cNvSpPr>
-          <p:nvPr/>
-        </p:nvSpPr>
-        <p:spPr>
-          <a:xfrm>
-            <a:off x="581193" y="2180495"/>
-            <a:ext cx="6685240" cy="3876545"/>
-          </a:xfrm>
-          <a:prstGeom prst="rect">
-            <a:avLst/>
-          </a:prstGeom>
-        </p:spPr>
-        <p:txBody>
-          <a:bodyPr vert="horz" lIns="91440" tIns="45720" rIns="91440" bIns="45720" rtlCol="0" anchor="t">
-            <a:normAutofit/>
-          </a:bodyPr>
-          <a:lstStyle>
-            <a:lvl1pPr marL="306000" indent="-306000" algn="l" defTabSz="457200" rtl="0" eaLnBrk="1" latinLnBrk="0" hangingPunct="1">
-              <a:spcBef>
-                <a:spcPct val="20000"/>
-              </a:spcBef>
-              <a:spcAft>
-                <a:spcPts val="600"/>
-              </a:spcAft>
-              <a:buClr>
-                <a:schemeClr val="accent2"/>
-              </a:buClr>
-              <a:buSzPct val="92000"/>
-              <a:buFont typeface="Wingdings 2" panose="05020102010507070707" pitchFamily="18" charset="2"/>
-              <a:buChar char=""/>
-              <a:defRPr sz="1800" kern="1200">
-                <a:solidFill>
-                  <a:schemeClr val="tx2"/>
-                </a:solidFill>
-                <a:latin typeface="Microsoft JhengHei UI" panose="020B0604030504040204" pitchFamily="34" charset="-120"/>
-                <a:ea typeface="Microsoft JhengHei UI" panose="020B0604030504040204" pitchFamily="34" charset="-120"/>
-                <a:cs typeface="+mn-cs"/>
-              </a:defRPr>
-            </a:lvl1pPr>
-            <a:lvl2pPr marL="630000" indent="-306000" algn="l" defTabSz="457200" rtl="0" eaLnBrk="1" latinLnBrk="0" hangingPunct="1">
-              <a:spcBef>
-                <a:spcPct val="20000"/>
-              </a:spcBef>
-              <a:spcAft>
-                <a:spcPts val="600"/>
-              </a:spcAft>
-              <a:buClr>
-                <a:schemeClr val="accent2"/>
-              </a:buClr>
-              <a:buSzPct val="92000"/>
-              <a:buFont typeface="Wingdings 2" panose="05020102010507070707" pitchFamily="18" charset="2"/>
-              <a:buChar char=""/>
-              <a:defRPr sz="1600" kern="1200">
-                <a:solidFill>
-                  <a:schemeClr val="tx2"/>
-                </a:solidFill>
-                <a:latin typeface="Microsoft JhengHei UI" panose="020B0604030504040204" pitchFamily="34" charset="-120"/>
-                <a:ea typeface="Microsoft JhengHei UI" panose="020B0604030504040204" pitchFamily="34" charset="-120"/>
-                <a:cs typeface="+mn-cs"/>
-              </a:defRPr>
-            </a:lvl2pPr>
-            <a:lvl3pPr marL="900000" indent="-270000" algn="l" defTabSz="457200" rtl="0" eaLnBrk="1" latinLnBrk="0" hangingPunct="1">
-              <a:spcBef>
-                <a:spcPct val="20000"/>
-              </a:spcBef>
-              <a:spcAft>
-                <a:spcPts val="600"/>
-              </a:spcAft>
-              <a:buClr>
-                <a:schemeClr val="accent2"/>
-              </a:buClr>
-              <a:buSzPct val="92000"/>
-              <a:buFont typeface="Wingdings 2" panose="05020102010507070707" pitchFamily="18" charset="2"/>
-              <a:buChar char=""/>
-              <a:defRPr sz="1400" kern="1200">
-                <a:solidFill>
-                  <a:schemeClr val="tx2"/>
-                </a:solidFill>
-                <a:latin typeface="Microsoft JhengHei UI" panose="020B0604030504040204" pitchFamily="34" charset="-120"/>
-                <a:ea typeface="Microsoft JhengHei UI" panose="020B0604030504040204" pitchFamily="34" charset="-120"/>
-                <a:cs typeface="+mn-cs"/>
-              </a:defRPr>
-            </a:lvl3pPr>
-            <a:lvl4pPr marL="1242000" indent="-234000" algn="l" defTabSz="457200" rtl="0" eaLnBrk="1" latinLnBrk="0" hangingPunct="1">
-              <a:spcBef>
-                <a:spcPct val="20000"/>
-              </a:spcBef>
-              <a:spcAft>
-                <a:spcPts val="600"/>
-              </a:spcAft>
-              <a:buClr>
-                <a:schemeClr val="accent2"/>
-              </a:buClr>
-              <a:buSzPct val="92000"/>
-              <a:buFont typeface="Wingdings 2" panose="05020102010507070707" pitchFamily="18" charset="2"/>
-              <a:buChar char=""/>
-              <a:defRPr sz="1200" kern="1200">
-                <a:solidFill>
-                  <a:schemeClr val="tx2"/>
-                </a:solidFill>
-                <a:latin typeface="Microsoft JhengHei UI" panose="020B0604030504040204" pitchFamily="34" charset="-120"/>
-                <a:ea typeface="Microsoft JhengHei UI" panose="020B0604030504040204" pitchFamily="34" charset="-120"/>
-                <a:cs typeface="+mn-cs"/>
-              </a:defRPr>
-            </a:lvl4pPr>
-            <a:lvl5pPr marL="1602000" indent="-234000" algn="l" defTabSz="457200" rtl="0" eaLnBrk="1" latinLnBrk="0" hangingPunct="1">
-              <a:spcBef>
-                <a:spcPct val="20000"/>
-              </a:spcBef>
-              <a:spcAft>
-                <a:spcPts val="600"/>
-              </a:spcAft>
-              <a:buClr>
-                <a:schemeClr val="accent2"/>
-              </a:buClr>
-              <a:buSzPct val="92000"/>
-              <a:buFont typeface="Wingdings 2" panose="05020102010507070707" pitchFamily="18" charset="2"/>
-              <a:buChar char=""/>
-              <a:defRPr sz="1200" kern="1200">
-                <a:solidFill>
-                  <a:schemeClr val="tx2"/>
-                </a:solidFill>
-                <a:latin typeface="Microsoft JhengHei UI" panose="020B0604030504040204" pitchFamily="34" charset="-120"/>
-                <a:ea typeface="Microsoft JhengHei UI" panose="020B0604030504040204" pitchFamily="34" charset="-120"/>
-                <a:cs typeface="+mn-cs"/>
-              </a:defRPr>
-            </a:lvl5pPr>
-            <a:lvl6pPr marL="1900000" indent="-228600" algn="l" defTabSz="457200" rtl="0" eaLnBrk="1" latinLnBrk="0" hangingPunct="1">
-              <a:spcBef>
-                <a:spcPct val="20000"/>
-              </a:spcBef>
-              <a:spcAft>
-                <a:spcPts val="600"/>
-              </a:spcAft>
-              <a:buClr>
-                <a:schemeClr val="accent2"/>
-              </a:buClr>
-              <a:buSzPct val="92000"/>
-              <a:buFont typeface="Wingdings 2" panose="05020102010507070707" pitchFamily="18" charset="2"/>
-              <a:buChar char=""/>
-              <a:defRPr sz="1200" kern="1200">
-                <a:solidFill>
-                  <a:schemeClr val="tx2"/>
-                </a:solidFill>
-                <a:latin typeface="+mn-lt"/>
-                <a:ea typeface="+mn-ea"/>
-                <a:cs typeface="+mn-cs"/>
-              </a:defRPr>
-            </a:lvl6pPr>
-            <a:lvl7pPr marL="2200000" indent="-228600" algn="l" defTabSz="457200" rtl="0" eaLnBrk="1" latinLnBrk="0" hangingPunct="1">
-              <a:spcBef>
-                <a:spcPct val="20000"/>
-              </a:spcBef>
-              <a:spcAft>
-                <a:spcPts val="600"/>
-              </a:spcAft>
-              <a:buClr>
-                <a:schemeClr val="accent2"/>
-              </a:buClr>
-              <a:buSzPct val="92000"/>
-              <a:buFont typeface="Wingdings 2" panose="05020102010507070707" pitchFamily="18" charset="2"/>
-              <a:buChar char=""/>
-              <a:defRPr sz="1200" kern="1200">
-                <a:solidFill>
-                  <a:schemeClr val="tx2"/>
-                </a:solidFill>
-                <a:latin typeface="+mn-lt"/>
-                <a:ea typeface="+mn-ea"/>
-                <a:cs typeface="+mn-cs"/>
-              </a:defRPr>
-            </a:lvl7pPr>
-            <a:lvl8pPr marL="2500000" indent="-228600" algn="l" defTabSz="457200" rtl="0" eaLnBrk="1" latinLnBrk="0" hangingPunct="1">
-              <a:spcBef>
-                <a:spcPct val="20000"/>
-              </a:spcBef>
-              <a:spcAft>
-                <a:spcPts val="600"/>
-              </a:spcAft>
-              <a:buClr>
-                <a:schemeClr val="accent2"/>
-              </a:buClr>
-              <a:buSzPct val="92000"/>
-              <a:buFont typeface="Wingdings 2" panose="05020102010507070707" pitchFamily="18" charset="2"/>
-              <a:buChar char=""/>
-              <a:defRPr sz="1200" kern="1200">
-                <a:solidFill>
-                  <a:schemeClr val="tx2"/>
-                </a:solidFill>
-                <a:latin typeface="+mn-lt"/>
-                <a:ea typeface="+mn-ea"/>
-                <a:cs typeface="+mn-cs"/>
-              </a:defRPr>
-            </a:lvl8pPr>
-            <a:lvl9pPr marL="2800000" indent="-228600" algn="l" defTabSz="457200" rtl="0" eaLnBrk="1" latinLnBrk="0" hangingPunct="1">
-              <a:spcBef>
-                <a:spcPct val="20000"/>
-              </a:spcBef>
-              <a:spcAft>
-                <a:spcPts val="600"/>
-              </a:spcAft>
-              <a:buClr>
-                <a:schemeClr val="accent2"/>
-              </a:buClr>
-              <a:buSzPct val="92000"/>
-              <a:buFont typeface="Wingdings 2" panose="05020102010507070707" pitchFamily="18" charset="2"/>
-              <a:buChar char=""/>
-              <a:defRPr sz="1200" kern="1200">
-                <a:solidFill>
-                  <a:schemeClr val="tx2"/>
-                </a:solidFill>
-                <a:latin typeface="+mn-lt"/>
-                <a:ea typeface="+mn-ea"/>
-                <a:cs typeface="+mn-cs"/>
-              </a:defRPr>
-            </a:lvl9pPr>
-          </a:lstStyle>
-          <a:p>
-            <a:pPr marL="0" indent="0">
-              <a:buFont typeface="Wingdings 2" panose="05020102010507070707" pitchFamily="18" charset="2"/>
-              <a:buNone/>
-            </a:pPr>
-            <a:r>
-              <a:rPr lang="zh-TW" altLang="en-US" sz="3200" dirty="0"/>
-              <a:t>右圖為</a:t>
-            </a:r>
-            <a:r>
-              <a:rPr lang="en-US" altLang="zh-TW" sz="3200" dirty="0"/>
-              <a:t>NN-Chain</a:t>
-            </a:r>
-            <a:r>
-              <a:rPr lang="zh-TW" altLang="en-US" sz="3200" dirty="0"/>
-              <a:t>的演算法示意圖，最近鄰為有向圖（</a:t>
-            </a:r>
-            <a:r>
-              <a:rPr lang="en-US" altLang="zh-TW" sz="3200" dirty="0"/>
-              <a:t>A</a:t>
-            </a:r>
-            <a:r>
-              <a:rPr lang="zh-TW" altLang="en-US" sz="3200" dirty="0"/>
-              <a:t>是</a:t>
-            </a:r>
-            <a:r>
-              <a:rPr lang="en-US" altLang="zh-TW" sz="3200" dirty="0"/>
-              <a:t>B</a:t>
-            </a:r>
-            <a:r>
-              <a:rPr lang="zh-TW" altLang="en-US" sz="3200" dirty="0"/>
-              <a:t>的最近鄰不一定代表</a:t>
-            </a:r>
-            <a:r>
-              <a:rPr lang="en-US" altLang="zh-TW" sz="3200" dirty="0"/>
-              <a:t>B</a:t>
-            </a:r>
-            <a:r>
-              <a:rPr lang="zh-TW" altLang="en-US" sz="3200" dirty="0"/>
-              <a:t>是</a:t>
-            </a:r>
-            <a:r>
-              <a:rPr lang="en-US" altLang="zh-TW" sz="3200" dirty="0"/>
-              <a:t>A</a:t>
-            </a:r>
-            <a:r>
-              <a:rPr lang="zh-TW" altLang="en-US" sz="3200" dirty="0"/>
-              <a:t>的最近鄰），因此會持續進行搜尋，直到搜尋回到自己為止，此時代表兩點互為彼此的最近鄰，進行</a:t>
-            </a:r>
-            <a:r>
-              <a:rPr lang="en-US" altLang="zh-TW" sz="3200" dirty="0"/>
-              <a:t>merge</a:t>
-            </a:r>
-            <a:r>
-              <a:rPr lang="zh-TW" altLang="en-US" sz="3200" dirty="0"/>
-              <a:t>後從</a:t>
-            </a:r>
-            <a:r>
-              <a:rPr lang="en-US" altLang="zh-TW" sz="3200" dirty="0"/>
-              <a:t>stack pop</a:t>
-            </a:r>
-            <a:r>
-              <a:rPr lang="zh-TW" altLang="en-US" sz="3200" dirty="0"/>
-              <a:t>出，再繼續對</a:t>
-            </a:r>
-            <a:r>
-              <a:rPr lang="en-US" altLang="zh-TW" sz="3200" dirty="0"/>
-              <a:t>stack</a:t>
-            </a:r>
-            <a:r>
-              <a:rPr lang="zh-TW" altLang="en-US" sz="3200"/>
-              <a:t>頂點進行搜尋。</a:t>
-            </a:r>
-            <a:endParaRPr lang="zh-TW" altLang="en-US" sz="3200" dirty="0"/>
-          </a:p>
-        </p:txBody>
-      </p:sp>
     </p:spTree>
-    <p:extLst>
-      <p:ext uri="{BB962C8B-B14F-4D97-AF65-F5344CB8AC3E}">
-        <p14:creationId xmlns:p14="http://schemas.microsoft.com/office/powerpoint/2010/main" xmlns="" val="4200091469"/>
-      </p:ext>
-    </p:extLst>
   </p:cSld>
   <p:clrMapOvr>
     <a:masterClrMapping/>
@@ -5644,27 +5017,119 @@
             <p:ph type="title"/>
           </p:nvPr>
         </p:nvSpPr>
-        <p:spPr>
-          <a:xfrm>
-            <a:off x="810208" y="579728"/>
-            <a:ext cx="10526486" cy="5737095"/>
-          </a:xfrm>
-        </p:spPr>
+        <p:spPr/>
         <p:txBody>
-          <a:bodyPr>
-            <a:normAutofit/>
-          </a:bodyPr>
+          <a:bodyPr/>
           <a:lstStyle/>
           <a:p>
+            <a:r>
+              <a:rPr lang="en-US" altLang="zh-TW" dirty="0" err="1" smtClean="0">
+                <a:latin typeface="Consolas" pitchFamily="49" charset="0"/>
+              </a:rPr>
+              <a:t>Hyperparameters</a:t>
+            </a:r>
             <a:r>
               <a:rPr lang="en-US" altLang="zh-TW" dirty="0" smtClean="0">
                 <a:latin typeface="Consolas" pitchFamily="49" charset="0"/>
               </a:rPr>
-              <a:t>Within the framework of Main algorithm, we compare multiple combinations of those techniques.</a:t>
+              <a:t> fine-tune</a:t>
             </a:r>
             <a:endParaRPr lang="zh-TW" altLang="en-US" dirty="0">
               <a:latin typeface="Consolas" pitchFamily="49" charset="0"/>
             </a:endParaRPr>
+          </a:p>
+        </p:txBody>
+      </p:sp>
+      <p:sp>
+        <p:nvSpPr>
+          <p:cNvPr id="3" name="內容版面配置區 2"/>
+          <p:cNvSpPr>
+            <a:spLocks noGrp="1"/>
+          </p:cNvSpPr>
+          <p:nvPr>
+            <p:ph idx="1"/>
+          </p:nvPr>
+        </p:nvSpPr>
+        <p:spPr/>
+        <p:txBody>
+          <a:bodyPr/>
+          <a:lstStyle/>
+          <a:p>
+            <a:r>
+              <a:rPr lang="en-US" altLang="zh-TW" dirty="0" smtClean="0">
+                <a:latin typeface="Consolas" pitchFamily="49" charset="0"/>
+              </a:rPr>
+              <a:t>Take SVM</a:t>
+            </a:r>
+            <a:r>
+              <a:rPr lang="zh-TW" altLang="en-US" dirty="0" smtClean="0">
+                <a:latin typeface="Consolas" pitchFamily="49" charset="0"/>
+              </a:rPr>
+              <a:t> </a:t>
+            </a:r>
+            <a:r>
+              <a:rPr lang="en-US" altLang="zh-TW" dirty="0" smtClean="0">
+                <a:latin typeface="Consolas" pitchFamily="49" charset="0"/>
+              </a:rPr>
+              <a:t>+</a:t>
+            </a:r>
+            <a:r>
+              <a:rPr lang="zh-TW" altLang="en-US" dirty="0" smtClean="0">
+                <a:latin typeface="Consolas" pitchFamily="49" charset="0"/>
+              </a:rPr>
+              <a:t> </a:t>
+            </a:r>
+            <a:r>
+              <a:rPr lang="en-US" altLang="zh-TW" dirty="0" smtClean="0">
+                <a:latin typeface="Consolas" pitchFamily="49" charset="0"/>
+              </a:rPr>
+              <a:t>DBSCAN as example, with the 4 selectable kernels, the total number of </a:t>
+            </a:r>
+            <a:r>
+              <a:rPr lang="en-US" altLang="zh-TW" dirty="0" err="1" smtClean="0">
+                <a:latin typeface="Consolas" pitchFamily="49" charset="0"/>
+              </a:rPr>
+              <a:t>hyperparameters</a:t>
+            </a:r>
+            <a:r>
+              <a:rPr lang="en-US" altLang="zh-TW" dirty="0" smtClean="0">
+                <a:latin typeface="Consolas" pitchFamily="49" charset="0"/>
+              </a:rPr>
+              <a:t> is 8.</a:t>
+            </a:r>
+          </a:p>
+          <a:p>
+            <a:r>
+              <a:rPr lang="en-US" altLang="zh-TW" dirty="0" smtClean="0">
+                <a:latin typeface="Consolas" pitchFamily="49" charset="0"/>
+              </a:rPr>
+              <a:t>For each experiments, the total number of </a:t>
+            </a:r>
+            <a:r>
+              <a:rPr lang="en-US" altLang="zh-TW" dirty="0" err="1" smtClean="0">
+                <a:latin typeface="Consolas" pitchFamily="49" charset="0"/>
+              </a:rPr>
+              <a:t>hyperparameter</a:t>
+            </a:r>
+            <a:r>
+              <a:rPr lang="en-US" altLang="zh-TW" dirty="0" smtClean="0">
+                <a:latin typeface="Consolas" pitchFamily="49" charset="0"/>
+              </a:rPr>
+              <a:t> is 48 in both datasets.</a:t>
+            </a:r>
+          </a:p>
+          <a:p>
+            <a:endParaRPr lang="en-US" altLang="zh-TW" dirty="0" smtClean="0">
+              <a:latin typeface="Consolas" pitchFamily="49" charset="0"/>
+            </a:endParaRPr>
+          </a:p>
+          <a:p>
+            <a:r>
+              <a:rPr lang="en-US" altLang="zh-TW" dirty="0" smtClean="0">
+                <a:latin typeface="Consolas" pitchFamily="49" charset="0"/>
+              </a:rPr>
+              <a:t>Manually fine-tune? Not a chance!</a:t>
+            </a:r>
           </a:p>
         </p:txBody>
       </p:sp>
@@ -5695,13 +5160,7 @@
       </p:grpSpPr>
       <p:sp>
         <p:nvSpPr>
-          <p:cNvPr id="2" name="標題 1">
-            <a:extLst>
-              <a:ext uri="{FF2B5EF4-FFF2-40B4-BE49-F238E27FC236}">
-                <a16:creationId xmlns:a16="http://schemas.microsoft.com/office/drawing/2014/main" xmlns="" id="{7BDC027D-0EFD-5E87-C32C-78BCBA19CA82}"/>
-              </a:ext>
-            </a:extLst>
-          </p:cNvPr>
+          <p:cNvPr id="2" name="標題 1"/>
           <p:cNvSpPr>
             <a:spLocks noGrp="1"/>
           </p:cNvSpPr>
@@ -5715,563 +5174,60 @@
           <a:lstStyle/>
           <a:p>
             <a:r>
-              <a:rPr lang="en-US" altLang="zh-TW" dirty="0">
-                <a:latin typeface="Consolas" panose="020B0609020204030204" pitchFamily="49" charset="0"/>
-              </a:rPr>
-              <a:t>KNN </a:t>
+              <a:rPr lang="en-US" altLang="zh-TW" dirty="0" err="1" smtClean="0">
+                <a:latin typeface="Consolas" pitchFamily="49" charset="0"/>
+              </a:rPr>
+              <a:t>Hyperparameters</a:t>
             </a:r>
             <a:r>
               <a:rPr lang="en-US" altLang="zh-TW" dirty="0" smtClean="0">
-                <a:latin typeface="Consolas" panose="020B0609020204030204" pitchFamily="49" charset="0"/>
-              </a:rPr>
-              <a:t>+ DBSCAN, arrhythmia</a:t>
-            </a:r>
-            <a:endParaRPr lang="zh-TW" altLang="en-US" dirty="0"/>
+                <a:latin typeface="Consolas" pitchFamily="49" charset="0"/>
+              </a:rPr>
+              <a:t> fine-tune</a:t>
+            </a:r>
+            <a:endParaRPr lang="zh-TW" altLang="en-US" dirty="0">
+              <a:latin typeface="Consolas" pitchFamily="49" charset="0"/>
+            </a:endParaRPr>
           </a:p>
         </p:txBody>
       </p:sp>
-      <p:graphicFrame>
-        <p:nvGraphicFramePr>
-          <p:cNvPr id="4" name="表格 4">
-            <a:extLst>
-              <a:ext uri="{FF2B5EF4-FFF2-40B4-BE49-F238E27FC236}">
-                <a16:creationId xmlns:a16="http://schemas.microsoft.com/office/drawing/2014/main" xmlns="" id="{5F3E0619-219B-E13A-0433-2F63B4B4B02D}"/>
-              </a:ext>
-            </a:extLst>
-          </p:cNvPr>
-          <p:cNvGraphicFramePr>
-            <a:graphicFrameLocks noGrp="1"/>
-          </p:cNvGraphicFramePr>
-          <p:nvPr>
-            <p:extLst>
-              <p:ext uri="{D42A27DB-BD31-4B8C-83A1-F6EECF244321}">
-                <p14:modId xmlns:p14="http://schemas.microsoft.com/office/powerpoint/2010/main" xmlns="" val="3398980393"/>
-              </p:ext>
-            </p:extLst>
-          </p:nvPr>
-        </p:nvGraphicFramePr>
-        <p:xfrm>
-          <a:off x="1239520" y="1791335"/>
-          <a:ext cx="9712959" cy="4585462"/>
-        </p:xfrm>
-        <a:graphic>
-          <a:graphicData uri="http://schemas.openxmlformats.org/drawingml/2006/table">
-            <a:tbl>
-              <a:tblPr firstRow="1" bandRow="1">
-                <a:tableStyleId>{5C22544A-7EE6-4342-B048-85BDC9FD1C3A}</a:tableStyleId>
-              </a:tblPr>
-              <a:tblGrid>
-                <a:gridCol w="3237653">
-                  <a:extLst>
-                    <a:ext uri="{9D8B030D-6E8A-4147-A177-3AD203B41FA5}">
-                      <a16:colId xmlns:a16="http://schemas.microsoft.com/office/drawing/2014/main" xmlns="" val="3991208199"/>
-                    </a:ext>
-                  </a:extLst>
-                </a:gridCol>
-                <a:gridCol w="3237653">
-                  <a:extLst>
-                    <a:ext uri="{9D8B030D-6E8A-4147-A177-3AD203B41FA5}">
-                      <a16:colId xmlns:a16="http://schemas.microsoft.com/office/drawing/2014/main" xmlns="" val="1262213421"/>
-                    </a:ext>
-                  </a:extLst>
-                </a:gridCol>
-                <a:gridCol w="3237653">
-                  <a:extLst>
-                    <a:ext uri="{9D8B030D-6E8A-4147-A177-3AD203B41FA5}">
-                      <a16:colId xmlns:a16="http://schemas.microsoft.com/office/drawing/2014/main" xmlns="" val="3788634706"/>
-                    </a:ext>
-                  </a:extLst>
-                </a:gridCol>
-              </a:tblGrid>
-              <a:tr h="655066">
-                <a:tc>
-                  <a:txBody>
-                    <a:bodyPr/>
-                    <a:lstStyle/>
-                    <a:p>
-                      <a:pPr marL="0" marR="0" lvl="0" indent="0" algn="l" defTabSz="914400" rtl="0" eaLnBrk="1" fontAlgn="auto" latinLnBrk="0" hangingPunct="1">
-                        <a:lnSpc>
-                          <a:spcPct val="100000"/>
-                        </a:lnSpc>
-                        <a:spcBef>
-                          <a:spcPts val="0"/>
-                        </a:spcBef>
-                        <a:spcAft>
-                          <a:spcPts val="0"/>
-                        </a:spcAft>
-                        <a:buClrTx/>
-                        <a:buSzTx/>
-                        <a:buFontTx/>
-                        <a:buNone/>
-                        <a:tabLst/>
-                        <a:defRPr/>
-                      </a:pPr>
-                      <a:r>
-                        <a:rPr lang="en-US" altLang="zh-TW" sz="2800" dirty="0"/>
-                        <a:t>Repeat </a:t>
-                      </a:r>
-                      <a:r>
-                        <a:rPr lang="en-US" altLang="zh-TW" sz="2800" dirty="0" smtClean="0"/>
-                        <a:t>10 </a:t>
-                      </a:r>
-                      <a:r>
-                        <a:rPr lang="en-US" altLang="zh-TW" sz="2800" dirty="0"/>
-                        <a:t>times</a:t>
-                      </a:r>
-                      <a:endParaRPr lang="zh-TW" altLang="en-US" sz="2800" dirty="0"/>
-                    </a:p>
-                  </a:txBody>
-                  <a:tcPr/>
-                </a:tc>
-                <a:tc>
-                  <a:txBody>
-                    <a:bodyPr/>
-                    <a:lstStyle/>
-                    <a:p>
-                      <a:r>
-                        <a:rPr lang="en-US" altLang="zh-TW" sz="2800" dirty="0" smtClean="0"/>
-                        <a:t>Accuracy </a:t>
-                      </a:r>
-                      <a:r>
-                        <a:rPr lang="en-US" altLang="zh-TW" sz="2800" dirty="0"/>
-                        <a:t>(%)</a:t>
-                      </a:r>
-                      <a:endParaRPr lang="zh-TW" altLang="en-US" sz="2800" dirty="0"/>
-                    </a:p>
-                  </a:txBody>
-                  <a:tcPr/>
-                </a:tc>
-                <a:tc>
-                  <a:txBody>
-                    <a:bodyPr/>
-                    <a:lstStyle/>
-                    <a:p>
-                      <a:r>
-                        <a:rPr lang="en-US" altLang="zh-TW" sz="2800" dirty="0"/>
-                        <a:t>Time (s)</a:t>
-                      </a:r>
-                      <a:endParaRPr lang="zh-TW" altLang="en-US" sz="2800" dirty="0"/>
-                    </a:p>
-                  </a:txBody>
-                  <a:tcPr/>
-                </a:tc>
-                <a:extLst>
-                  <a:ext uri="{0D108BD9-81ED-4DB2-BD59-A6C34878D82A}">
-                    <a16:rowId xmlns:a16="http://schemas.microsoft.com/office/drawing/2014/main" xmlns="" val="2028684342"/>
-                  </a:ext>
-                </a:extLst>
-              </a:tr>
-              <a:tr h="655066">
-                <a:tc>
-                  <a:txBody>
-                    <a:bodyPr/>
-                    <a:lstStyle/>
-                    <a:p>
-                      <a:r>
-                        <a:rPr lang="en-US" altLang="zh-TW" sz="2800" dirty="0" smtClean="0">
-                          <a:latin typeface="Consolas" pitchFamily="49" charset="0"/>
-                        </a:rPr>
-                        <a:t>Raw</a:t>
-                      </a:r>
-                      <a:endParaRPr lang="zh-TW" altLang="en-US" sz="2800" dirty="0"/>
-                    </a:p>
-                  </a:txBody>
-                  <a:tcPr/>
-                </a:tc>
-                <a:tc>
-                  <a:txBody>
-                    <a:bodyPr/>
-                    <a:lstStyle/>
-                    <a:p>
-                      <a:r>
-                        <a:rPr lang="en-US" altLang="zh-TW" sz="2800" dirty="0" smtClean="0"/>
-                        <a:t>47.4684% </a:t>
-                      </a:r>
-                      <a:r>
-                        <a:rPr lang="en-US" altLang="zh-TW" sz="2800" dirty="0">
-                          <a:latin typeface="Wide Latin" panose="020A0A07050505020404" pitchFamily="18" charset="0"/>
-                        </a:rPr>
-                        <a:t>±</a:t>
-                      </a:r>
-                      <a:r>
-                        <a:rPr lang="en-US" altLang="zh-TW" sz="2800" dirty="0"/>
-                        <a:t> 0% </a:t>
-                      </a:r>
-                      <a:endParaRPr lang="zh-TW" altLang="en-US" sz="2800" dirty="0"/>
-                    </a:p>
-                  </a:txBody>
-                  <a:tcPr/>
-                </a:tc>
-                <a:tc>
-                  <a:txBody>
-                    <a:bodyPr/>
-                    <a:lstStyle/>
-                    <a:p>
-                      <a:r>
-                        <a:rPr lang="en-US" altLang="zh-TW" sz="2800" dirty="0" smtClean="0"/>
-                        <a:t>0.0285</a:t>
-                      </a:r>
-                      <a:endParaRPr lang="zh-TW" altLang="en-US" sz="2800" dirty="0"/>
-                    </a:p>
-                  </a:txBody>
-                  <a:tcPr/>
-                </a:tc>
-                <a:extLst>
-                  <a:ext uri="{0D108BD9-81ED-4DB2-BD59-A6C34878D82A}">
-                    <a16:rowId xmlns:a16="http://schemas.microsoft.com/office/drawing/2014/main" xmlns="" val="1629505054"/>
-                  </a:ext>
-                </a:extLst>
-              </a:tr>
-              <a:tr h="655066">
-                <a:tc>
-                  <a:txBody>
-                    <a:bodyPr/>
-                    <a:lstStyle/>
-                    <a:p>
-                      <a:r>
-                        <a:rPr lang="en-US" altLang="zh-TW" sz="2800" dirty="0" smtClean="0"/>
-                        <a:t>Normalized</a:t>
-                      </a:r>
-                      <a:endParaRPr lang="zh-TW" altLang="en-US" sz="2800" dirty="0"/>
-                    </a:p>
-                  </a:txBody>
-                  <a:tcPr/>
-                </a:tc>
-                <a:tc>
-                  <a:txBody>
-                    <a:bodyPr/>
-                    <a:lstStyle/>
-                    <a:p>
-                      <a:r>
-                        <a:rPr lang="en-US" altLang="zh-TW" sz="2800" dirty="0" smtClean="0"/>
-                        <a:t>46.8354% </a:t>
-                      </a:r>
-                      <a:r>
-                        <a:rPr lang="en-US" altLang="zh-TW" sz="2800" dirty="0">
-                          <a:latin typeface="Wide Latin" panose="020A0A07050505020404" pitchFamily="18" charset="0"/>
-                        </a:rPr>
-                        <a:t>±</a:t>
-                      </a:r>
-                      <a:r>
-                        <a:rPr lang="en-US" altLang="zh-TW" sz="2800" dirty="0"/>
-                        <a:t> 0% </a:t>
-                      </a:r>
-                      <a:endParaRPr lang="zh-TW" altLang="en-US" sz="2800" dirty="0"/>
-                    </a:p>
-                  </a:txBody>
-                  <a:tcPr/>
-                </a:tc>
-                <a:tc>
-                  <a:txBody>
-                    <a:bodyPr/>
-                    <a:lstStyle/>
-                    <a:p>
-                      <a:r>
-                        <a:rPr lang="en-US" altLang="zh-TW" sz="2800" dirty="0" smtClean="0"/>
-                        <a:t>0.0254</a:t>
-                      </a:r>
-                      <a:endParaRPr lang="zh-TW" altLang="en-US" sz="2800" dirty="0"/>
-                    </a:p>
-                  </a:txBody>
-                  <a:tcPr/>
-                </a:tc>
-                <a:extLst>
-                  <a:ext uri="{0D108BD9-81ED-4DB2-BD59-A6C34878D82A}">
-                    <a16:rowId xmlns:a16="http://schemas.microsoft.com/office/drawing/2014/main" xmlns="" val="2232274875"/>
-                  </a:ext>
-                </a:extLst>
-              </a:tr>
-              <a:tr h="655066">
-                <a:tc>
-                  <a:txBody>
-                    <a:bodyPr/>
-                    <a:lstStyle/>
-                    <a:p>
-                      <a:r>
-                        <a:rPr lang="en-US" altLang="zh-TW" sz="2800" dirty="0" smtClean="0"/>
-                        <a:t>PCA-32</a:t>
-                      </a:r>
-                      <a:endParaRPr lang="zh-TW" altLang="en-US" sz="2800" dirty="0"/>
-                    </a:p>
-                  </a:txBody>
-                  <a:tcPr/>
-                </a:tc>
-                <a:tc>
-                  <a:txBody>
-                    <a:bodyPr/>
-                    <a:lstStyle/>
-                    <a:p>
-                      <a:r>
-                        <a:rPr lang="en-US" altLang="zh-TW" sz="2800" dirty="0" smtClean="0"/>
-                        <a:t>38.6076% </a:t>
-                      </a:r>
-                      <a:r>
-                        <a:rPr lang="en-US" altLang="zh-TW" sz="2800" dirty="0">
-                          <a:latin typeface="Wide Latin" panose="020A0A07050505020404" pitchFamily="18" charset="0"/>
-                        </a:rPr>
-                        <a:t>±</a:t>
-                      </a:r>
-                      <a:r>
-                        <a:rPr lang="en-US" altLang="zh-TW" sz="2800" dirty="0"/>
-                        <a:t> 0%</a:t>
-                      </a:r>
-                      <a:endParaRPr lang="zh-TW" altLang="en-US" sz="2800" dirty="0"/>
-                    </a:p>
-                  </a:txBody>
-                  <a:tcPr/>
-                </a:tc>
-                <a:tc>
-                  <a:txBody>
-                    <a:bodyPr/>
-                    <a:lstStyle/>
-                    <a:p>
-                      <a:r>
-                        <a:rPr lang="en-US" altLang="zh-TW" sz="2800" dirty="0" smtClean="0"/>
-                        <a:t>0.0070</a:t>
-                      </a:r>
-                      <a:endParaRPr lang="zh-TW" altLang="en-US" sz="2800" dirty="0"/>
-                    </a:p>
-                  </a:txBody>
-                  <a:tcPr/>
-                </a:tc>
-                <a:extLst>
-                  <a:ext uri="{0D108BD9-81ED-4DB2-BD59-A6C34878D82A}">
-                    <a16:rowId xmlns:a16="http://schemas.microsoft.com/office/drawing/2014/main" xmlns="" val="4251700897"/>
-                  </a:ext>
-                </a:extLst>
-              </a:tr>
-              <a:tr h="655066">
-                <a:tc>
-                  <a:txBody>
-                    <a:bodyPr/>
-                    <a:lstStyle/>
-                    <a:p>
-                      <a:r>
-                        <a:rPr lang="en-US" altLang="zh-TW" sz="2800" dirty="0" smtClean="0"/>
-                        <a:t>PCA-32 </a:t>
-                      </a:r>
-                      <a:r>
-                        <a:rPr lang="en-US" altLang="zh-TW" sz="2800" dirty="0"/>
-                        <a:t>(normalized)</a:t>
-                      </a:r>
-                      <a:endParaRPr lang="zh-TW" altLang="en-US" sz="2800" dirty="0"/>
-                    </a:p>
-                  </a:txBody>
-                  <a:tcPr/>
-                </a:tc>
-                <a:tc>
-                  <a:txBody>
-                    <a:bodyPr/>
-                    <a:lstStyle/>
-                    <a:p>
-                      <a:pPr marL="0" marR="0" lvl="0" indent="0" algn="l" defTabSz="914400" rtl="0" eaLnBrk="1" fontAlgn="auto" latinLnBrk="0" hangingPunct="1">
-                        <a:lnSpc>
-                          <a:spcPct val="100000"/>
-                        </a:lnSpc>
-                        <a:spcBef>
-                          <a:spcPts val="0"/>
-                        </a:spcBef>
-                        <a:spcAft>
-                          <a:spcPts val="0"/>
-                        </a:spcAft>
-                        <a:buClrTx/>
-                        <a:buSzTx/>
-                        <a:buFontTx/>
-                        <a:buNone/>
-                        <a:tabLst/>
-                        <a:defRPr/>
-                      </a:pPr>
-                      <a:r>
-                        <a:rPr lang="en-US" altLang="zh-TW" sz="2800" dirty="0" smtClean="0"/>
-                        <a:t>42.4051% </a:t>
-                      </a:r>
-                      <a:r>
-                        <a:rPr lang="en-US" altLang="zh-TW" sz="2800" dirty="0">
-                          <a:latin typeface="Wide Latin" panose="020A0A07050505020404" pitchFamily="18" charset="0"/>
-                        </a:rPr>
-                        <a:t>±</a:t>
-                      </a:r>
-                      <a:r>
-                        <a:rPr lang="en-US" altLang="zh-TW" sz="2800" dirty="0"/>
-                        <a:t> 0%</a:t>
-                      </a:r>
-                      <a:endParaRPr lang="zh-TW" altLang="en-US" sz="2800" dirty="0"/>
-                    </a:p>
-                  </a:txBody>
-                  <a:tcPr/>
-                </a:tc>
-                <a:tc>
-                  <a:txBody>
-                    <a:bodyPr/>
-                    <a:lstStyle/>
-                    <a:p>
-                      <a:r>
-                        <a:rPr lang="en-US" altLang="zh-TW" sz="2800" dirty="0" smtClean="0"/>
-                        <a:t>0.0071</a:t>
-                      </a:r>
-                      <a:endParaRPr lang="zh-TW" altLang="en-US" sz="2800" dirty="0"/>
-                    </a:p>
-                  </a:txBody>
-                  <a:tcPr/>
-                </a:tc>
-                <a:extLst>
-                  <a:ext uri="{0D108BD9-81ED-4DB2-BD59-A6C34878D82A}">
-                    <a16:rowId xmlns:a16="http://schemas.microsoft.com/office/drawing/2014/main" xmlns="" val="4168020029"/>
-                  </a:ext>
-                </a:extLst>
-              </a:tr>
-              <a:tr h="655066">
-                <a:tc>
-                  <a:txBody>
-                    <a:bodyPr/>
-                    <a:lstStyle/>
-                    <a:p>
-                      <a:r>
-                        <a:rPr lang="en-US" altLang="zh-TW" sz="2800" dirty="0" smtClean="0"/>
-                        <a:t>AE-32</a:t>
-                      </a:r>
-                      <a:endParaRPr lang="zh-TW" altLang="en-US" sz="2800" dirty="0"/>
-                    </a:p>
-                  </a:txBody>
-                  <a:tcPr/>
-                </a:tc>
-                <a:tc>
-                  <a:txBody>
-                    <a:bodyPr/>
-                    <a:lstStyle/>
-                    <a:p>
-                      <a:pPr marL="0" marR="0" lvl="0" indent="0" algn="l" defTabSz="914400" rtl="0" eaLnBrk="1" fontAlgn="auto" latinLnBrk="0" hangingPunct="1">
-                        <a:lnSpc>
-                          <a:spcPct val="100000"/>
-                        </a:lnSpc>
-                        <a:spcBef>
-                          <a:spcPts val="0"/>
-                        </a:spcBef>
-                        <a:spcAft>
-                          <a:spcPts val="0"/>
-                        </a:spcAft>
-                        <a:buClrTx/>
-                        <a:buSzTx/>
-                        <a:buFontTx/>
-                        <a:buNone/>
-                        <a:tabLst/>
-                        <a:defRPr/>
-                      </a:pPr>
-                      <a:r>
-                        <a:rPr lang="en-US" altLang="zh-TW" sz="2800" dirty="0" smtClean="0"/>
-                        <a:t>37.9747% </a:t>
-                      </a:r>
-                      <a:r>
-                        <a:rPr lang="en-US" altLang="zh-TW" sz="2800" dirty="0" smtClean="0">
-                          <a:latin typeface="Wide Latin" panose="020A0A07050505020404" pitchFamily="18" charset="0"/>
-                        </a:rPr>
-                        <a:t>±</a:t>
-                      </a:r>
-                      <a:r>
-                        <a:rPr lang="en-US" altLang="zh-TW" sz="2800" dirty="0" smtClean="0"/>
-                        <a:t> 0%</a:t>
-                      </a:r>
-                      <a:endParaRPr lang="zh-TW" altLang="en-US" sz="2800" dirty="0"/>
-                    </a:p>
-                  </a:txBody>
-                  <a:tcPr/>
-                </a:tc>
-                <a:tc>
-                  <a:txBody>
-                    <a:bodyPr/>
-                    <a:lstStyle/>
-                    <a:p>
-                      <a:r>
-                        <a:rPr lang="en-US" altLang="zh-TW" sz="2800" dirty="0" smtClean="0"/>
-                        <a:t>0.0071</a:t>
-                      </a:r>
-                      <a:endParaRPr lang="zh-TW" altLang="en-US" sz="2800" dirty="0"/>
-                    </a:p>
-                  </a:txBody>
-                  <a:tcPr/>
-                </a:tc>
-              </a:tr>
-              <a:tr h="655066">
-                <a:tc>
-                  <a:txBody>
-                    <a:bodyPr/>
-                    <a:lstStyle/>
-                    <a:p>
-                      <a:r>
-                        <a:rPr lang="en-US" altLang="zh-TW" sz="2800" dirty="0" smtClean="0"/>
-                        <a:t>AE-32 (normalized)</a:t>
-                      </a:r>
-                      <a:endParaRPr lang="zh-TW" altLang="en-US" sz="2800" dirty="0"/>
-                    </a:p>
-                  </a:txBody>
-                  <a:tcPr/>
-                </a:tc>
-                <a:tc>
-                  <a:txBody>
-                    <a:bodyPr/>
-                    <a:lstStyle/>
-                    <a:p>
-                      <a:pPr marL="0" marR="0" lvl="0" indent="0" algn="l" defTabSz="914400" rtl="0" eaLnBrk="1" fontAlgn="auto" latinLnBrk="0" hangingPunct="1">
-                        <a:lnSpc>
-                          <a:spcPct val="100000"/>
-                        </a:lnSpc>
-                        <a:spcBef>
-                          <a:spcPts val="0"/>
-                        </a:spcBef>
-                        <a:spcAft>
-                          <a:spcPts val="0"/>
-                        </a:spcAft>
-                        <a:buClrTx/>
-                        <a:buSzTx/>
-                        <a:buFontTx/>
-                        <a:buNone/>
-                        <a:tabLst/>
-                        <a:defRPr/>
-                      </a:pPr>
-                      <a:r>
-                        <a:rPr lang="en-US" altLang="zh-TW" sz="2800" dirty="0" smtClean="0"/>
-                        <a:t>44.3038% </a:t>
-                      </a:r>
-                      <a:r>
-                        <a:rPr lang="en-US" altLang="zh-TW" sz="2800" dirty="0" smtClean="0">
-                          <a:latin typeface="Wide Latin" panose="020A0A07050505020404" pitchFamily="18" charset="0"/>
-                        </a:rPr>
-                        <a:t>±</a:t>
-                      </a:r>
-                      <a:r>
-                        <a:rPr lang="en-US" altLang="zh-TW" sz="2800" dirty="0" smtClean="0"/>
-                        <a:t> 0%</a:t>
-                      </a:r>
-                      <a:endParaRPr lang="zh-TW" altLang="en-US" sz="2800" dirty="0"/>
-                    </a:p>
-                  </a:txBody>
-                  <a:tcPr/>
-                </a:tc>
-                <a:tc>
-                  <a:txBody>
-                    <a:bodyPr/>
-                    <a:lstStyle/>
-                    <a:p>
-                      <a:r>
-                        <a:rPr lang="en-US" altLang="zh-TW" sz="2800" dirty="0" smtClean="0"/>
-                        <a:t>0.0071</a:t>
-                      </a:r>
-                      <a:endParaRPr lang="zh-TW" altLang="en-US" sz="2800" dirty="0"/>
-                    </a:p>
-                  </a:txBody>
-                  <a:tcPr/>
-                </a:tc>
-              </a:tr>
-            </a:tbl>
-          </a:graphicData>
-        </a:graphic>
-      </p:graphicFrame>
+      <p:sp>
+        <p:nvSpPr>
+          <p:cNvPr id="3" name="內容版面配置區 2"/>
+          <p:cNvSpPr>
+            <a:spLocks noGrp="1"/>
+          </p:cNvSpPr>
+          <p:nvPr>
+            <p:ph idx="1"/>
+          </p:nvPr>
+        </p:nvSpPr>
+        <p:spPr/>
+        <p:txBody>
+          <a:bodyPr/>
+          <a:lstStyle/>
+          <a:p>
+            <a:r>
+              <a:rPr lang="en-US" altLang="zh-TW" dirty="0" smtClean="0">
+                <a:latin typeface="Consolas" pitchFamily="49" charset="0"/>
+              </a:rPr>
+              <a:t>So </a:t>
+            </a:r>
+            <a:r>
+              <a:rPr lang="en-US" altLang="zh-TW" dirty="0" smtClean="0">
+                <a:latin typeface="Consolas" pitchFamily="49" charset="0"/>
+              </a:rPr>
+              <a:t>simulated </a:t>
+            </a:r>
+            <a:r>
+              <a:rPr lang="en-US" altLang="zh-TW" dirty="0" smtClean="0">
+                <a:latin typeface="Consolas" pitchFamily="49" charset="0"/>
+              </a:rPr>
+              <a:t>annealing algorithm is used here.</a:t>
+            </a:r>
+          </a:p>
+        </p:txBody>
+      </p:sp>
     </p:spTree>
-    <p:extLst>
-      <p:ext uri="{BB962C8B-B14F-4D97-AF65-F5344CB8AC3E}">
-        <p14:creationId xmlns:p14="http://schemas.microsoft.com/office/powerpoint/2010/main" xmlns="" val="2220883863"/>
-      </p:ext>
-    </p:extLst>
   </p:cSld>
   <p:clrMapOvr>
     <a:masterClrMapping/>
@@ -6298,13 +5254,7 @@
       </p:grpSpPr>
       <p:sp>
         <p:nvSpPr>
-          <p:cNvPr id="2" name="標題 1">
-            <a:extLst>
-              <a:ext uri="{FF2B5EF4-FFF2-40B4-BE49-F238E27FC236}">
-                <a16:creationId xmlns:a16="http://schemas.microsoft.com/office/drawing/2014/main" xmlns="" id="{7BDC027D-0EFD-5E87-C32C-78BCBA19CA82}"/>
-              </a:ext>
-            </a:extLst>
-          </p:cNvPr>
+          <p:cNvPr id="2" name="標題 1"/>
           <p:cNvSpPr>
             <a:spLocks noGrp="1"/>
           </p:cNvSpPr>
@@ -6318,575 +5268,56 @@
           <a:lstStyle/>
           <a:p>
             <a:r>
-              <a:rPr lang="en-US" altLang="zh-TW" dirty="0">
-                <a:latin typeface="Consolas" panose="020B0609020204030204" pitchFamily="49" charset="0"/>
-              </a:rPr>
-              <a:t>KNN </a:t>
+              <a:rPr lang="en-US" altLang="zh-TW" dirty="0" err="1" smtClean="0">
+                <a:latin typeface="Consolas" pitchFamily="49" charset="0"/>
+              </a:rPr>
+              <a:t>Hyperparameters</a:t>
             </a:r>
             <a:r>
               <a:rPr lang="en-US" altLang="zh-TW" dirty="0" smtClean="0">
-                <a:latin typeface="Consolas" panose="020B0609020204030204" pitchFamily="49" charset="0"/>
-              </a:rPr>
-              <a:t>+ </a:t>
-            </a:r>
-            <a:r>
-              <a:rPr lang="en-US" altLang="zh-TW" dirty="0" smtClean="0">
-                <a:latin typeface="Consolas" panose="020B0609020204030204" pitchFamily="49" charset="0"/>
-              </a:rPr>
-              <a:t>k-means, </a:t>
-            </a:r>
-            <a:r>
-              <a:rPr lang="en-US" altLang="zh-TW" dirty="0" smtClean="0">
-                <a:latin typeface="Consolas" panose="020B0609020204030204" pitchFamily="49" charset="0"/>
-              </a:rPr>
-              <a:t>arrhythmia</a:t>
-            </a:r>
-            <a:endParaRPr lang="zh-TW" altLang="en-US" dirty="0"/>
+                <a:latin typeface="Consolas" pitchFamily="49" charset="0"/>
+              </a:rPr>
+              <a:t> fine-tune</a:t>
+            </a:r>
+            <a:endParaRPr lang="zh-TW" altLang="en-US" dirty="0">
+              <a:latin typeface="Consolas" pitchFamily="49" charset="0"/>
+            </a:endParaRPr>
           </a:p>
         </p:txBody>
       </p:sp>
-      <p:graphicFrame>
-        <p:nvGraphicFramePr>
-          <p:cNvPr id="4" name="表格 4">
-            <a:extLst>
-              <a:ext uri="{FF2B5EF4-FFF2-40B4-BE49-F238E27FC236}">
-                <a16:creationId xmlns:a16="http://schemas.microsoft.com/office/drawing/2014/main" xmlns="" id="{5F3E0619-219B-E13A-0433-2F63B4B4B02D}"/>
-              </a:ext>
-            </a:extLst>
-          </p:cNvPr>
-          <p:cNvGraphicFramePr>
-            <a:graphicFrameLocks noGrp="1"/>
-          </p:cNvGraphicFramePr>
-          <p:nvPr>
-            <p:extLst>
-              <p:ext uri="{D42A27DB-BD31-4B8C-83A1-F6EECF244321}">
-                <p14:modId xmlns:p14="http://schemas.microsoft.com/office/powerpoint/2010/main" xmlns="" val="3398980393"/>
-              </p:ext>
-            </p:extLst>
-          </p:nvPr>
-        </p:nvGraphicFramePr>
-        <p:xfrm>
-          <a:off x="1239520" y="1791335"/>
-          <a:ext cx="9712959" cy="4585462"/>
-        </p:xfrm>
-        <a:graphic>
-          <a:graphicData uri="http://schemas.openxmlformats.org/drawingml/2006/table">
-            <a:tbl>
-              <a:tblPr firstRow="1" bandRow="1">
-                <a:tableStyleId>{5C22544A-7EE6-4342-B048-85BDC9FD1C3A}</a:tableStyleId>
-              </a:tblPr>
-              <a:tblGrid>
-                <a:gridCol w="3237653">
-                  <a:extLst>
-                    <a:ext uri="{9D8B030D-6E8A-4147-A177-3AD203B41FA5}">
-                      <a16:colId xmlns:a16="http://schemas.microsoft.com/office/drawing/2014/main" xmlns="" val="3991208199"/>
-                    </a:ext>
-                  </a:extLst>
-                </a:gridCol>
-                <a:gridCol w="3237653">
-                  <a:extLst>
-                    <a:ext uri="{9D8B030D-6E8A-4147-A177-3AD203B41FA5}">
-                      <a16:colId xmlns:a16="http://schemas.microsoft.com/office/drawing/2014/main" xmlns="" val="1262213421"/>
-                    </a:ext>
-                  </a:extLst>
-                </a:gridCol>
-                <a:gridCol w="3237653">
-                  <a:extLst>
-                    <a:ext uri="{9D8B030D-6E8A-4147-A177-3AD203B41FA5}">
-                      <a16:colId xmlns:a16="http://schemas.microsoft.com/office/drawing/2014/main" xmlns="" val="3788634706"/>
-                    </a:ext>
-                  </a:extLst>
-                </a:gridCol>
-              </a:tblGrid>
-              <a:tr h="655066">
-                <a:tc>
-                  <a:txBody>
-                    <a:bodyPr/>
-                    <a:lstStyle/>
-                    <a:p>
-                      <a:pPr marL="0" marR="0" lvl="0" indent="0" algn="l" defTabSz="914400" rtl="0" eaLnBrk="1" fontAlgn="auto" latinLnBrk="0" hangingPunct="1">
-                        <a:lnSpc>
-                          <a:spcPct val="100000"/>
-                        </a:lnSpc>
-                        <a:spcBef>
-                          <a:spcPts val="0"/>
-                        </a:spcBef>
-                        <a:spcAft>
-                          <a:spcPts val="0"/>
-                        </a:spcAft>
-                        <a:buClrTx/>
-                        <a:buSzTx/>
-                        <a:buFontTx/>
-                        <a:buNone/>
-                        <a:tabLst/>
-                        <a:defRPr/>
-                      </a:pPr>
-                      <a:r>
-                        <a:rPr lang="en-US" altLang="zh-TW" sz="2800" dirty="0"/>
-                        <a:t>Repeat </a:t>
-                      </a:r>
-                      <a:r>
-                        <a:rPr lang="en-US" altLang="zh-TW" sz="2800" dirty="0" smtClean="0"/>
-                        <a:t>10 </a:t>
-                      </a:r>
-                      <a:r>
-                        <a:rPr lang="en-US" altLang="zh-TW" sz="2800" dirty="0"/>
-                        <a:t>times</a:t>
-                      </a:r>
-                      <a:endParaRPr lang="zh-TW" altLang="en-US" sz="2800" dirty="0"/>
-                    </a:p>
-                  </a:txBody>
-                  <a:tcPr/>
-                </a:tc>
-                <a:tc>
-                  <a:txBody>
-                    <a:bodyPr/>
-                    <a:lstStyle/>
-                    <a:p>
-                      <a:r>
-                        <a:rPr lang="en-US" altLang="zh-TW" sz="2800" dirty="0" smtClean="0"/>
-                        <a:t>Accuracy </a:t>
-                      </a:r>
-                      <a:r>
-                        <a:rPr lang="en-US" altLang="zh-TW" sz="2800" dirty="0"/>
-                        <a:t>(%)</a:t>
-                      </a:r>
-                      <a:endParaRPr lang="zh-TW" altLang="en-US" sz="2800" dirty="0"/>
-                    </a:p>
-                  </a:txBody>
-                  <a:tcPr/>
-                </a:tc>
-                <a:tc>
-                  <a:txBody>
-                    <a:bodyPr/>
-                    <a:lstStyle/>
-                    <a:p>
-                      <a:r>
-                        <a:rPr lang="en-US" altLang="zh-TW" sz="2800" dirty="0"/>
-                        <a:t>Time (s)</a:t>
-                      </a:r>
-                      <a:endParaRPr lang="zh-TW" altLang="en-US" sz="2800" dirty="0"/>
-                    </a:p>
-                  </a:txBody>
-                  <a:tcPr/>
-                </a:tc>
-                <a:extLst>
-                  <a:ext uri="{0D108BD9-81ED-4DB2-BD59-A6C34878D82A}">
-                    <a16:rowId xmlns:a16="http://schemas.microsoft.com/office/drawing/2014/main" xmlns="" val="2028684342"/>
-                  </a:ext>
-                </a:extLst>
-              </a:tr>
-              <a:tr h="655066">
-                <a:tc>
-                  <a:txBody>
-                    <a:bodyPr/>
-                    <a:lstStyle/>
-                    <a:p>
-                      <a:r>
-                        <a:rPr lang="en-US" altLang="zh-TW" sz="2800" dirty="0" smtClean="0">
-                          <a:latin typeface="Consolas" pitchFamily="49" charset="0"/>
-                        </a:rPr>
-                        <a:t>Raw</a:t>
-                      </a:r>
-                      <a:endParaRPr lang="zh-TW" altLang="en-US" sz="2800" dirty="0"/>
-                    </a:p>
-                  </a:txBody>
-                  <a:tcPr/>
-                </a:tc>
-                <a:tc>
-                  <a:txBody>
-                    <a:bodyPr/>
-                    <a:lstStyle/>
-                    <a:p>
-                      <a:r>
-                        <a:rPr lang="en-US" altLang="zh-TW" sz="2800" b="1" dirty="0" smtClean="0"/>
-                        <a:t>53.1646% </a:t>
-                      </a:r>
-                      <a:r>
-                        <a:rPr lang="en-US" altLang="zh-TW" sz="2800" b="1" dirty="0">
-                          <a:latin typeface="Wide Latin" panose="020A0A07050505020404" pitchFamily="18" charset="0"/>
-                        </a:rPr>
-                        <a:t>±</a:t>
-                      </a:r>
-                      <a:r>
-                        <a:rPr lang="en-US" altLang="zh-TW" sz="2800" b="1" dirty="0"/>
-                        <a:t> 0% </a:t>
-                      </a:r>
-                      <a:endParaRPr lang="zh-TW" altLang="en-US" sz="2800" b="1" dirty="0"/>
-                    </a:p>
-                  </a:txBody>
-                  <a:tcPr/>
-                </a:tc>
-                <a:tc>
-                  <a:txBody>
-                    <a:bodyPr/>
-                    <a:lstStyle/>
-                    <a:p>
-                      <a:r>
-                        <a:rPr lang="en-US" altLang="zh-TW" sz="2800" dirty="0" smtClean="0"/>
-                        <a:t>0.0236</a:t>
-                      </a:r>
-                      <a:endParaRPr lang="zh-TW" altLang="en-US" sz="2800" dirty="0"/>
-                    </a:p>
-                  </a:txBody>
-                  <a:tcPr/>
-                </a:tc>
-                <a:extLst>
-                  <a:ext uri="{0D108BD9-81ED-4DB2-BD59-A6C34878D82A}">
-                    <a16:rowId xmlns:a16="http://schemas.microsoft.com/office/drawing/2014/main" xmlns="" val="1629505054"/>
-                  </a:ext>
-                </a:extLst>
-              </a:tr>
-              <a:tr h="655066">
-                <a:tc>
-                  <a:txBody>
-                    <a:bodyPr/>
-                    <a:lstStyle/>
-                    <a:p>
-                      <a:r>
-                        <a:rPr lang="en-US" altLang="zh-TW" sz="2800" dirty="0" smtClean="0"/>
-                        <a:t>Normalized</a:t>
-                      </a:r>
-                      <a:endParaRPr lang="zh-TW" altLang="en-US" sz="2800" dirty="0"/>
-                    </a:p>
-                  </a:txBody>
-                  <a:tcPr/>
-                </a:tc>
-                <a:tc>
-                  <a:txBody>
-                    <a:bodyPr/>
-                    <a:lstStyle/>
-                    <a:p>
-                      <a:r>
-                        <a:rPr lang="en-US" altLang="zh-TW" sz="2800" dirty="0" smtClean="0"/>
-                        <a:t>50.6329% </a:t>
-                      </a:r>
-                      <a:r>
-                        <a:rPr lang="en-US" altLang="zh-TW" sz="2800" dirty="0">
-                          <a:latin typeface="Wide Latin" panose="020A0A07050505020404" pitchFamily="18" charset="0"/>
-                        </a:rPr>
-                        <a:t>±</a:t>
-                      </a:r>
-                      <a:r>
-                        <a:rPr lang="en-US" altLang="zh-TW" sz="2800" dirty="0"/>
-                        <a:t> 0% </a:t>
-                      </a:r>
-                      <a:endParaRPr lang="zh-TW" altLang="en-US" sz="2800" dirty="0"/>
-                    </a:p>
-                  </a:txBody>
-                  <a:tcPr/>
-                </a:tc>
-                <a:tc>
-                  <a:txBody>
-                    <a:bodyPr/>
-                    <a:lstStyle/>
-                    <a:p>
-                      <a:r>
-                        <a:rPr lang="en-US" altLang="zh-TW" sz="2800" dirty="0" smtClean="0"/>
-                        <a:t>0.0343</a:t>
-                      </a:r>
-                      <a:endParaRPr lang="zh-TW" altLang="en-US" sz="2800" dirty="0"/>
-                    </a:p>
-                  </a:txBody>
-                  <a:tcPr/>
-                </a:tc>
-                <a:extLst>
-                  <a:ext uri="{0D108BD9-81ED-4DB2-BD59-A6C34878D82A}">
-                    <a16:rowId xmlns:a16="http://schemas.microsoft.com/office/drawing/2014/main" xmlns="" val="2232274875"/>
-                  </a:ext>
-                </a:extLst>
-              </a:tr>
-              <a:tr h="655066">
-                <a:tc>
-                  <a:txBody>
-                    <a:bodyPr/>
-                    <a:lstStyle/>
-                    <a:p>
-                      <a:r>
-                        <a:rPr lang="en-US" altLang="zh-TW" sz="2800" dirty="0" smtClean="0"/>
-                        <a:t>PCA-32</a:t>
-                      </a:r>
-                      <a:endParaRPr lang="zh-TW" altLang="en-US" sz="2800" dirty="0"/>
-                    </a:p>
-                  </a:txBody>
-                  <a:tcPr/>
-                </a:tc>
-                <a:tc>
-                  <a:txBody>
-                    <a:bodyPr/>
-                    <a:lstStyle/>
-                    <a:p>
-                      <a:r>
-                        <a:rPr lang="en-US" altLang="zh-TW" sz="2800" dirty="0" smtClean="0"/>
-                        <a:t>43.0380% </a:t>
-                      </a:r>
-                      <a:r>
-                        <a:rPr lang="en-US" altLang="zh-TW" sz="2800" dirty="0">
-                          <a:latin typeface="Wide Latin" panose="020A0A07050505020404" pitchFamily="18" charset="0"/>
-                        </a:rPr>
-                        <a:t>±</a:t>
-                      </a:r>
-                      <a:r>
-                        <a:rPr lang="en-US" altLang="zh-TW" sz="2800" dirty="0"/>
-                        <a:t> 0%</a:t>
-                      </a:r>
-                      <a:endParaRPr lang="zh-TW" altLang="en-US" sz="2800" dirty="0"/>
-                    </a:p>
-                  </a:txBody>
-                  <a:tcPr/>
-                </a:tc>
-                <a:tc>
-                  <a:txBody>
-                    <a:bodyPr/>
-                    <a:lstStyle/>
-                    <a:p>
-                      <a:r>
-                        <a:rPr lang="en-US" altLang="zh-TW" sz="2800" dirty="0" smtClean="0"/>
-                        <a:t>0.0068</a:t>
-                      </a:r>
-                      <a:endParaRPr lang="zh-TW" altLang="en-US" sz="2800" dirty="0"/>
-                    </a:p>
-                  </a:txBody>
-                  <a:tcPr/>
-                </a:tc>
-                <a:extLst>
-                  <a:ext uri="{0D108BD9-81ED-4DB2-BD59-A6C34878D82A}">
-                    <a16:rowId xmlns:a16="http://schemas.microsoft.com/office/drawing/2014/main" xmlns="" val="4251700897"/>
-                  </a:ext>
-                </a:extLst>
-              </a:tr>
-              <a:tr h="655066">
-                <a:tc>
-                  <a:txBody>
-                    <a:bodyPr/>
-                    <a:lstStyle/>
-                    <a:p>
-                      <a:r>
-                        <a:rPr lang="en-US" altLang="zh-TW" sz="2800" dirty="0" smtClean="0"/>
-                        <a:t>PCA-32 </a:t>
-                      </a:r>
-                      <a:r>
-                        <a:rPr lang="en-US" altLang="zh-TW" sz="2800" dirty="0"/>
-                        <a:t>(normalized)</a:t>
-                      </a:r>
-                      <a:endParaRPr lang="zh-TW" altLang="en-US" sz="2800" dirty="0"/>
-                    </a:p>
-                  </a:txBody>
-                  <a:tcPr/>
-                </a:tc>
-                <a:tc>
-                  <a:txBody>
-                    <a:bodyPr/>
-                    <a:lstStyle/>
-                    <a:p>
-                      <a:pPr marL="0" marR="0" lvl="0" indent="0" algn="l" defTabSz="914400" rtl="0" eaLnBrk="1" fontAlgn="auto" latinLnBrk="0" hangingPunct="1">
-                        <a:lnSpc>
-                          <a:spcPct val="100000"/>
-                        </a:lnSpc>
-                        <a:spcBef>
-                          <a:spcPts val="0"/>
-                        </a:spcBef>
-                        <a:spcAft>
-                          <a:spcPts val="0"/>
-                        </a:spcAft>
-                        <a:buClrTx/>
-                        <a:buSzTx/>
-                        <a:buFontTx/>
-                        <a:buNone/>
-                        <a:tabLst/>
-                        <a:defRPr/>
-                      </a:pPr>
-                      <a:r>
-                        <a:rPr lang="en-US" altLang="zh-TW" sz="2800" dirty="0" smtClean="0"/>
-                        <a:t>43.0380% </a:t>
-                      </a:r>
-                      <a:r>
-                        <a:rPr lang="en-US" altLang="zh-TW" sz="2800" dirty="0">
-                          <a:latin typeface="Wide Latin" panose="020A0A07050505020404" pitchFamily="18" charset="0"/>
-                        </a:rPr>
-                        <a:t>±</a:t>
-                      </a:r>
-                      <a:r>
-                        <a:rPr lang="en-US" altLang="zh-TW" sz="2800" dirty="0"/>
-                        <a:t> 0%</a:t>
-                      </a:r>
-                      <a:endParaRPr lang="zh-TW" altLang="en-US" sz="2800" dirty="0"/>
-                    </a:p>
-                  </a:txBody>
-                  <a:tcPr/>
-                </a:tc>
-                <a:tc>
-                  <a:txBody>
-                    <a:bodyPr/>
-                    <a:lstStyle/>
-                    <a:p>
-                      <a:r>
-                        <a:rPr lang="en-US" altLang="zh-TW" sz="2800" dirty="0" smtClean="0"/>
-                        <a:t>0.0069</a:t>
-                      </a:r>
-                      <a:endParaRPr lang="zh-TW" altLang="en-US" sz="2800" dirty="0"/>
-                    </a:p>
-                  </a:txBody>
-                  <a:tcPr/>
-                </a:tc>
-                <a:extLst>
-                  <a:ext uri="{0D108BD9-81ED-4DB2-BD59-A6C34878D82A}">
-                    <a16:rowId xmlns:a16="http://schemas.microsoft.com/office/drawing/2014/main" xmlns="" val="4168020029"/>
-                  </a:ext>
-                </a:extLst>
-              </a:tr>
-              <a:tr h="655066">
-                <a:tc>
-                  <a:txBody>
-                    <a:bodyPr/>
-                    <a:lstStyle/>
-                    <a:p>
-                      <a:r>
-                        <a:rPr lang="en-US" altLang="zh-TW" sz="2800" dirty="0" smtClean="0"/>
-                        <a:t>AE-32</a:t>
-                      </a:r>
-                      <a:endParaRPr lang="zh-TW" altLang="en-US" sz="2800" dirty="0"/>
-                    </a:p>
-                  </a:txBody>
-                  <a:tcPr/>
-                </a:tc>
-                <a:tc>
-                  <a:txBody>
-                    <a:bodyPr/>
-                    <a:lstStyle/>
-                    <a:p>
-                      <a:pPr marL="0" marR="0" lvl="0" indent="0" algn="l" defTabSz="914400" rtl="0" eaLnBrk="1" fontAlgn="auto" latinLnBrk="0" hangingPunct="1">
-                        <a:lnSpc>
-                          <a:spcPct val="100000"/>
-                        </a:lnSpc>
-                        <a:spcBef>
-                          <a:spcPts val="0"/>
-                        </a:spcBef>
-                        <a:spcAft>
-                          <a:spcPts val="0"/>
-                        </a:spcAft>
-                        <a:buClrTx/>
-                        <a:buSzTx/>
-                        <a:buFontTx/>
-                        <a:buNone/>
-                        <a:tabLst/>
-                        <a:defRPr/>
-                      </a:pPr>
-                      <a:r>
-                        <a:rPr lang="en-US" altLang="zh-TW" sz="2800" dirty="0" smtClean="0"/>
-                        <a:t>36.0759% </a:t>
-                      </a:r>
-                      <a:r>
-                        <a:rPr lang="en-US" altLang="zh-TW" sz="2800" dirty="0" smtClean="0">
-                          <a:latin typeface="Wide Latin" panose="020A0A07050505020404" pitchFamily="18" charset="0"/>
-                        </a:rPr>
-                        <a:t>±</a:t>
-                      </a:r>
-                      <a:r>
-                        <a:rPr lang="en-US" altLang="zh-TW" sz="2800" dirty="0" smtClean="0"/>
-                        <a:t> 0%</a:t>
-                      </a:r>
-                      <a:endParaRPr lang="zh-TW" altLang="en-US" sz="2800" dirty="0"/>
-                    </a:p>
-                  </a:txBody>
-                  <a:tcPr/>
-                </a:tc>
-                <a:tc>
-                  <a:txBody>
-                    <a:bodyPr/>
-                    <a:lstStyle/>
-                    <a:p>
-                      <a:r>
-                        <a:rPr lang="en-US" altLang="zh-TW" sz="2800" dirty="0" smtClean="0"/>
-                        <a:t>0.0069</a:t>
-                      </a:r>
-                      <a:endParaRPr lang="zh-TW" altLang="en-US" sz="2800" dirty="0"/>
-                    </a:p>
-                  </a:txBody>
-                  <a:tcPr/>
-                </a:tc>
-              </a:tr>
-              <a:tr h="655066">
-                <a:tc>
-                  <a:txBody>
-                    <a:bodyPr/>
-                    <a:lstStyle/>
-                    <a:p>
-                      <a:r>
-                        <a:rPr lang="en-US" altLang="zh-TW" sz="2800" dirty="0" smtClean="0"/>
-                        <a:t>AE-32 (normalized)</a:t>
-                      </a:r>
-                      <a:endParaRPr lang="zh-TW" altLang="en-US" sz="2800" dirty="0"/>
-                    </a:p>
-                  </a:txBody>
-                  <a:tcPr/>
-                </a:tc>
-                <a:tc>
-                  <a:txBody>
-                    <a:bodyPr/>
-                    <a:lstStyle/>
-                    <a:p>
-                      <a:pPr marL="0" marR="0" lvl="0" indent="0" algn="l" defTabSz="914400" rtl="0" eaLnBrk="1" fontAlgn="auto" latinLnBrk="0" hangingPunct="1">
-                        <a:lnSpc>
-                          <a:spcPct val="100000"/>
-                        </a:lnSpc>
-                        <a:spcBef>
-                          <a:spcPts val="0"/>
-                        </a:spcBef>
-                        <a:spcAft>
-                          <a:spcPts val="0"/>
-                        </a:spcAft>
-                        <a:buClrTx/>
-                        <a:buSzTx/>
-                        <a:buFontTx/>
-                        <a:buNone/>
-                        <a:tabLst/>
-                        <a:defRPr/>
-                      </a:pPr>
-                      <a:r>
-                        <a:rPr lang="en-US" altLang="zh-TW" sz="2800" dirty="0" smtClean="0"/>
-                        <a:t>41.7722% </a:t>
-                      </a:r>
-                      <a:r>
-                        <a:rPr lang="en-US" altLang="zh-TW" sz="2800" dirty="0" smtClean="0">
-                          <a:latin typeface="Wide Latin" panose="020A0A07050505020404" pitchFamily="18" charset="0"/>
-                        </a:rPr>
-                        <a:t>±</a:t>
-                      </a:r>
-                      <a:r>
-                        <a:rPr lang="en-US" altLang="zh-TW" sz="2800" dirty="0" smtClean="0"/>
-                        <a:t> 0%</a:t>
-                      </a:r>
-                      <a:endParaRPr lang="zh-TW" altLang="en-US" sz="2800" dirty="0"/>
-                    </a:p>
-                  </a:txBody>
-                  <a:tcPr/>
-                </a:tc>
-                <a:tc>
-                  <a:txBody>
-                    <a:bodyPr/>
-                    <a:lstStyle/>
-                    <a:p>
-                      <a:r>
-                        <a:rPr lang="en-US" altLang="zh-TW" sz="2800" dirty="0" smtClean="0"/>
-                        <a:t>0.0080</a:t>
-                      </a:r>
-                      <a:endParaRPr lang="zh-TW" altLang="en-US" sz="2800" dirty="0"/>
-                    </a:p>
-                  </a:txBody>
-                  <a:tcPr/>
-                </a:tc>
-              </a:tr>
-            </a:tbl>
-          </a:graphicData>
-        </a:graphic>
-      </p:graphicFrame>
+      <p:pic>
+        <p:nvPicPr>
+          <p:cNvPr id="5" name="Picture 2"/>
+          <p:cNvPicPr>
+            <a:picLocks noChangeAspect="1" noChangeArrowheads="1"/>
+          </p:cNvPicPr>
+          <p:nvPr/>
+        </p:nvPicPr>
+        <p:blipFill>
+          <a:blip r:embed="rId2" cstate="print"/>
+          <a:srcRect/>
+          <a:stretch>
+            <a:fillRect/>
+          </a:stretch>
+        </p:blipFill>
+        <p:spPr bwMode="auto">
+          <a:xfrm>
+            <a:off x="3638941" y="1555068"/>
+            <a:ext cx="4394716" cy="4952775"/>
+          </a:xfrm>
+          <a:prstGeom prst="rect">
+            <a:avLst/>
+          </a:prstGeom>
+          <a:noFill/>
+          <a:ln w="9525">
+            <a:noFill/>
+            <a:miter lim="800000"/>
+            <a:headEnd/>
+            <a:tailEnd/>
+          </a:ln>
+        </p:spPr>
+      </p:pic>
     </p:spTree>
-    <p:extLst>
-      <p:ext uri="{BB962C8B-B14F-4D97-AF65-F5344CB8AC3E}">
-        <p14:creationId xmlns:p14="http://schemas.microsoft.com/office/powerpoint/2010/main" xmlns="" val="2220883863"/>
-      </p:ext>
-    </p:extLst>
   </p:cSld>
   <p:clrMapOvr>
     <a:masterClrMapping/>
@@ -6913,13 +5344,7 @@
       </p:grpSpPr>
       <p:sp>
         <p:nvSpPr>
-          <p:cNvPr id="2" name="標題 1">
-            <a:extLst>
-              <a:ext uri="{FF2B5EF4-FFF2-40B4-BE49-F238E27FC236}">
-                <a16:creationId xmlns:a16="http://schemas.microsoft.com/office/drawing/2014/main" xmlns="" id="{7BDC027D-0EFD-5E87-C32C-78BCBA19CA82}"/>
-              </a:ext>
-            </a:extLst>
-          </p:cNvPr>
+          <p:cNvPr id="2" name="標題 1"/>
           <p:cNvSpPr>
             <a:spLocks noGrp="1"/>
           </p:cNvSpPr>
@@ -6927,581 +5352,31 @@
             <p:ph type="title"/>
           </p:nvPr>
         </p:nvSpPr>
-        <p:spPr/>
+        <p:spPr>
+          <a:xfrm>
+            <a:off x="810208" y="579728"/>
+            <a:ext cx="10526486" cy="5737095"/>
+          </a:xfrm>
+        </p:spPr>
         <p:txBody>
-          <a:bodyPr/>
+          <a:bodyPr>
+            <a:normAutofit/>
+          </a:bodyPr>
           <a:lstStyle/>
           <a:p>
             <a:r>
               <a:rPr lang="en-US" altLang="zh-TW" dirty="0" smtClean="0">
-                <a:latin typeface="Consolas" panose="020B0609020204030204" pitchFamily="49" charset="0"/>
-              </a:rPr>
-              <a:t>SVM (sigmoid) </a:t>
-            </a:r>
-            <a:r>
-              <a:rPr lang="en-US" altLang="zh-TW" dirty="0" smtClean="0">
-                <a:latin typeface="Consolas" panose="020B0609020204030204" pitchFamily="49" charset="0"/>
-              </a:rPr>
-              <a:t>+ </a:t>
-            </a:r>
-            <a:r>
-              <a:rPr lang="en-US" altLang="zh-TW" dirty="0" smtClean="0">
-                <a:latin typeface="Consolas" panose="020B0609020204030204" pitchFamily="49" charset="0"/>
-              </a:rPr>
-              <a:t>k-means, </a:t>
-            </a:r>
-            <a:r>
-              <a:rPr lang="en-US" altLang="zh-TW" dirty="0" smtClean="0">
-                <a:latin typeface="Consolas" panose="020B0609020204030204" pitchFamily="49" charset="0"/>
-              </a:rPr>
-              <a:t>arrhythmia</a:t>
-            </a:r>
-            <a:endParaRPr lang="zh-TW" altLang="en-US" dirty="0"/>
+                <a:latin typeface="Consolas" pitchFamily="49" charset="0"/>
+              </a:rPr>
+              <a:t>Final results</a:t>
+            </a:r>
+            <a:endParaRPr lang="zh-TW" altLang="en-US" dirty="0">
+              <a:latin typeface="Consolas" pitchFamily="49" charset="0"/>
+            </a:endParaRPr>
           </a:p>
         </p:txBody>
       </p:sp>
-      <p:graphicFrame>
-        <p:nvGraphicFramePr>
-          <p:cNvPr id="4" name="表格 4">
-            <a:extLst>
-              <a:ext uri="{FF2B5EF4-FFF2-40B4-BE49-F238E27FC236}">
-                <a16:creationId xmlns:a16="http://schemas.microsoft.com/office/drawing/2014/main" xmlns="" id="{5F3E0619-219B-E13A-0433-2F63B4B4B02D}"/>
-              </a:ext>
-            </a:extLst>
-          </p:cNvPr>
-          <p:cNvGraphicFramePr>
-            <a:graphicFrameLocks noGrp="1"/>
-          </p:cNvGraphicFramePr>
-          <p:nvPr>
-            <p:extLst>
-              <p:ext uri="{D42A27DB-BD31-4B8C-83A1-F6EECF244321}">
-                <p14:modId xmlns:p14="http://schemas.microsoft.com/office/powerpoint/2010/main" xmlns="" val="3398980393"/>
-              </p:ext>
-            </p:extLst>
-          </p:nvPr>
-        </p:nvGraphicFramePr>
-        <p:xfrm>
-          <a:off x="1239520" y="1791335"/>
-          <a:ext cx="9712959" cy="4585462"/>
-        </p:xfrm>
-        <a:graphic>
-          <a:graphicData uri="http://schemas.openxmlformats.org/drawingml/2006/table">
-            <a:tbl>
-              <a:tblPr firstRow="1" bandRow="1">
-                <a:tableStyleId>{5C22544A-7EE6-4342-B048-85BDC9FD1C3A}</a:tableStyleId>
-              </a:tblPr>
-              <a:tblGrid>
-                <a:gridCol w="3237653">
-                  <a:extLst>
-                    <a:ext uri="{9D8B030D-6E8A-4147-A177-3AD203B41FA5}">
-                      <a16:colId xmlns:a16="http://schemas.microsoft.com/office/drawing/2014/main" xmlns="" val="3991208199"/>
-                    </a:ext>
-                  </a:extLst>
-                </a:gridCol>
-                <a:gridCol w="3237653">
-                  <a:extLst>
-                    <a:ext uri="{9D8B030D-6E8A-4147-A177-3AD203B41FA5}">
-                      <a16:colId xmlns:a16="http://schemas.microsoft.com/office/drawing/2014/main" xmlns="" val="1262213421"/>
-                    </a:ext>
-                  </a:extLst>
-                </a:gridCol>
-                <a:gridCol w="3237653">
-                  <a:extLst>
-                    <a:ext uri="{9D8B030D-6E8A-4147-A177-3AD203B41FA5}">
-                      <a16:colId xmlns:a16="http://schemas.microsoft.com/office/drawing/2014/main" xmlns="" val="3788634706"/>
-                    </a:ext>
-                  </a:extLst>
-                </a:gridCol>
-              </a:tblGrid>
-              <a:tr h="655066">
-                <a:tc>
-                  <a:txBody>
-                    <a:bodyPr/>
-                    <a:lstStyle/>
-                    <a:p>
-                      <a:pPr marL="0" marR="0" lvl="0" indent="0" algn="l" defTabSz="914400" rtl="0" eaLnBrk="1" fontAlgn="auto" latinLnBrk="0" hangingPunct="1">
-                        <a:lnSpc>
-                          <a:spcPct val="100000"/>
-                        </a:lnSpc>
-                        <a:spcBef>
-                          <a:spcPts val="0"/>
-                        </a:spcBef>
-                        <a:spcAft>
-                          <a:spcPts val="0"/>
-                        </a:spcAft>
-                        <a:buClrTx/>
-                        <a:buSzTx/>
-                        <a:buFontTx/>
-                        <a:buNone/>
-                        <a:tabLst/>
-                        <a:defRPr/>
-                      </a:pPr>
-                      <a:r>
-                        <a:rPr lang="en-US" altLang="zh-TW" sz="2800" dirty="0"/>
-                        <a:t>Repeat </a:t>
-                      </a:r>
-                      <a:r>
-                        <a:rPr lang="en-US" altLang="zh-TW" sz="2800" dirty="0" smtClean="0"/>
-                        <a:t>10 </a:t>
-                      </a:r>
-                      <a:r>
-                        <a:rPr lang="en-US" altLang="zh-TW" sz="2800" dirty="0"/>
-                        <a:t>times</a:t>
-                      </a:r>
-                      <a:endParaRPr lang="zh-TW" altLang="en-US" sz="2800" dirty="0"/>
-                    </a:p>
-                  </a:txBody>
-                  <a:tcPr/>
-                </a:tc>
-                <a:tc>
-                  <a:txBody>
-                    <a:bodyPr/>
-                    <a:lstStyle/>
-                    <a:p>
-                      <a:r>
-                        <a:rPr lang="en-US" altLang="zh-TW" sz="2800" dirty="0" smtClean="0"/>
-                        <a:t>Accuracy </a:t>
-                      </a:r>
-                      <a:r>
-                        <a:rPr lang="en-US" altLang="zh-TW" sz="2800" dirty="0"/>
-                        <a:t>(%)</a:t>
-                      </a:r>
-                      <a:endParaRPr lang="zh-TW" altLang="en-US" sz="2800" dirty="0"/>
-                    </a:p>
-                  </a:txBody>
-                  <a:tcPr/>
-                </a:tc>
-                <a:tc>
-                  <a:txBody>
-                    <a:bodyPr/>
-                    <a:lstStyle/>
-                    <a:p>
-                      <a:r>
-                        <a:rPr lang="en-US" altLang="zh-TW" sz="2800" dirty="0"/>
-                        <a:t>Time (s)</a:t>
-                      </a:r>
-                      <a:endParaRPr lang="zh-TW" altLang="en-US" sz="2800" dirty="0"/>
-                    </a:p>
-                  </a:txBody>
-                  <a:tcPr/>
-                </a:tc>
-                <a:extLst>
-                  <a:ext uri="{0D108BD9-81ED-4DB2-BD59-A6C34878D82A}">
-                    <a16:rowId xmlns:a16="http://schemas.microsoft.com/office/drawing/2014/main" xmlns="" val="2028684342"/>
-                  </a:ext>
-                </a:extLst>
-              </a:tr>
-              <a:tr h="655066">
-                <a:tc>
-                  <a:txBody>
-                    <a:bodyPr/>
-                    <a:lstStyle/>
-                    <a:p>
-                      <a:r>
-                        <a:rPr lang="en-US" altLang="zh-TW" sz="2800" dirty="0" smtClean="0">
-                          <a:latin typeface="Consolas" pitchFamily="49" charset="0"/>
-                        </a:rPr>
-                        <a:t>Raw</a:t>
-                      </a:r>
-                      <a:endParaRPr lang="zh-TW" altLang="en-US" sz="2800" dirty="0"/>
-                    </a:p>
-                  </a:txBody>
-                  <a:tcPr/>
-                </a:tc>
-                <a:tc>
-                  <a:txBody>
-                    <a:bodyPr/>
-                    <a:lstStyle/>
-                    <a:p>
-                      <a:r>
-                        <a:rPr lang="en-US" altLang="zh-TW" sz="2800" dirty="0" smtClean="0"/>
-                        <a:t>28.4810% </a:t>
-                      </a:r>
-                      <a:r>
-                        <a:rPr lang="en-US" altLang="zh-TW" sz="2800" dirty="0">
-                          <a:latin typeface="Wide Latin" panose="020A0A07050505020404" pitchFamily="18" charset="0"/>
-                        </a:rPr>
-                        <a:t>±</a:t>
-                      </a:r>
-                      <a:r>
-                        <a:rPr lang="en-US" altLang="zh-TW" sz="2800" dirty="0"/>
-                        <a:t> 0% </a:t>
-                      </a:r>
-                      <a:endParaRPr lang="zh-TW" altLang="en-US" sz="2800" dirty="0"/>
-                    </a:p>
-                  </a:txBody>
-                  <a:tcPr/>
-                </a:tc>
-                <a:tc>
-                  <a:txBody>
-                    <a:bodyPr/>
-                    <a:lstStyle/>
-                    <a:p>
-                      <a:r>
-                        <a:rPr lang="en-US" altLang="zh-TW" sz="2800" dirty="0" smtClean="0"/>
-                        <a:t>3.5272</a:t>
-                      </a:r>
-                      <a:endParaRPr lang="zh-TW" altLang="en-US" sz="2800" dirty="0"/>
-                    </a:p>
-                  </a:txBody>
-                  <a:tcPr/>
-                </a:tc>
-                <a:extLst>
-                  <a:ext uri="{0D108BD9-81ED-4DB2-BD59-A6C34878D82A}">
-                    <a16:rowId xmlns:a16="http://schemas.microsoft.com/office/drawing/2014/main" xmlns="" val="1629505054"/>
-                  </a:ext>
-                </a:extLst>
-              </a:tr>
-              <a:tr h="655066">
-                <a:tc>
-                  <a:txBody>
-                    <a:bodyPr/>
-                    <a:lstStyle/>
-                    <a:p>
-                      <a:r>
-                        <a:rPr lang="en-US" altLang="zh-TW" sz="2800" dirty="0" smtClean="0"/>
-                        <a:t>Normalized</a:t>
-                      </a:r>
-                      <a:endParaRPr lang="zh-TW" altLang="en-US" sz="2800" dirty="0"/>
-                    </a:p>
-                  </a:txBody>
-                  <a:tcPr/>
-                </a:tc>
-                <a:tc>
-                  <a:txBody>
-                    <a:bodyPr/>
-                    <a:lstStyle/>
-                    <a:p>
-                      <a:r>
-                        <a:rPr lang="en-US" altLang="zh-TW" sz="2800" dirty="0" smtClean="0"/>
-                        <a:t>20.2532% </a:t>
-                      </a:r>
-                      <a:r>
-                        <a:rPr lang="en-US" altLang="zh-TW" sz="2800" dirty="0">
-                          <a:latin typeface="Wide Latin" panose="020A0A07050505020404" pitchFamily="18" charset="0"/>
-                        </a:rPr>
-                        <a:t>±</a:t>
-                      </a:r>
-                      <a:r>
-                        <a:rPr lang="en-US" altLang="zh-TW" sz="2800" dirty="0"/>
-                        <a:t> 0% </a:t>
-                      </a:r>
-                      <a:endParaRPr lang="zh-TW" altLang="en-US" sz="2800" dirty="0"/>
-                    </a:p>
-                  </a:txBody>
-                  <a:tcPr/>
-                </a:tc>
-                <a:tc>
-                  <a:txBody>
-                    <a:bodyPr/>
-                    <a:lstStyle/>
-                    <a:p>
-                      <a:r>
-                        <a:rPr lang="en-US" altLang="zh-TW" sz="2800" dirty="0" smtClean="0"/>
-                        <a:t>6.4731</a:t>
-                      </a:r>
-                      <a:endParaRPr lang="zh-TW" altLang="en-US" sz="2800" dirty="0"/>
-                    </a:p>
-                  </a:txBody>
-                  <a:tcPr/>
-                </a:tc>
-                <a:extLst>
-                  <a:ext uri="{0D108BD9-81ED-4DB2-BD59-A6C34878D82A}">
-                    <a16:rowId xmlns:a16="http://schemas.microsoft.com/office/drawing/2014/main" xmlns="" val="2232274875"/>
-                  </a:ext>
-                </a:extLst>
-              </a:tr>
-              <a:tr h="655066">
-                <a:tc>
-                  <a:txBody>
-                    <a:bodyPr/>
-                    <a:lstStyle/>
-                    <a:p>
-                      <a:r>
-                        <a:rPr lang="en-US" altLang="zh-TW" sz="2800" dirty="0" smtClean="0"/>
-                        <a:t>PCA-32</a:t>
-                      </a:r>
-                      <a:endParaRPr lang="zh-TW" altLang="en-US" sz="2800" dirty="0"/>
-                    </a:p>
-                  </a:txBody>
-                  <a:tcPr/>
-                </a:tc>
-                <a:tc>
-                  <a:txBody>
-                    <a:bodyPr/>
-                    <a:lstStyle/>
-                    <a:p>
-                      <a:r>
-                        <a:rPr lang="en-US" altLang="zh-TW" sz="2800" dirty="0" smtClean="0"/>
-                        <a:t>30.3797% </a:t>
-                      </a:r>
-                      <a:r>
-                        <a:rPr lang="en-US" altLang="zh-TW" sz="2800" dirty="0">
-                          <a:latin typeface="Wide Latin" panose="020A0A07050505020404" pitchFamily="18" charset="0"/>
-                        </a:rPr>
-                        <a:t>±</a:t>
-                      </a:r>
-                      <a:r>
-                        <a:rPr lang="en-US" altLang="zh-TW" sz="2800" dirty="0"/>
-                        <a:t> 0%</a:t>
-                      </a:r>
-                      <a:endParaRPr lang="zh-TW" altLang="en-US" sz="2800" dirty="0"/>
-                    </a:p>
-                  </a:txBody>
-                  <a:tcPr/>
-                </a:tc>
-                <a:tc>
-                  <a:txBody>
-                    <a:bodyPr/>
-                    <a:lstStyle/>
-                    <a:p>
-                      <a:r>
-                        <a:rPr lang="en-US" altLang="zh-TW" sz="2800" dirty="0" smtClean="0"/>
-                        <a:t>1.5779</a:t>
-                      </a:r>
-                      <a:endParaRPr lang="zh-TW" altLang="en-US" sz="2800" dirty="0"/>
-                    </a:p>
-                  </a:txBody>
-                  <a:tcPr/>
-                </a:tc>
-                <a:extLst>
-                  <a:ext uri="{0D108BD9-81ED-4DB2-BD59-A6C34878D82A}">
-                    <a16:rowId xmlns:a16="http://schemas.microsoft.com/office/drawing/2014/main" xmlns="" val="4251700897"/>
-                  </a:ext>
-                </a:extLst>
-              </a:tr>
-              <a:tr h="655066">
-                <a:tc>
-                  <a:txBody>
-                    <a:bodyPr/>
-                    <a:lstStyle/>
-                    <a:p>
-                      <a:r>
-                        <a:rPr lang="en-US" altLang="zh-TW" sz="2800" dirty="0" smtClean="0"/>
-                        <a:t>PCA-32 </a:t>
-                      </a:r>
-                      <a:r>
-                        <a:rPr lang="en-US" altLang="zh-TW" sz="2800" dirty="0"/>
-                        <a:t>(normalized)</a:t>
-                      </a:r>
-                      <a:endParaRPr lang="zh-TW" altLang="en-US" sz="2800" dirty="0"/>
-                    </a:p>
-                  </a:txBody>
-                  <a:tcPr/>
-                </a:tc>
-                <a:tc>
-                  <a:txBody>
-                    <a:bodyPr/>
-                    <a:lstStyle/>
-                    <a:p>
-                      <a:pPr marL="0" marR="0" lvl="0" indent="0" algn="l" defTabSz="914400" rtl="0" eaLnBrk="1" fontAlgn="auto" latinLnBrk="0" hangingPunct="1">
-                        <a:lnSpc>
-                          <a:spcPct val="100000"/>
-                        </a:lnSpc>
-                        <a:spcBef>
-                          <a:spcPts val="0"/>
-                        </a:spcBef>
-                        <a:spcAft>
-                          <a:spcPts val="0"/>
-                        </a:spcAft>
-                        <a:buClrTx/>
-                        <a:buSzTx/>
-                        <a:buFontTx/>
-                        <a:buNone/>
-                        <a:tabLst/>
-                        <a:defRPr/>
-                      </a:pPr>
-                      <a:r>
-                        <a:rPr lang="en-US" altLang="zh-TW" sz="2800" dirty="0" smtClean="0"/>
-                        <a:t>36.0759% </a:t>
-                      </a:r>
-                      <a:r>
-                        <a:rPr lang="en-US" altLang="zh-TW" sz="2800" dirty="0">
-                          <a:latin typeface="Wide Latin" panose="020A0A07050505020404" pitchFamily="18" charset="0"/>
-                        </a:rPr>
-                        <a:t>±</a:t>
-                      </a:r>
-                      <a:r>
-                        <a:rPr lang="en-US" altLang="zh-TW" sz="2800" dirty="0"/>
-                        <a:t> 0%</a:t>
-                      </a:r>
-                      <a:endParaRPr lang="zh-TW" altLang="en-US" sz="2800" dirty="0"/>
-                    </a:p>
-                  </a:txBody>
-                  <a:tcPr/>
-                </a:tc>
-                <a:tc>
-                  <a:txBody>
-                    <a:bodyPr/>
-                    <a:lstStyle/>
-                    <a:p>
-                      <a:r>
-                        <a:rPr lang="en-US" altLang="zh-TW" sz="2800" dirty="0" smtClean="0"/>
-                        <a:t>0.9797</a:t>
-                      </a:r>
-                      <a:endParaRPr lang="zh-TW" altLang="en-US" sz="2800" dirty="0"/>
-                    </a:p>
-                  </a:txBody>
-                  <a:tcPr/>
-                </a:tc>
-                <a:extLst>
-                  <a:ext uri="{0D108BD9-81ED-4DB2-BD59-A6C34878D82A}">
-                    <a16:rowId xmlns:a16="http://schemas.microsoft.com/office/drawing/2014/main" xmlns="" val="4168020029"/>
-                  </a:ext>
-                </a:extLst>
-              </a:tr>
-              <a:tr h="655066">
-                <a:tc>
-                  <a:txBody>
-                    <a:bodyPr/>
-                    <a:lstStyle/>
-                    <a:p>
-                      <a:r>
-                        <a:rPr lang="en-US" altLang="zh-TW" sz="2800" dirty="0" smtClean="0"/>
-                        <a:t>AE-32</a:t>
-                      </a:r>
-                      <a:endParaRPr lang="zh-TW" altLang="en-US" sz="2800" dirty="0"/>
-                    </a:p>
-                  </a:txBody>
-                  <a:tcPr/>
-                </a:tc>
-                <a:tc>
-                  <a:txBody>
-                    <a:bodyPr/>
-                    <a:lstStyle/>
-                    <a:p>
-                      <a:pPr marL="0" marR="0" lvl="0" indent="0" algn="l" defTabSz="914400" rtl="0" eaLnBrk="1" fontAlgn="auto" latinLnBrk="0" hangingPunct="1">
-                        <a:lnSpc>
-                          <a:spcPct val="100000"/>
-                        </a:lnSpc>
-                        <a:spcBef>
-                          <a:spcPts val="0"/>
-                        </a:spcBef>
-                        <a:spcAft>
-                          <a:spcPts val="0"/>
-                        </a:spcAft>
-                        <a:buClrTx/>
-                        <a:buSzTx/>
-                        <a:buFontTx/>
-                        <a:buNone/>
-                        <a:tabLst/>
-                        <a:defRPr/>
-                      </a:pPr>
-                      <a:r>
-                        <a:rPr lang="en-US" altLang="zh-TW" sz="2800" dirty="0" smtClean="0"/>
-                        <a:t>22.1519 % </a:t>
-                      </a:r>
-                      <a:r>
-                        <a:rPr lang="en-US" altLang="zh-TW" sz="2800" dirty="0" smtClean="0">
-                          <a:latin typeface="Wide Latin" panose="020A0A07050505020404" pitchFamily="18" charset="0"/>
-                        </a:rPr>
-                        <a:t>±</a:t>
-                      </a:r>
-                      <a:r>
-                        <a:rPr lang="en-US" altLang="zh-TW" sz="2800" dirty="0" smtClean="0"/>
-                        <a:t> 0%</a:t>
-                      </a:r>
-                      <a:endParaRPr lang="zh-TW" altLang="en-US" sz="2800" dirty="0"/>
-                    </a:p>
-                  </a:txBody>
-                  <a:tcPr/>
-                </a:tc>
-                <a:tc>
-                  <a:txBody>
-                    <a:bodyPr/>
-                    <a:lstStyle/>
-                    <a:p>
-                      <a:r>
-                        <a:rPr lang="en-US" altLang="zh-TW" sz="2800" dirty="0" smtClean="0"/>
-                        <a:t>0.5284</a:t>
-                      </a:r>
-                      <a:endParaRPr lang="zh-TW" altLang="en-US" sz="2800" dirty="0"/>
-                    </a:p>
-                  </a:txBody>
-                  <a:tcPr/>
-                </a:tc>
-              </a:tr>
-              <a:tr h="655066">
-                <a:tc>
-                  <a:txBody>
-                    <a:bodyPr/>
-                    <a:lstStyle/>
-                    <a:p>
-                      <a:r>
-                        <a:rPr lang="en-US" altLang="zh-TW" sz="2800" dirty="0" smtClean="0"/>
-                        <a:t>AE-32 (normalized)</a:t>
-                      </a:r>
-                      <a:endParaRPr lang="zh-TW" altLang="en-US" sz="2800" dirty="0"/>
-                    </a:p>
-                  </a:txBody>
-                  <a:tcPr/>
-                </a:tc>
-                <a:tc>
-                  <a:txBody>
-                    <a:bodyPr/>
-                    <a:lstStyle/>
-                    <a:p>
-                      <a:pPr marL="0" marR="0" lvl="0" indent="0" algn="l" defTabSz="914400" rtl="0" eaLnBrk="1" fontAlgn="auto" latinLnBrk="0" hangingPunct="1">
-                        <a:lnSpc>
-                          <a:spcPct val="100000"/>
-                        </a:lnSpc>
-                        <a:spcBef>
-                          <a:spcPts val="0"/>
-                        </a:spcBef>
-                        <a:spcAft>
-                          <a:spcPts val="0"/>
-                        </a:spcAft>
-                        <a:buClrTx/>
-                        <a:buSzTx/>
-                        <a:buFontTx/>
-                        <a:buNone/>
-                        <a:tabLst/>
-                        <a:defRPr/>
-                      </a:pPr>
-                      <a:r>
-                        <a:rPr lang="en-US" altLang="zh-TW" sz="2800" dirty="0" smtClean="0"/>
-                        <a:t>24.6835% </a:t>
-                      </a:r>
-                      <a:r>
-                        <a:rPr lang="en-US" altLang="zh-TW" sz="2800" dirty="0" smtClean="0">
-                          <a:latin typeface="Wide Latin" panose="020A0A07050505020404" pitchFamily="18" charset="0"/>
-                        </a:rPr>
-                        <a:t>±</a:t>
-                      </a:r>
-                      <a:r>
-                        <a:rPr lang="en-US" altLang="zh-TW" sz="2800" dirty="0" smtClean="0"/>
-                        <a:t> 0%</a:t>
-                      </a:r>
-                      <a:endParaRPr lang="zh-TW" altLang="en-US" sz="2800" dirty="0"/>
-                    </a:p>
-                  </a:txBody>
-                  <a:tcPr/>
-                </a:tc>
-                <a:tc>
-                  <a:txBody>
-                    <a:bodyPr/>
-                    <a:lstStyle/>
-                    <a:p>
-                      <a:r>
-                        <a:rPr lang="en-US" altLang="zh-TW" sz="2800" dirty="0" smtClean="0"/>
-                        <a:t>0.8430</a:t>
-                      </a:r>
-                      <a:endParaRPr lang="zh-TW" altLang="en-US" sz="2800" dirty="0"/>
-                    </a:p>
-                  </a:txBody>
-                  <a:tcPr/>
-                </a:tc>
-              </a:tr>
-            </a:tbl>
-          </a:graphicData>
-        </a:graphic>
-      </p:graphicFrame>
     </p:spTree>
-    <p:extLst>
-      <p:ext uri="{BB962C8B-B14F-4D97-AF65-F5344CB8AC3E}">
-        <p14:creationId xmlns:p14="http://schemas.microsoft.com/office/powerpoint/2010/main" xmlns="" val="2220883863"/>
-      </p:ext>
-    </p:extLst>
   </p:cSld>
   <p:clrMapOvr>
     <a:masterClrMapping/>
@@ -7557,19 +5432,7 @@
               <a:rPr lang="en-US" altLang="zh-TW" dirty="0" smtClean="0">
                 <a:latin typeface="Consolas" panose="020B0609020204030204" pitchFamily="49" charset="0"/>
               </a:rPr>
-              <a:t>+ DBSCAN, </a:t>
-            </a:r>
-            <a:r>
-              <a:rPr lang="en-US" altLang="zh-TW" dirty="0" smtClean="0">
-                <a:latin typeface="Consolas" panose="020B0609020204030204" pitchFamily="49" charset="0"/>
-              </a:rPr>
-              <a:t>Cancer RNA-</a:t>
-            </a:r>
-            <a:r>
-              <a:rPr lang="en-US" altLang="zh-TW" dirty="0" err="1" smtClean="0">
-                <a:latin typeface="Consolas" panose="020B0609020204030204" pitchFamily="49" charset="0"/>
-              </a:rPr>
-              <a:t>Seq</a:t>
+              <a:t>+ DBSCAN, arrhythmia</a:t>
             </a:r>
             <a:endParaRPr lang="zh-TW" altLang="en-US" dirty="0"/>
           </a:p>
@@ -7729,32 +5592,36 @@
                     <a:lstStyle/>
                     <a:p>
                       <a:r>
-                        <a:rPr lang="en-US" altLang="zh-TW" sz="2800" dirty="0" smtClean="0"/>
-                        <a:t>59.0361% </a:t>
-                      </a:r>
-                      <a:r>
-                        <a:rPr lang="en-US" altLang="zh-TW" sz="2800" dirty="0">
+                        <a:rPr lang="en-US" altLang="zh-TW" sz="2800" b="1" dirty="0" smtClean="0"/>
+                        <a:t>47.4684% </a:t>
+                      </a:r>
+                      <a:r>
+                        <a:rPr lang="en-US" altLang="zh-TW" sz="2800" b="1" dirty="0">
                           <a:latin typeface="Wide Latin" panose="020A0A07050505020404" pitchFamily="18" charset="0"/>
                         </a:rPr>
                         <a:t>±</a:t>
                       </a:r>
                       <a:r>
+                        <a:rPr lang="en-US" altLang="zh-TW" sz="2800" b="1" dirty="0"/>
+                        <a:t> 0%</a:t>
+                      </a:r>
+                      <a:r>
                         <a:rPr lang="en-US" altLang="zh-TW" sz="2800" dirty="0"/>
-                        <a:t> 0% </a:t>
-                      </a:r>
-                      <a:endParaRPr lang="zh-TW" altLang="en-US" sz="2800" dirty="0"/>
-                    </a:p>
-                  </a:txBody>
-                  <a:tcPr/>
-                </a:tc>
-                <a:tc>
-                  <a:txBody>
-                    <a:bodyPr/>
-                    <a:lstStyle/>
-                    <a:p>
-                      <a:r>
-                        <a:rPr lang="en-US" altLang="zh-TW" sz="2800" dirty="0" smtClean="0"/>
-                        <a:t>14.5101</a:t>
+                        <a:t> </a:t>
+                      </a:r>
+                      <a:endParaRPr lang="zh-TW" altLang="en-US" sz="2800" dirty="0"/>
+                    </a:p>
+                  </a:txBody>
+                  <a:tcPr/>
+                </a:tc>
+                <a:tc>
+                  <a:txBody>
+                    <a:bodyPr/>
+                    <a:lstStyle/>
+                    <a:p>
+                      <a:r>
+                        <a:rPr lang="en-US" altLang="zh-TW" sz="2800" dirty="0" smtClean="0"/>
+                        <a:t>0.0285</a:t>
                       </a:r>
                       <a:endParaRPr lang="zh-TW" altLang="en-US" sz="2800" dirty="0"/>
                     </a:p>
@@ -7789,7 +5656,7 @@
                     <a:p>
                       <a:r>
                         <a:rPr lang="en-US" altLang="zh-TW" sz="2800" dirty="0" smtClean="0"/>
-                        <a:t>66.5663% </a:t>
+                        <a:t>46.8354% </a:t>
                       </a:r>
                       <a:r>
                         <a:rPr lang="en-US" altLang="zh-TW" sz="2800" dirty="0">
@@ -7813,7 +5680,7 @@
                     <a:p>
                       <a:r>
                         <a:rPr lang="en-US" altLang="zh-TW" sz="2800" dirty="0" smtClean="0"/>
-                        <a:t>10.3013</a:t>
+                        <a:t>0.0254</a:t>
                       </a:r>
                       <a:endParaRPr lang="zh-TW" altLang="en-US" sz="2800" dirty="0"/>
                     </a:p>
@@ -7847,32 +5714,32 @@
                     <a:lstStyle/>
                     <a:p>
                       <a:r>
-                        <a:rPr lang="en-US" altLang="zh-TW" sz="2800" b="1" dirty="0" smtClean="0"/>
-                        <a:t>94.5783% </a:t>
-                      </a:r>
-                      <a:r>
-                        <a:rPr lang="en-US" altLang="zh-TW" sz="2800" b="1" dirty="0">
+                        <a:rPr lang="en-US" altLang="zh-TW" sz="2800" dirty="0" smtClean="0"/>
+                        <a:t>38.6076% </a:t>
+                      </a:r>
+                      <a:r>
+                        <a:rPr lang="en-US" altLang="zh-TW" sz="2800" dirty="0">
                           <a:latin typeface="Wide Latin" panose="020A0A07050505020404" pitchFamily="18" charset="0"/>
                         </a:rPr>
                         <a:t>±</a:t>
                       </a:r>
                       <a:r>
-                        <a:rPr lang="en-US" altLang="zh-TW" sz="2800" b="1" dirty="0"/>
+                        <a:rPr lang="en-US" altLang="zh-TW" sz="2800" dirty="0"/>
                         <a:t> 0%</a:t>
                       </a:r>
-                      <a:endParaRPr lang="zh-TW" altLang="en-US" sz="2800" b="1" dirty="0"/>
-                    </a:p>
-                  </a:txBody>
-                  <a:tcPr/>
-                </a:tc>
-                <a:tc>
-                  <a:txBody>
-                    <a:bodyPr/>
-                    <a:lstStyle/>
-                    <a:p>
-                      <a:r>
-                        <a:rPr lang="en-US" altLang="zh-TW" sz="2800" dirty="0" smtClean="0"/>
-                        <a:t>0.0224</a:t>
+                      <a:endParaRPr lang="zh-TW" altLang="en-US" sz="2800" dirty="0"/>
+                    </a:p>
+                  </a:txBody>
+                  <a:tcPr/>
+                </a:tc>
+                <a:tc>
+                  <a:txBody>
+                    <a:bodyPr/>
+                    <a:lstStyle/>
+                    <a:p>
+                      <a:r>
+                        <a:rPr lang="en-US" altLang="zh-TW" sz="2800" dirty="0" smtClean="0"/>
+                        <a:t>0.0070</a:t>
                       </a:r>
                       <a:endParaRPr lang="zh-TW" altLang="en-US" sz="2800" dirty="0"/>
                     </a:p>
@@ -7928,7 +5795,7 @@
                       </a:pPr>
                       <a:r>
                         <a:rPr lang="en-US" altLang="zh-TW" sz="2800" dirty="0" smtClean="0"/>
-                        <a:t>78.3133% </a:t>
+                        <a:t>42.4051% </a:t>
                       </a:r>
                       <a:r>
                         <a:rPr lang="en-US" altLang="zh-TW" sz="2800" dirty="0">
@@ -7952,7 +5819,7 @@
                     <a:p>
                       <a:r>
                         <a:rPr lang="en-US" altLang="zh-TW" sz="2800" dirty="0" smtClean="0"/>
-                        <a:t>0.0237</a:t>
+                        <a:t>0.0071</a:t>
                       </a:r>
                       <a:endParaRPr lang="zh-TW" altLang="en-US" sz="2800" dirty="0"/>
                     </a:p>
@@ -8004,7 +5871,7 @@
                       </a:pPr>
                       <a:r>
                         <a:rPr lang="en-US" altLang="zh-TW" sz="2800" dirty="0" smtClean="0"/>
-                        <a:t>64.4578% </a:t>
+                        <a:t>37.9747% </a:t>
                       </a:r>
                       <a:r>
                         <a:rPr lang="en-US" altLang="zh-TW" sz="2800" dirty="0" smtClean="0">
@@ -8028,7 +5895,7 @@
                     <a:p>
                       <a:r>
                         <a:rPr lang="en-US" altLang="zh-TW" sz="2800" dirty="0" smtClean="0"/>
-                        <a:t>0.0258</a:t>
+                        <a:t>0.0071</a:t>
                       </a:r>
                       <a:endParaRPr lang="zh-TW" altLang="en-US" sz="2800" dirty="0"/>
                     </a:p>
@@ -8075,7 +5942,7 @@
                       </a:pPr>
                       <a:r>
                         <a:rPr lang="en-US" altLang="zh-TW" sz="2800" dirty="0" smtClean="0"/>
-                        <a:t>59.3373% </a:t>
+                        <a:t>44.3038% </a:t>
                       </a:r>
                       <a:r>
                         <a:rPr lang="en-US" altLang="zh-TW" sz="2800" dirty="0" smtClean="0">
@@ -8099,7 +5966,7 @@
                     <a:p>
                       <a:r>
                         <a:rPr lang="en-US" altLang="zh-TW" sz="2800" dirty="0" smtClean="0"/>
-                        <a:t>0.0235</a:t>
+                        <a:t>0.0071</a:t>
                       </a:r>
                       <a:endParaRPr lang="zh-TW" altLang="en-US" sz="2800" dirty="0"/>
                     </a:p>
@@ -8172,25 +6039,7 @@
               <a:rPr lang="en-US" altLang="zh-TW" dirty="0" smtClean="0">
                 <a:latin typeface="Consolas" panose="020B0609020204030204" pitchFamily="49" charset="0"/>
               </a:rPr>
-              <a:t>+ </a:t>
-            </a:r>
-            <a:r>
-              <a:rPr lang="en-US" altLang="zh-TW" dirty="0" smtClean="0">
-                <a:latin typeface="Consolas" panose="020B0609020204030204" pitchFamily="49" charset="0"/>
-              </a:rPr>
-              <a:t>k-means, </a:t>
-            </a:r>
-            <a:r>
-              <a:rPr lang="en-US" altLang="zh-TW" dirty="0" smtClean="0">
-                <a:latin typeface="Consolas" panose="020B0609020204030204" pitchFamily="49" charset="0"/>
-              </a:rPr>
-              <a:t>Cancer RNA-</a:t>
-            </a:r>
-            <a:r>
-              <a:rPr lang="en-US" altLang="zh-TW" dirty="0" err="1" smtClean="0">
-                <a:latin typeface="Consolas" panose="020B0609020204030204" pitchFamily="49" charset="0"/>
-              </a:rPr>
-              <a:t>Seq</a:t>
+              <a:t>+ k-means, arrhythmia</a:t>
             </a:r>
             <a:endParaRPr lang="zh-TW" altLang="en-US" dirty="0"/>
           </a:p>
@@ -8350,32 +6199,32 @@
                     <a:lstStyle/>
                     <a:p>
                       <a:r>
-                        <a:rPr lang="en-US" altLang="zh-TW" sz="2800" b="0" dirty="0" smtClean="0"/>
-                        <a:t>74.0964% </a:t>
-                      </a:r>
-                      <a:r>
-                        <a:rPr lang="en-US" altLang="zh-TW" sz="2800" b="0" dirty="0">
+                        <a:rPr lang="en-US" altLang="zh-TW" sz="2800" b="1" dirty="0" smtClean="0"/>
+                        <a:t>53.1646% </a:t>
+                      </a:r>
+                      <a:r>
+                        <a:rPr lang="en-US" altLang="zh-TW" sz="2800" b="1" dirty="0">
                           <a:latin typeface="Wide Latin" panose="020A0A07050505020404" pitchFamily="18" charset="0"/>
                         </a:rPr>
                         <a:t>±</a:t>
                       </a:r>
                       <a:r>
-                        <a:rPr lang="en-US" altLang="zh-TW" sz="2800" b="0" dirty="0"/>
+                        <a:rPr lang="en-US" altLang="zh-TW" sz="2800" b="1" dirty="0"/>
                         <a:t> 0% </a:t>
                       </a:r>
-                      <a:endParaRPr lang="zh-TW" altLang="en-US" sz="2800" b="0" dirty="0"/>
-                    </a:p>
-                  </a:txBody>
-                  <a:tcPr/>
-                </a:tc>
-                <a:tc>
-                  <a:txBody>
-                    <a:bodyPr/>
-                    <a:lstStyle/>
-                    <a:p>
-                      <a:r>
-                        <a:rPr lang="en-US" altLang="zh-TW" sz="2800" dirty="0" smtClean="0"/>
-                        <a:t>22.754</a:t>
+                      <a:endParaRPr lang="zh-TW" altLang="en-US" sz="2800" b="1" dirty="0"/>
+                    </a:p>
+                  </a:txBody>
+                  <a:tcPr/>
+                </a:tc>
+                <a:tc>
+                  <a:txBody>
+                    <a:bodyPr/>
+                    <a:lstStyle/>
+                    <a:p>
+                      <a:r>
+                        <a:rPr lang="en-US" altLang="zh-TW" sz="2800" dirty="0" smtClean="0"/>
+                        <a:t>0.0236</a:t>
                       </a:r>
                       <a:endParaRPr lang="zh-TW" altLang="en-US" sz="2800" dirty="0"/>
                     </a:p>
@@ -8410,7 +6259,7 @@
                     <a:p>
                       <a:r>
                         <a:rPr lang="en-US" altLang="zh-TW" sz="2800" dirty="0" smtClean="0"/>
-                        <a:t>53.6145% </a:t>
+                        <a:t>50.6329% </a:t>
                       </a:r>
                       <a:r>
                         <a:rPr lang="en-US" altLang="zh-TW" sz="2800" dirty="0">
@@ -8434,7 +6283,7 @@
                     <a:p>
                       <a:r>
                         <a:rPr lang="en-US" altLang="zh-TW" sz="2800" dirty="0" smtClean="0"/>
-                        <a:t>6.3558</a:t>
+                        <a:t>0.0343</a:t>
                       </a:r>
                       <a:endParaRPr lang="zh-TW" altLang="en-US" sz="2800" dirty="0"/>
                     </a:p>
@@ -8468,32 +6317,32 @@
                     <a:lstStyle/>
                     <a:p>
                       <a:r>
-                        <a:rPr lang="en-US" altLang="zh-TW" sz="2800" b="1" dirty="0" smtClean="0"/>
-                        <a:t>94.8795% </a:t>
-                      </a:r>
-                      <a:r>
-                        <a:rPr lang="en-US" altLang="zh-TW" sz="2800" b="1" dirty="0">
+                        <a:rPr lang="en-US" altLang="zh-TW" sz="2800" dirty="0" smtClean="0"/>
+                        <a:t>43.0380% </a:t>
+                      </a:r>
+                      <a:r>
+                        <a:rPr lang="en-US" altLang="zh-TW" sz="2800" dirty="0">
                           <a:latin typeface="Wide Latin" panose="020A0A07050505020404" pitchFamily="18" charset="0"/>
                         </a:rPr>
                         <a:t>±</a:t>
                       </a:r>
                       <a:r>
-                        <a:rPr lang="en-US" altLang="zh-TW" sz="2800" b="1" dirty="0"/>
+                        <a:rPr lang="en-US" altLang="zh-TW" sz="2800" dirty="0"/>
                         <a:t> 0%</a:t>
                       </a:r>
-                      <a:endParaRPr lang="zh-TW" altLang="en-US" sz="2800" b="1" dirty="0"/>
-                    </a:p>
-                  </a:txBody>
-                  <a:tcPr/>
-                </a:tc>
-                <a:tc>
-                  <a:txBody>
-                    <a:bodyPr/>
-                    <a:lstStyle/>
-                    <a:p>
-                      <a:r>
-                        <a:rPr lang="en-US" altLang="zh-TW" sz="2800" dirty="0" smtClean="0"/>
-                        <a:t>0.0212</a:t>
+                      <a:endParaRPr lang="zh-TW" altLang="en-US" sz="2800" dirty="0"/>
+                    </a:p>
+                  </a:txBody>
+                  <a:tcPr/>
+                </a:tc>
+                <a:tc>
+                  <a:txBody>
+                    <a:bodyPr/>
+                    <a:lstStyle/>
+                    <a:p>
+                      <a:r>
+                        <a:rPr lang="en-US" altLang="zh-TW" sz="2800" dirty="0" smtClean="0"/>
+                        <a:t>0.0068</a:t>
                       </a:r>
                       <a:endParaRPr lang="zh-TW" altLang="en-US" sz="2800" dirty="0"/>
                     </a:p>
@@ -8549,7 +6398,7 @@
                       </a:pPr>
                       <a:r>
                         <a:rPr lang="en-US" altLang="zh-TW" sz="2800" dirty="0" smtClean="0"/>
-                        <a:t>84.9398% </a:t>
+                        <a:t>43.0380% </a:t>
                       </a:r>
                       <a:r>
                         <a:rPr lang="en-US" altLang="zh-TW" sz="2800" dirty="0">
@@ -8573,7 +6422,7 @@
                     <a:p>
                       <a:r>
                         <a:rPr lang="en-US" altLang="zh-TW" sz="2800" dirty="0" smtClean="0"/>
-                        <a:t>0.0214</a:t>
+                        <a:t>0.0069</a:t>
                       </a:r>
                       <a:endParaRPr lang="zh-TW" altLang="en-US" sz="2800" dirty="0"/>
                     </a:p>
@@ -8625,7 +6474,7 @@
                       </a:pPr>
                       <a:r>
                         <a:rPr lang="en-US" altLang="zh-TW" sz="2800" dirty="0" smtClean="0"/>
-                        <a:t>42.1687% </a:t>
+                        <a:t>36.0759% </a:t>
                       </a:r>
                       <a:r>
                         <a:rPr lang="en-US" altLang="zh-TW" sz="2800" dirty="0" smtClean="0">
@@ -8649,7 +6498,7 @@
                     <a:p>
                       <a:r>
                         <a:rPr lang="en-US" altLang="zh-TW" sz="2800" dirty="0" smtClean="0"/>
-                        <a:t>0.0214</a:t>
+                        <a:t>0.0069</a:t>
                       </a:r>
                       <a:endParaRPr lang="zh-TW" altLang="en-US" sz="2800" dirty="0"/>
                     </a:p>
@@ -8696,7 +6545,7 @@
                       </a:pPr>
                       <a:r>
                         <a:rPr lang="en-US" altLang="zh-TW" sz="2800" dirty="0" smtClean="0"/>
-                        <a:t>65.9639% </a:t>
+                        <a:t>41.7722% </a:t>
                       </a:r>
                       <a:r>
                         <a:rPr lang="en-US" altLang="zh-TW" sz="2800" dirty="0" smtClean="0">
@@ -8720,7 +6569,7 @@
                     <a:p>
                       <a:r>
                         <a:rPr lang="en-US" altLang="zh-TW" sz="2800" dirty="0" smtClean="0"/>
-                        <a:t>0.0220</a:t>
+                        <a:t>0.0080</a:t>
                       </a:r>
                       <a:endParaRPr lang="zh-TW" altLang="en-US" sz="2800" dirty="0"/>
                     </a:p>
@@ -8787,31 +6636,7 @@
               <a:rPr lang="en-US" altLang="zh-TW" dirty="0" smtClean="0">
                 <a:latin typeface="Consolas" panose="020B0609020204030204" pitchFamily="49" charset="0"/>
               </a:rPr>
-              <a:t>SVM (sigmoid) </a:t>
-            </a:r>
-            <a:r>
-              <a:rPr lang="en-US" altLang="zh-TW" dirty="0" smtClean="0">
-                <a:latin typeface="Consolas" panose="020B0609020204030204" pitchFamily="49" charset="0"/>
-              </a:rPr>
-              <a:t>+ </a:t>
-            </a:r>
-            <a:r>
-              <a:rPr lang="en-US" altLang="zh-TW" dirty="0" smtClean="0">
-                <a:latin typeface="Consolas" panose="020B0609020204030204" pitchFamily="49" charset="0"/>
-              </a:rPr>
-              <a:t>k-means, </a:t>
-            </a:r>
-            <a:r>
-              <a:rPr lang="en-US" altLang="zh-TW" dirty="0" smtClean="0">
-                <a:latin typeface="Consolas" panose="020B0609020204030204" pitchFamily="49" charset="0"/>
-              </a:rPr>
-              <a:t>Cancer RNA-</a:t>
-            </a:r>
-            <a:r>
-              <a:rPr lang="en-US" altLang="zh-TW" dirty="0" err="1" smtClean="0">
-                <a:latin typeface="Consolas" panose="020B0609020204030204" pitchFamily="49" charset="0"/>
-              </a:rPr>
-              <a:t>Seq</a:t>
+              <a:t>SVM (sigmoid) + k-means, arrhythmia</a:t>
             </a:r>
             <a:endParaRPr lang="zh-TW" altLang="en-US" dirty="0"/>
           </a:p>
@@ -9385,7 +7210,13 @@
       </p:grpSpPr>
       <p:sp>
         <p:nvSpPr>
-          <p:cNvPr id="2" name="標題 1"/>
+          <p:cNvPr id="2" name="標題 1">
+            <a:extLst>
+              <a:ext uri="{FF2B5EF4-FFF2-40B4-BE49-F238E27FC236}">
+                <a16:creationId xmlns="" xmlns:a16="http://schemas.microsoft.com/office/drawing/2014/main" id="{7BDC027D-0EFD-5E87-C32C-78BCBA19CA82}"/>
+              </a:ext>
+            </a:extLst>
+          </p:cNvPr>
           <p:cNvSpPr>
             <a:spLocks noGrp="1"/>
           </p:cNvSpPr>
@@ -9393,27 +7224,560 @@
             <p:ph type="title"/>
           </p:nvPr>
         </p:nvSpPr>
-        <p:spPr>
-          <a:xfrm>
-            <a:off x="838199" y="365125"/>
-            <a:ext cx="10526487" cy="5905046"/>
-          </a:xfrm>
-        </p:spPr>
+        <p:spPr/>
         <p:txBody>
-          <a:bodyPr/>
+          <a:bodyPr>
+            <a:normAutofit/>
+          </a:bodyPr>
           <a:lstStyle/>
           <a:p>
             <a:r>
-              <a:rPr lang="en-US" altLang="zh-TW" dirty="0" smtClean="0">
-                <a:latin typeface="Consolas" pitchFamily="49" charset="0"/>
-              </a:rPr>
-              <a:t>Multi-classification SVMs perform bad in these two datasets. Why?</a:t>
+              <a:rPr lang="en-US" altLang="zh-TW" dirty="0">
+                <a:latin typeface="Consolas" panose="020B0609020204030204" pitchFamily="49" charset="0"/>
+              </a:rPr>
+              <a:t>Naive Bayes classifier (GA) </a:t>
+            </a:r>
+            <a:br>
+              <a:rPr lang="en-US" altLang="zh-TW" dirty="0">
+                <a:latin typeface="Consolas" panose="020B0609020204030204" pitchFamily="49" charset="0"/>
+              </a:rPr>
+            </a:br>
+            <a:r>
+              <a:rPr lang="en-US" altLang="zh-TW" dirty="0">
+                <a:latin typeface="Consolas" panose="020B0609020204030204" pitchFamily="49" charset="0"/>
+              </a:rPr>
+              <a:t>+ k-means, arrhythmia</a:t>
             </a:r>
             <a:endParaRPr lang="zh-TW" altLang="en-US" dirty="0"/>
           </a:p>
         </p:txBody>
       </p:sp>
+      <p:graphicFrame>
+        <p:nvGraphicFramePr>
+          <p:cNvPr id="4" name="表格 4">
+            <a:extLst>
+              <a:ext uri="{FF2B5EF4-FFF2-40B4-BE49-F238E27FC236}">
+                <a16:creationId xmlns="" xmlns:a16="http://schemas.microsoft.com/office/drawing/2014/main" id="{5F3E0619-219B-E13A-0433-2F63B4B4B02D}"/>
+              </a:ext>
+            </a:extLst>
+          </p:cNvPr>
+          <p:cNvGraphicFramePr>
+            <a:graphicFrameLocks noGrp="1"/>
+          </p:cNvGraphicFramePr>
+          <p:nvPr>
+            <p:extLst>
+              <p:ext uri="{D42A27DB-BD31-4B8C-83A1-F6EECF244321}">
+                <p14:modId xmlns:p14="http://schemas.microsoft.com/office/powerpoint/2010/main" xmlns="" val="518369097"/>
+              </p:ext>
+            </p:extLst>
+          </p:nvPr>
+        </p:nvGraphicFramePr>
+        <p:xfrm>
+          <a:off x="1239520" y="1791335"/>
+          <a:ext cx="9712959" cy="4585462"/>
+        </p:xfrm>
+        <a:graphic>
+          <a:graphicData uri="http://schemas.openxmlformats.org/drawingml/2006/table">
+            <a:tbl>
+              <a:tblPr firstRow="1" bandRow="1">
+                <a:tableStyleId>{5C22544A-7EE6-4342-B048-85BDC9FD1C3A}</a:tableStyleId>
+              </a:tblPr>
+              <a:tblGrid>
+                <a:gridCol w="3237653">
+                  <a:extLst>
+                    <a:ext uri="{9D8B030D-6E8A-4147-A177-3AD203B41FA5}">
+                      <a16:colId xmlns="" xmlns:a16="http://schemas.microsoft.com/office/drawing/2014/main" val="3991208199"/>
+                    </a:ext>
+                  </a:extLst>
+                </a:gridCol>
+                <a:gridCol w="3237653">
+                  <a:extLst>
+                    <a:ext uri="{9D8B030D-6E8A-4147-A177-3AD203B41FA5}">
+                      <a16:colId xmlns="" xmlns:a16="http://schemas.microsoft.com/office/drawing/2014/main" val="1262213421"/>
+                    </a:ext>
+                  </a:extLst>
+                </a:gridCol>
+                <a:gridCol w="3237653">
+                  <a:extLst>
+                    <a:ext uri="{9D8B030D-6E8A-4147-A177-3AD203B41FA5}">
+                      <a16:colId xmlns="" xmlns:a16="http://schemas.microsoft.com/office/drawing/2014/main" val="3788634706"/>
+                    </a:ext>
+                  </a:extLst>
+                </a:gridCol>
+              </a:tblGrid>
+              <a:tr h="655066">
+                <a:tc>
+                  <a:txBody>
+                    <a:bodyPr/>
+                    <a:lstStyle/>
+                    <a:p>
+                      <a:pPr marL="0" marR="0" lvl="0" indent="0" algn="l" defTabSz="914400" rtl="0" eaLnBrk="1" fontAlgn="auto" latinLnBrk="0" hangingPunct="1">
+                        <a:lnSpc>
+                          <a:spcPct val="100000"/>
+                        </a:lnSpc>
+                        <a:spcBef>
+                          <a:spcPts val="0"/>
+                        </a:spcBef>
+                        <a:spcAft>
+                          <a:spcPts val="0"/>
+                        </a:spcAft>
+                        <a:buClrTx/>
+                        <a:buSzTx/>
+                        <a:buFontTx/>
+                        <a:buNone/>
+                        <a:tabLst/>
+                        <a:defRPr/>
+                      </a:pPr>
+                      <a:r>
+                        <a:rPr lang="en-US" altLang="zh-TW" sz="2800" dirty="0"/>
+                        <a:t>Repeat 10 times</a:t>
+                      </a:r>
+                      <a:endParaRPr lang="zh-TW" altLang="en-US" sz="2800" dirty="0"/>
+                    </a:p>
+                  </a:txBody>
+                  <a:tcPr/>
+                </a:tc>
+                <a:tc>
+                  <a:txBody>
+                    <a:bodyPr/>
+                    <a:lstStyle/>
+                    <a:p>
+                      <a:r>
+                        <a:rPr lang="en-US" altLang="zh-TW" sz="2800" dirty="0"/>
+                        <a:t>Accuracy (%)</a:t>
+                      </a:r>
+                      <a:endParaRPr lang="zh-TW" altLang="en-US" sz="2800" dirty="0"/>
+                    </a:p>
+                  </a:txBody>
+                  <a:tcPr/>
+                </a:tc>
+                <a:tc>
+                  <a:txBody>
+                    <a:bodyPr/>
+                    <a:lstStyle/>
+                    <a:p>
+                      <a:r>
+                        <a:rPr lang="en-US" altLang="zh-TW" sz="2800" dirty="0"/>
+                        <a:t>Time (s)</a:t>
+                      </a:r>
+                      <a:endParaRPr lang="zh-TW" altLang="en-US" sz="2800" dirty="0"/>
+                    </a:p>
+                  </a:txBody>
+                  <a:tcPr/>
+                </a:tc>
+                <a:extLst>
+                  <a:ext uri="{0D108BD9-81ED-4DB2-BD59-A6C34878D82A}">
+                    <a16:rowId xmlns="" xmlns:a16="http://schemas.microsoft.com/office/drawing/2014/main" val="2028684342"/>
+                  </a:ext>
+                </a:extLst>
+              </a:tr>
+              <a:tr h="655066">
+                <a:tc>
+                  <a:txBody>
+                    <a:bodyPr/>
+                    <a:lstStyle/>
+                    <a:p>
+                      <a:r>
+                        <a:rPr lang="en-US" altLang="zh-TW" sz="2800" dirty="0">
+                          <a:latin typeface="Consolas" pitchFamily="49" charset="0"/>
+                        </a:rPr>
+                        <a:t>Raw</a:t>
+                      </a:r>
+                      <a:endParaRPr lang="zh-TW" altLang="en-US" sz="2800" dirty="0"/>
+                    </a:p>
+                  </a:txBody>
+                  <a:tcPr/>
+                </a:tc>
+                <a:tc>
+                  <a:txBody>
+                    <a:bodyPr/>
+                    <a:lstStyle/>
+                    <a:p>
+                      <a:r>
+                        <a:rPr lang="en-US" altLang="zh-TW" sz="2800" dirty="0"/>
+                        <a:t>13.2911% </a:t>
+                      </a:r>
+                      <a:r>
+                        <a:rPr lang="en-US" altLang="zh-TW" sz="2800" dirty="0">
+                          <a:latin typeface="Wide Latin" panose="020A0A07050505020404" pitchFamily="18" charset="0"/>
+                        </a:rPr>
+                        <a:t>±</a:t>
+                      </a:r>
+                      <a:r>
+                        <a:rPr lang="en-US" altLang="zh-TW" sz="2800" dirty="0"/>
+                        <a:t> 0% </a:t>
+                      </a:r>
+                      <a:endParaRPr lang="zh-TW" altLang="en-US" sz="2800" dirty="0"/>
+                    </a:p>
+                  </a:txBody>
+                  <a:tcPr/>
+                </a:tc>
+                <a:tc>
+                  <a:txBody>
+                    <a:bodyPr/>
+                    <a:lstStyle/>
+                    <a:p>
+                      <a:r>
+                        <a:rPr lang="en-US" altLang="zh-TW" sz="2800" dirty="0"/>
+                        <a:t>0.1342</a:t>
+                      </a:r>
+                      <a:endParaRPr lang="zh-TW" altLang="en-US" sz="2800" dirty="0"/>
+                    </a:p>
+                  </a:txBody>
+                  <a:tcPr/>
+                </a:tc>
+                <a:extLst>
+                  <a:ext uri="{0D108BD9-81ED-4DB2-BD59-A6C34878D82A}">
+                    <a16:rowId xmlns="" xmlns:a16="http://schemas.microsoft.com/office/drawing/2014/main" val="1629505054"/>
+                  </a:ext>
+                </a:extLst>
+              </a:tr>
+              <a:tr h="655066">
+                <a:tc>
+                  <a:txBody>
+                    <a:bodyPr/>
+                    <a:lstStyle/>
+                    <a:p>
+                      <a:r>
+                        <a:rPr lang="en-US" altLang="zh-TW" sz="2800" dirty="0"/>
+                        <a:t>Normalized</a:t>
+                      </a:r>
+                      <a:endParaRPr lang="zh-TW" altLang="en-US" sz="2800" dirty="0"/>
+                    </a:p>
+                  </a:txBody>
+                  <a:tcPr/>
+                </a:tc>
+                <a:tc>
+                  <a:txBody>
+                    <a:bodyPr/>
+                    <a:lstStyle/>
+                    <a:p>
+                      <a:r>
+                        <a:rPr lang="en-US" altLang="zh-TW" sz="2800" dirty="0"/>
+                        <a:t>-</a:t>
+                      </a:r>
+                      <a:endParaRPr lang="zh-TW" altLang="en-US" sz="2800" dirty="0"/>
+                    </a:p>
+                  </a:txBody>
+                  <a:tcPr/>
+                </a:tc>
+                <a:tc>
+                  <a:txBody>
+                    <a:bodyPr/>
+                    <a:lstStyle/>
+                    <a:p>
+                      <a:r>
+                        <a:rPr lang="en-US" altLang="zh-TW" sz="2800" dirty="0"/>
+                        <a:t>-</a:t>
+                      </a:r>
+                      <a:endParaRPr lang="zh-TW" altLang="en-US" sz="2800" dirty="0"/>
+                    </a:p>
+                  </a:txBody>
+                  <a:tcPr/>
+                </a:tc>
+                <a:extLst>
+                  <a:ext uri="{0D108BD9-81ED-4DB2-BD59-A6C34878D82A}">
+                    <a16:rowId xmlns="" xmlns:a16="http://schemas.microsoft.com/office/drawing/2014/main" val="2232274875"/>
+                  </a:ext>
+                </a:extLst>
+              </a:tr>
+              <a:tr h="655066">
+                <a:tc>
+                  <a:txBody>
+                    <a:bodyPr/>
+                    <a:lstStyle/>
+                    <a:p>
+                      <a:r>
+                        <a:rPr lang="en-US" altLang="zh-TW" sz="2800" dirty="0"/>
+                        <a:t>PCA-32</a:t>
+                      </a:r>
+                      <a:endParaRPr lang="zh-TW" altLang="en-US" sz="2800" dirty="0"/>
+                    </a:p>
+                  </a:txBody>
+                  <a:tcPr/>
+                </a:tc>
+                <a:tc>
+                  <a:txBody>
+                    <a:bodyPr/>
+                    <a:lstStyle/>
+                    <a:p>
+                      <a:r>
+                        <a:rPr lang="en-US" altLang="zh-TW" sz="2800" dirty="0"/>
+                        <a:t>13.2911% </a:t>
+                      </a:r>
+                      <a:r>
+                        <a:rPr lang="en-US" altLang="zh-TW" sz="2800" dirty="0">
+                          <a:latin typeface="Wide Latin" panose="020A0A07050505020404" pitchFamily="18" charset="0"/>
+                        </a:rPr>
+                        <a:t>±</a:t>
+                      </a:r>
+                      <a:r>
+                        <a:rPr lang="en-US" altLang="zh-TW" sz="2800" dirty="0"/>
+                        <a:t> 0%</a:t>
+                      </a:r>
+                      <a:endParaRPr lang="zh-TW" altLang="en-US" sz="2800" dirty="0"/>
+                    </a:p>
+                  </a:txBody>
+                  <a:tcPr/>
+                </a:tc>
+                <a:tc>
+                  <a:txBody>
+                    <a:bodyPr/>
+                    <a:lstStyle/>
+                    <a:p>
+                      <a:r>
+                        <a:rPr lang="en-US" altLang="zh-TW" sz="2800" dirty="0"/>
+                        <a:t>0.0296</a:t>
+                      </a:r>
+                      <a:endParaRPr lang="zh-TW" altLang="en-US" sz="2800" dirty="0"/>
+                    </a:p>
+                  </a:txBody>
+                  <a:tcPr/>
+                </a:tc>
+                <a:extLst>
+                  <a:ext uri="{0D108BD9-81ED-4DB2-BD59-A6C34878D82A}">
+                    <a16:rowId xmlns="" xmlns:a16="http://schemas.microsoft.com/office/drawing/2014/main" val="4251700897"/>
+                  </a:ext>
+                </a:extLst>
+              </a:tr>
+              <a:tr h="655066">
+                <a:tc>
+                  <a:txBody>
+                    <a:bodyPr/>
+                    <a:lstStyle/>
+                    <a:p>
+                      <a:r>
+                        <a:rPr lang="en-US" altLang="zh-TW" sz="2800" dirty="0"/>
+                        <a:t>PCA-32 (normalized)</a:t>
+                      </a:r>
+                      <a:endParaRPr lang="zh-TW" altLang="en-US" sz="2800" dirty="0"/>
+                    </a:p>
+                  </a:txBody>
+                  <a:tcPr/>
+                </a:tc>
+                <a:tc>
+                  <a:txBody>
+                    <a:bodyPr/>
+                    <a:lstStyle/>
+                    <a:p>
+                      <a:pPr marL="0" marR="0" lvl="0" indent="0" algn="l" defTabSz="914400" rtl="0" eaLnBrk="1" fontAlgn="auto" latinLnBrk="0" hangingPunct="1">
+                        <a:lnSpc>
+                          <a:spcPct val="100000"/>
+                        </a:lnSpc>
+                        <a:spcBef>
+                          <a:spcPts val="0"/>
+                        </a:spcBef>
+                        <a:spcAft>
+                          <a:spcPts val="0"/>
+                        </a:spcAft>
+                        <a:buClrTx/>
+                        <a:buSzTx/>
+                        <a:buFontTx/>
+                        <a:buNone/>
+                        <a:tabLst/>
+                        <a:defRPr/>
+                      </a:pPr>
+                      <a:r>
+                        <a:rPr lang="en-US" altLang="zh-TW" sz="2800" dirty="0"/>
+                        <a:t>31.6455% </a:t>
+                      </a:r>
+                      <a:r>
+                        <a:rPr lang="en-US" altLang="zh-TW" sz="2800" dirty="0">
+                          <a:latin typeface="Wide Latin" panose="020A0A07050505020404" pitchFamily="18" charset="0"/>
+                        </a:rPr>
+                        <a:t>±</a:t>
+                      </a:r>
+                      <a:r>
+                        <a:rPr lang="en-US" altLang="zh-TW" sz="2800" dirty="0"/>
+                        <a:t> 0%</a:t>
+                      </a:r>
+                      <a:endParaRPr lang="zh-TW" altLang="en-US" sz="2800" dirty="0"/>
+                    </a:p>
+                  </a:txBody>
+                  <a:tcPr/>
+                </a:tc>
+                <a:tc>
+                  <a:txBody>
+                    <a:bodyPr/>
+                    <a:lstStyle/>
+                    <a:p>
+                      <a:r>
+                        <a:rPr lang="en-US" altLang="zh-TW" sz="2800" dirty="0"/>
+                        <a:t>0.0400</a:t>
+                      </a:r>
+                      <a:endParaRPr lang="zh-TW" altLang="en-US" sz="2800" dirty="0"/>
+                    </a:p>
+                  </a:txBody>
+                  <a:tcPr/>
+                </a:tc>
+                <a:extLst>
+                  <a:ext uri="{0D108BD9-81ED-4DB2-BD59-A6C34878D82A}">
+                    <a16:rowId xmlns="" xmlns:a16="http://schemas.microsoft.com/office/drawing/2014/main" val="4168020029"/>
+                  </a:ext>
+                </a:extLst>
+              </a:tr>
+              <a:tr h="655066">
+                <a:tc>
+                  <a:txBody>
+                    <a:bodyPr/>
+                    <a:lstStyle/>
+                    <a:p>
+                      <a:r>
+                        <a:rPr lang="en-US" altLang="zh-TW" sz="2800" dirty="0"/>
+                        <a:t>AE-32</a:t>
+                      </a:r>
+                      <a:endParaRPr lang="zh-TW" altLang="en-US" sz="2800" dirty="0"/>
+                    </a:p>
+                  </a:txBody>
+                  <a:tcPr/>
+                </a:tc>
+                <a:tc>
+                  <a:txBody>
+                    <a:bodyPr/>
+                    <a:lstStyle/>
+                    <a:p>
+                      <a:pPr marL="0" marR="0" lvl="0" indent="0" algn="l" defTabSz="914400" rtl="0" eaLnBrk="1" fontAlgn="auto" latinLnBrk="0" hangingPunct="1">
+                        <a:lnSpc>
+                          <a:spcPct val="100000"/>
+                        </a:lnSpc>
+                        <a:spcBef>
+                          <a:spcPts val="0"/>
+                        </a:spcBef>
+                        <a:spcAft>
+                          <a:spcPts val="0"/>
+                        </a:spcAft>
+                        <a:buClrTx/>
+                        <a:buSzTx/>
+                        <a:buFontTx/>
+                        <a:buNone/>
+                        <a:tabLst/>
+                        <a:defRPr/>
+                      </a:pPr>
+                      <a:r>
+                        <a:rPr lang="en-US" altLang="zh-TW" sz="2800" dirty="0"/>
+                        <a:t>11.8607% </a:t>
+                      </a:r>
+                      <a:r>
+                        <a:rPr lang="en-US" altLang="zh-TW" sz="2800" dirty="0">
+                          <a:latin typeface="Wide Latin" panose="020A0A07050505020404" pitchFamily="18" charset="0"/>
+                        </a:rPr>
+                        <a:t>±</a:t>
+                      </a:r>
+                      <a:r>
+                        <a:rPr lang="en-US" altLang="zh-TW" sz="2800" dirty="0"/>
+                        <a:t> 0%</a:t>
+                      </a:r>
+                      <a:endParaRPr lang="zh-TW" altLang="en-US" sz="2800" dirty="0"/>
+                    </a:p>
+                  </a:txBody>
+                  <a:tcPr/>
+                </a:tc>
+                <a:tc>
+                  <a:txBody>
+                    <a:bodyPr/>
+                    <a:lstStyle/>
+                    <a:p>
+                      <a:r>
+                        <a:rPr lang="en-US" altLang="zh-TW" sz="2800" dirty="0"/>
+                        <a:t>0.0300</a:t>
+                      </a:r>
+                      <a:endParaRPr lang="zh-TW" altLang="en-US" sz="2800" dirty="0"/>
+                    </a:p>
+                  </a:txBody>
+                  <a:tcPr/>
+                </a:tc>
+                <a:extLst>
+                  <a:ext uri="{0D108BD9-81ED-4DB2-BD59-A6C34878D82A}">
+                    <a16:rowId xmlns="" xmlns:a16="http://schemas.microsoft.com/office/drawing/2014/main" val="10005"/>
+                  </a:ext>
+                </a:extLst>
+              </a:tr>
+              <a:tr h="655066">
+                <a:tc>
+                  <a:txBody>
+                    <a:bodyPr/>
+                    <a:lstStyle/>
+                    <a:p>
+                      <a:r>
+                        <a:rPr lang="en-US" altLang="zh-TW" sz="2800" dirty="0"/>
+                        <a:t>AE-32 (normalized)</a:t>
+                      </a:r>
+                      <a:endParaRPr lang="zh-TW" altLang="en-US" sz="2800" dirty="0"/>
+                    </a:p>
+                  </a:txBody>
+                  <a:tcPr/>
+                </a:tc>
+                <a:tc>
+                  <a:txBody>
+                    <a:bodyPr/>
+                    <a:lstStyle/>
+                    <a:p>
+                      <a:pPr marL="0" marR="0" lvl="0" indent="0" algn="l" defTabSz="914400" rtl="0" eaLnBrk="1" fontAlgn="auto" latinLnBrk="0" hangingPunct="1">
+                        <a:lnSpc>
+                          <a:spcPct val="100000"/>
+                        </a:lnSpc>
+                        <a:spcBef>
+                          <a:spcPts val="0"/>
+                        </a:spcBef>
+                        <a:spcAft>
+                          <a:spcPts val="0"/>
+                        </a:spcAft>
+                        <a:buClrTx/>
+                        <a:buSzTx/>
+                        <a:buFontTx/>
+                        <a:buNone/>
+                        <a:tabLst/>
+                        <a:defRPr/>
+                      </a:pPr>
+                      <a:r>
+                        <a:rPr lang="en-US" altLang="zh-TW" sz="2800" dirty="0"/>
+                        <a:t>31.6455% </a:t>
+                      </a:r>
+                      <a:r>
+                        <a:rPr lang="en-US" altLang="zh-TW" sz="2800" dirty="0">
+                          <a:latin typeface="Wide Latin" panose="020A0A07050505020404" pitchFamily="18" charset="0"/>
+                        </a:rPr>
+                        <a:t>±</a:t>
+                      </a:r>
+                      <a:r>
+                        <a:rPr lang="en-US" altLang="zh-TW" sz="2800" dirty="0"/>
+                        <a:t> 0%</a:t>
+                      </a:r>
+                      <a:endParaRPr lang="zh-TW" altLang="en-US" sz="2800" dirty="0"/>
+                    </a:p>
+                  </a:txBody>
+                  <a:tcPr/>
+                </a:tc>
+                <a:tc>
+                  <a:txBody>
+                    <a:bodyPr/>
+                    <a:lstStyle/>
+                    <a:p>
+                      <a:r>
+                        <a:rPr lang="en-US" altLang="zh-TW" sz="2800" dirty="0"/>
+                        <a:t>0.0398</a:t>
+                      </a:r>
+                      <a:endParaRPr lang="zh-TW" altLang="en-US" sz="2800" dirty="0"/>
+                    </a:p>
+                  </a:txBody>
+                  <a:tcPr/>
+                </a:tc>
+                <a:extLst>
+                  <a:ext uri="{0D108BD9-81ED-4DB2-BD59-A6C34878D82A}">
+                    <a16:rowId xmlns="" xmlns:a16="http://schemas.microsoft.com/office/drawing/2014/main" val="10006"/>
+                  </a:ext>
+                </a:extLst>
+              </a:tr>
+            </a:tbl>
+          </a:graphicData>
+        </a:graphic>
+      </p:graphicFrame>
     </p:spTree>
+    <p:extLst>
+      <p:ext uri="{BB962C8B-B14F-4D97-AF65-F5344CB8AC3E}">
+        <p14:creationId xmlns:p14="http://schemas.microsoft.com/office/powerpoint/2010/main" xmlns="" val="766643794"/>
+      </p:ext>
+    </p:extLst>
   </p:cSld>
   <p:clrMapOvr>
     <a:masterClrMapping/>
@@ -9438,39 +7802,591 @@
           <a:chExt cx="0" cy="0"/>
         </a:xfrm>
       </p:grpSpPr>
-      <p:pic>
-        <p:nvPicPr>
-          <p:cNvPr id="3076" name="Picture 4"/>
-          <p:cNvPicPr>
-            <a:picLocks noChangeAspect="1" noChangeArrowheads="1"/>
-          </p:cNvPicPr>
-          <p:nvPr/>
-        </p:nvPicPr>
-        <p:blipFill>
-          <a:blip r:embed="rId2" cstate="print"/>
-          <a:srcRect/>
-          <a:stretch>
-            <a:fillRect/>
-          </a:stretch>
-        </p:blipFill>
-        <p:spPr bwMode="auto">
-          <a:xfrm>
-            <a:off x="2239348" y="93327"/>
-            <a:ext cx="7604448" cy="6577193"/>
-          </a:xfrm>
-          <a:prstGeom prst="rect">
-            <a:avLst/>
-          </a:prstGeom>
-          <a:noFill/>
-          <a:ln w="9525">
-            <a:noFill/>
-            <a:miter lim="800000"/>
-            <a:headEnd/>
-            <a:tailEnd/>
-          </a:ln>
-        </p:spPr>
-      </p:pic>
+      <p:sp>
+        <p:nvSpPr>
+          <p:cNvPr id="2" name="標題 1">
+            <a:extLst>
+              <a:ext uri="{FF2B5EF4-FFF2-40B4-BE49-F238E27FC236}">
+                <a16:creationId xmlns:a16="http://schemas.microsoft.com/office/drawing/2014/main" xmlns="" id="{7BDC027D-0EFD-5E87-C32C-78BCBA19CA82}"/>
+              </a:ext>
+            </a:extLst>
+          </p:cNvPr>
+          <p:cNvSpPr>
+            <a:spLocks noGrp="1"/>
+          </p:cNvSpPr>
+          <p:nvPr>
+            <p:ph type="title"/>
+          </p:nvPr>
+        </p:nvSpPr>
+        <p:spPr/>
+        <p:txBody>
+          <a:bodyPr/>
+          <a:lstStyle/>
+          <a:p>
+            <a:r>
+              <a:rPr lang="en-US" altLang="zh-TW" dirty="0">
+                <a:latin typeface="Consolas" panose="020B0609020204030204" pitchFamily="49" charset="0"/>
+              </a:rPr>
+              <a:t>KNN </a:t>
+            </a:r>
+            <a:r>
+              <a:rPr lang="en-US" altLang="zh-TW" dirty="0" smtClean="0">
+                <a:latin typeface="Consolas" panose="020B0609020204030204" pitchFamily="49" charset="0"/>
+              </a:rPr>
+              <a:t>+ DBSCAN, Cancer RNA-</a:t>
+            </a:r>
+            <a:r>
+              <a:rPr lang="en-US" altLang="zh-TW" dirty="0" err="1" smtClean="0">
+                <a:latin typeface="Consolas" panose="020B0609020204030204" pitchFamily="49" charset="0"/>
+              </a:rPr>
+              <a:t>Seq</a:t>
+            </a:r>
+            <a:endParaRPr lang="zh-TW" altLang="en-US" dirty="0"/>
+          </a:p>
+        </p:txBody>
+      </p:sp>
+      <p:graphicFrame>
+        <p:nvGraphicFramePr>
+          <p:cNvPr id="4" name="表格 4">
+            <a:extLst>
+              <a:ext uri="{FF2B5EF4-FFF2-40B4-BE49-F238E27FC236}">
+                <a16:creationId xmlns:a16="http://schemas.microsoft.com/office/drawing/2014/main" xmlns="" id="{5F3E0619-219B-E13A-0433-2F63B4B4B02D}"/>
+              </a:ext>
+            </a:extLst>
+          </p:cNvPr>
+          <p:cNvGraphicFramePr>
+            <a:graphicFrameLocks noGrp="1"/>
+          </p:cNvGraphicFramePr>
+          <p:nvPr>
+            <p:extLst>
+              <p:ext uri="{D42A27DB-BD31-4B8C-83A1-F6EECF244321}">
+                <p14:modId xmlns:p14="http://schemas.microsoft.com/office/powerpoint/2010/main" xmlns="" val="3398980393"/>
+              </p:ext>
+            </p:extLst>
+          </p:nvPr>
+        </p:nvGraphicFramePr>
+        <p:xfrm>
+          <a:off x="1239520" y="1791335"/>
+          <a:ext cx="9712959" cy="4585462"/>
+        </p:xfrm>
+        <a:graphic>
+          <a:graphicData uri="http://schemas.openxmlformats.org/drawingml/2006/table">
+            <a:tbl>
+              <a:tblPr firstRow="1" bandRow="1">
+                <a:tableStyleId>{5C22544A-7EE6-4342-B048-85BDC9FD1C3A}</a:tableStyleId>
+              </a:tblPr>
+              <a:tblGrid>
+                <a:gridCol w="3237653">
+                  <a:extLst>
+                    <a:ext uri="{9D8B030D-6E8A-4147-A177-3AD203B41FA5}">
+                      <a16:colId xmlns:a16="http://schemas.microsoft.com/office/drawing/2014/main" xmlns="" val="3991208199"/>
+                    </a:ext>
+                  </a:extLst>
+                </a:gridCol>
+                <a:gridCol w="3237653">
+                  <a:extLst>
+                    <a:ext uri="{9D8B030D-6E8A-4147-A177-3AD203B41FA5}">
+                      <a16:colId xmlns:a16="http://schemas.microsoft.com/office/drawing/2014/main" xmlns="" val="1262213421"/>
+                    </a:ext>
+                  </a:extLst>
+                </a:gridCol>
+                <a:gridCol w="3237653">
+                  <a:extLst>
+                    <a:ext uri="{9D8B030D-6E8A-4147-A177-3AD203B41FA5}">
+                      <a16:colId xmlns:a16="http://schemas.microsoft.com/office/drawing/2014/main" xmlns="" val="3788634706"/>
+                    </a:ext>
+                  </a:extLst>
+                </a:gridCol>
+              </a:tblGrid>
+              <a:tr h="655066">
+                <a:tc>
+                  <a:txBody>
+                    <a:bodyPr/>
+                    <a:lstStyle/>
+                    <a:p>
+                      <a:pPr marL="0" marR="0" lvl="0" indent="0" algn="l" defTabSz="914400" rtl="0" eaLnBrk="1" fontAlgn="auto" latinLnBrk="0" hangingPunct="1">
+                        <a:lnSpc>
+                          <a:spcPct val="100000"/>
+                        </a:lnSpc>
+                        <a:spcBef>
+                          <a:spcPts val="0"/>
+                        </a:spcBef>
+                        <a:spcAft>
+                          <a:spcPts val="0"/>
+                        </a:spcAft>
+                        <a:buClrTx/>
+                        <a:buSzTx/>
+                        <a:buFontTx/>
+                        <a:buNone/>
+                        <a:tabLst/>
+                        <a:defRPr/>
+                      </a:pPr>
+                      <a:r>
+                        <a:rPr lang="en-US" altLang="zh-TW" sz="2800" dirty="0"/>
+                        <a:t>Repeat </a:t>
+                      </a:r>
+                      <a:r>
+                        <a:rPr lang="en-US" altLang="zh-TW" sz="2800" dirty="0" smtClean="0"/>
+                        <a:t>10 </a:t>
+                      </a:r>
+                      <a:r>
+                        <a:rPr lang="en-US" altLang="zh-TW" sz="2800" dirty="0"/>
+                        <a:t>times</a:t>
+                      </a:r>
+                      <a:endParaRPr lang="zh-TW" altLang="en-US" sz="2800" dirty="0"/>
+                    </a:p>
+                  </a:txBody>
+                  <a:tcPr/>
+                </a:tc>
+                <a:tc>
+                  <a:txBody>
+                    <a:bodyPr/>
+                    <a:lstStyle/>
+                    <a:p>
+                      <a:r>
+                        <a:rPr lang="en-US" altLang="zh-TW" sz="2800" dirty="0" smtClean="0"/>
+                        <a:t>Accuracy </a:t>
+                      </a:r>
+                      <a:r>
+                        <a:rPr lang="en-US" altLang="zh-TW" sz="2800" dirty="0"/>
+                        <a:t>(%)</a:t>
+                      </a:r>
+                      <a:endParaRPr lang="zh-TW" altLang="en-US" sz="2800" dirty="0"/>
+                    </a:p>
+                  </a:txBody>
+                  <a:tcPr/>
+                </a:tc>
+                <a:tc>
+                  <a:txBody>
+                    <a:bodyPr/>
+                    <a:lstStyle/>
+                    <a:p>
+                      <a:r>
+                        <a:rPr lang="en-US" altLang="zh-TW" sz="2800" dirty="0"/>
+                        <a:t>Time (s)</a:t>
+                      </a:r>
+                      <a:endParaRPr lang="zh-TW" altLang="en-US" sz="2800" dirty="0"/>
+                    </a:p>
+                  </a:txBody>
+                  <a:tcPr/>
+                </a:tc>
+                <a:extLst>
+                  <a:ext uri="{0D108BD9-81ED-4DB2-BD59-A6C34878D82A}">
+                    <a16:rowId xmlns:a16="http://schemas.microsoft.com/office/drawing/2014/main" xmlns="" val="2028684342"/>
+                  </a:ext>
+                </a:extLst>
+              </a:tr>
+              <a:tr h="655066">
+                <a:tc>
+                  <a:txBody>
+                    <a:bodyPr/>
+                    <a:lstStyle/>
+                    <a:p>
+                      <a:r>
+                        <a:rPr lang="en-US" altLang="zh-TW" sz="2800" dirty="0" smtClean="0">
+                          <a:latin typeface="Consolas" pitchFamily="49" charset="0"/>
+                        </a:rPr>
+                        <a:t>Raw</a:t>
+                      </a:r>
+                      <a:endParaRPr lang="zh-TW" altLang="en-US" sz="2800" dirty="0"/>
+                    </a:p>
+                  </a:txBody>
+                  <a:tcPr/>
+                </a:tc>
+                <a:tc>
+                  <a:txBody>
+                    <a:bodyPr/>
+                    <a:lstStyle/>
+                    <a:p>
+                      <a:r>
+                        <a:rPr lang="en-US" altLang="zh-TW" sz="2800" dirty="0" smtClean="0"/>
+                        <a:t>59.0361% </a:t>
+                      </a:r>
+                      <a:r>
+                        <a:rPr lang="en-US" altLang="zh-TW" sz="2800" dirty="0">
+                          <a:latin typeface="Wide Latin" panose="020A0A07050505020404" pitchFamily="18" charset="0"/>
+                        </a:rPr>
+                        <a:t>±</a:t>
+                      </a:r>
+                      <a:r>
+                        <a:rPr lang="en-US" altLang="zh-TW" sz="2800" dirty="0"/>
+                        <a:t> 0% </a:t>
+                      </a:r>
+                      <a:endParaRPr lang="zh-TW" altLang="en-US" sz="2800" dirty="0"/>
+                    </a:p>
+                  </a:txBody>
+                  <a:tcPr/>
+                </a:tc>
+                <a:tc>
+                  <a:txBody>
+                    <a:bodyPr/>
+                    <a:lstStyle/>
+                    <a:p>
+                      <a:r>
+                        <a:rPr lang="en-US" altLang="zh-TW" sz="2800" dirty="0" smtClean="0"/>
+                        <a:t>14.5101</a:t>
+                      </a:r>
+                      <a:endParaRPr lang="zh-TW" altLang="en-US" sz="2800" dirty="0"/>
+                    </a:p>
+                  </a:txBody>
+                  <a:tcPr/>
+                </a:tc>
+                <a:extLst>
+                  <a:ext uri="{0D108BD9-81ED-4DB2-BD59-A6C34878D82A}">
+                    <a16:rowId xmlns:a16="http://schemas.microsoft.com/office/drawing/2014/main" xmlns="" val="1629505054"/>
+                  </a:ext>
+                </a:extLst>
+              </a:tr>
+              <a:tr h="655066">
+                <a:tc>
+                  <a:txBody>
+                    <a:bodyPr/>
+                    <a:lstStyle/>
+                    <a:p>
+                      <a:r>
+                        <a:rPr lang="en-US" altLang="zh-TW" sz="2800" dirty="0" smtClean="0"/>
+                        <a:t>Normalized</a:t>
+                      </a:r>
+                      <a:endParaRPr lang="zh-TW" altLang="en-US" sz="2800" dirty="0"/>
+                    </a:p>
+                  </a:txBody>
+                  <a:tcPr/>
+                </a:tc>
+                <a:tc>
+                  <a:txBody>
+                    <a:bodyPr/>
+                    <a:lstStyle/>
+                    <a:p>
+                      <a:r>
+                        <a:rPr lang="en-US" altLang="zh-TW" sz="2800" dirty="0" smtClean="0"/>
+                        <a:t>66.5663% </a:t>
+                      </a:r>
+                      <a:r>
+                        <a:rPr lang="en-US" altLang="zh-TW" sz="2800" dirty="0">
+                          <a:latin typeface="Wide Latin" panose="020A0A07050505020404" pitchFamily="18" charset="0"/>
+                        </a:rPr>
+                        <a:t>±</a:t>
+                      </a:r>
+                      <a:r>
+                        <a:rPr lang="en-US" altLang="zh-TW" sz="2800" dirty="0"/>
+                        <a:t> 0% </a:t>
+                      </a:r>
+                      <a:endParaRPr lang="zh-TW" altLang="en-US" sz="2800" dirty="0"/>
+                    </a:p>
+                  </a:txBody>
+                  <a:tcPr/>
+                </a:tc>
+                <a:tc>
+                  <a:txBody>
+                    <a:bodyPr/>
+                    <a:lstStyle/>
+                    <a:p>
+                      <a:r>
+                        <a:rPr lang="en-US" altLang="zh-TW" sz="2800" dirty="0" smtClean="0"/>
+                        <a:t>10.3013</a:t>
+                      </a:r>
+                      <a:endParaRPr lang="zh-TW" altLang="en-US" sz="2800" dirty="0"/>
+                    </a:p>
+                  </a:txBody>
+                  <a:tcPr/>
+                </a:tc>
+                <a:extLst>
+                  <a:ext uri="{0D108BD9-81ED-4DB2-BD59-A6C34878D82A}">
+                    <a16:rowId xmlns:a16="http://schemas.microsoft.com/office/drawing/2014/main" xmlns="" val="2232274875"/>
+                  </a:ext>
+                </a:extLst>
+              </a:tr>
+              <a:tr h="655066">
+                <a:tc>
+                  <a:txBody>
+                    <a:bodyPr/>
+                    <a:lstStyle/>
+                    <a:p>
+                      <a:r>
+                        <a:rPr lang="en-US" altLang="zh-TW" sz="2800" dirty="0" smtClean="0"/>
+                        <a:t>PCA-32</a:t>
+                      </a:r>
+                      <a:endParaRPr lang="zh-TW" altLang="en-US" sz="2800" dirty="0"/>
+                    </a:p>
+                  </a:txBody>
+                  <a:tcPr/>
+                </a:tc>
+                <a:tc>
+                  <a:txBody>
+                    <a:bodyPr/>
+                    <a:lstStyle/>
+                    <a:p>
+                      <a:r>
+                        <a:rPr lang="en-US" altLang="zh-TW" sz="2800" b="1" dirty="0" smtClean="0"/>
+                        <a:t>94.5783% </a:t>
+                      </a:r>
+                      <a:r>
+                        <a:rPr lang="en-US" altLang="zh-TW" sz="2800" b="1" dirty="0">
+                          <a:latin typeface="Wide Latin" panose="020A0A07050505020404" pitchFamily="18" charset="0"/>
+                        </a:rPr>
+                        <a:t>±</a:t>
+                      </a:r>
+                      <a:r>
+                        <a:rPr lang="en-US" altLang="zh-TW" sz="2800" b="1" dirty="0"/>
+                        <a:t> 0%</a:t>
+                      </a:r>
+                      <a:endParaRPr lang="zh-TW" altLang="en-US" sz="2800" b="1" dirty="0"/>
+                    </a:p>
+                  </a:txBody>
+                  <a:tcPr/>
+                </a:tc>
+                <a:tc>
+                  <a:txBody>
+                    <a:bodyPr/>
+                    <a:lstStyle/>
+                    <a:p>
+                      <a:r>
+                        <a:rPr lang="en-US" altLang="zh-TW" sz="2800" dirty="0" smtClean="0"/>
+                        <a:t>0.0224</a:t>
+                      </a:r>
+                      <a:endParaRPr lang="zh-TW" altLang="en-US" sz="2800" dirty="0"/>
+                    </a:p>
+                  </a:txBody>
+                  <a:tcPr/>
+                </a:tc>
+                <a:extLst>
+                  <a:ext uri="{0D108BD9-81ED-4DB2-BD59-A6C34878D82A}">
+                    <a16:rowId xmlns:a16="http://schemas.microsoft.com/office/drawing/2014/main" xmlns="" val="4251700897"/>
+                  </a:ext>
+                </a:extLst>
+              </a:tr>
+              <a:tr h="655066">
+                <a:tc>
+                  <a:txBody>
+                    <a:bodyPr/>
+                    <a:lstStyle/>
+                    <a:p>
+                      <a:r>
+                        <a:rPr lang="en-US" altLang="zh-TW" sz="2800" dirty="0" smtClean="0"/>
+                        <a:t>PCA-32 </a:t>
+                      </a:r>
+                      <a:r>
+                        <a:rPr lang="en-US" altLang="zh-TW" sz="2800" dirty="0"/>
+                        <a:t>(normalized)</a:t>
+                      </a:r>
+                      <a:endParaRPr lang="zh-TW" altLang="en-US" sz="2800" dirty="0"/>
+                    </a:p>
+                  </a:txBody>
+                  <a:tcPr/>
+                </a:tc>
+                <a:tc>
+                  <a:txBody>
+                    <a:bodyPr/>
+                    <a:lstStyle/>
+                    <a:p>
+                      <a:pPr marL="0" marR="0" lvl="0" indent="0" algn="l" defTabSz="914400" rtl="0" eaLnBrk="1" fontAlgn="auto" latinLnBrk="0" hangingPunct="1">
+                        <a:lnSpc>
+                          <a:spcPct val="100000"/>
+                        </a:lnSpc>
+                        <a:spcBef>
+                          <a:spcPts val="0"/>
+                        </a:spcBef>
+                        <a:spcAft>
+                          <a:spcPts val="0"/>
+                        </a:spcAft>
+                        <a:buClrTx/>
+                        <a:buSzTx/>
+                        <a:buFontTx/>
+                        <a:buNone/>
+                        <a:tabLst/>
+                        <a:defRPr/>
+                      </a:pPr>
+                      <a:r>
+                        <a:rPr lang="en-US" altLang="zh-TW" sz="2800" dirty="0" smtClean="0"/>
+                        <a:t>78.3133% </a:t>
+                      </a:r>
+                      <a:r>
+                        <a:rPr lang="en-US" altLang="zh-TW" sz="2800" dirty="0">
+                          <a:latin typeface="Wide Latin" panose="020A0A07050505020404" pitchFamily="18" charset="0"/>
+                        </a:rPr>
+                        <a:t>±</a:t>
+                      </a:r>
+                      <a:r>
+                        <a:rPr lang="en-US" altLang="zh-TW" sz="2800" dirty="0"/>
+                        <a:t> 0%</a:t>
+                      </a:r>
+                      <a:endParaRPr lang="zh-TW" altLang="en-US" sz="2800" dirty="0"/>
+                    </a:p>
+                  </a:txBody>
+                  <a:tcPr/>
+                </a:tc>
+                <a:tc>
+                  <a:txBody>
+                    <a:bodyPr/>
+                    <a:lstStyle/>
+                    <a:p>
+                      <a:r>
+                        <a:rPr lang="en-US" altLang="zh-TW" sz="2800" dirty="0" smtClean="0"/>
+                        <a:t>0.0237</a:t>
+                      </a:r>
+                      <a:endParaRPr lang="zh-TW" altLang="en-US" sz="2800" dirty="0"/>
+                    </a:p>
+                  </a:txBody>
+                  <a:tcPr/>
+                </a:tc>
+                <a:extLst>
+                  <a:ext uri="{0D108BD9-81ED-4DB2-BD59-A6C34878D82A}">
+                    <a16:rowId xmlns:a16="http://schemas.microsoft.com/office/drawing/2014/main" xmlns="" val="4168020029"/>
+                  </a:ext>
+                </a:extLst>
+              </a:tr>
+              <a:tr h="655066">
+                <a:tc>
+                  <a:txBody>
+                    <a:bodyPr/>
+                    <a:lstStyle/>
+                    <a:p>
+                      <a:r>
+                        <a:rPr lang="en-US" altLang="zh-TW" sz="2800" dirty="0" smtClean="0"/>
+                        <a:t>AE-32</a:t>
+                      </a:r>
+                      <a:endParaRPr lang="zh-TW" altLang="en-US" sz="2800" dirty="0"/>
+                    </a:p>
+                  </a:txBody>
+                  <a:tcPr/>
+                </a:tc>
+                <a:tc>
+                  <a:txBody>
+                    <a:bodyPr/>
+                    <a:lstStyle/>
+                    <a:p>
+                      <a:pPr marL="0" marR="0" lvl="0" indent="0" algn="l" defTabSz="914400" rtl="0" eaLnBrk="1" fontAlgn="auto" latinLnBrk="0" hangingPunct="1">
+                        <a:lnSpc>
+                          <a:spcPct val="100000"/>
+                        </a:lnSpc>
+                        <a:spcBef>
+                          <a:spcPts val="0"/>
+                        </a:spcBef>
+                        <a:spcAft>
+                          <a:spcPts val="0"/>
+                        </a:spcAft>
+                        <a:buClrTx/>
+                        <a:buSzTx/>
+                        <a:buFontTx/>
+                        <a:buNone/>
+                        <a:tabLst/>
+                        <a:defRPr/>
+                      </a:pPr>
+                      <a:r>
+                        <a:rPr lang="en-US" altLang="zh-TW" sz="2800" dirty="0" smtClean="0"/>
+                        <a:t>64.4578% </a:t>
+                      </a:r>
+                      <a:r>
+                        <a:rPr lang="en-US" altLang="zh-TW" sz="2800" dirty="0" smtClean="0">
+                          <a:latin typeface="Wide Latin" panose="020A0A07050505020404" pitchFamily="18" charset="0"/>
+                        </a:rPr>
+                        <a:t>±</a:t>
+                      </a:r>
+                      <a:r>
+                        <a:rPr lang="en-US" altLang="zh-TW" sz="2800" dirty="0" smtClean="0"/>
+                        <a:t> 0%</a:t>
+                      </a:r>
+                      <a:endParaRPr lang="zh-TW" altLang="en-US" sz="2800" dirty="0"/>
+                    </a:p>
+                  </a:txBody>
+                  <a:tcPr/>
+                </a:tc>
+                <a:tc>
+                  <a:txBody>
+                    <a:bodyPr/>
+                    <a:lstStyle/>
+                    <a:p>
+                      <a:r>
+                        <a:rPr lang="en-US" altLang="zh-TW" sz="2800" dirty="0" smtClean="0"/>
+                        <a:t>0.0258</a:t>
+                      </a:r>
+                      <a:endParaRPr lang="zh-TW" altLang="en-US" sz="2800" dirty="0"/>
+                    </a:p>
+                  </a:txBody>
+                  <a:tcPr/>
+                </a:tc>
+              </a:tr>
+              <a:tr h="655066">
+                <a:tc>
+                  <a:txBody>
+                    <a:bodyPr/>
+                    <a:lstStyle/>
+                    <a:p>
+                      <a:r>
+                        <a:rPr lang="en-US" altLang="zh-TW" sz="2800" dirty="0" smtClean="0"/>
+                        <a:t>AE-32 (normalized)</a:t>
+                      </a:r>
+                      <a:endParaRPr lang="zh-TW" altLang="en-US" sz="2800" dirty="0"/>
+                    </a:p>
+                  </a:txBody>
+                  <a:tcPr/>
+                </a:tc>
+                <a:tc>
+                  <a:txBody>
+                    <a:bodyPr/>
+                    <a:lstStyle/>
+                    <a:p>
+                      <a:pPr marL="0" marR="0" lvl="0" indent="0" algn="l" defTabSz="914400" rtl="0" eaLnBrk="1" fontAlgn="auto" latinLnBrk="0" hangingPunct="1">
+                        <a:lnSpc>
+                          <a:spcPct val="100000"/>
+                        </a:lnSpc>
+                        <a:spcBef>
+                          <a:spcPts val="0"/>
+                        </a:spcBef>
+                        <a:spcAft>
+                          <a:spcPts val="0"/>
+                        </a:spcAft>
+                        <a:buClrTx/>
+                        <a:buSzTx/>
+                        <a:buFontTx/>
+                        <a:buNone/>
+                        <a:tabLst/>
+                        <a:defRPr/>
+                      </a:pPr>
+                      <a:r>
+                        <a:rPr lang="en-US" altLang="zh-TW" sz="2800" dirty="0" smtClean="0"/>
+                        <a:t>59.3373% </a:t>
+                      </a:r>
+                      <a:r>
+                        <a:rPr lang="en-US" altLang="zh-TW" sz="2800" dirty="0" smtClean="0">
+                          <a:latin typeface="Wide Latin" panose="020A0A07050505020404" pitchFamily="18" charset="0"/>
+                        </a:rPr>
+                        <a:t>±</a:t>
+                      </a:r>
+                      <a:r>
+                        <a:rPr lang="en-US" altLang="zh-TW" sz="2800" dirty="0" smtClean="0"/>
+                        <a:t> 0%</a:t>
+                      </a:r>
+                      <a:endParaRPr lang="zh-TW" altLang="en-US" sz="2800" dirty="0"/>
+                    </a:p>
+                  </a:txBody>
+                  <a:tcPr/>
+                </a:tc>
+                <a:tc>
+                  <a:txBody>
+                    <a:bodyPr/>
+                    <a:lstStyle/>
+                    <a:p>
+                      <a:r>
+                        <a:rPr lang="en-US" altLang="zh-TW" sz="2800" dirty="0" smtClean="0"/>
+                        <a:t>0.0235</a:t>
+                      </a:r>
+                      <a:endParaRPr lang="zh-TW" altLang="en-US" sz="2800" dirty="0"/>
+                    </a:p>
+                  </a:txBody>
+                  <a:tcPr/>
+                </a:tc>
+              </a:tr>
+            </a:tbl>
+          </a:graphicData>
+        </a:graphic>
+      </p:graphicFrame>
     </p:spTree>
+    <p:extLst>
+      <p:ext uri="{BB962C8B-B14F-4D97-AF65-F5344CB8AC3E}">
+        <p14:creationId xmlns:p14="http://schemas.microsoft.com/office/powerpoint/2010/main" xmlns="" val="2220883863"/>
+      </p:ext>
+    </p:extLst>
   </p:cSld>
   <p:clrMapOvr>
     <a:masterClrMapping/>
@@ -9588,7 +8504,13 @@
       </p:grpSpPr>
       <p:sp>
         <p:nvSpPr>
-          <p:cNvPr id="2" name="標題 1"/>
+          <p:cNvPr id="2" name="標題 1">
+            <a:extLst>
+              <a:ext uri="{FF2B5EF4-FFF2-40B4-BE49-F238E27FC236}">
+                <a16:creationId xmlns:a16="http://schemas.microsoft.com/office/drawing/2014/main" xmlns="" id="{7BDC027D-0EFD-5E87-C32C-78BCBA19CA82}"/>
+              </a:ext>
+            </a:extLst>
+          </p:cNvPr>
           <p:cNvSpPr>
             <a:spLocks noGrp="1"/>
           </p:cNvSpPr>
@@ -9602,87 +8524,569 @@
           <a:lstStyle/>
           <a:p>
             <a:r>
+              <a:rPr lang="en-US" altLang="zh-TW" dirty="0">
+                <a:latin typeface="Consolas" panose="020B0609020204030204" pitchFamily="49" charset="0"/>
+              </a:rPr>
+              <a:t>KNN </a:t>
+            </a:r>
+            <a:r>
               <a:rPr lang="en-US" altLang="zh-TW" dirty="0" smtClean="0">
-                <a:latin typeface="Consolas" pitchFamily="49" charset="0"/>
-              </a:rPr>
-              <a:t>One solution to ease the pain</a:t>
+                <a:latin typeface="Consolas" panose="020B0609020204030204" pitchFamily="49" charset="0"/>
+              </a:rPr>
+              <a:t>+ k-means, Cancer RNA-</a:t>
+            </a:r>
+            <a:r>
+              <a:rPr lang="en-US" altLang="zh-TW" dirty="0" err="1" smtClean="0">
+                <a:latin typeface="Consolas" panose="020B0609020204030204" pitchFamily="49" charset="0"/>
+              </a:rPr>
+              <a:t>Seq</a:t>
             </a:r>
             <a:endParaRPr lang="zh-TW" altLang="en-US" dirty="0"/>
           </a:p>
         </p:txBody>
       </p:sp>
-      <p:sp>
-        <p:nvSpPr>
-          <p:cNvPr id="3" name="內容版面配置區 2"/>
-          <p:cNvSpPr>
-            <a:spLocks noGrp="1"/>
-          </p:cNvSpPr>
-          <p:nvPr>
-            <p:ph idx="1"/>
-          </p:nvPr>
-        </p:nvSpPr>
-        <p:spPr/>
-        <p:txBody>
-          <a:bodyPr/>
-          <a:lstStyle/>
-          <a:p>
-            <a:r>
-              <a:rPr lang="en-US" altLang="zh-TW" dirty="0" smtClean="0">
-                <a:latin typeface="Consolas" pitchFamily="49" charset="0"/>
-              </a:rPr>
-              <a:t>Apply different kernels on each SVMs.</a:t>
-            </a:r>
-          </a:p>
-          <a:p>
-            <a:r>
-              <a:rPr lang="en-US" altLang="zh-TW" dirty="0" smtClean="0">
-                <a:latin typeface="Consolas" pitchFamily="49" charset="0"/>
-              </a:rPr>
-              <a:t>Then use </a:t>
-            </a:r>
-            <a:r>
-              <a:rPr lang="en-US" altLang="zh-TW" dirty="0" err="1" smtClean="0">
-                <a:latin typeface="Consolas" pitchFamily="49" charset="0"/>
-              </a:rPr>
-              <a:t>metaheuristic</a:t>
-            </a:r>
-            <a:r>
-              <a:rPr lang="en-US" altLang="zh-TW" dirty="0" smtClean="0">
-                <a:latin typeface="Consolas" pitchFamily="49" charset="0"/>
-              </a:rPr>
-              <a:t> </a:t>
-            </a:r>
-            <a:r>
-              <a:rPr lang="en-US" altLang="zh-TW" dirty="0" smtClean="0">
-                <a:latin typeface="Consolas" pitchFamily="49" charset="0"/>
-              </a:rPr>
-              <a:t>algorithms, e.g. gene , to auto-tune the parameters, including the proper kernel for each SVM.</a:t>
-            </a:r>
-          </a:p>
-          <a:p>
-            <a:endParaRPr lang="en-US" altLang="zh-TW" dirty="0" smtClean="0">
-              <a:latin typeface="Consolas" pitchFamily="49" charset="0"/>
-            </a:endParaRPr>
-          </a:p>
-          <a:p>
-            <a:endParaRPr lang="en-US" altLang="zh-TW" dirty="0" smtClean="0">
-              <a:latin typeface="Consolas" pitchFamily="49" charset="0"/>
-            </a:endParaRPr>
-          </a:p>
-          <a:p>
-            <a:r>
-              <a:rPr lang="en-US" altLang="zh-TW" dirty="0" smtClean="0">
-                <a:latin typeface="Consolas" pitchFamily="49" charset="0"/>
-              </a:rPr>
-              <a:t>But I haven’t done that yet.</a:t>
-            </a:r>
-            <a:endParaRPr lang="zh-TW" altLang="en-US" dirty="0">
-              <a:latin typeface="Consolas" pitchFamily="49" charset="0"/>
-            </a:endParaRPr>
-          </a:p>
-        </p:txBody>
-      </p:sp>
+      <p:graphicFrame>
+        <p:nvGraphicFramePr>
+          <p:cNvPr id="4" name="表格 4">
+            <a:extLst>
+              <a:ext uri="{FF2B5EF4-FFF2-40B4-BE49-F238E27FC236}">
+                <a16:creationId xmlns:a16="http://schemas.microsoft.com/office/drawing/2014/main" xmlns="" id="{5F3E0619-219B-E13A-0433-2F63B4B4B02D}"/>
+              </a:ext>
+            </a:extLst>
+          </p:cNvPr>
+          <p:cNvGraphicFramePr>
+            <a:graphicFrameLocks noGrp="1"/>
+          </p:cNvGraphicFramePr>
+          <p:nvPr>
+            <p:extLst>
+              <p:ext uri="{D42A27DB-BD31-4B8C-83A1-F6EECF244321}">
+                <p14:modId xmlns:p14="http://schemas.microsoft.com/office/powerpoint/2010/main" xmlns="" val="3398980393"/>
+              </p:ext>
+            </p:extLst>
+          </p:nvPr>
+        </p:nvGraphicFramePr>
+        <p:xfrm>
+          <a:off x="1239520" y="1791335"/>
+          <a:ext cx="9712959" cy="4585462"/>
+        </p:xfrm>
+        <a:graphic>
+          <a:graphicData uri="http://schemas.openxmlformats.org/drawingml/2006/table">
+            <a:tbl>
+              <a:tblPr firstRow="1" bandRow="1">
+                <a:tableStyleId>{5C22544A-7EE6-4342-B048-85BDC9FD1C3A}</a:tableStyleId>
+              </a:tblPr>
+              <a:tblGrid>
+                <a:gridCol w="3237653">
+                  <a:extLst>
+                    <a:ext uri="{9D8B030D-6E8A-4147-A177-3AD203B41FA5}">
+                      <a16:colId xmlns:a16="http://schemas.microsoft.com/office/drawing/2014/main" xmlns="" val="3991208199"/>
+                    </a:ext>
+                  </a:extLst>
+                </a:gridCol>
+                <a:gridCol w="3237653">
+                  <a:extLst>
+                    <a:ext uri="{9D8B030D-6E8A-4147-A177-3AD203B41FA5}">
+                      <a16:colId xmlns:a16="http://schemas.microsoft.com/office/drawing/2014/main" xmlns="" val="1262213421"/>
+                    </a:ext>
+                  </a:extLst>
+                </a:gridCol>
+                <a:gridCol w="3237653">
+                  <a:extLst>
+                    <a:ext uri="{9D8B030D-6E8A-4147-A177-3AD203B41FA5}">
+                      <a16:colId xmlns:a16="http://schemas.microsoft.com/office/drawing/2014/main" xmlns="" val="3788634706"/>
+                    </a:ext>
+                  </a:extLst>
+                </a:gridCol>
+              </a:tblGrid>
+              <a:tr h="655066">
+                <a:tc>
+                  <a:txBody>
+                    <a:bodyPr/>
+                    <a:lstStyle/>
+                    <a:p>
+                      <a:pPr marL="0" marR="0" lvl="0" indent="0" algn="l" defTabSz="914400" rtl="0" eaLnBrk="1" fontAlgn="auto" latinLnBrk="0" hangingPunct="1">
+                        <a:lnSpc>
+                          <a:spcPct val="100000"/>
+                        </a:lnSpc>
+                        <a:spcBef>
+                          <a:spcPts val="0"/>
+                        </a:spcBef>
+                        <a:spcAft>
+                          <a:spcPts val="0"/>
+                        </a:spcAft>
+                        <a:buClrTx/>
+                        <a:buSzTx/>
+                        <a:buFontTx/>
+                        <a:buNone/>
+                        <a:tabLst/>
+                        <a:defRPr/>
+                      </a:pPr>
+                      <a:r>
+                        <a:rPr lang="en-US" altLang="zh-TW" sz="2800" dirty="0"/>
+                        <a:t>Repeat </a:t>
+                      </a:r>
+                      <a:r>
+                        <a:rPr lang="en-US" altLang="zh-TW" sz="2800" dirty="0" smtClean="0"/>
+                        <a:t>10 </a:t>
+                      </a:r>
+                      <a:r>
+                        <a:rPr lang="en-US" altLang="zh-TW" sz="2800" dirty="0"/>
+                        <a:t>times</a:t>
+                      </a:r>
+                      <a:endParaRPr lang="zh-TW" altLang="en-US" sz="2800" dirty="0"/>
+                    </a:p>
+                  </a:txBody>
+                  <a:tcPr/>
+                </a:tc>
+                <a:tc>
+                  <a:txBody>
+                    <a:bodyPr/>
+                    <a:lstStyle/>
+                    <a:p>
+                      <a:r>
+                        <a:rPr lang="en-US" altLang="zh-TW" sz="2800" dirty="0" smtClean="0"/>
+                        <a:t>Accuracy </a:t>
+                      </a:r>
+                      <a:r>
+                        <a:rPr lang="en-US" altLang="zh-TW" sz="2800" dirty="0"/>
+                        <a:t>(%)</a:t>
+                      </a:r>
+                      <a:endParaRPr lang="zh-TW" altLang="en-US" sz="2800" dirty="0"/>
+                    </a:p>
+                  </a:txBody>
+                  <a:tcPr/>
+                </a:tc>
+                <a:tc>
+                  <a:txBody>
+                    <a:bodyPr/>
+                    <a:lstStyle/>
+                    <a:p>
+                      <a:r>
+                        <a:rPr lang="en-US" altLang="zh-TW" sz="2800" dirty="0"/>
+                        <a:t>Time (s)</a:t>
+                      </a:r>
+                      <a:endParaRPr lang="zh-TW" altLang="en-US" sz="2800" dirty="0"/>
+                    </a:p>
+                  </a:txBody>
+                  <a:tcPr/>
+                </a:tc>
+                <a:extLst>
+                  <a:ext uri="{0D108BD9-81ED-4DB2-BD59-A6C34878D82A}">
+                    <a16:rowId xmlns:a16="http://schemas.microsoft.com/office/drawing/2014/main" xmlns="" val="2028684342"/>
+                  </a:ext>
+                </a:extLst>
+              </a:tr>
+              <a:tr h="655066">
+                <a:tc>
+                  <a:txBody>
+                    <a:bodyPr/>
+                    <a:lstStyle/>
+                    <a:p>
+                      <a:r>
+                        <a:rPr lang="en-US" altLang="zh-TW" sz="2800" dirty="0" smtClean="0">
+                          <a:latin typeface="Consolas" pitchFamily="49" charset="0"/>
+                        </a:rPr>
+                        <a:t>Raw</a:t>
+                      </a:r>
+                      <a:endParaRPr lang="zh-TW" altLang="en-US" sz="2800" dirty="0"/>
+                    </a:p>
+                  </a:txBody>
+                  <a:tcPr/>
+                </a:tc>
+                <a:tc>
+                  <a:txBody>
+                    <a:bodyPr/>
+                    <a:lstStyle/>
+                    <a:p>
+                      <a:r>
+                        <a:rPr lang="en-US" altLang="zh-TW" sz="2800" b="0" dirty="0" smtClean="0"/>
+                        <a:t>74.0964% </a:t>
+                      </a:r>
+                      <a:r>
+                        <a:rPr lang="en-US" altLang="zh-TW" sz="2800" b="0" dirty="0">
+                          <a:latin typeface="Wide Latin" panose="020A0A07050505020404" pitchFamily="18" charset="0"/>
+                        </a:rPr>
+                        <a:t>±</a:t>
+                      </a:r>
+                      <a:r>
+                        <a:rPr lang="en-US" altLang="zh-TW" sz="2800" b="0" dirty="0"/>
+                        <a:t> 0% </a:t>
+                      </a:r>
+                      <a:endParaRPr lang="zh-TW" altLang="en-US" sz="2800" b="0" dirty="0"/>
+                    </a:p>
+                  </a:txBody>
+                  <a:tcPr/>
+                </a:tc>
+                <a:tc>
+                  <a:txBody>
+                    <a:bodyPr/>
+                    <a:lstStyle/>
+                    <a:p>
+                      <a:r>
+                        <a:rPr lang="en-US" altLang="zh-TW" sz="2800" dirty="0" smtClean="0"/>
+                        <a:t>22.754</a:t>
+                      </a:r>
+                      <a:endParaRPr lang="zh-TW" altLang="en-US" sz="2800" dirty="0"/>
+                    </a:p>
+                  </a:txBody>
+                  <a:tcPr/>
+                </a:tc>
+                <a:extLst>
+                  <a:ext uri="{0D108BD9-81ED-4DB2-BD59-A6C34878D82A}">
+                    <a16:rowId xmlns:a16="http://schemas.microsoft.com/office/drawing/2014/main" xmlns="" val="1629505054"/>
+                  </a:ext>
+                </a:extLst>
+              </a:tr>
+              <a:tr h="655066">
+                <a:tc>
+                  <a:txBody>
+                    <a:bodyPr/>
+                    <a:lstStyle/>
+                    <a:p>
+                      <a:r>
+                        <a:rPr lang="en-US" altLang="zh-TW" sz="2800" dirty="0" smtClean="0"/>
+                        <a:t>Normalized</a:t>
+                      </a:r>
+                      <a:endParaRPr lang="zh-TW" altLang="en-US" sz="2800" dirty="0"/>
+                    </a:p>
+                  </a:txBody>
+                  <a:tcPr/>
+                </a:tc>
+                <a:tc>
+                  <a:txBody>
+                    <a:bodyPr/>
+                    <a:lstStyle/>
+                    <a:p>
+                      <a:r>
+                        <a:rPr lang="en-US" altLang="zh-TW" sz="2800" dirty="0" smtClean="0"/>
+                        <a:t>53.6145% </a:t>
+                      </a:r>
+                      <a:r>
+                        <a:rPr lang="en-US" altLang="zh-TW" sz="2800" dirty="0">
+                          <a:latin typeface="Wide Latin" panose="020A0A07050505020404" pitchFamily="18" charset="0"/>
+                        </a:rPr>
+                        <a:t>±</a:t>
+                      </a:r>
+                      <a:r>
+                        <a:rPr lang="en-US" altLang="zh-TW" sz="2800" dirty="0"/>
+                        <a:t> 0% </a:t>
+                      </a:r>
+                      <a:endParaRPr lang="zh-TW" altLang="en-US" sz="2800" dirty="0"/>
+                    </a:p>
+                  </a:txBody>
+                  <a:tcPr/>
+                </a:tc>
+                <a:tc>
+                  <a:txBody>
+                    <a:bodyPr/>
+                    <a:lstStyle/>
+                    <a:p>
+                      <a:r>
+                        <a:rPr lang="en-US" altLang="zh-TW" sz="2800" dirty="0" smtClean="0"/>
+                        <a:t>6.3558</a:t>
+                      </a:r>
+                      <a:endParaRPr lang="zh-TW" altLang="en-US" sz="2800" dirty="0"/>
+                    </a:p>
+                  </a:txBody>
+                  <a:tcPr/>
+                </a:tc>
+                <a:extLst>
+                  <a:ext uri="{0D108BD9-81ED-4DB2-BD59-A6C34878D82A}">
+                    <a16:rowId xmlns:a16="http://schemas.microsoft.com/office/drawing/2014/main" xmlns="" val="2232274875"/>
+                  </a:ext>
+                </a:extLst>
+              </a:tr>
+              <a:tr h="655066">
+                <a:tc>
+                  <a:txBody>
+                    <a:bodyPr/>
+                    <a:lstStyle/>
+                    <a:p>
+                      <a:r>
+                        <a:rPr lang="en-US" altLang="zh-TW" sz="2800" dirty="0" smtClean="0"/>
+                        <a:t>PCA-32</a:t>
+                      </a:r>
+                      <a:endParaRPr lang="zh-TW" altLang="en-US" sz="2800" dirty="0"/>
+                    </a:p>
+                  </a:txBody>
+                  <a:tcPr/>
+                </a:tc>
+                <a:tc>
+                  <a:txBody>
+                    <a:bodyPr/>
+                    <a:lstStyle/>
+                    <a:p>
+                      <a:r>
+                        <a:rPr lang="en-US" altLang="zh-TW" sz="2800" b="1" dirty="0" smtClean="0"/>
+                        <a:t>94.8795% </a:t>
+                      </a:r>
+                      <a:r>
+                        <a:rPr lang="en-US" altLang="zh-TW" sz="2800" b="1" dirty="0">
+                          <a:latin typeface="Wide Latin" panose="020A0A07050505020404" pitchFamily="18" charset="0"/>
+                        </a:rPr>
+                        <a:t>±</a:t>
+                      </a:r>
+                      <a:r>
+                        <a:rPr lang="en-US" altLang="zh-TW" sz="2800" b="1" dirty="0"/>
+                        <a:t> 0%</a:t>
+                      </a:r>
+                      <a:endParaRPr lang="zh-TW" altLang="en-US" sz="2800" b="1" dirty="0"/>
+                    </a:p>
+                  </a:txBody>
+                  <a:tcPr/>
+                </a:tc>
+                <a:tc>
+                  <a:txBody>
+                    <a:bodyPr/>
+                    <a:lstStyle/>
+                    <a:p>
+                      <a:r>
+                        <a:rPr lang="en-US" altLang="zh-TW" sz="2800" dirty="0" smtClean="0"/>
+                        <a:t>0.0212</a:t>
+                      </a:r>
+                      <a:endParaRPr lang="zh-TW" altLang="en-US" sz="2800" dirty="0"/>
+                    </a:p>
+                  </a:txBody>
+                  <a:tcPr/>
+                </a:tc>
+                <a:extLst>
+                  <a:ext uri="{0D108BD9-81ED-4DB2-BD59-A6C34878D82A}">
+                    <a16:rowId xmlns:a16="http://schemas.microsoft.com/office/drawing/2014/main" xmlns="" val="4251700897"/>
+                  </a:ext>
+                </a:extLst>
+              </a:tr>
+              <a:tr h="655066">
+                <a:tc>
+                  <a:txBody>
+                    <a:bodyPr/>
+                    <a:lstStyle/>
+                    <a:p>
+                      <a:r>
+                        <a:rPr lang="en-US" altLang="zh-TW" sz="2800" dirty="0" smtClean="0"/>
+                        <a:t>PCA-32 </a:t>
+                      </a:r>
+                      <a:r>
+                        <a:rPr lang="en-US" altLang="zh-TW" sz="2800" dirty="0"/>
+                        <a:t>(normalized)</a:t>
+                      </a:r>
+                      <a:endParaRPr lang="zh-TW" altLang="en-US" sz="2800" dirty="0"/>
+                    </a:p>
+                  </a:txBody>
+                  <a:tcPr/>
+                </a:tc>
+                <a:tc>
+                  <a:txBody>
+                    <a:bodyPr/>
+                    <a:lstStyle/>
+                    <a:p>
+                      <a:pPr marL="0" marR="0" lvl="0" indent="0" algn="l" defTabSz="914400" rtl="0" eaLnBrk="1" fontAlgn="auto" latinLnBrk="0" hangingPunct="1">
+                        <a:lnSpc>
+                          <a:spcPct val="100000"/>
+                        </a:lnSpc>
+                        <a:spcBef>
+                          <a:spcPts val="0"/>
+                        </a:spcBef>
+                        <a:spcAft>
+                          <a:spcPts val="0"/>
+                        </a:spcAft>
+                        <a:buClrTx/>
+                        <a:buSzTx/>
+                        <a:buFontTx/>
+                        <a:buNone/>
+                        <a:tabLst/>
+                        <a:defRPr/>
+                      </a:pPr>
+                      <a:r>
+                        <a:rPr lang="en-US" altLang="zh-TW" sz="2800" dirty="0" smtClean="0"/>
+                        <a:t>84.9398% </a:t>
+                      </a:r>
+                      <a:r>
+                        <a:rPr lang="en-US" altLang="zh-TW" sz="2800" dirty="0">
+                          <a:latin typeface="Wide Latin" panose="020A0A07050505020404" pitchFamily="18" charset="0"/>
+                        </a:rPr>
+                        <a:t>±</a:t>
+                      </a:r>
+                      <a:r>
+                        <a:rPr lang="en-US" altLang="zh-TW" sz="2800" dirty="0"/>
+                        <a:t> 0%</a:t>
+                      </a:r>
+                      <a:endParaRPr lang="zh-TW" altLang="en-US" sz="2800" dirty="0"/>
+                    </a:p>
+                  </a:txBody>
+                  <a:tcPr/>
+                </a:tc>
+                <a:tc>
+                  <a:txBody>
+                    <a:bodyPr/>
+                    <a:lstStyle/>
+                    <a:p>
+                      <a:r>
+                        <a:rPr lang="en-US" altLang="zh-TW" sz="2800" dirty="0" smtClean="0"/>
+                        <a:t>0.0214</a:t>
+                      </a:r>
+                      <a:endParaRPr lang="zh-TW" altLang="en-US" sz="2800" dirty="0"/>
+                    </a:p>
+                  </a:txBody>
+                  <a:tcPr/>
+                </a:tc>
+                <a:extLst>
+                  <a:ext uri="{0D108BD9-81ED-4DB2-BD59-A6C34878D82A}">
+                    <a16:rowId xmlns:a16="http://schemas.microsoft.com/office/drawing/2014/main" xmlns="" val="4168020029"/>
+                  </a:ext>
+                </a:extLst>
+              </a:tr>
+              <a:tr h="655066">
+                <a:tc>
+                  <a:txBody>
+                    <a:bodyPr/>
+                    <a:lstStyle/>
+                    <a:p>
+                      <a:r>
+                        <a:rPr lang="en-US" altLang="zh-TW" sz="2800" dirty="0" smtClean="0"/>
+                        <a:t>AE-32</a:t>
+                      </a:r>
+                      <a:endParaRPr lang="zh-TW" altLang="en-US" sz="2800" dirty="0"/>
+                    </a:p>
+                  </a:txBody>
+                  <a:tcPr/>
+                </a:tc>
+                <a:tc>
+                  <a:txBody>
+                    <a:bodyPr/>
+                    <a:lstStyle/>
+                    <a:p>
+                      <a:pPr marL="0" marR="0" lvl="0" indent="0" algn="l" defTabSz="914400" rtl="0" eaLnBrk="1" fontAlgn="auto" latinLnBrk="0" hangingPunct="1">
+                        <a:lnSpc>
+                          <a:spcPct val="100000"/>
+                        </a:lnSpc>
+                        <a:spcBef>
+                          <a:spcPts val="0"/>
+                        </a:spcBef>
+                        <a:spcAft>
+                          <a:spcPts val="0"/>
+                        </a:spcAft>
+                        <a:buClrTx/>
+                        <a:buSzTx/>
+                        <a:buFontTx/>
+                        <a:buNone/>
+                        <a:tabLst/>
+                        <a:defRPr/>
+                      </a:pPr>
+                      <a:r>
+                        <a:rPr lang="en-US" altLang="zh-TW" sz="2800" dirty="0" smtClean="0"/>
+                        <a:t>42.1687% </a:t>
+                      </a:r>
+                      <a:r>
+                        <a:rPr lang="en-US" altLang="zh-TW" sz="2800" dirty="0" smtClean="0">
+                          <a:latin typeface="Wide Latin" panose="020A0A07050505020404" pitchFamily="18" charset="0"/>
+                        </a:rPr>
+                        <a:t>±</a:t>
+                      </a:r>
+                      <a:r>
+                        <a:rPr lang="en-US" altLang="zh-TW" sz="2800" dirty="0" smtClean="0"/>
+                        <a:t> 0%</a:t>
+                      </a:r>
+                      <a:endParaRPr lang="zh-TW" altLang="en-US" sz="2800" dirty="0"/>
+                    </a:p>
+                  </a:txBody>
+                  <a:tcPr/>
+                </a:tc>
+                <a:tc>
+                  <a:txBody>
+                    <a:bodyPr/>
+                    <a:lstStyle/>
+                    <a:p>
+                      <a:r>
+                        <a:rPr lang="en-US" altLang="zh-TW" sz="2800" dirty="0" smtClean="0"/>
+                        <a:t>0.0214</a:t>
+                      </a:r>
+                      <a:endParaRPr lang="zh-TW" altLang="en-US" sz="2800" dirty="0"/>
+                    </a:p>
+                  </a:txBody>
+                  <a:tcPr/>
+                </a:tc>
+              </a:tr>
+              <a:tr h="655066">
+                <a:tc>
+                  <a:txBody>
+                    <a:bodyPr/>
+                    <a:lstStyle/>
+                    <a:p>
+                      <a:r>
+                        <a:rPr lang="en-US" altLang="zh-TW" sz="2800" dirty="0" smtClean="0"/>
+                        <a:t>AE-32 (normalized)</a:t>
+                      </a:r>
+                      <a:endParaRPr lang="zh-TW" altLang="en-US" sz="2800" dirty="0"/>
+                    </a:p>
+                  </a:txBody>
+                  <a:tcPr/>
+                </a:tc>
+                <a:tc>
+                  <a:txBody>
+                    <a:bodyPr/>
+                    <a:lstStyle/>
+                    <a:p>
+                      <a:pPr marL="0" marR="0" lvl="0" indent="0" algn="l" defTabSz="914400" rtl="0" eaLnBrk="1" fontAlgn="auto" latinLnBrk="0" hangingPunct="1">
+                        <a:lnSpc>
+                          <a:spcPct val="100000"/>
+                        </a:lnSpc>
+                        <a:spcBef>
+                          <a:spcPts val="0"/>
+                        </a:spcBef>
+                        <a:spcAft>
+                          <a:spcPts val="0"/>
+                        </a:spcAft>
+                        <a:buClrTx/>
+                        <a:buSzTx/>
+                        <a:buFontTx/>
+                        <a:buNone/>
+                        <a:tabLst/>
+                        <a:defRPr/>
+                      </a:pPr>
+                      <a:r>
+                        <a:rPr lang="en-US" altLang="zh-TW" sz="2800" dirty="0" smtClean="0"/>
+                        <a:t>65.9639% </a:t>
+                      </a:r>
+                      <a:r>
+                        <a:rPr lang="en-US" altLang="zh-TW" sz="2800" dirty="0" smtClean="0">
+                          <a:latin typeface="Wide Latin" panose="020A0A07050505020404" pitchFamily="18" charset="0"/>
+                        </a:rPr>
+                        <a:t>±</a:t>
+                      </a:r>
+                      <a:r>
+                        <a:rPr lang="en-US" altLang="zh-TW" sz="2800" dirty="0" smtClean="0"/>
+                        <a:t> 0%</a:t>
+                      </a:r>
+                      <a:endParaRPr lang="zh-TW" altLang="en-US" sz="2800" dirty="0"/>
+                    </a:p>
+                  </a:txBody>
+                  <a:tcPr/>
+                </a:tc>
+                <a:tc>
+                  <a:txBody>
+                    <a:bodyPr/>
+                    <a:lstStyle/>
+                    <a:p>
+                      <a:r>
+                        <a:rPr lang="en-US" altLang="zh-TW" sz="2800" dirty="0" smtClean="0"/>
+                        <a:t>0.0220</a:t>
+                      </a:r>
+                      <a:endParaRPr lang="zh-TW" altLang="en-US" sz="2800" dirty="0"/>
+                    </a:p>
+                  </a:txBody>
+                  <a:tcPr/>
+                </a:tc>
+              </a:tr>
+            </a:tbl>
+          </a:graphicData>
+        </a:graphic>
+      </p:graphicFrame>
     </p:spTree>
+    <p:extLst>
+      <p:ext uri="{BB962C8B-B14F-4D97-AF65-F5344CB8AC3E}">
+        <p14:creationId xmlns:p14="http://schemas.microsoft.com/office/powerpoint/2010/main" xmlns="" val="2220883863"/>
+      </p:ext>
+    </p:extLst>
   </p:cSld>
   <p:clrMapOvr>
     <a:masterClrMapping/>
@@ -9709,6 +9113,1186 @@
       </p:grpSpPr>
       <p:sp>
         <p:nvSpPr>
+          <p:cNvPr id="2" name="標題 1">
+            <a:extLst>
+              <a:ext uri="{FF2B5EF4-FFF2-40B4-BE49-F238E27FC236}">
+                <a16:creationId xmlns:a16="http://schemas.microsoft.com/office/drawing/2014/main" xmlns="" id="{7BDC027D-0EFD-5E87-C32C-78BCBA19CA82}"/>
+              </a:ext>
+            </a:extLst>
+          </p:cNvPr>
+          <p:cNvSpPr>
+            <a:spLocks noGrp="1"/>
+          </p:cNvSpPr>
+          <p:nvPr>
+            <p:ph type="title"/>
+          </p:nvPr>
+        </p:nvSpPr>
+        <p:spPr/>
+        <p:txBody>
+          <a:bodyPr/>
+          <a:lstStyle/>
+          <a:p>
+            <a:r>
+              <a:rPr lang="en-US" altLang="zh-TW" dirty="0" smtClean="0">
+                <a:latin typeface="Consolas" panose="020B0609020204030204" pitchFamily="49" charset="0"/>
+              </a:rPr>
+              <a:t>SVM (poly) + k-means, Cancer RNA-</a:t>
+            </a:r>
+            <a:r>
+              <a:rPr lang="en-US" altLang="zh-TW" dirty="0" err="1" smtClean="0">
+                <a:latin typeface="Consolas" panose="020B0609020204030204" pitchFamily="49" charset="0"/>
+              </a:rPr>
+              <a:t>Seq</a:t>
+            </a:r>
+            <a:endParaRPr lang="zh-TW" altLang="en-US" dirty="0"/>
+          </a:p>
+        </p:txBody>
+      </p:sp>
+      <p:graphicFrame>
+        <p:nvGraphicFramePr>
+          <p:cNvPr id="4" name="表格 4">
+            <a:extLst>
+              <a:ext uri="{FF2B5EF4-FFF2-40B4-BE49-F238E27FC236}">
+                <a16:creationId xmlns:a16="http://schemas.microsoft.com/office/drawing/2014/main" xmlns="" id="{5F3E0619-219B-E13A-0433-2F63B4B4B02D}"/>
+              </a:ext>
+            </a:extLst>
+          </p:cNvPr>
+          <p:cNvGraphicFramePr>
+            <a:graphicFrameLocks noGrp="1"/>
+          </p:cNvGraphicFramePr>
+          <p:nvPr>
+            <p:extLst>
+              <p:ext uri="{D42A27DB-BD31-4B8C-83A1-F6EECF244321}">
+                <p14:modId xmlns:p14="http://schemas.microsoft.com/office/powerpoint/2010/main" xmlns="" val="3398980393"/>
+              </p:ext>
+            </p:extLst>
+          </p:nvPr>
+        </p:nvGraphicFramePr>
+        <p:xfrm>
+          <a:off x="1239520" y="1791335"/>
+          <a:ext cx="9712959" cy="4585462"/>
+        </p:xfrm>
+        <a:graphic>
+          <a:graphicData uri="http://schemas.openxmlformats.org/drawingml/2006/table">
+            <a:tbl>
+              <a:tblPr firstRow="1" bandRow="1">
+                <a:tableStyleId>{5C22544A-7EE6-4342-B048-85BDC9FD1C3A}</a:tableStyleId>
+              </a:tblPr>
+              <a:tblGrid>
+                <a:gridCol w="3237653">
+                  <a:extLst>
+                    <a:ext uri="{9D8B030D-6E8A-4147-A177-3AD203B41FA5}">
+                      <a16:colId xmlns:a16="http://schemas.microsoft.com/office/drawing/2014/main" xmlns="" val="3991208199"/>
+                    </a:ext>
+                  </a:extLst>
+                </a:gridCol>
+                <a:gridCol w="3237653">
+                  <a:extLst>
+                    <a:ext uri="{9D8B030D-6E8A-4147-A177-3AD203B41FA5}">
+                      <a16:colId xmlns:a16="http://schemas.microsoft.com/office/drawing/2014/main" xmlns="" val="1262213421"/>
+                    </a:ext>
+                  </a:extLst>
+                </a:gridCol>
+                <a:gridCol w="3237653">
+                  <a:extLst>
+                    <a:ext uri="{9D8B030D-6E8A-4147-A177-3AD203B41FA5}">
+                      <a16:colId xmlns:a16="http://schemas.microsoft.com/office/drawing/2014/main" xmlns="" val="3788634706"/>
+                    </a:ext>
+                  </a:extLst>
+                </a:gridCol>
+              </a:tblGrid>
+              <a:tr h="655066">
+                <a:tc>
+                  <a:txBody>
+                    <a:bodyPr/>
+                    <a:lstStyle/>
+                    <a:p>
+                      <a:pPr marL="0" marR="0" lvl="0" indent="0" algn="l" defTabSz="914400" rtl="0" eaLnBrk="1" fontAlgn="auto" latinLnBrk="0" hangingPunct="1">
+                        <a:lnSpc>
+                          <a:spcPct val="100000"/>
+                        </a:lnSpc>
+                        <a:spcBef>
+                          <a:spcPts val="0"/>
+                        </a:spcBef>
+                        <a:spcAft>
+                          <a:spcPts val="0"/>
+                        </a:spcAft>
+                        <a:buClrTx/>
+                        <a:buSzTx/>
+                        <a:buFontTx/>
+                        <a:buNone/>
+                        <a:tabLst/>
+                        <a:defRPr/>
+                      </a:pPr>
+                      <a:r>
+                        <a:rPr lang="en-US" altLang="zh-TW" sz="2800" dirty="0"/>
+                        <a:t>Repeat </a:t>
+                      </a:r>
+                      <a:r>
+                        <a:rPr lang="en-US" altLang="zh-TW" sz="2800" dirty="0" smtClean="0"/>
+                        <a:t>10 </a:t>
+                      </a:r>
+                      <a:r>
+                        <a:rPr lang="en-US" altLang="zh-TW" sz="2800" dirty="0"/>
+                        <a:t>times</a:t>
+                      </a:r>
+                      <a:endParaRPr lang="zh-TW" altLang="en-US" sz="2800" dirty="0"/>
+                    </a:p>
+                  </a:txBody>
+                  <a:tcPr/>
+                </a:tc>
+                <a:tc>
+                  <a:txBody>
+                    <a:bodyPr/>
+                    <a:lstStyle/>
+                    <a:p>
+                      <a:r>
+                        <a:rPr lang="en-US" altLang="zh-TW" sz="2800" dirty="0" smtClean="0"/>
+                        <a:t>Accuracy </a:t>
+                      </a:r>
+                      <a:r>
+                        <a:rPr lang="en-US" altLang="zh-TW" sz="2800" dirty="0"/>
+                        <a:t>(%)</a:t>
+                      </a:r>
+                      <a:endParaRPr lang="zh-TW" altLang="en-US" sz="2800" dirty="0"/>
+                    </a:p>
+                  </a:txBody>
+                  <a:tcPr/>
+                </a:tc>
+                <a:tc>
+                  <a:txBody>
+                    <a:bodyPr/>
+                    <a:lstStyle/>
+                    <a:p>
+                      <a:r>
+                        <a:rPr lang="en-US" altLang="zh-TW" sz="2800" dirty="0"/>
+                        <a:t>Time (s)</a:t>
+                      </a:r>
+                      <a:endParaRPr lang="zh-TW" altLang="en-US" sz="2800" dirty="0"/>
+                    </a:p>
+                  </a:txBody>
+                  <a:tcPr/>
+                </a:tc>
+                <a:extLst>
+                  <a:ext uri="{0D108BD9-81ED-4DB2-BD59-A6C34878D82A}">
+                    <a16:rowId xmlns:a16="http://schemas.microsoft.com/office/drawing/2014/main" xmlns="" val="2028684342"/>
+                  </a:ext>
+                </a:extLst>
+              </a:tr>
+              <a:tr h="655066">
+                <a:tc>
+                  <a:txBody>
+                    <a:bodyPr/>
+                    <a:lstStyle/>
+                    <a:p>
+                      <a:r>
+                        <a:rPr lang="en-US" altLang="zh-TW" sz="2800" dirty="0" smtClean="0">
+                          <a:latin typeface="Consolas" pitchFamily="49" charset="0"/>
+                        </a:rPr>
+                        <a:t>Raw</a:t>
+                      </a:r>
+                      <a:endParaRPr lang="zh-TW" altLang="en-US" sz="2800" dirty="0"/>
+                    </a:p>
+                  </a:txBody>
+                  <a:tcPr/>
+                </a:tc>
+                <a:tc>
+                  <a:txBody>
+                    <a:bodyPr/>
+                    <a:lstStyle/>
+                    <a:p>
+                      <a:r>
+                        <a:rPr lang="en-US" altLang="zh-TW" sz="2800" dirty="0" smtClean="0"/>
+                        <a:t>61.7470% </a:t>
+                      </a:r>
+                      <a:r>
+                        <a:rPr lang="en-US" altLang="zh-TW" sz="2800" dirty="0">
+                          <a:latin typeface="Wide Latin" panose="020A0A07050505020404" pitchFamily="18" charset="0"/>
+                        </a:rPr>
+                        <a:t>±</a:t>
+                      </a:r>
+                      <a:r>
+                        <a:rPr lang="en-US" altLang="zh-TW" sz="2800" dirty="0"/>
+                        <a:t> 0% </a:t>
+                      </a:r>
+                      <a:endParaRPr lang="zh-TW" altLang="en-US" sz="2800" dirty="0"/>
+                    </a:p>
+                  </a:txBody>
+                  <a:tcPr/>
+                </a:tc>
+                <a:tc>
+                  <a:txBody>
+                    <a:bodyPr/>
+                    <a:lstStyle/>
+                    <a:p>
+                      <a:r>
+                        <a:rPr lang="en-US" altLang="zh-TW" sz="2800" dirty="0" smtClean="0"/>
+                        <a:t>81.6495</a:t>
+                      </a:r>
+                      <a:endParaRPr lang="zh-TW" altLang="en-US" sz="2800" dirty="0"/>
+                    </a:p>
+                  </a:txBody>
+                  <a:tcPr/>
+                </a:tc>
+                <a:extLst>
+                  <a:ext uri="{0D108BD9-81ED-4DB2-BD59-A6C34878D82A}">
+                    <a16:rowId xmlns:a16="http://schemas.microsoft.com/office/drawing/2014/main" xmlns="" val="1629505054"/>
+                  </a:ext>
+                </a:extLst>
+              </a:tr>
+              <a:tr h="655066">
+                <a:tc>
+                  <a:txBody>
+                    <a:bodyPr/>
+                    <a:lstStyle/>
+                    <a:p>
+                      <a:r>
+                        <a:rPr lang="en-US" altLang="zh-TW" sz="2800" dirty="0" smtClean="0"/>
+                        <a:t>Normalized</a:t>
+                      </a:r>
+                      <a:endParaRPr lang="zh-TW" altLang="en-US" sz="2800" dirty="0"/>
+                    </a:p>
+                  </a:txBody>
+                  <a:tcPr/>
+                </a:tc>
+                <a:tc>
+                  <a:txBody>
+                    <a:bodyPr/>
+                    <a:lstStyle/>
+                    <a:p>
+                      <a:r>
+                        <a:rPr lang="en-US" altLang="zh-TW" sz="2800" dirty="0" smtClean="0"/>
+                        <a:t>1.2048% </a:t>
+                      </a:r>
+                      <a:r>
+                        <a:rPr lang="en-US" altLang="zh-TW" sz="2800" dirty="0">
+                          <a:latin typeface="Wide Latin" panose="020A0A07050505020404" pitchFamily="18" charset="0"/>
+                        </a:rPr>
+                        <a:t>±</a:t>
+                      </a:r>
+                      <a:r>
+                        <a:rPr lang="en-US" altLang="zh-TW" sz="2800" dirty="0"/>
+                        <a:t> 0% </a:t>
+                      </a:r>
+                      <a:endParaRPr lang="zh-TW" altLang="en-US" sz="2800" dirty="0"/>
+                    </a:p>
+                  </a:txBody>
+                  <a:tcPr/>
+                </a:tc>
+                <a:tc>
+                  <a:txBody>
+                    <a:bodyPr/>
+                    <a:lstStyle/>
+                    <a:p>
+                      <a:r>
+                        <a:rPr lang="en-US" altLang="zh-TW" sz="2800" dirty="0" smtClean="0"/>
+                        <a:t>86.6406</a:t>
+                      </a:r>
+                      <a:endParaRPr lang="zh-TW" altLang="en-US" sz="2800" dirty="0"/>
+                    </a:p>
+                  </a:txBody>
+                  <a:tcPr/>
+                </a:tc>
+                <a:extLst>
+                  <a:ext uri="{0D108BD9-81ED-4DB2-BD59-A6C34878D82A}">
+                    <a16:rowId xmlns:a16="http://schemas.microsoft.com/office/drawing/2014/main" xmlns="" val="2232274875"/>
+                  </a:ext>
+                </a:extLst>
+              </a:tr>
+              <a:tr h="655066">
+                <a:tc>
+                  <a:txBody>
+                    <a:bodyPr/>
+                    <a:lstStyle/>
+                    <a:p>
+                      <a:r>
+                        <a:rPr lang="en-US" altLang="zh-TW" sz="2800" dirty="0" smtClean="0"/>
+                        <a:t>PCA-32</a:t>
+                      </a:r>
+                      <a:endParaRPr lang="zh-TW" altLang="en-US" sz="2800" dirty="0"/>
+                    </a:p>
+                  </a:txBody>
+                  <a:tcPr/>
+                </a:tc>
+                <a:tc>
+                  <a:txBody>
+                    <a:bodyPr/>
+                    <a:lstStyle/>
+                    <a:p>
+                      <a:r>
+                        <a:rPr lang="en-US" altLang="zh-TW" sz="2800" dirty="0" smtClean="0"/>
+                        <a:t>64.4578% </a:t>
+                      </a:r>
+                      <a:r>
+                        <a:rPr lang="en-US" altLang="zh-TW" sz="2800" dirty="0">
+                          <a:latin typeface="Wide Latin" panose="020A0A07050505020404" pitchFamily="18" charset="0"/>
+                        </a:rPr>
+                        <a:t>±</a:t>
+                      </a:r>
+                      <a:r>
+                        <a:rPr lang="en-US" altLang="zh-TW" sz="2800" dirty="0"/>
+                        <a:t> 0%</a:t>
+                      </a:r>
+                      <a:endParaRPr lang="zh-TW" altLang="en-US" sz="2800" dirty="0"/>
+                    </a:p>
+                  </a:txBody>
+                  <a:tcPr/>
+                </a:tc>
+                <a:tc>
+                  <a:txBody>
+                    <a:bodyPr/>
+                    <a:lstStyle/>
+                    <a:p>
+                      <a:r>
+                        <a:rPr lang="en-US" altLang="zh-TW" sz="2800" dirty="0" smtClean="0"/>
+                        <a:t>0.2585</a:t>
+                      </a:r>
+                      <a:endParaRPr lang="zh-TW" altLang="en-US" sz="2800" dirty="0"/>
+                    </a:p>
+                  </a:txBody>
+                  <a:tcPr/>
+                </a:tc>
+                <a:extLst>
+                  <a:ext uri="{0D108BD9-81ED-4DB2-BD59-A6C34878D82A}">
+                    <a16:rowId xmlns:a16="http://schemas.microsoft.com/office/drawing/2014/main" xmlns="" val="4251700897"/>
+                  </a:ext>
+                </a:extLst>
+              </a:tr>
+              <a:tr h="655066">
+                <a:tc>
+                  <a:txBody>
+                    <a:bodyPr/>
+                    <a:lstStyle/>
+                    <a:p>
+                      <a:r>
+                        <a:rPr lang="en-US" altLang="zh-TW" sz="2800" dirty="0" smtClean="0"/>
+                        <a:t>PCA-32 </a:t>
+                      </a:r>
+                      <a:r>
+                        <a:rPr lang="en-US" altLang="zh-TW" sz="2800" dirty="0"/>
+                        <a:t>(normalized)</a:t>
+                      </a:r>
+                      <a:endParaRPr lang="zh-TW" altLang="en-US" sz="2800" dirty="0"/>
+                    </a:p>
+                  </a:txBody>
+                  <a:tcPr/>
+                </a:tc>
+                <a:tc>
+                  <a:txBody>
+                    <a:bodyPr/>
+                    <a:lstStyle/>
+                    <a:p>
+                      <a:pPr marL="0" marR="0" lvl="0" indent="0" algn="l" defTabSz="914400" rtl="0" eaLnBrk="1" fontAlgn="auto" latinLnBrk="0" hangingPunct="1">
+                        <a:lnSpc>
+                          <a:spcPct val="100000"/>
+                        </a:lnSpc>
+                        <a:spcBef>
+                          <a:spcPts val="0"/>
+                        </a:spcBef>
+                        <a:spcAft>
+                          <a:spcPts val="0"/>
+                        </a:spcAft>
+                        <a:buClrTx/>
+                        <a:buSzTx/>
+                        <a:buFontTx/>
+                        <a:buNone/>
+                        <a:tabLst/>
+                        <a:defRPr/>
+                      </a:pPr>
+                      <a:r>
+                        <a:rPr lang="en-US" altLang="zh-TW" sz="2800" dirty="0" smtClean="0"/>
+                        <a:t>61.1446% </a:t>
+                      </a:r>
+                      <a:r>
+                        <a:rPr lang="en-US" altLang="zh-TW" sz="2800" dirty="0">
+                          <a:latin typeface="Wide Latin" panose="020A0A07050505020404" pitchFamily="18" charset="0"/>
+                        </a:rPr>
+                        <a:t>±</a:t>
+                      </a:r>
+                      <a:r>
+                        <a:rPr lang="en-US" altLang="zh-TW" sz="2800" dirty="0"/>
+                        <a:t> 0%</a:t>
+                      </a:r>
+                      <a:endParaRPr lang="zh-TW" altLang="en-US" sz="2800" dirty="0"/>
+                    </a:p>
+                  </a:txBody>
+                  <a:tcPr/>
+                </a:tc>
+                <a:tc>
+                  <a:txBody>
+                    <a:bodyPr/>
+                    <a:lstStyle/>
+                    <a:p>
+                      <a:r>
+                        <a:rPr lang="en-US" altLang="zh-TW" sz="2800" dirty="0" smtClean="0"/>
+                        <a:t>0.3012</a:t>
+                      </a:r>
+                      <a:endParaRPr lang="zh-TW" altLang="en-US" sz="2800" dirty="0"/>
+                    </a:p>
+                  </a:txBody>
+                  <a:tcPr/>
+                </a:tc>
+                <a:extLst>
+                  <a:ext uri="{0D108BD9-81ED-4DB2-BD59-A6C34878D82A}">
+                    <a16:rowId xmlns:a16="http://schemas.microsoft.com/office/drawing/2014/main" xmlns="" val="4168020029"/>
+                  </a:ext>
+                </a:extLst>
+              </a:tr>
+              <a:tr h="655066">
+                <a:tc>
+                  <a:txBody>
+                    <a:bodyPr/>
+                    <a:lstStyle/>
+                    <a:p>
+                      <a:r>
+                        <a:rPr lang="en-US" altLang="zh-TW" sz="2800" dirty="0" smtClean="0"/>
+                        <a:t>AE-32</a:t>
+                      </a:r>
+                      <a:endParaRPr lang="zh-TW" altLang="en-US" sz="2800" dirty="0"/>
+                    </a:p>
+                  </a:txBody>
+                  <a:tcPr/>
+                </a:tc>
+                <a:tc>
+                  <a:txBody>
+                    <a:bodyPr/>
+                    <a:lstStyle/>
+                    <a:p>
+                      <a:pPr marL="0" marR="0" lvl="0" indent="0" algn="l" defTabSz="914400" rtl="0" eaLnBrk="1" fontAlgn="auto" latinLnBrk="0" hangingPunct="1">
+                        <a:lnSpc>
+                          <a:spcPct val="100000"/>
+                        </a:lnSpc>
+                        <a:spcBef>
+                          <a:spcPts val="0"/>
+                        </a:spcBef>
+                        <a:spcAft>
+                          <a:spcPts val="0"/>
+                        </a:spcAft>
+                        <a:buClrTx/>
+                        <a:buSzTx/>
+                        <a:buFontTx/>
+                        <a:buNone/>
+                        <a:tabLst/>
+                        <a:defRPr/>
+                      </a:pPr>
+                      <a:r>
+                        <a:rPr lang="en-US" altLang="zh-TW" sz="2800" dirty="0" smtClean="0"/>
+                        <a:t>63.2530 % </a:t>
+                      </a:r>
+                      <a:r>
+                        <a:rPr lang="en-US" altLang="zh-TW" sz="2800" dirty="0" smtClean="0">
+                          <a:latin typeface="Wide Latin" panose="020A0A07050505020404" pitchFamily="18" charset="0"/>
+                        </a:rPr>
+                        <a:t>±</a:t>
+                      </a:r>
+                      <a:r>
+                        <a:rPr lang="en-US" altLang="zh-TW" sz="2800" dirty="0" smtClean="0"/>
+                        <a:t> 0%</a:t>
+                      </a:r>
+                      <a:endParaRPr lang="zh-TW" altLang="en-US" sz="2800" dirty="0"/>
+                    </a:p>
+                  </a:txBody>
+                  <a:tcPr/>
+                </a:tc>
+                <a:tc>
+                  <a:txBody>
+                    <a:bodyPr/>
+                    <a:lstStyle/>
+                    <a:p>
+                      <a:r>
+                        <a:rPr lang="en-US" altLang="zh-TW" sz="2800" dirty="0" smtClean="0"/>
+                        <a:t>0.2013</a:t>
+                      </a:r>
+                      <a:endParaRPr lang="zh-TW" altLang="en-US" sz="2800" dirty="0"/>
+                    </a:p>
+                  </a:txBody>
+                  <a:tcPr/>
+                </a:tc>
+              </a:tr>
+              <a:tr h="655066">
+                <a:tc>
+                  <a:txBody>
+                    <a:bodyPr/>
+                    <a:lstStyle/>
+                    <a:p>
+                      <a:r>
+                        <a:rPr lang="en-US" altLang="zh-TW" sz="2800" dirty="0" smtClean="0"/>
+                        <a:t>AE-32 (normalized)</a:t>
+                      </a:r>
+                      <a:endParaRPr lang="zh-TW" altLang="en-US" sz="2800" dirty="0"/>
+                    </a:p>
+                  </a:txBody>
+                  <a:tcPr/>
+                </a:tc>
+                <a:tc>
+                  <a:txBody>
+                    <a:bodyPr/>
+                    <a:lstStyle/>
+                    <a:p>
+                      <a:pPr marL="0" marR="0" lvl="0" indent="0" algn="l" defTabSz="914400" rtl="0" eaLnBrk="1" fontAlgn="auto" latinLnBrk="0" hangingPunct="1">
+                        <a:lnSpc>
+                          <a:spcPct val="100000"/>
+                        </a:lnSpc>
+                        <a:spcBef>
+                          <a:spcPts val="0"/>
+                        </a:spcBef>
+                        <a:spcAft>
+                          <a:spcPts val="0"/>
+                        </a:spcAft>
+                        <a:buClrTx/>
+                        <a:buSzTx/>
+                        <a:buFontTx/>
+                        <a:buNone/>
+                        <a:tabLst/>
+                        <a:defRPr/>
+                      </a:pPr>
+                      <a:r>
+                        <a:rPr lang="en-US" altLang="zh-TW" sz="2800" dirty="0" smtClean="0"/>
+                        <a:t>50.3012% </a:t>
+                      </a:r>
+                      <a:r>
+                        <a:rPr lang="en-US" altLang="zh-TW" sz="2800" dirty="0" smtClean="0">
+                          <a:latin typeface="Wide Latin" panose="020A0A07050505020404" pitchFamily="18" charset="0"/>
+                        </a:rPr>
+                        <a:t>±</a:t>
+                      </a:r>
+                      <a:r>
+                        <a:rPr lang="en-US" altLang="zh-TW" sz="2800" dirty="0" smtClean="0"/>
+                        <a:t> 0%</a:t>
+                      </a:r>
+                      <a:endParaRPr lang="zh-TW" altLang="en-US" sz="2800" dirty="0"/>
+                    </a:p>
+                  </a:txBody>
+                  <a:tcPr/>
+                </a:tc>
+                <a:tc>
+                  <a:txBody>
+                    <a:bodyPr/>
+                    <a:lstStyle/>
+                    <a:p>
+                      <a:r>
+                        <a:rPr lang="en-US" altLang="zh-TW" sz="2800" dirty="0" smtClean="0"/>
+                        <a:t>0.2056</a:t>
+                      </a:r>
+                      <a:endParaRPr lang="zh-TW" altLang="en-US" sz="2800" dirty="0"/>
+                    </a:p>
+                  </a:txBody>
+                  <a:tcPr/>
+                </a:tc>
+              </a:tr>
+            </a:tbl>
+          </a:graphicData>
+        </a:graphic>
+      </p:graphicFrame>
+    </p:spTree>
+    <p:extLst>
+      <p:ext uri="{BB962C8B-B14F-4D97-AF65-F5344CB8AC3E}">
+        <p14:creationId xmlns:p14="http://schemas.microsoft.com/office/powerpoint/2010/main" xmlns="" val="2220883863"/>
+      </p:ext>
+    </p:extLst>
+  </p:cSld>
+  <p:clrMapOvr>
+    <a:masterClrMapping/>
+  </p:clrMapOvr>
+</p:sld>
+</file>
+
+<file path=ppt/slides/slide32.xml><?xml version="1.0" encoding="utf-8"?>
+<p:sld xmlns:a="http://schemas.openxmlformats.org/drawingml/2006/main" xmlns:r="http://schemas.openxmlformats.org/officeDocument/2006/relationships" xmlns:p="http://schemas.openxmlformats.org/presentationml/2006/main">
+  <p:cSld>
+    <p:spTree>
+      <p:nvGrpSpPr>
+        <p:cNvPr id="1" name=""/>
+        <p:cNvGrpSpPr/>
+        <p:nvPr/>
+      </p:nvGrpSpPr>
+      <p:grpSpPr>
+        <a:xfrm>
+          <a:off x="0" y="0"/>
+          <a:ext cx="0" cy="0"/>
+          <a:chOff x="0" y="0"/>
+          <a:chExt cx="0" cy="0"/>
+        </a:xfrm>
+      </p:grpSpPr>
+      <p:sp>
+        <p:nvSpPr>
+          <p:cNvPr id="2" name="標題 1">
+            <a:extLst>
+              <a:ext uri="{FF2B5EF4-FFF2-40B4-BE49-F238E27FC236}">
+                <a16:creationId xmlns="" xmlns:a16="http://schemas.microsoft.com/office/drawing/2014/main" id="{7BDC027D-0EFD-5E87-C32C-78BCBA19CA82}"/>
+              </a:ext>
+            </a:extLst>
+          </p:cNvPr>
+          <p:cNvSpPr>
+            <a:spLocks noGrp="1"/>
+          </p:cNvSpPr>
+          <p:nvPr>
+            <p:ph type="title"/>
+          </p:nvPr>
+        </p:nvSpPr>
+        <p:spPr/>
+        <p:txBody>
+          <a:bodyPr>
+            <a:normAutofit/>
+          </a:bodyPr>
+          <a:lstStyle/>
+          <a:p>
+            <a:r>
+              <a:rPr lang="en-US" altLang="zh-TW" dirty="0">
+                <a:latin typeface="Consolas" panose="020B0609020204030204" pitchFamily="49" charset="0"/>
+              </a:rPr>
+              <a:t>Naive Bayes classifier (GA) </a:t>
+            </a:r>
+            <a:br>
+              <a:rPr lang="en-US" altLang="zh-TW" dirty="0">
+                <a:latin typeface="Consolas" panose="020B0609020204030204" pitchFamily="49" charset="0"/>
+              </a:rPr>
+            </a:br>
+            <a:r>
+              <a:rPr lang="en-US" altLang="zh-TW" dirty="0">
+                <a:latin typeface="Consolas" panose="020B0609020204030204" pitchFamily="49" charset="0"/>
+              </a:rPr>
+              <a:t>+ k-means, Cancer RNA-Seq</a:t>
+            </a:r>
+            <a:endParaRPr lang="zh-TW" altLang="en-US" dirty="0"/>
+          </a:p>
+        </p:txBody>
+      </p:sp>
+      <p:graphicFrame>
+        <p:nvGraphicFramePr>
+          <p:cNvPr id="4" name="表格 4">
+            <a:extLst>
+              <a:ext uri="{FF2B5EF4-FFF2-40B4-BE49-F238E27FC236}">
+                <a16:creationId xmlns="" xmlns:a16="http://schemas.microsoft.com/office/drawing/2014/main" id="{5F3E0619-219B-E13A-0433-2F63B4B4B02D}"/>
+              </a:ext>
+            </a:extLst>
+          </p:cNvPr>
+          <p:cNvGraphicFramePr>
+            <a:graphicFrameLocks noGrp="1"/>
+          </p:cNvGraphicFramePr>
+          <p:nvPr>
+            <p:extLst>
+              <p:ext uri="{D42A27DB-BD31-4B8C-83A1-F6EECF244321}">
+                <p14:modId xmlns:p14="http://schemas.microsoft.com/office/powerpoint/2010/main" xmlns="" val="1087413213"/>
+              </p:ext>
+            </p:extLst>
+          </p:nvPr>
+        </p:nvGraphicFramePr>
+        <p:xfrm>
+          <a:off x="1239520" y="1791335"/>
+          <a:ext cx="9712959" cy="4585462"/>
+        </p:xfrm>
+        <a:graphic>
+          <a:graphicData uri="http://schemas.openxmlformats.org/drawingml/2006/table">
+            <a:tbl>
+              <a:tblPr firstRow="1" bandRow="1">
+                <a:tableStyleId>{5C22544A-7EE6-4342-B048-85BDC9FD1C3A}</a:tableStyleId>
+              </a:tblPr>
+              <a:tblGrid>
+                <a:gridCol w="3237653">
+                  <a:extLst>
+                    <a:ext uri="{9D8B030D-6E8A-4147-A177-3AD203B41FA5}">
+                      <a16:colId xmlns="" xmlns:a16="http://schemas.microsoft.com/office/drawing/2014/main" val="3991208199"/>
+                    </a:ext>
+                  </a:extLst>
+                </a:gridCol>
+                <a:gridCol w="3237653">
+                  <a:extLst>
+                    <a:ext uri="{9D8B030D-6E8A-4147-A177-3AD203B41FA5}">
+                      <a16:colId xmlns="" xmlns:a16="http://schemas.microsoft.com/office/drawing/2014/main" val="1262213421"/>
+                    </a:ext>
+                  </a:extLst>
+                </a:gridCol>
+                <a:gridCol w="3237653">
+                  <a:extLst>
+                    <a:ext uri="{9D8B030D-6E8A-4147-A177-3AD203B41FA5}">
+                      <a16:colId xmlns="" xmlns:a16="http://schemas.microsoft.com/office/drawing/2014/main" val="3788634706"/>
+                    </a:ext>
+                  </a:extLst>
+                </a:gridCol>
+              </a:tblGrid>
+              <a:tr h="655066">
+                <a:tc>
+                  <a:txBody>
+                    <a:bodyPr/>
+                    <a:lstStyle/>
+                    <a:p>
+                      <a:pPr marL="0" marR="0" lvl="0" indent="0" algn="l" defTabSz="914400" rtl="0" eaLnBrk="1" fontAlgn="auto" latinLnBrk="0" hangingPunct="1">
+                        <a:lnSpc>
+                          <a:spcPct val="100000"/>
+                        </a:lnSpc>
+                        <a:spcBef>
+                          <a:spcPts val="0"/>
+                        </a:spcBef>
+                        <a:spcAft>
+                          <a:spcPts val="0"/>
+                        </a:spcAft>
+                        <a:buClrTx/>
+                        <a:buSzTx/>
+                        <a:buFontTx/>
+                        <a:buNone/>
+                        <a:tabLst/>
+                        <a:defRPr/>
+                      </a:pPr>
+                      <a:r>
+                        <a:rPr lang="en-US" altLang="zh-TW" sz="2800" dirty="0"/>
+                        <a:t>Repeat 10 times</a:t>
+                      </a:r>
+                      <a:endParaRPr lang="zh-TW" altLang="en-US" sz="2800" dirty="0"/>
+                    </a:p>
+                  </a:txBody>
+                  <a:tcPr/>
+                </a:tc>
+                <a:tc>
+                  <a:txBody>
+                    <a:bodyPr/>
+                    <a:lstStyle/>
+                    <a:p>
+                      <a:r>
+                        <a:rPr lang="en-US" altLang="zh-TW" sz="2800" dirty="0"/>
+                        <a:t>Accuracy (%)</a:t>
+                      </a:r>
+                      <a:endParaRPr lang="zh-TW" altLang="en-US" sz="2800" dirty="0"/>
+                    </a:p>
+                  </a:txBody>
+                  <a:tcPr/>
+                </a:tc>
+                <a:tc>
+                  <a:txBody>
+                    <a:bodyPr/>
+                    <a:lstStyle/>
+                    <a:p>
+                      <a:r>
+                        <a:rPr lang="en-US" altLang="zh-TW" sz="2800" dirty="0"/>
+                        <a:t>Time (s)</a:t>
+                      </a:r>
+                      <a:endParaRPr lang="zh-TW" altLang="en-US" sz="2800" dirty="0"/>
+                    </a:p>
+                  </a:txBody>
+                  <a:tcPr/>
+                </a:tc>
+                <a:extLst>
+                  <a:ext uri="{0D108BD9-81ED-4DB2-BD59-A6C34878D82A}">
+                    <a16:rowId xmlns="" xmlns:a16="http://schemas.microsoft.com/office/drawing/2014/main" val="2028684342"/>
+                  </a:ext>
+                </a:extLst>
+              </a:tr>
+              <a:tr h="655066">
+                <a:tc>
+                  <a:txBody>
+                    <a:bodyPr/>
+                    <a:lstStyle/>
+                    <a:p>
+                      <a:r>
+                        <a:rPr lang="en-US" altLang="zh-TW" sz="2800" dirty="0">
+                          <a:latin typeface="Consolas" pitchFamily="49" charset="0"/>
+                        </a:rPr>
+                        <a:t>Raw</a:t>
+                      </a:r>
+                      <a:endParaRPr lang="zh-TW" altLang="en-US" sz="2800" dirty="0"/>
+                    </a:p>
+                  </a:txBody>
+                  <a:tcPr/>
+                </a:tc>
+                <a:tc>
+                  <a:txBody>
+                    <a:bodyPr/>
+                    <a:lstStyle/>
+                    <a:p>
+                      <a:r>
+                        <a:rPr lang="en-US" altLang="zh-TW" sz="2800" dirty="0"/>
+                        <a:t>43.3674% </a:t>
+                      </a:r>
+                      <a:r>
+                        <a:rPr lang="en-US" altLang="zh-TW" sz="2800" dirty="0">
+                          <a:latin typeface="Wide Latin" panose="020A0A07050505020404" pitchFamily="18" charset="0"/>
+                        </a:rPr>
+                        <a:t>±</a:t>
+                      </a:r>
+                      <a:r>
+                        <a:rPr lang="en-US" altLang="zh-TW" sz="2800" dirty="0"/>
+                        <a:t> 0% </a:t>
+                      </a:r>
+                      <a:endParaRPr lang="zh-TW" altLang="en-US" sz="2800" dirty="0"/>
+                    </a:p>
+                  </a:txBody>
+                  <a:tcPr/>
+                </a:tc>
+                <a:tc>
+                  <a:txBody>
+                    <a:bodyPr/>
+                    <a:lstStyle/>
+                    <a:p>
+                      <a:r>
+                        <a:rPr lang="en-US" altLang="zh-TW" sz="2800" dirty="0"/>
+                        <a:t>2.2308</a:t>
+                      </a:r>
+                      <a:endParaRPr lang="zh-TW" altLang="en-US" sz="2800" dirty="0"/>
+                    </a:p>
+                  </a:txBody>
+                  <a:tcPr/>
+                </a:tc>
+                <a:extLst>
+                  <a:ext uri="{0D108BD9-81ED-4DB2-BD59-A6C34878D82A}">
+                    <a16:rowId xmlns="" xmlns:a16="http://schemas.microsoft.com/office/drawing/2014/main" val="1629505054"/>
+                  </a:ext>
+                </a:extLst>
+              </a:tr>
+              <a:tr h="655066">
+                <a:tc>
+                  <a:txBody>
+                    <a:bodyPr/>
+                    <a:lstStyle/>
+                    <a:p>
+                      <a:r>
+                        <a:rPr lang="en-US" altLang="zh-TW" sz="2800" dirty="0"/>
+                        <a:t>Normalized</a:t>
+                      </a:r>
+                      <a:endParaRPr lang="zh-TW" altLang="en-US" sz="2800" dirty="0"/>
+                    </a:p>
+                  </a:txBody>
+                  <a:tcPr/>
+                </a:tc>
+                <a:tc>
+                  <a:txBody>
+                    <a:bodyPr/>
+                    <a:lstStyle/>
+                    <a:p>
+                      <a:r>
+                        <a:rPr lang="en-US" altLang="zh-TW" sz="2800" dirty="0"/>
+                        <a:t>-</a:t>
+                      </a:r>
+                      <a:endParaRPr lang="zh-TW" altLang="en-US" sz="2800" dirty="0"/>
+                    </a:p>
+                  </a:txBody>
+                  <a:tcPr/>
+                </a:tc>
+                <a:tc>
+                  <a:txBody>
+                    <a:bodyPr/>
+                    <a:lstStyle/>
+                    <a:p>
+                      <a:r>
+                        <a:rPr lang="en-US" altLang="zh-TW" sz="2800" dirty="0"/>
+                        <a:t>-</a:t>
+                      </a:r>
+                      <a:endParaRPr lang="zh-TW" altLang="en-US" sz="2800" dirty="0"/>
+                    </a:p>
+                  </a:txBody>
+                  <a:tcPr/>
+                </a:tc>
+                <a:extLst>
+                  <a:ext uri="{0D108BD9-81ED-4DB2-BD59-A6C34878D82A}">
+                    <a16:rowId xmlns="" xmlns:a16="http://schemas.microsoft.com/office/drawing/2014/main" val="2232274875"/>
+                  </a:ext>
+                </a:extLst>
+              </a:tr>
+              <a:tr h="655066">
+                <a:tc>
+                  <a:txBody>
+                    <a:bodyPr/>
+                    <a:lstStyle/>
+                    <a:p>
+                      <a:r>
+                        <a:rPr lang="en-US" altLang="zh-TW" sz="2800" dirty="0"/>
+                        <a:t>PCA-32</a:t>
+                      </a:r>
+                      <a:endParaRPr lang="zh-TW" altLang="en-US" sz="2800" dirty="0"/>
+                    </a:p>
+                  </a:txBody>
+                  <a:tcPr/>
+                </a:tc>
+                <a:tc>
+                  <a:txBody>
+                    <a:bodyPr/>
+                    <a:lstStyle/>
+                    <a:p>
+                      <a:r>
+                        <a:rPr lang="en-US" altLang="zh-TW" sz="2800" dirty="0"/>
+                        <a:t>34.0436% </a:t>
+                      </a:r>
+                      <a:r>
+                        <a:rPr lang="en-US" altLang="zh-TW" sz="2800" dirty="0">
+                          <a:latin typeface="Wide Latin" panose="020A0A07050505020404" pitchFamily="18" charset="0"/>
+                        </a:rPr>
+                        <a:t>±</a:t>
+                      </a:r>
+                      <a:r>
+                        <a:rPr lang="en-US" altLang="zh-TW" sz="2800" dirty="0"/>
+                        <a:t> 0%</a:t>
+                      </a:r>
+                      <a:endParaRPr lang="zh-TW" altLang="en-US" sz="2800" dirty="0"/>
+                    </a:p>
+                  </a:txBody>
+                  <a:tcPr/>
+                </a:tc>
+                <a:tc>
+                  <a:txBody>
+                    <a:bodyPr/>
+                    <a:lstStyle/>
+                    <a:p>
+                      <a:r>
+                        <a:rPr lang="en-US" altLang="zh-TW" sz="2800" dirty="0"/>
+                        <a:t>0.0327</a:t>
+                      </a:r>
+                      <a:endParaRPr lang="zh-TW" altLang="en-US" sz="2800" dirty="0"/>
+                    </a:p>
+                  </a:txBody>
+                  <a:tcPr/>
+                </a:tc>
+                <a:extLst>
+                  <a:ext uri="{0D108BD9-81ED-4DB2-BD59-A6C34878D82A}">
+                    <a16:rowId xmlns="" xmlns:a16="http://schemas.microsoft.com/office/drawing/2014/main" val="4251700897"/>
+                  </a:ext>
+                </a:extLst>
+              </a:tr>
+              <a:tr h="655066">
+                <a:tc>
+                  <a:txBody>
+                    <a:bodyPr/>
+                    <a:lstStyle/>
+                    <a:p>
+                      <a:r>
+                        <a:rPr lang="en-US" altLang="zh-TW" sz="2800" dirty="0"/>
+                        <a:t>PCA-32 (normalized)</a:t>
+                      </a:r>
+                      <a:endParaRPr lang="zh-TW" altLang="en-US" sz="2800" dirty="0"/>
+                    </a:p>
+                  </a:txBody>
+                  <a:tcPr/>
+                </a:tc>
+                <a:tc>
+                  <a:txBody>
+                    <a:bodyPr/>
+                    <a:lstStyle/>
+                    <a:p>
+                      <a:r>
+                        <a:rPr lang="en-US" altLang="zh-TW" sz="2800" dirty="0"/>
+                        <a:t>16.8674% </a:t>
+                      </a:r>
+                      <a:r>
+                        <a:rPr lang="en-US" altLang="zh-TW" sz="2800" dirty="0">
+                          <a:latin typeface="Wide Latin" panose="020A0A07050505020404" pitchFamily="18" charset="0"/>
+                        </a:rPr>
+                        <a:t>±</a:t>
+                      </a:r>
+                      <a:r>
+                        <a:rPr lang="en-US" altLang="zh-TW" sz="2800" dirty="0"/>
+                        <a:t> 0%</a:t>
+                      </a:r>
+                      <a:endParaRPr lang="zh-TW" altLang="en-US" sz="2800" dirty="0"/>
+                    </a:p>
+                  </a:txBody>
+                  <a:tcPr/>
+                </a:tc>
+                <a:tc>
+                  <a:txBody>
+                    <a:bodyPr/>
+                    <a:lstStyle/>
+                    <a:p>
+                      <a:r>
+                        <a:rPr lang="en-US" altLang="zh-TW" sz="2800" dirty="0"/>
+                        <a:t>0.0364</a:t>
+                      </a:r>
+                      <a:endParaRPr lang="zh-TW" altLang="en-US" sz="2800" dirty="0"/>
+                    </a:p>
+                  </a:txBody>
+                  <a:tcPr/>
+                </a:tc>
+                <a:extLst>
+                  <a:ext uri="{0D108BD9-81ED-4DB2-BD59-A6C34878D82A}">
+                    <a16:rowId xmlns="" xmlns:a16="http://schemas.microsoft.com/office/drawing/2014/main" val="4168020029"/>
+                  </a:ext>
+                </a:extLst>
+              </a:tr>
+              <a:tr h="655066">
+                <a:tc>
+                  <a:txBody>
+                    <a:bodyPr/>
+                    <a:lstStyle/>
+                    <a:p>
+                      <a:r>
+                        <a:rPr lang="en-US" altLang="zh-TW" sz="2800" dirty="0"/>
+                        <a:t>AE-32</a:t>
+                      </a:r>
+                      <a:endParaRPr lang="zh-TW" altLang="en-US" sz="2800" dirty="0"/>
+                    </a:p>
+                  </a:txBody>
+                  <a:tcPr/>
+                </a:tc>
+                <a:tc>
+                  <a:txBody>
+                    <a:bodyPr/>
+                    <a:lstStyle/>
+                    <a:p>
+                      <a:pPr marL="0" marR="0" lvl="0" indent="0" algn="l" defTabSz="914400" rtl="0" eaLnBrk="1" fontAlgn="auto" latinLnBrk="0" hangingPunct="1">
+                        <a:lnSpc>
+                          <a:spcPct val="100000"/>
+                        </a:lnSpc>
+                        <a:spcBef>
+                          <a:spcPts val="0"/>
+                        </a:spcBef>
+                        <a:spcAft>
+                          <a:spcPts val="0"/>
+                        </a:spcAft>
+                        <a:buClrTx/>
+                        <a:buSzTx/>
+                        <a:buFontTx/>
+                        <a:buNone/>
+                        <a:tabLst/>
+                        <a:defRPr/>
+                      </a:pPr>
+                      <a:r>
+                        <a:rPr lang="en-US" altLang="zh-TW" sz="2800" dirty="0"/>
+                        <a:t>21.9879% </a:t>
+                      </a:r>
+                      <a:r>
+                        <a:rPr lang="en-US" altLang="zh-TW" sz="2800" dirty="0">
+                          <a:latin typeface="Wide Latin" panose="020A0A07050505020404" pitchFamily="18" charset="0"/>
+                        </a:rPr>
+                        <a:t>±</a:t>
+                      </a:r>
+                      <a:r>
+                        <a:rPr lang="en-US" altLang="zh-TW" sz="2800" dirty="0"/>
+                        <a:t> 0%</a:t>
+                      </a:r>
+                      <a:endParaRPr lang="zh-TW" altLang="en-US" sz="2800" dirty="0"/>
+                    </a:p>
+                  </a:txBody>
+                  <a:tcPr/>
+                </a:tc>
+                <a:tc>
+                  <a:txBody>
+                    <a:bodyPr/>
+                    <a:lstStyle/>
+                    <a:p>
+                      <a:r>
+                        <a:rPr lang="en-US" altLang="zh-TW" sz="2800" dirty="0"/>
+                        <a:t>0.0317</a:t>
+                      </a:r>
+                      <a:endParaRPr lang="zh-TW" altLang="en-US" sz="2800" dirty="0"/>
+                    </a:p>
+                  </a:txBody>
+                  <a:tcPr/>
+                </a:tc>
+                <a:extLst>
+                  <a:ext uri="{0D108BD9-81ED-4DB2-BD59-A6C34878D82A}">
+                    <a16:rowId xmlns="" xmlns:a16="http://schemas.microsoft.com/office/drawing/2014/main" val="10005"/>
+                  </a:ext>
+                </a:extLst>
+              </a:tr>
+              <a:tr h="655066">
+                <a:tc>
+                  <a:txBody>
+                    <a:bodyPr/>
+                    <a:lstStyle/>
+                    <a:p>
+                      <a:r>
+                        <a:rPr lang="en-US" altLang="zh-TW" sz="2800" dirty="0"/>
+                        <a:t>AE-32 (normalized)</a:t>
+                      </a:r>
+                      <a:endParaRPr lang="zh-TW" altLang="en-US" sz="2800" dirty="0"/>
+                    </a:p>
+                  </a:txBody>
+                  <a:tcPr/>
+                </a:tc>
+                <a:tc>
+                  <a:txBody>
+                    <a:bodyPr/>
+                    <a:lstStyle/>
+                    <a:p>
+                      <a:pPr marL="0" marR="0" lvl="0" indent="0" algn="l" defTabSz="914400" rtl="0" eaLnBrk="1" fontAlgn="auto" latinLnBrk="0" hangingPunct="1">
+                        <a:lnSpc>
+                          <a:spcPct val="100000"/>
+                        </a:lnSpc>
+                        <a:spcBef>
+                          <a:spcPts val="0"/>
+                        </a:spcBef>
+                        <a:spcAft>
+                          <a:spcPts val="0"/>
+                        </a:spcAft>
+                        <a:buClrTx/>
+                        <a:buSzTx/>
+                        <a:buFontTx/>
+                        <a:buNone/>
+                        <a:tabLst/>
+                        <a:defRPr/>
+                      </a:pPr>
+                      <a:r>
+                        <a:rPr lang="en-US" altLang="zh-TW" sz="2800" dirty="0"/>
+                        <a:t>16.8674% </a:t>
+                      </a:r>
+                      <a:r>
+                        <a:rPr lang="en-US" altLang="zh-TW" sz="2800" dirty="0">
+                          <a:latin typeface="Wide Latin" panose="020A0A07050505020404" pitchFamily="18" charset="0"/>
+                        </a:rPr>
+                        <a:t>±</a:t>
+                      </a:r>
+                      <a:r>
+                        <a:rPr lang="en-US" altLang="zh-TW" sz="2800" dirty="0"/>
+                        <a:t> 0%</a:t>
+                      </a:r>
+                      <a:endParaRPr lang="zh-TW" altLang="en-US" sz="2800" dirty="0"/>
+                    </a:p>
+                  </a:txBody>
+                  <a:tcPr/>
+                </a:tc>
+                <a:tc>
+                  <a:txBody>
+                    <a:bodyPr/>
+                    <a:lstStyle/>
+                    <a:p>
+                      <a:r>
+                        <a:rPr lang="en-US" altLang="zh-TW" sz="2800"/>
+                        <a:t>0.0426</a:t>
+                      </a:r>
+                      <a:endParaRPr lang="zh-TW" altLang="en-US" sz="2800" dirty="0"/>
+                    </a:p>
+                  </a:txBody>
+                  <a:tcPr/>
+                </a:tc>
+                <a:extLst>
+                  <a:ext uri="{0D108BD9-81ED-4DB2-BD59-A6C34878D82A}">
+                    <a16:rowId xmlns="" xmlns:a16="http://schemas.microsoft.com/office/drawing/2014/main" val="10006"/>
+                  </a:ext>
+                </a:extLst>
+              </a:tr>
+            </a:tbl>
+          </a:graphicData>
+        </a:graphic>
+      </p:graphicFrame>
+    </p:spTree>
+    <p:extLst>
+      <p:ext uri="{BB962C8B-B14F-4D97-AF65-F5344CB8AC3E}">
+        <p14:creationId xmlns:p14="http://schemas.microsoft.com/office/powerpoint/2010/main" xmlns="" val="3308929122"/>
+      </p:ext>
+    </p:extLst>
+  </p:cSld>
+  <p:clrMapOvr>
+    <a:masterClrMapping/>
+  </p:clrMapOvr>
+</p:sld>
+</file>
+
+<file path=ppt/slides/slide33.xml><?xml version="1.0" encoding="utf-8"?>
+<p:sld xmlns:a="http://schemas.openxmlformats.org/drawingml/2006/main" xmlns:r="http://schemas.openxmlformats.org/officeDocument/2006/relationships" xmlns:p="http://schemas.openxmlformats.org/presentationml/2006/main">
+  <p:cSld>
+    <p:spTree>
+      <p:nvGrpSpPr>
+        <p:cNvPr id="1" name=""/>
+        <p:cNvGrpSpPr/>
+        <p:nvPr/>
+      </p:nvGrpSpPr>
+      <p:grpSpPr>
+        <a:xfrm>
+          <a:off x="0" y="0"/>
+          <a:ext cx="0" cy="0"/>
+          <a:chOff x="0" y="0"/>
+          <a:chExt cx="0" cy="0"/>
+        </a:xfrm>
+      </p:grpSpPr>
+      <p:sp>
+        <p:nvSpPr>
           <p:cNvPr id="2" name="標題 1"/>
           <p:cNvSpPr>
             <a:spLocks noGrp="1"/>
@@ -9752,25 +10336,19 @@
           <a:p>
             <a:r>
               <a:rPr lang="en-US" altLang="zh-TW" dirty="0" smtClean="0">
-                <a:latin typeface="Consolas" panose="020B0609020204030204" pitchFamily="49" charset="0"/>
+                <a:latin typeface="Consolas" pitchFamily="49" charset="0"/>
               </a:rPr>
               <a:t>B103040012 </a:t>
             </a:r>
             <a:r>
               <a:rPr lang="zh-TW" altLang="en-US" dirty="0" smtClean="0">
-                <a:latin typeface="Consolas" panose="020B0609020204030204" pitchFamily="49" charset="0"/>
-              </a:rPr>
-              <a:t>謝承</a:t>
-            </a:r>
-            <a:r>
-              <a:rPr lang="zh-TW" altLang="en-US" dirty="0" smtClean="0">
-                <a:latin typeface="Consolas" panose="020B0609020204030204" pitchFamily="49" charset="0"/>
-              </a:rPr>
-              <a:t>翰</a:t>
+                <a:latin typeface="Consolas" pitchFamily="49" charset="0"/>
+              </a:rPr>
+              <a:t>謝承翰</a:t>
             </a:r>
             <a:r>
               <a:rPr lang="en-US" altLang="zh-TW" dirty="0" smtClean="0">
-                <a:latin typeface="Consolas" panose="020B0609020204030204" pitchFamily="49" charset="0"/>
+                <a:latin typeface="Consolas" pitchFamily="49" charset="0"/>
               </a:rPr>
               <a:t>:</a:t>
             </a:r>
@@ -9805,27 +10383,15 @@
             </a:r>
             <a:r>
               <a:rPr lang="zh-TW" altLang="en-US" dirty="0" smtClean="0">
-                <a:latin typeface="Consolas" panose="020B0609020204030204" pitchFamily="49" charset="0"/>
-              </a:rPr>
-              <a:t> 孫世</a:t>
-            </a:r>
-            <a:r>
-              <a:rPr lang="zh-TW" altLang="en-US" dirty="0" smtClean="0">
-                <a:latin typeface="Consolas" panose="020B0609020204030204" pitchFamily="49" charset="0"/>
-              </a:rPr>
-              <a:t>諭</a:t>
-            </a:r>
-            <a:r>
-              <a:rPr lang="en-US" altLang="zh-TW" dirty="0" smtClean="0">
-                <a:latin typeface="Consolas" panose="020B0609020204030204" pitchFamily="49" charset="0"/>
-              </a:rPr>
-              <a:t>: SVM</a:t>
+                <a:latin typeface="Consolas" pitchFamily="49" charset="0"/>
+              </a:rPr>
+              <a:t> 孫世諭</a:t>
             </a:r>
             <a:r>
               <a:rPr lang="en-US" altLang="zh-TW" dirty="0" smtClean="0">
                 <a:latin typeface="Consolas" pitchFamily="49" charset="0"/>
               </a:rPr>
-              <a:t>, k-means, paper</a:t>
+              <a:t>: SVM, k-means, paper</a:t>
             </a:r>
           </a:p>
           <a:p>
@@ -9837,44 +10403,53 @@
             </a:r>
             <a:r>
               <a:rPr lang="zh-TW" altLang="en-US" dirty="0" smtClean="0">
-                <a:latin typeface="Consolas" panose="020B0609020204030204" pitchFamily="49" charset="0"/>
-              </a:rPr>
-              <a:t>魯喆</a:t>
+                <a:latin typeface="Consolas" pitchFamily="49" charset="0"/>
+              </a:rPr>
+              <a:t>魯喆元</a:t>
+            </a:r>
+            <a:r>
+              <a:rPr lang="en-US" altLang="zh-TW" dirty="0" smtClean="0">
+                <a:latin typeface="Consolas" pitchFamily="49" charset="0"/>
+              </a:rPr>
+              <a:t>: naive </a:t>
+            </a:r>
+            <a:r>
+              <a:rPr lang="en-US" altLang="zh-TW" dirty="0" err="1" smtClean="0">
+                <a:latin typeface="Consolas" pitchFamily="49" charset="0"/>
+              </a:rPr>
+              <a:t>Bayes</a:t>
+            </a:r>
+            <a:r>
+              <a:rPr lang="en-US" altLang="zh-TW" dirty="0" smtClean="0">
+                <a:latin typeface="Consolas" pitchFamily="49" charset="0"/>
+              </a:rPr>
+              <a:t> classifier</a:t>
+            </a:r>
+          </a:p>
+          <a:p>
+            <a:r>
+              <a:rPr lang="en-US" altLang="zh-TW" dirty="0" smtClean="0">
+                <a:latin typeface="Consolas" pitchFamily="49" charset="0"/>
+              </a:rPr>
+              <a:t>B103040008 </a:t>
             </a:r>
             <a:r>
               <a:rPr lang="zh-TW" altLang="en-US" dirty="0" smtClean="0">
-                <a:latin typeface="Consolas" panose="020B0609020204030204" pitchFamily="49" charset="0"/>
-              </a:rPr>
-              <a:t>元</a:t>
+                <a:latin typeface="Consolas" pitchFamily="49" charset="0"/>
+              </a:rPr>
+              <a:t>許廷豪</a:t>
             </a:r>
             <a:r>
               <a:rPr lang="en-US" altLang="zh-TW" dirty="0" smtClean="0">
-                <a:latin typeface="Consolas" panose="020B0609020204030204" pitchFamily="49" charset="0"/>
-              </a:rPr>
-              <a:t>:</a:t>
-            </a:r>
-            <a:endParaRPr lang="en-US" altLang="zh-TW" dirty="0" smtClean="0">
-              <a:latin typeface="Consolas" panose="020B0609020204030204" pitchFamily="49" charset="0"/>
-            </a:endParaRPr>
-          </a:p>
-          <a:p>
-            <a:r>
-              <a:rPr lang="en-US" altLang="zh-TW" dirty="0" smtClean="0">
-                <a:latin typeface="Consolas" panose="020B0609020204030204" pitchFamily="49" charset="0"/>
-              </a:rPr>
-              <a:t>B103040008 </a:t>
-            </a:r>
-            <a:r>
-              <a:rPr lang="zh-TW" altLang="en-US" dirty="0" smtClean="0">
-                <a:latin typeface="Consolas" panose="020B0609020204030204" pitchFamily="49" charset="0"/>
-              </a:rPr>
-              <a:t>許廷豪</a:t>
-            </a:r>
-            <a:r>
-              <a:rPr lang="en-US" altLang="zh-TW" dirty="0" smtClean="0">
-                <a:latin typeface="Consolas" panose="020B0609020204030204" pitchFamily="49" charset="0"/>
-              </a:rPr>
-              <a:t>:</a:t>
+                <a:latin typeface="Consolas" pitchFamily="49" charset="0"/>
+              </a:rPr>
+              <a:t>: NN, SVDD, NN-Chain, paper, </a:t>
+            </a:r>
+            <a:r>
+              <a:rPr lang="en-US" altLang="zh-TW" dirty="0" err="1" smtClean="0">
+                <a:latin typeface="Consolas" pitchFamily="49" charset="0"/>
+              </a:rPr>
+              <a:t>ppt</a:t>
             </a:r>
             <a:endParaRPr lang="en-US" altLang="zh-TW" dirty="0" smtClean="0">
               <a:latin typeface="Consolas" pitchFamily="49" charset="0"/>
@@ -9889,21 +10464,15 @@
             </a:r>
             <a:r>
               <a:rPr lang="zh-TW" altLang="en-US" dirty="0" smtClean="0">
-                <a:latin typeface="Consolas" panose="020B0609020204030204" pitchFamily="49" charset="0"/>
+                <a:latin typeface="Consolas" pitchFamily="49" charset="0"/>
               </a:rPr>
               <a:t>黃嘉彥</a:t>
-            </a:r>
-            <a:r>
-              <a:rPr lang="en-US" altLang="zh-TW" dirty="0" smtClean="0">
-                <a:latin typeface="Consolas" panose="020B0609020204030204" pitchFamily="49" charset="0"/>
-              </a:rPr>
-              <a:t>:</a:t>
             </a:r>
             <a:r>
               <a:rPr lang="en-US" altLang="zh-TW" dirty="0" smtClean="0">
                 <a:latin typeface="Consolas" pitchFamily="49" charset="0"/>
               </a:rPr>
-              <a:t> naive </a:t>
+              <a:t>: naive </a:t>
             </a:r>
             <a:r>
               <a:rPr lang="en-US" altLang="zh-TW" dirty="0" err="1" smtClean="0">
@@ -9918,11 +10487,8 @@
               <a:t> classifier, paper, poster</a:t>
             </a:r>
             <a:endParaRPr lang="zh-TW" altLang="en-US" dirty="0" smtClean="0">
-              <a:latin typeface="Consolas" panose="020B0609020204030204" pitchFamily="49" charset="0"/>
+              <a:latin typeface="Consolas" pitchFamily="49" charset="0"/>
             </a:endParaRPr>
-          </a:p>
-          <a:p>
-            <a:endParaRPr lang="zh-TW" altLang="en-US" dirty="0"/>
           </a:p>
         </p:txBody>
       </p:sp>
@@ -10090,29 +10656,8 @@
               <a:rPr lang="en-US" altLang="zh-TW" dirty="0" smtClean="0">
                 <a:latin typeface="Consolas" pitchFamily="49" charset="0"/>
               </a:rPr>
-              <a:t>For fairness, reduce </a:t>
-            </a:r>
-            <a:r>
-              <a:rPr lang="en-US" altLang="zh-TW" dirty="0" smtClean="0">
-                <a:latin typeface="Consolas" pitchFamily="49" charset="0"/>
-              </a:rPr>
-              <a:t>the dimension to </a:t>
-            </a:r>
-            <a:r>
-              <a:rPr lang="en-US" altLang="zh-TW" dirty="0" smtClean="0">
-                <a:latin typeface="Consolas" pitchFamily="49" charset="0"/>
-              </a:rPr>
-              <a:t>30 </a:t>
-            </a:r>
-            <a:r>
-              <a:rPr lang="en-US" altLang="zh-TW" dirty="0" smtClean="0">
-                <a:latin typeface="Consolas" pitchFamily="49" charset="0"/>
-              </a:rPr>
-              <a:t>in arrhythmia dataset.</a:t>
-            </a:r>
-            <a:endParaRPr lang="en-US" altLang="zh-TW" dirty="0" smtClean="0">
-              <a:latin typeface="Consolas" pitchFamily="49" charset="0"/>
-            </a:endParaRPr>
+              <a:t>For fairness, reduce the dimension to 30 in arrhythmia dataset.</a:t>
+            </a:r>
           </a:p>
           <a:p>
             <a:r>
@@ -10214,7 +10759,25 @@
               <a:rPr lang="en-US" altLang="zh-TW" dirty="0" smtClean="0">
                 <a:latin typeface="Consolas" pitchFamily="49" charset="0"/>
               </a:rPr>
-              <a:t>KNN, SVM, SVDD + NN</a:t>
+              <a:t>KNN, SVM, SVDD + </a:t>
+            </a:r>
+            <a:r>
+              <a:rPr lang="en-US" altLang="zh-TW" dirty="0" smtClean="0">
+                <a:latin typeface="Consolas" pitchFamily="49" charset="0"/>
+              </a:rPr>
+              <a:t>NN, Naïve </a:t>
+            </a:r>
+            <a:r>
+              <a:rPr lang="en-US" altLang="zh-TW" dirty="0" err="1" smtClean="0">
+                <a:latin typeface="Consolas" pitchFamily="49" charset="0"/>
+              </a:rPr>
+              <a:t>Bayes</a:t>
+            </a:r>
+            <a:r>
+              <a:rPr lang="en-US" altLang="zh-TW" dirty="0" smtClean="0">
+                <a:latin typeface="Consolas" pitchFamily="49" charset="0"/>
+              </a:rPr>
+              <a:t> classifier</a:t>
             </a:r>
             <a:endParaRPr lang="zh-TW" altLang="en-US" dirty="0">
               <a:latin typeface="Consolas" pitchFamily="49" charset="0"/>
@@ -10460,13 +11023,7 @@
               <a:rPr lang="en-US" altLang="zh-TW" dirty="0" smtClean="0">
                 <a:latin typeface="Consolas" pitchFamily="49" charset="0"/>
               </a:rPr>
-              <a:t>Probability </a:t>
-            </a:r>
-            <a:r>
-              <a:rPr lang="en-US" altLang="zh-TW" dirty="0" smtClean="0">
-                <a:latin typeface="Consolas" pitchFamily="49" charset="0"/>
-              </a:rPr>
-              <a:t>that belong to </a:t>
+              <a:t>Probability that belong to </a:t>
             </a:r>
             <a:r>
               <a:rPr lang="en-US" altLang="zh-TW" dirty="0" smtClean="0">
@@ -10483,6 +11040,16 @@
               </a:rPr>
               <a:t>: </a:t>
             </a:r>
+          </a:p>
+          <a:p>
+            <a:r>
+              <a:rPr lang="en-US" altLang="zh-TW" dirty="0" smtClean="0">
+                <a:latin typeface="Consolas" pitchFamily="49" charset="0"/>
+              </a:rPr>
+              <a:t>1/(1+2+0)=1/3</a:t>
+            </a:r>
+          </a:p>
+          <a:p>
             <a:endParaRPr lang="en-US" altLang="zh-TW" dirty="0" smtClean="0">
               <a:latin typeface="Consolas" pitchFamily="49" charset="0"/>
             </a:endParaRPr>
@@ -10492,26 +11059,7 @@
               <a:rPr lang="en-US" altLang="zh-TW" dirty="0" smtClean="0">
                 <a:latin typeface="Consolas" pitchFamily="49" charset="0"/>
               </a:rPr>
-              <a:t>1/(1+2+0)=1/3</a:t>
-            </a:r>
-          </a:p>
-          <a:p>
-            <a:endParaRPr lang="en-US" altLang="zh-TW" dirty="0" smtClean="0">
-              <a:latin typeface="Consolas" pitchFamily="49" charset="0"/>
-            </a:endParaRPr>
-          </a:p>
-          <a:p>
-            <a:r>
-              <a:rPr lang="en-US" altLang="zh-TW" dirty="0" smtClean="0">
-                <a:latin typeface="Consolas" pitchFamily="49" charset="0"/>
-              </a:rPr>
-              <a:t>Probability </a:t>
-            </a:r>
-            <a:r>
-              <a:rPr lang="en-US" altLang="zh-TW" dirty="0" smtClean="0">
-                <a:latin typeface="Consolas" pitchFamily="49" charset="0"/>
-              </a:rPr>
-              <a:t>that belong to </a:t>
+              <a:t>Probability that belong to </a:t>
             </a:r>
             <a:r>
               <a:rPr lang="en-US" altLang="zh-TW" dirty="0" smtClean="0">
@@ -10536,9 +11084,6 @@
               </a:rPr>
               <a:t>0/(1+2+0)=1/3</a:t>
             </a:r>
-            <a:endParaRPr lang="en-US" altLang="zh-TW" dirty="0" smtClean="0">
-              <a:latin typeface="Consolas" pitchFamily="49" charset="0"/>
-            </a:endParaRPr>
           </a:p>
         </p:txBody>
       </p:sp>

--- a/final/ppt/第八組.pptx
+++ b/final/ppt/第八組.pptx
@@ -5,7 +5,7 @@
     <p:sldMasterId id="2147483648" r:id="rId1"/>
   </p:sldMasterIdLst>
   <p:notesMasterIdLst>
-    <p:notesMasterId r:id="rId35"/>
+    <p:notesMasterId r:id="rId45"/>
   </p:notesMasterIdLst>
   <p:sldIdLst>
     <p:sldId id="256" r:id="rId2"/>
@@ -16,31 +16,41 @@
     <p:sldId id="354" r:id="rId7"/>
     <p:sldId id="362" r:id="rId8"/>
     <p:sldId id="363" r:id="rId9"/>
-    <p:sldId id="361" r:id="rId10"/>
-    <p:sldId id="379" r:id="rId11"/>
-    <p:sldId id="358" r:id="rId12"/>
-    <p:sldId id="364" r:id="rId13"/>
-    <p:sldId id="390" r:id="rId14"/>
-    <p:sldId id="376" r:id="rId15"/>
-    <p:sldId id="377" r:id="rId16"/>
-    <p:sldId id="355" r:id="rId17"/>
-    <p:sldId id="383" r:id="rId18"/>
-    <p:sldId id="374" r:id="rId19"/>
-    <p:sldId id="359" r:id="rId20"/>
-    <p:sldId id="384" r:id="rId21"/>
-    <p:sldId id="386" r:id="rId22"/>
-    <p:sldId id="387" r:id="rId23"/>
-    <p:sldId id="388" r:id="rId24"/>
-    <p:sldId id="389" r:id="rId25"/>
-    <p:sldId id="296" r:id="rId26"/>
-    <p:sldId id="365" r:id="rId27"/>
-    <p:sldId id="366" r:id="rId28"/>
-    <p:sldId id="392" r:id="rId29"/>
-    <p:sldId id="380" r:id="rId30"/>
-    <p:sldId id="381" r:id="rId31"/>
-    <p:sldId id="382" r:id="rId32"/>
-    <p:sldId id="391" r:id="rId33"/>
-    <p:sldId id="352" r:id="rId34"/>
+    <p:sldId id="399" r:id="rId10"/>
+    <p:sldId id="361" r:id="rId11"/>
+    <p:sldId id="379" r:id="rId12"/>
+    <p:sldId id="358" r:id="rId13"/>
+    <p:sldId id="364" r:id="rId14"/>
+    <p:sldId id="390" r:id="rId15"/>
+    <p:sldId id="376" r:id="rId16"/>
+    <p:sldId id="377" r:id="rId17"/>
+    <p:sldId id="355" r:id="rId18"/>
+    <p:sldId id="383" r:id="rId19"/>
+    <p:sldId id="374" r:id="rId20"/>
+    <p:sldId id="359" r:id="rId21"/>
+    <p:sldId id="384" r:id="rId22"/>
+    <p:sldId id="386" r:id="rId23"/>
+    <p:sldId id="387" r:id="rId24"/>
+    <p:sldId id="388" r:id="rId25"/>
+    <p:sldId id="389" r:id="rId26"/>
+    <p:sldId id="296" r:id="rId27"/>
+    <p:sldId id="365" r:id="rId28"/>
+    <p:sldId id="366" r:id="rId29"/>
+    <p:sldId id="392" r:id="rId30"/>
+    <p:sldId id="393" r:id="rId31"/>
+    <p:sldId id="380" r:id="rId32"/>
+    <p:sldId id="381" r:id="rId33"/>
+    <p:sldId id="382" r:id="rId34"/>
+    <p:sldId id="391" r:id="rId35"/>
+    <p:sldId id="394" r:id="rId36"/>
+    <p:sldId id="404" r:id="rId37"/>
+    <p:sldId id="402" r:id="rId38"/>
+    <p:sldId id="403" r:id="rId39"/>
+    <p:sldId id="395" r:id="rId40"/>
+    <p:sldId id="396" r:id="rId41"/>
+    <p:sldId id="397" r:id="rId42"/>
+    <p:sldId id="398" r:id="rId43"/>
+    <p:sldId id="352" r:id="rId44"/>
   </p:sldIdLst>
   <p:sldSz cx="12192000" cy="6858000"/>
   <p:notesSz cx="6858000" cy="9144000"/>
@@ -141,7 +151,7 @@
   </p:defaultTextStyle>
   <p:extLst>
     <p:ext uri="{EFAFB233-063F-42B5-8137-9DF3F51BA10A}">
-      <p15:sldGuideLst xmlns:p15="http://schemas.microsoft.com/office/powerpoint/2012/main" xmlns=""/>
+      <p15:sldGuideLst xmlns="" xmlns:p15="http://schemas.microsoft.com/office/powerpoint/2012/main"/>
     </p:ext>
   </p:extLst>
 </p:presentation>
@@ -230,7 +240,7 @@
             <a:fld id="{3FB5B2D1-289F-40B4-A3FC-FB0E4C34F200}" type="datetimeFigureOut">
               <a:rPr lang="zh-TW" altLang="en-US" smtClean="0"/>
               <a:pPr/>
-              <a:t>2023/5/31</a:t>
+              <a:t>2023/6/1</a:t>
             </a:fld>
             <a:endParaRPr lang="zh-TW" altLang="en-US"/>
           </a:p>
@@ -398,7 +408,7 @@
     </p:spTree>
     <p:extLst>
       <p:ext uri="{BB962C8B-B14F-4D97-AF65-F5344CB8AC3E}">
-        <p14:creationId xmlns:p14="http://schemas.microsoft.com/office/powerpoint/2010/main" xmlns="" val="3397879096"/>
+        <p14:creationId xmlns="" xmlns:p14="http://schemas.microsoft.com/office/powerpoint/2010/main" val="3397879096"/>
       </p:ext>
     </p:extLst>
   </p:cSld>
@@ -520,7 +530,7 @@
           <p:cNvPr id="2" name="標題 1">
             <a:extLst>
               <a:ext uri="{FF2B5EF4-FFF2-40B4-BE49-F238E27FC236}">
-                <a16:creationId xmlns:a16="http://schemas.microsoft.com/office/drawing/2014/main" xmlns="" id="{8A87E3D0-8A6B-2D66-8195-08027B91DB9D}"/>
+                <a16:creationId xmlns="" xmlns:a16="http://schemas.microsoft.com/office/drawing/2014/main" id="{8A87E3D0-8A6B-2D66-8195-08027B91DB9D}"/>
               </a:ext>
             </a:extLst>
           </p:cNvPr>
@@ -557,7 +567,7 @@
           <p:cNvPr id="3" name="副標題 2">
             <a:extLst>
               <a:ext uri="{FF2B5EF4-FFF2-40B4-BE49-F238E27FC236}">
-                <a16:creationId xmlns:a16="http://schemas.microsoft.com/office/drawing/2014/main" xmlns="" id="{1733B821-043C-2F3D-CC65-7C8872C7E6DB}"/>
+                <a16:creationId xmlns="" xmlns:a16="http://schemas.microsoft.com/office/drawing/2014/main" id="{1733B821-043C-2F3D-CC65-7C8872C7E6DB}"/>
               </a:ext>
             </a:extLst>
           </p:cNvPr>
@@ -627,7 +637,7 @@
           <p:cNvPr id="4" name="日期版面配置區 3">
             <a:extLst>
               <a:ext uri="{FF2B5EF4-FFF2-40B4-BE49-F238E27FC236}">
-                <a16:creationId xmlns:a16="http://schemas.microsoft.com/office/drawing/2014/main" xmlns="" id="{AF7E8A0B-FF9F-7904-5324-CA0FE508F5EC}"/>
+                <a16:creationId xmlns="" xmlns:a16="http://schemas.microsoft.com/office/drawing/2014/main" id="{AF7E8A0B-FF9F-7904-5324-CA0FE508F5EC}"/>
               </a:ext>
             </a:extLst>
           </p:cNvPr>
@@ -646,7 +656,7 @@
             <a:fld id="{E7E67EC7-B2B3-4B5A-99A9-D8678F51F06A}" type="datetimeFigureOut">
               <a:rPr lang="zh-TW" altLang="en-US" smtClean="0"/>
               <a:pPr/>
-              <a:t>2023/5/31</a:t>
+              <a:t>2023/6/1</a:t>
             </a:fld>
             <a:endParaRPr lang="zh-TW" altLang="en-US"/>
           </a:p>
@@ -657,7 +667,7 @@
           <p:cNvPr id="5" name="頁尾版面配置區 4">
             <a:extLst>
               <a:ext uri="{FF2B5EF4-FFF2-40B4-BE49-F238E27FC236}">
-                <a16:creationId xmlns:a16="http://schemas.microsoft.com/office/drawing/2014/main" xmlns="" id="{43B425EB-63D3-040A-FB42-1670F4FE1AA1}"/>
+                <a16:creationId xmlns="" xmlns:a16="http://schemas.microsoft.com/office/drawing/2014/main" id="{43B425EB-63D3-040A-FB42-1670F4FE1AA1}"/>
               </a:ext>
             </a:extLst>
           </p:cNvPr>
@@ -682,7 +692,7 @@
           <p:cNvPr id="6" name="投影片編號版面配置區 5">
             <a:extLst>
               <a:ext uri="{FF2B5EF4-FFF2-40B4-BE49-F238E27FC236}">
-                <a16:creationId xmlns:a16="http://schemas.microsoft.com/office/drawing/2014/main" xmlns="" id="{C5329632-928D-7CF2-F086-C5F979E89885}"/>
+                <a16:creationId xmlns="" xmlns:a16="http://schemas.microsoft.com/office/drawing/2014/main" id="{C5329632-928D-7CF2-F086-C5F979E89885}"/>
               </a:ext>
             </a:extLst>
           </p:cNvPr>
@@ -710,7 +720,7 @@
     </p:spTree>
     <p:extLst>
       <p:ext uri="{BB962C8B-B14F-4D97-AF65-F5344CB8AC3E}">
-        <p14:creationId xmlns:p14="http://schemas.microsoft.com/office/powerpoint/2010/main" xmlns="" val="3829662933"/>
+        <p14:creationId xmlns="" xmlns:p14="http://schemas.microsoft.com/office/powerpoint/2010/main" val="3829662933"/>
       </p:ext>
     </p:extLst>
   </p:cSld>
@@ -742,7 +752,7 @@
           <p:cNvPr id="2" name="標題 1">
             <a:extLst>
               <a:ext uri="{FF2B5EF4-FFF2-40B4-BE49-F238E27FC236}">
-                <a16:creationId xmlns:a16="http://schemas.microsoft.com/office/drawing/2014/main" xmlns="" id="{8CB64D0C-BD4D-E59F-0ACA-C47C527BE06C}"/>
+                <a16:creationId xmlns="" xmlns:a16="http://schemas.microsoft.com/office/drawing/2014/main" id="{8CB64D0C-BD4D-E59F-0ACA-C47C527BE06C}"/>
               </a:ext>
             </a:extLst>
           </p:cNvPr>
@@ -770,7 +780,7 @@
           <p:cNvPr id="3" name="直排文字版面配置區 2">
             <a:extLst>
               <a:ext uri="{FF2B5EF4-FFF2-40B4-BE49-F238E27FC236}">
-                <a16:creationId xmlns:a16="http://schemas.microsoft.com/office/drawing/2014/main" xmlns="" id="{5603E02A-E2EF-F73A-C4DF-C752B93ED3E6}"/>
+                <a16:creationId xmlns="" xmlns:a16="http://schemas.microsoft.com/office/drawing/2014/main" id="{5603E02A-E2EF-F73A-C4DF-C752B93ED3E6}"/>
               </a:ext>
             </a:extLst>
           </p:cNvPr>
@@ -827,7 +837,7 @@
           <p:cNvPr id="4" name="日期版面配置區 3">
             <a:extLst>
               <a:ext uri="{FF2B5EF4-FFF2-40B4-BE49-F238E27FC236}">
-                <a16:creationId xmlns:a16="http://schemas.microsoft.com/office/drawing/2014/main" xmlns="" id="{384DF73D-4176-66AE-5F0C-7137E8ED277C}"/>
+                <a16:creationId xmlns="" xmlns:a16="http://schemas.microsoft.com/office/drawing/2014/main" id="{384DF73D-4176-66AE-5F0C-7137E8ED277C}"/>
               </a:ext>
             </a:extLst>
           </p:cNvPr>
@@ -846,7 +856,7 @@
             <a:fld id="{E7E67EC7-B2B3-4B5A-99A9-D8678F51F06A}" type="datetimeFigureOut">
               <a:rPr lang="zh-TW" altLang="en-US" smtClean="0"/>
               <a:pPr/>
-              <a:t>2023/5/31</a:t>
+              <a:t>2023/6/1</a:t>
             </a:fld>
             <a:endParaRPr lang="zh-TW" altLang="en-US"/>
           </a:p>
@@ -857,7 +867,7 @@
           <p:cNvPr id="5" name="頁尾版面配置區 4">
             <a:extLst>
               <a:ext uri="{FF2B5EF4-FFF2-40B4-BE49-F238E27FC236}">
-                <a16:creationId xmlns:a16="http://schemas.microsoft.com/office/drawing/2014/main" xmlns="" id="{9C7712F3-C782-4F8F-2D65-319954244225}"/>
+                <a16:creationId xmlns="" xmlns:a16="http://schemas.microsoft.com/office/drawing/2014/main" id="{9C7712F3-C782-4F8F-2D65-319954244225}"/>
               </a:ext>
             </a:extLst>
           </p:cNvPr>
@@ -882,7 +892,7 @@
           <p:cNvPr id="6" name="投影片編號版面配置區 5">
             <a:extLst>
               <a:ext uri="{FF2B5EF4-FFF2-40B4-BE49-F238E27FC236}">
-                <a16:creationId xmlns:a16="http://schemas.microsoft.com/office/drawing/2014/main" xmlns="" id="{5F813C37-8780-5735-11A1-386C1E720144}"/>
+                <a16:creationId xmlns="" xmlns:a16="http://schemas.microsoft.com/office/drawing/2014/main" id="{5F813C37-8780-5735-11A1-386C1E720144}"/>
               </a:ext>
             </a:extLst>
           </p:cNvPr>
@@ -910,7 +920,7 @@
     </p:spTree>
     <p:extLst>
       <p:ext uri="{BB962C8B-B14F-4D97-AF65-F5344CB8AC3E}">
-        <p14:creationId xmlns:p14="http://schemas.microsoft.com/office/powerpoint/2010/main" xmlns="" val="3938588719"/>
+        <p14:creationId xmlns="" xmlns:p14="http://schemas.microsoft.com/office/powerpoint/2010/main" val="3938588719"/>
       </p:ext>
     </p:extLst>
   </p:cSld>
@@ -942,7 +952,7 @@
           <p:cNvPr id="2" name="直排標題 1">
             <a:extLst>
               <a:ext uri="{FF2B5EF4-FFF2-40B4-BE49-F238E27FC236}">
-                <a16:creationId xmlns:a16="http://schemas.microsoft.com/office/drawing/2014/main" xmlns="" id="{D366AAFA-3A56-B90B-E6B8-2EC7A2CF3DC0}"/>
+                <a16:creationId xmlns="" xmlns:a16="http://schemas.microsoft.com/office/drawing/2014/main" id="{D366AAFA-3A56-B90B-E6B8-2EC7A2CF3DC0}"/>
               </a:ext>
             </a:extLst>
           </p:cNvPr>
@@ -975,7 +985,7 @@
           <p:cNvPr id="3" name="直排文字版面配置區 2">
             <a:extLst>
               <a:ext uri="{FF2B5EF4-FFF2-40B4-BE49-F238E27FC236}">
-                <a16:creationId xmlns:a16="http://schemas.microsoft.com/office/drawing/2014/main" xmlns="" id="{8AFAC479-3102-CA3A-B157-733CC84307FB}"/>
+                <a16:creationId xmlns="" xmlns:a16="http://schemas.microsoft.com/office/drawing/2014/main" id="{8AFAC479-3102-CA3A-B157-733CC84307FB}"/>
               </a:ext>
             </a:extLst>
           </p:cNvPr>
@@ -1037,7 +1047,7 @@
           <p:cNvPr id="4" name="日期版面配置區 3">
             <a:extLst>
               <a:ext uri="{FF2B5EF4-FFF2-40B4-BE49-F238E27FC236}">
-                <a16:creationId xmlns:a16="http://schemas.microsoft.com/office/drawing/2014/main" xmlns="" id="{35EA964C-E3A5-BDE8-33BF-814CCCF61604}"/>
+                <a16:creationId xmlns="" xmlns:a16="http://schemas.microsoft.com/office/drawing/2014/main" id="{35EA964C-E3A5-BDE8-33BF-814CCCF61604}"/>
               </a:ext>
             </a:extLst>
           </p:cNvPr>
@@ -1056,7 +1066,7 @@
             <a:fld id="{E7E67EC7-B2B3-4B5A-99A9-D8678F51F06A}" type="datetimeFigureOut">
               <a:rPr lang="zh-TW" altLang="en-US" smtClean="0"/>
               <a:pPr/>
-              <a:t>2023/5/31</a:t>
+              <a:t>2023/6/1</a:t>
             </a:fld>
             <a:endParaRPr lang="zh-TW" altLang="en-US"/>
           </a:p>
@@ -1067,7 +1077,7 @@
           <p:cNvPr id="5" name="頁尾版面配置區 4">
             <a:extLst>
               <a:ext uri="{FF2B5EF4-FFF2-40B4-BE49-F238E27FC236}">
-                <a16:creationId xmlns:a16="http://schemas.microsoft.com/office/drawing/2014/main" xmlns="" id="{C01DD26A-F16C-5ADD-6263-EED031F0D38C}"/>
+                <a16:creationId xmlns="" xmlns:a16="http://schemas.microsoft.com/office/drawing/2014/main" id="{C01DD26A-F16C-5ADD-6263-EED031F0D38C}"/>
               </a:ext>
             </a:extLst>
           </p:cNvPr>
@@ -1092,7 +1102,7 @@
           <p:cNvPr id="6" name="投影片編號版面配置區 5">
             <a:extLst>
               <a:ext uri="{FF2B5EF4-FFF2-40B4-BE49-F238E27FC236}">
-                <a16:creationId xmlns:a16="http://schemas.microsoft.com/office/drawing/2014/main" xmlns="" id="{A905E9CC-262A-89CA-F056-DD9F8B7AB942}"/>
+                <a16:creationId xmlns="" xmlns:a16="http://schemas.microsoft.com/office/drawing/2014/main" id="{A905E9CC-262A-89CA-F056-DD9F8B7AB942}"/>
               </a:ext>
             </a:extLst>
           </p:cNvPr>
@@ -1120,7 +1130,7 @@
     </p:spTree>
     <p:extLst>
       <p:ext uri="{BB962C8B-B14F-4D97-AF65-F5344CB8AC3E}">
-        <p14:creationId xmlns:p14="http://schemas.microsoft.com/office/powerpoint/2010/main" xmlns="" val="4219793061"/>
+        <p14:creationId xmlns="" xmlns:p14="http://schemas.microsoft.com/office/powerpoint/2010/main" val="4219793061"/>
       </p:ext>
     </p:extLst>
   </p:cSld>
@@ -1152,7 +1162,7 @@
           <p:cNvPr id="2" name="標題 1">
             <a:extLst>
               <a:ext uri="{FF2B5EF4-FFF2-40B4-BE49-F238E27FC236}">
-                <a16:creationId xmlns:a16="http://schemas.microsoft.com/office/drawing/2014/main" xmlns="" id="{BBFC7824-6180-C305-BDA5-6620BFD4DFFB}"/>
+                <a16:creationId xmlns="" xmlns:a16="http://schemas.microsoft.com/office/drawing/2014/main" id="{BBFC7824-6180-C305-BDA5-6620BFD4DFFB}"/>
               </a:ext>
             </a:extLst>
           </p:cNvPr>
@@ -1180,7 +1190,7 @@
           <p:cNvPr id="3" name="內容版面配置區 2">
             <a:extLst>
               <a:ext uri="{FF2B5EF4-FFF2-40B4-BE49-F238E27FC236}">
-                <a16:creationId xmlns:a16="http://schemas.microsoft.com/office/drawing/2014/main" xmlns="" id="{D7B237AC-D04E-94F8-2F1C-00D37317AECA}"/>
+                <a16:creationId xmlns="" xmlns:a16="http://schemas.microsoft.com/office/drawing/2014/main" id="{D7B237AC-D04E-94F8-2F1C-00D37317AECA}"/>
               </a:ext>
             </a:extLst>
           </p:cNvPr>
@@ -1237,7 +1247,7 @@
           <p:cNvPr id="4" name="日期版面配置區 3">
             <a:extLst>
               <a:ext uri="{FF2B5EF4-FFF2-40B4-BE49-F238E27FC236}">
-                <a16:creationId xmlns:a16="http://schemas.microsoft.com/office/drawing/2014/main" xmlns="" id="{19A90E09-EC0A-8612-4D48-1D68FA2B2BA4}"/>
+                <a16:creationId xmlns="" xmlns:a16="http://schemas.microsoft.com/office/drawing/2014/main" id="{19A90E09-EC0A-8612-4D48-1D68FA2B2BA4}"/>
               </a:ext>
             </a:extLst>
           </p:cNvPr>
@@ -1256,7 +1266,7 @@
             <a:fld id="{E7E67EC7-B2B3-4B5A-99A9-D8678F51F06A}" type="datetimeFigureOut">
               <a:rPr lang="zh-TW" altLang="en-US" smtClean="0"/>
               <a:pPr/>
-              <a:t>2023/5/31</a:t>
+              <a:t>2023/6/1</a:t>
             </a:fld>
             <a:endParaRPr lang="zh-TW" altLang="en-US"/>
           </a:p>
@@ -1267,7 +1277,7 @@
           <p:cNvPr id="5" name="頁尾版面配置區 4">
             <a:extLst>
               <a:ext uri="{FF2B5EF4-FFF2-40B4-BE49-F238E27FC236}">
-                <a16:creationId xmlns:a16="http://schemas.microsoft.com/office/drawing/2014/main" xmlns="" id="{33ADF7EF-51B4-6375-4144-88E9EED06CC8}"/>
+                <a16:creationId xmlns="" xmlns:a16="http://schemas.microsoft.com/office/drawing/2014/main" id="{33ADF7EF-51B4-6375-4144-88E9EED06CC8}"/>
               </a:ext>
             </a:extLst>
           </p:cNvPr>
@@ -1292,7 +1302,7 @@
           <p:cNvPr id="6" name="投影片編號版面配置區 5">
             <a:extLst>
               <a:ext uri="{FF2B5EF4-FFF2-40B4-BE49-F238E27FC236}">
-                <a16:creationId xmlns:a16="http://schemas.microsoft.com/office/drawing/2014/main" xmlns="" id="{B77BBC37-F5D5-813B-9FA3-3B8E566768E3}"/>
+                <a16:creationId xmlns="" xmlns:a16="http://schemas.microsoft.com/office/drawing/2014/main" id="{B77BBC37-F5D5-813B-9FA3-3B8E566768E3}"/>
               </a:ext>
             </a:extLst>
           </p:cNvPr>
@@ -1320,7 +1330,7 @@
     </p:spTree>
     <p:extLst>
       <p:ext uri="{BB962C8B-B14F-4D97-AF65-F5344CB8AC3E}">
-        <p14:creationId xmlns:p14="http://schemas.microsoft.com/office/powerpoint/2010/main" xmlns="" val="2832477631"/>
+        <p14:creationId xmlns="" xmlns:p14="http://schemas.microsoft.com/office/powerpoint/2010/main" val="2832477631"/>
       </p:ext>
     </p:extLst>
   </p:cSld>
@@ -1352,7 +1362,7 @@
           <p:cNvPr id="2" name="標題 1">
             <a:extLst>
               <a:ext uri="{FF2B5EF4-FFF2-40B4-BE49-F238E27FC236}">
-                <a16:creationId xmlns:a16="http://schemas.microsoft.com/office/drawing/2014/main" xmlns="" id="{0D60BC25-1E60-879F-3AFF-212C1346C587}"/>
+                <a16:creationId xmlns="" xmlns:a16="http://schemas.microsoft.com/office/drawing/2014/main" id="{0D60BC25-1E60-879F-3AFF-212C1346C587}"/>
               </a:ext>
             </a:extLst>
           </p:cNvPr>
@@ -1389,7 +1399,7 @@
           <p:cNvPr id="3" name="文字版面配置區 2">
             <a:extLst>
               <a:ext uri="{FF2B5EF4-FFF2-40B4-BE49-F238E27FC236}">
-                <a16:creationId xmlns:a16="http://schemas.microsoft.com/office/drawing/2014/main" xmlns="" id="{28872F57-D7AF-6F9E-6A82-FD772E5B3374}"/>
+                <a16:creationId xmlns="" xmlns:a16="http://schemas.microsoft.com/office/drawing/2014/main" id="{28872F57-D7AF-6F9E-6A82-FD772E5B3374}"/>
               </a:ext>
             </a:extLst>
           </p:cNvPr>
@@ -1514,7 +1524,7 @@
           <p:cNvPr id="4" name="日期版面配置區 3">
             <a:extLst>
               <a:ext uri="{FF2B5EF4-FFF2-40B4-BE49-F238E27FC236}">
-                <a16:creationId xmlns:a16="http://schemas.microsoft.com/office/drawing/2014/main" xmlns="" id="{D160642B-BE3A-A27E-F226-73D8C7B7044D}"/>
+                <a16:creationId xmlns="" xmlns:a16="http://schemas.microsoft.com/office/drawing/2014/main" id="{D160642B-BE3A-A27E-F226-73D8C7B7044D}"/>
               </a:ext>
             </a:extLst>
           </p:cNvPr>
@@ -1533,7 +1543,7 @@
             <a:fld id="{E7E67EC7-B2B3-4B5A-99A9-D8678F51F06A}" type="datetimeFigureOut">
               <a:rPr lang="zh-TW" altLang="en-US" smtClean="0"/>
               <a:pPr/>
-              <a:t>2023/5/31</a:t>
+              <a:t>2023/6/1</a:t>
             </a:fld>
             <a:endParaRPr lang="zh-TW" altLang="en-US"/>
           </a:p>
@@ -1544,7 +1554,7 @@
           <p:cNvPr id="5" name="頁尾版面配置區 4">
             <a:extLst>
               <a:ext uri="{FF2B5EF4-FFF2-40B4-BE49-F238E27FC236}">
-                <a16:creationId xmlns:a16="http://schemas.microsoft.com/office/drawing/2014/main" xmlns="" id="{F0B0F81F-C4CA-98DA-374D-E4A740A7B5AF}"/>
+                <a16:creationId xmlns="" xmlns:a16="http://schemas.microsoft.com/office/drawing/2014/main" id="{F0B0F81F-C4CA-98DA-374D-E4A740A7B5AF}"/>
               </a:ext>
             </a:extLst>
           </p:cNvPr>
@@ -1569,7 +1579,7 @@
           <p:cNvPr id="6" name="投影片編號版面配置區 5">
             <a:extLst>
               <a:ext uri="{FF2B5EF4-FFF2-40B4-BE49-F238E27FC236}">
-                <a16:creationId xmlns:a16="http://schemas.microsoft.com/office/drawing/2014/main" xmlns="" id="{84DB8458-CC3D-578E-C97E-61EB8350DF24}"/>
+                <a16:creationId xmlns="" xmlns:a16="http://schemas.microsoft.com/office/drawing/2014/main" id="{84DB8458-CC3D-578E-C97E-61EB8350DF24}"/>
               </a:ext>
             </a:extLst>
           </p:cNvPr>
@@ -1597,7 +1607,7 @@
     </p:spTree>
     <p:extLst>
       <p:ext uri="{BB962C8B-B14F-4D97-AF65-F5344CB8AC3E}">
-        <p14:creationId xmlns:p14="http://schemas.microsoft.com/office/powerpoint/2010/main" xmlns="" val="2843091505"/>
+        <p14:creationId xmlns="" xmlns:p14="http://schemas.microsoft.com/office/powerpoint/2010/main" val="2843091505"/>
       </p:ext>
     </p:extLst>
   </p:cSld>
@@ -1629,7 +1639,7 @@
           <p:cNvPr id="2" name="標題 1">
             <a:extLst>
               <a:ext uri="{FF2B5EF4-FFF2-40B4-BE49-F238E27FC236}">
-                <a16:creationId xmlns:a16="http://schemas.microsoft.com/office/drawing/2014/main" xmlns="" id="{6FA46847-B76C-97DB-8181-4DB424CA69E9}"/>
+                <a16:creationId xmlns="" xmlns:a16="http://schemas.microsoft.com/office/drawing/2014/main" id="{6FA46847-B76C-97DB-8181-4DB424CA69E9}"/>
               </a:ext>
             </a:extLst>
           </p:cNvPr>
@@ -1657,7 +1667,7 @@
           <p:cNvPr id="3" name="內容版面配置區 2">
             <a:extLst>
               <a:ext uri="{FF2B5EF4-FFF2-40B4-BE49-F238E27FC236}">
-                <a16:creationId xmlns:a16="http://schemas.microsoft.com/office/drawing/2014/main" xmlns="" id="{243058F8-BCCC-EF08-093F-CD1DFD20662D}"/>
+                <a16:creationId xmlns="" xmlns:a16="http://schemas.microsoft.com/office/drawing/2014/main" id="{243058F8-BCCC-EF08-093F-CD1DFD20662D}"/>
               </a:ext>
             </a:extLst>
           </p:cNvPr>
@@ -1719,7 +1729,7 @@
           <p:cNvPr id="4" name="內容版面配置區 3">
             <a:extLst>
               <a:ext uri="{FF2B5EF4-FFF2-40B4-BE49-F238E27FC236}">
-                <a16:creationId xmlns:a16="http://schemas.microsoft.com/office/drawing/2014/main" xmlns="" id="{3E3C6470-BE7A-89E0-3F46-9E837A3D21A9}"/>
+                <a16:creationId xmlns="" xmlns:a16="http://schemas.microsoft.com/office/drawing/2014/main" id="{3E3C6470-BE7A-89E0-3F46-9E837A3D21A9}"/>
               </a:ext>
             </a:extLst>
           </p:cNvPr>
@@ -1781,7 +1791,7 @@
           <p:cNvPr id="5" name="日期版面配置區 4">
             <a:extLst>
               <a:ext uri="{FF2B5EF4-FFF2-40B4-BE49-F238E27FC236}">
-                <a16:creationId xmlns:a16="http://schemas.microsoft.com/office/drawing/2014/main" xmlns="" id="{048B82F8-9D00-A69F-DB35-C73D7107DD0E}"/>
+                <a16:creationId xmlns="" xmlns:a16="http://schemas.microsoft.com/office/drawing/2014/main" id="{048B82F8-9D00-A69F-DB35-C73D7107DD0E}"/>
               </a:ext>
             </a:extLst>
           </p:cNvPr>
@@ -1800,7 +1810,7 @@
             <a:fld id="{E7E67EC7-B2B3-4B5A-99A9-D8678F51F06A}" type="datetimeFigureOut">
               <a:rPr lang="zh-TW" altLang="en-US" smtClean="0"/>
               <a:pPr/>
-              <a:t>2023/5/31</a:t>
+              <a:t>2023/6/1</a:t>
             </a:fld>
             <a:endParaRPr lang="zh-TW" altLang="en-US"/>
           </a:p>
@@ -1811,7 +1821,7 @@
           <p:cNvPr id="6" name="頁尾版面配置區 5">
             <a:extLst>
               <a:ext uri="{FF2B5EF4-FFF2-40B4-BE49-F238E27FC236}">
-                <a16:creationId xmlns:a16="http://schemas.microsoft.com/office/drawing/2014/main" xmlns="" id="{BD879A4B-9D3C-8578-E79B-E62064CDD183}"/>
+                <a16:creationId xmlns="" xmlns:a16="http://schemas.microsoft.com/office/drawing/2014/main" id="{BD879A4B-9D3C-8578-E79B-E62064CDD183}"/>
               </a:ext>
             </a:extLst>
           </p:cNvPr>
@@ -1836,7 +1846,7 @@
           <p:cNvPr id="7" name="投影片編號版面配置區 6">
             <a:extLst>
               <a:ext uri="{FF2B5EF4-FFF2-40B4-BE49-F238E27FC236}">
-                <a16:creationId xmlns:a16="http://schemas.microsoft.com/office/drawing/2014/main" xmlns="" id="{FF0B157D-0D2F-D34F-953D-133E1CD7B715}"/>
+                <a16:creationId xmlns="" xmlns:a16="http://schemas.microsoft.com/office/drawing/2014/main" id="{FF0B157D-0D2F-D34F-953D-133E1CD7B715}"/>
               </a:ext>
             </a:extLst>
           </p:cNvPr>
@@ -1864,7 +1874,7 @@
     </p:spTree>
     <p:extLst>
       <p:ext uri="{BB962C8B-B14F-4D97-AF65-F5344CB8AC3E}">
-        <p14:creationId xmlns:p14="http://schemas.microsoft.com/office/powerpoint/2010/main" xmlns="" val="21879228"/>
+        <p14:creationId xmlns="" xmlns:p14="http://schemas.microsoft.com/office/powerpoint/2010/main" val="21879228"/>
       </p:ext>
     </p:extLst>
   </p:cSld>
@@ -1896,7 +1906,7 @@
           <p:cNvPr id="2" name="標題 1">
             <a:extLst>
               <a:ext uri="{FF2B5EF4-FFF2-40B4-BE49-F238E27FC236}">
-                <a16:creationId xmlns:a16="http://schemas.microsoft.com/office/drawing/2014/main" xmlns="" id="{FFB714D4-F78E-4624-8993-B9F2F2DE47B6}"/>
+                <a16:creationId xmlns="" xmlns:a16="http://schemas.microsoft.com/office/drawing/2014/main" id="{FFB714D4-F78E-4624-8993-B9F2F2DE47B6}"/>
               </a:ext>
             </a:extLst>
           </p:cNvPr>
@@ -1929,7 +1939,7 @@
           <p:cNvPr id="3" name="文字版面配置區 2">
             <a:extLst>
               <a:ext uri="{FF2B5EF4-FFF2-40B4-BE49-F238E27FC236}">
-                <a16:creationId xmlns:a16="http://schemas.microsoft.com/office/drawing/2014/main" xmlns="" id="{A8AFFAEA-BA91-D405-91E6-672C34FF520E}"/>
+                <a16:creationId xmlns="" xmlns:a16="http://schemas.microsoft.com/office/drawing/2014/main" id="{A8AFFAEA-BA91-D405-91E6-672C34FF520E}"/>
               </a:ext>
             </a:extLst>
           </p:cNvPr>
@@ -2000,7 +2010,7 @@
           <p:cNvPr id="4" name="內容版面配置區 3">
             <a:extLst>
               <a:ext uri="{FF2B5EF4-FFF2-40B4-BE49-F238E27FC236}">
-                <a16:creationId xmlns:a16="http://schemas.microsoft.com/office/drawing/2014/main" xmlns="" id="{12969CDC-BEFE-3FBF-5580-62B2068CA182}"/>
+                <a16:creationId xmlns="" xmlns:a16="http://schemas.microsoft.com/office/drawing/2014/main" id="{12969CDC-BEFE-3FBF-5580-62B2068CA182}"/>
               </a:ext>
             </a:extLst>
           </p:cNvPr>
@@ -2062,7 +2072,7 @@
           <p:cNvPr id="5" name="文字版面配置區 4">
             <a:extLst>
               <a:ext uri="{FF2B5EF4-FFF2-40B4-BE49-F238E27FC236}">
-                <a16:creationId xmlns:a16="http://schemas.microsoft.com/office/drawing/2014/main" xmlns="" id="{AED3865C-DD97-1C51-BDCB-0BB7B4DB8F6F}"/>
+                <a16:creationId xmlns="" xmlns:a16="http://schemas.microsoft.com/office/drawing/2014/main" id="{AED3865C-DD97-1C51-BDCB-0BB7B4DB8F6F}"/>
               </a:ext>
             </a:extLst>
           </p:cNvPr>
@@ -2133,7 +2143,7 @@
           <p:cNvPr id="6" name="內容版面配置區 5">
             <a:extLst>
               <a:ext uri="{FF2B5EF4-FFF2-40B4-BE49-F238E27FC236}">
-                <a16:creationId xmlns:a16="http://schemas.microsoft.com/office/drawing/2014/main" xmlns="" id="{49172DBC-1565-21E8-DA3E-22084AB9D4AD}"/>
+                <a16:creationId xmlns="" xmlns:a16="http://schemas.microsoft.com/office/drawing/2014/main" id="{49172DBC-1565-21E8-DA3E-22084AB9D4AD}"/>
               </a:ext>
             </a:extLst>
           </p:cNvPr>
@@ -2195,7 +2205,7 @@
           <p:cNvPr id="7" name="日期版面配置區 6">
             <a:extLst>
               <a:ext uri="{FF2B5EF4-FFF2-40B4-BE49-F238E27FC236}">
-                <a16:creationId xmlns:a16="http://schemas.microsoft.com/office/drawing/2014/main" xmlns="" id="{17721EE5-41A1-4BF5-8599-168762476A1A}"/>
+                <a16:creationId xmlns="" xmlns:a16="http://schemas.microsoft.com/office/drawing/2014/main" id="{17721EE5-41A1-4BF5-8599-168762476A1A}"/>
               </a:ext>
             </a:extLst>
           </p:cNvPr>
@@ -2214,7 +2224,7 @@
             <a:fld id="{E7E67EC7-B2B3-4B5A-99A9-D8678F51F06A}" type="datetimeFigureOut">
               <a:rPr lang="zh-TW" altLang="en-US" smtClean="0"/>
               <a:pPr/>
-              <a:t>2023/5/31</a:t>
+              <a:t>2023/6/1</a:t>
             </a:fld>
             <a:endParaRPr lang="zh-TW" altLang="en-US"/>
           </a:p>
@@ -2225,7 +2235,7 @@
           <p:cNvPr id="8" name="頁尾版面配置區 7">
             <a:extLst>
               <a:ext uri="{FF2B5EF4-FFF2-40B4-BE49-F238E27FC236}">
-                <a16:creationId xmlns:a16="http://schemas.microsoft.com/office/drawing/2014/main" xmlns="" id="{F0A99BD0-F8DC-158E-7FAD-B878A28A81D8}"/>
+                <a16:creationId xmlns="" xmlns:a16="http://schemas.microsoft.com/office/drawing/2014/main" id="{F0A99BD0-F8DC-158E-7FAD-B878A28A81D8}"/>
               </a:ext>
             </a:extLst>
           </p:cNvPr>
@@ -2250,7 +2260,7 @@
           <p:cNvPr id="9" name="投影片編號版面配置區 8">
             <a:extLst>
               <a:ext uri="{FF2B5EF4-FFF2-40B4-BE49-F238E27FC236}">
-                <a16:creationId xmlns:a16="http://schemas.microsoft.com/office/drawing/2014/main" xmlns="" id="{5C004E0C-889C-3202-A85D-0DCC655C257C}"/>
+                <a16:creationId xmlns="" xmlns:a16="http://schemas.microsoft.com/office/drawing/2014/main" id="{5C004E0C-889C-3202-A85D-0DCC655C257C}"/>
               </a:ext>
             </a:extLst>
           </p:cNvPr>
@@ -2278,7 +2288,7 @@
     </p:spTree>
     <p:extLst>
       <p:ext uri="{BB962C8B-B14F-4D97-AF65-F5344CB8AC3E}">
-        <p14:creationId xmlns:p14="http://schemas.microsoft.com/office/powerpoint/2010/main" xmlns="" val="269356730"/>
+        <p14:creationId xmlns="" xmlns:p14="http://schemas.microsoft.com/office/powerpoint/2010/main" val="269356730"/>
       </p:ext>
     </p:extLst>
   </p:cSld>
@@ -2310,7 +2320,7 @@
           <p:cNvPr id="2" name="標題 1">
             <a:extLst>
               <a:ext uri="{FF2B5EF4-FFF2-40B4-BE49-F238E27FC236}">
-                <a16:creationId xmlns:a16="http://schemas.microsoft.com/office/drawing/2014/main" xmlns="" id="{BF67BDDC-1667-EAF4-CE7E-2D3F81DFEBDB}"/>
+                <a16:creationId xmlns="" xmlns:a16="http://schemas.microsoft.com/office/drawing/2014/main" id="{BF67BDDC-1667-EAF4-CE7E-2D3F81DFEBDB}"/>
               </a:ext>
             </a:extLst>
           </p:cNvPr>
@@ -2338,7 +2348,7 @@
           <p:cNvPr id="3" name="日期版面配置區 2">
             <a:extLst>
               <a:ext uri="{FF2B5EF4-FFF2-40B4-BE49-F238E27FC236}">
-                <a16:creationId xmlns:a16="http://schemas.microsoft.com/office/drawing/2014/main" xmlns="" id="{64B9562D-5DB7-6F9F-DDFB-86E14B9C034A}"/>
+                <a16:creationId xmlns="" xmlns:a16="http://schemas.microsoft.com/office/drawing/2014/main" id="{64B9562D-5DB7-6F9F-DDFB-86E14B9C034A}"/>
               </a:ext>
             </a:extLst>
           </p:cNvPr>
@@ -2357,7 +2367,7 @@
             <a:fld id="{E7E67EC7-B2B3-4B5A-99A9-D8678F51F06A}" type="datetimeFigureOut">
               <a:rPr lang="zh-TW" altLang="en-US" smtClean="0"/>
               <a:pPr/>
-              <a:t>2023/5/31</a:t>
+              <a:t>2023/6/1</a:t>
             </a:fld>
             <a:endParaRPr lang="zh-TW" altLang="en-US"/>
           </a:p>
@@ -2368,7 +2378,7 @@
           <p:cNvPr id="4" name="頁尾版面配置區 3">
             <a:extLst>
               <a:ext uri="{FF2B5EF4-FFF2-40B4-BE49-F238E27FC236}">
-                <a16:creationId xmlns:a16="http://schemas.microsoft.com/office/drawing/2014/main" xmlns="" id="{C6156AB2-9F56-B01B-9282-5B9B18C9B8E9}"/>
+                <a16:creationId xmlns="" xmlns:a16="http://schemas.microsoft.com/office/drawing/2014/main" id="{C6156AB2-9F56-B01B-9282-5B9B18C9B8E9}"/>
               </a:ext>
             </a:extLst>
           </p:cNvPr>
@@ -2393,7 +2403,7 @@
           <p:cNvPr id="5" name="投影片編號版面配置區 4">
             <a:extLst>
               <a:ext uri="{FF2B5EF4-FFF2-40B4-BE49-F238E27FC236}">
-                <a16:creationId xmlns:a16="http://schemas.microsoft.com/office/drawing/2014/main" xmlns="" id="{8402AF85-54BC-D221-A3E5-5619DBA6757E}"/>
+                <a16:creationId xmlns="" xmlns:a16="http://schemas.microsoft.com/office/drawing/2014/main" id="{8402AF85-54BC-D221-A3E5-5619DBA6757E}"/>
               </a:ext>
             </a:extLst>
           </p:cNvPr>
@@ -2421,7 +2431,7 @@
     </p:spTree>
     <p:extLst>
       <p:ext uri="{BB962C8B-B14F-4D97-AF65-F5344CB8AC3E}">
-        <p14:creationId xmlns:p14="http://schemas.microsoft.com/office/powerpoint/2010/main" xmlns="" val="2985159526"/>
+        <p14:creationId xmlns="" xmlns:p14="http://schemas.microsoft.com/office/powerpoint/2010/main" val="2985159526"/>
       </p:ext>
     </p:extLst>
   </p:cSld>
@@ -2453,7 +2463,7 @@
           <p:cNvPr id="2" name="日期版面配置區 1">
             <a:extLst>
               <a:ext uri="{FF2B5EF4-FFF2-40B4-BE49-F238E27FC236}">
-                <a16:creationId xmlns:a16="http://schemas.microsoft.com/office/drawing/2014/main" xmlns="" id="{CF8C8D22-5E63-D9E5-9B51-DDB3E9FDE17B}"/>
+                <a16:creationId xmlns="" xmlns:a16="http://schemas.microsoft.com/office/drawing/2014/main" id="{CF8C8D22-5E63-D9E5-9B51-DDB3E9FDE17B}"/>
               </a:ext>
             </a:extLst>
           </p:cNvPr>
@@ -2472,7 +2482,7 @@
             <a:fld id="{E7E67EC7-B2B3-4B5A-99A9-D8678F51F06A}" type="datetimeFigureOut">
               <a:rPr lang="zh-TW" altLang="en-US" smtClean="0"/>
               <a:pPr/>
-              <a:t>2023/5/31</a:t>
+              <a:t>2023/6/1</a:t>
             </a:fld>
             <a:endParaRPr lang="zh-TW" altLang="en-US"/>
           </a:p>
@@ -2483,7 +2493,7 @@
           <p:cNvPr id="3" name="頁尾版面配置區 2">
             <a:extLst>
               <a:ext uri="{FF2B5EF4-FFF2-40B4-BE49-F238E27FC236}">
-                <a16:creationId xmlns:a16="http://schemas.microsoft.com/office/drawing/2014/main" xmlns="" id="{D519A732-1AE3-DE37-A8C9-8890F64107C1}"/>
+                <a16:creationId xmlns="" xmlns:a16="http://schemas.microsoft.com/office/drawing/2014/main" id="{D519A732-1AE3-DE37-A8C9-8890F64107C1}"/>
               </a:ext>
             </a:extLst>
           </p:cNvPr>
@@ -2508,7 +2518,7 @@
           <p:cNvPr id="4" name="投影片編號版面配置區 3">
             <a:extLst>
               <a:ext uri="{FF2B5EF4-FFF2-40B4-BE49-F238E27FC236}">
-                <a16:creationId xmlns:a16="http://schemas.microsoft.com/office/drawing/2014/main" xmlns="" id="{8404EF32-337D-1CB4-191B-A39E90D02638}"/>
+                <a16:creationId xmlns="" xmlns:a16="http://schemas.microsoft.com/office/drawing/2014/main" id="{8404EF32-337D-1CB4-191B-A39E90D02638}"/>
               </a:ext>
             </a:extLst>
           </p:cNvPr>
@@ -2536,7 +2546,7 @@
     </p:spTree>
     <p:extLst>
       <p:ext uri="{BB962C8B-B14F-4D97-AF65-F5344CB8AC3E}">
-        <p14:creationId xmlns:p14="http://schemas.microsoft.com/office/powerpoint/2010/main" xmlns="" val="2199111704"/>
+        <p14:creationId xmlns="" xmlns:p14="http://schemas.microsoft.com/office/powerpoint/2010/main" val="2199111704"/>
       </p:ext>
     </p:extLst>
   </p:cSld>
@@ -2568,7 +2578,7 @@
           <p:cNvPr id="2" name="標題 1">
             <a:extLst>
               <a:ext uri="{FF2B5EF4-FFF2-40B4-BE49-F238E27FC236}">
-                <a16:creationId xmlns:a16="http://schemas.microsoft.com/office/drawing/2014/main" xmlns="" id="{C93E67DB-3512-216D-A5F7-D4DFD6E07A64}"/>
+                <a16:creationId xmlns="" xmlns:a16="http://schemas.microsoft.com/office/drawing/2014/main" id="{C93E67DB-3512-216D-A5F7-D4DFD6E07A64}"/>
               </a:ext>
             </a:extLst>
           </p:cNvPr>
@@ -2605,7 +2615,7 @@
           <p:cNvPr id="3" name="內容版面配置區 2">
             <a:extLst>
               <a:ext uri="{FF2B5EF4-FFF2-40B4-BE49-F238E27FC236}">
-                <a16:creationId xmlns:a16="http://schemas.microsoft.com/office/drawing/2014/main" xmlns="" id="{D29B071E-9819-39DC-6319-646EF7E05E66}"/>
+                <a16:creationId xmlns="" xmlns:a16="http://schemas.microsoft.com/office/drawing/2014/main" id="{D29B071E-9819-39DC-6319-646EF7E05E66}"/>
               </a:ext>
             </a:extLst>
           </p:cNvPr>
@@ -2695,7 +2705,7 @@
           <p:cNvPr id="4" name="文字版面配置區 3">
             <a:extLst>
               <a:ext uri="{FF2B5EF4-FFF2-40B4-BE49-F238E27FC236}">
-                <a16:creationId xmlns:a16="http://schemas.microsoft.com/office/drawing/2014/main" xmlns="" id="{E6BBC811-B4C7-2116-8E58-57226DDAF67F}"/>
+                <a16:creationId xmlns="" xmlns:a16="http://schemas.microsoft.com/office/drawing/2014/main" id="{E6BBC811-B4C7-2116-8E58-57226DDAF67F}"/>
               </a:ext>
             </a:extLst>
           </p:cNvPr>
@@ -2766,7 +2776,7 @@
           <p:cNvPr id="5" name="日期版面配置區 4">
             <a:extLst>
               <a:ext uri="{FF2B5EF4-FFF2-40B4-BE49-F238E27FC236}">
-                <a16:creationId xmlns:a16="http://schemas.microsoft.com/office/drawing/2014/main" xmlns="" id="{7511E905-3B5F-1EDF-ADD9-756B8286CFA5}"/>
+                <a16:creationId xmlns="" xmlns:a16="http://schemas.microsoft.com/office/drawing/2014/main" id="{7511E905-3B5F-1EDF-ADD9-756B8286CFA5}"/>
               </a:ext>
             </a:extLst>
           </p:cNvPr>
@@ -2785,7 +2795,7 @@
             <a:fld id="{E7E67EC7-B2B3-4B5A-99A9-D8678F51F06A}" type="datetimeFigureOut">
               <a:rPr lang="zh-TW" altLang="en-US" smtClean="0"/>
               <a:pPr/>
-              <a:t>2023/5/31</a:t>
+              <a:t>2023/6/1</a:t>
             </a:fld>
             <a:endParaRPr lang="zh-TW" altLang="en-US"/>
           </a:p>
@@ -2796,7 +2806,7 @@
           <p:cNvPr id="6" name="頁尾版面配置區 5">
             <a:extLst>
               <a:ext uri="{FF2B5EF4-FFF2-40B4-BE49-F238E27FC236}">
-                <a16:creationId xmlns:a16="http://schemas.microsoft.com/office/drawing/2014/main" xmlns="" id="{DE743879-3926-7070-1E92-090969679EAD}"/>
+                <a16:creationId xmlns="" xmlns:a16="http://schemas.microsoft.com/office/drawing/2014/main" id="{DE743879-3926-7070-1E92-090969679EAD}"/>
               </a:ext>
             </a:extLst>
           </p:cNvPr>
@@ -2821,7 +2831,7 @@
           <p:cNvPr id="7" name="投影片編號版面配置區 6">
             <a:extLst>
               <a:ext uri="{FF2B5EF4-FFF2-40B4-BE49-F238E27FC236}">
-                <a16:creationId xmlns:a16="http://schemas.microsoft.com/office/drawing/2014/main" xmlns="" id="{7660777F-018F-62BE-EEA9-7406A566D464}"/>
+                <a16:creationId xmlns="" xmlns:a16="http://schemas.microsoft.com/office/drawing/2014/main" id="{7660777F-018F-62BE-EEA9-7406A566D464}"/>
               </a:ext>
             </a:extLst>
           </p:cNvPr>
@@ -2849,7 +2859,7 @@
     </p:spTree>
     <p:extLst>
       <p:ext uri="{BB962C8B-B14F-4D97-AF65-F5344CB8AC3E}">
-        <p14:creationId xmlns:p14="http://schemas.microsoft.com/office/powerpoint/2010/main" xmlns="" val="3521281449"/>
+        <p14:creationId xmlns="" xmlns:p14="http://schemas.microsoft.com/office/powerpoint/2010/main" val="3521281449"/>
       </p:ext>
     </p:extLst>
   </p:cSld>
@@ -2881,7 +2891,7 @@
           <p:cNvPr id="2" name="標題 1">
             <a:extLst>
               <a:ext uri="{FF2B5EF4-FFF2-40B4-BE49-F238E27FC236}">
-                <a16:creationId xmlns:a16="http://schemas.microsoft.com/office/drawing/2014/main" xmlns="" id="{3EEB83F8-7702-4382-9F61-0E0431088484}"/>
+                <a16:creationId xmlns="" xmlns:a16="http://schemas.microsoft.com/office/drawing/2014/main" id="{3EEB83F8-7702-4382-9F61-0E0431088484}"/>
               </a:ext>
             </a:extLst>
           </p:cNvPr>
@@ -2918,7 +2928,7 @@
           <p:cNvPr id="3" name="圖片版面配置區 2">
             <a:extLst>
               <a:ext uri="{FF2B5EF4-FFF2-40B4-BE49-F238E27FC236}">
-                <a16:creationId xmlns:a16="http://schemas.microsoft.com/office/drawing/2014/main" xmlns="" id="{443A0DB2-F643-1F8C-3668-D3E824164D6C}"/>
+                <a16:creationId xmlns="" xmlns:a16="http://schemas.microsoft.com/office/drawing/2014/main" id="{443A0DB2-F643-1F8C-3668-D3E824164D6C}"/>
               </a:ext>
             </a:extLst>
           </p:cNvPr>
@@ -2985,7 +2995,7 @@
           <p:cNvPr id="4" name="文字版面配置區 3">
             <a:extLst>
               <a:ext uri="{FF2B5EF4-FFF2-40B4-BE49-F238E27FC236}">
-                <a16:creationId xmlns:a16="http://schemas.microsoft.com/office/drawing/2014/main" xmlns="" id="{D35675A5-0999-1E60-DC16-05CE74F85E21}"/>
+                <a16:creationId xmlns="" xmlns:a16="http://schemas.microsoft.com/office/drawing/2014/main" id="{D35675A5-0999-1E60-DC16-05CE74F85E21}"/>
               </a:ext>
             </a:extLst>
           </p:cNvPr>
@@ -3056,7 +3066,7 @@
           <p:cNvPr id="5" name="日期版面配置區 4">
             <a:extLst>
               <a:ext uri="{FF2B5EF4-FFF2-40B4-BE49-F238E27FC236}">
-                <a16:creationId xmlns:a16="http://schemas.microsoft.com/office/drawing/2014/main" xmlns="" id="{480CE77A-1D03-8093-6740-4C3D016F1041}"/>
+                <a16:creationId xmlns="" xmlns:a16="http://schemas.microsoft.com/office/drawing/2014/main" id="{480CE77A-1D03-8093-6740-4C3D016F1041}"/>
               </a:ext>
             </a:extLst>
           </p:cNvPr>
@@ -3075,7 +3085,7 @@
             <a:fld id="{E7E67EC7-B2B3-4B5A-99A9-D8678F51F06A}" type="datetimeFigureOut">
               <a:rPr lang="zh-TW" altLang="en-US" smtClean="0"/>
               <a:pPr/>
-              <a:t>2023/5/31</a:t>
+              <a:t>2023/6/1</a:t>
             </a:fld>
             <a:endParaRPr lang="zh-TW" altLang="en-US"/>
           </a:p>
@@ -3086,7 +3096,7 @@
           <p:cNvPr id="6" name="頁尾版面配置區 5">
             <a:extLst>
               <a:ext uri="{FF2B5EF4-FFF2-40B4-BE49-F238E27FC236}">
-                <a16:creationId xmlns:a16="http://schemas.microsoft.com/office/drawing/2014/main" xmlns="" id="{530A26DC-5CAE-4992-CAF7-17FE4D4A6176}"/>
+                <a16:creationId xmlns="" xmlns:a16="http://schemas.microsoft.com/office/drawing/2014/main" id="{530A26DC-5CAE-4992-CAF7-17FE4D4A6176}"/>
               </a:ext>
             </a:extLst>
           </p:cNvPr>
@@ -3111,7 +3121,7 @@
           <p:cNvPr id="7" name="投影片編號版面配置區 6">
             <a:extLst>
               <a:ext uri="{FF2B5EF4-FFF2-40B4-BE49-F238E27FC236}">
-                <a16:creationId xmlns:a16="http://schemas.microsoft.com/office/drawing/2014/main" xmlns="" id="{0028EF96-9CBA-52AA-D479-F0C3B30B06F3}"/>
+                <a16:creationId xmlns="" xmlns:a16="http://schemas.microsoft.com/office/drawing/2014/main" id="{0028EF96-9CBA-52AA-D479-F0C3B30B06F3}"/>
               </a:ext>
             </a:extLst>
           </p:cNvPr>
@@ -3139,7 +3149,7 @@
     </p:spTree>
     <p:extLst>
       <p:ext uri="{BB962C8B-B14F-4D97-AF65-F5344CB8AC3E}">
-        <p14:creationId xmlns:p14="http://schemas.microsoft.com/office/powerpoint/2010/main" xmlns="" val="3856142494"/>
+        <p14:creationId xmlns="" xmlns:p14="http://schemas.microsoft.com/office/powerpoint/2010/main" val="3856142494"/>
       </p:ext>
     </p:extLst>
   </p:cSld>
@@ -3176,7 +3186,7 @@
           <p:cNvPr id="2" name="標題版面配置區 1">
             <a:extLst>
               <a:ext uri="{FF2B5EF4-FFF2-40B4-BE49-F238E27FC236}">
-                <a16:creationId xmlns:a16="http://schemas.microsoft.com/office/drawing/2014/main" xmlns="" id="{66C9DD0E-8B8C-364D-29DD-71CE7A659410}"/>
+                <a16:creationId xmlns="" xmlns:a16="http://schemas.microsoft.com/office/drawing/2014/main" id="{66C9DD0E-8B8C-364D-29DD-71CE7A659410}"/>
               </a:ext>
             </a:extLst>
           </p:cNvPr>
@@ -3214,7 +3224,7 @@
           <p:cNvPr id="3" name="文字版面配置區 2">
             <a:extLst>
               <a:ext uri="{FF2B5EF4-FFF2-40B4-BE49-F238E27FC236}">
-                <a16:creationId xmlns:a16="http://schemas.microsoft.com/office/drawing/2014/main" xmlns="" id="{62E16657-5EC9-6054-7334-02BF684ABBC7}"/>
+                <a16:creationId xmlns="" xmlns:a16="http://schemas.microsoft.com/office/drawing/2014/main" id="{62E16657-5EC9-6054-7334-02BF684ABBC7}"/>
               </a:ext>
             </a:extLst>
           </p:cNvPr>
@@ -3281,7 +3291,7 @@
           <p:cNvPr id="4" name="日期版面配置區 3">
             <a:extLst>
               <a:ext uri="{FF2B5EF4-FFF2-40B4-BE49-F238E27FC236}">
-                <a16:creationId xmlns:a16="http://schemas.microsoft.com/office/drawing/2014/main" xmlns="" id="{39EB3F53-8757-FFF5-6ACD-86FE0A57F6D8}"/>
+                <a16:creationId xmlns="" xmlns:a16="http://schemas.microsoft.com/office/drawing/2014/main" id="{39EB3F53-8757-FFF5-6ACD-86FE0A57F6D8}"/>
               </a:ext>
             </a:extLst>
           </p:cNvPr>
@@ -3318,7 +3328,7 @@
             <a:fld id="{E7E67EC7-B2B3-4B5A-99A9-D8678F51F06A}" type="datetimeFigureOut">
               <a:rPr lang="zh-TW" altLang="en-US" smtClean="0"/>
               <a:pPr/>
-              <a:t>2023/5/31</a:t>
+              <a:t>2023/6/1</a:t>
             </a:fld>
             <a:endParaRPr lang="zh-TW" altLang="en-US"/>
           </a:p>
@@ -3329,7 +3339,7 @@
           <p:cNvPr id="5" name="頁尾版面配置區 4">
             <a:extLst>
               <a:ext uri="{FF2B5EF4-FFF2-40B4-BE49-F238E27FC236}">
-                <a16:creationId xmlns:a16="http://schemas.microsoft.com/office/drawing/2014/main" xmlns="" id="{15A9F9AE-FCD2-1DD1-6BFF-473370DF4AD8}"/>
+                <a16:creationId xmlns="" xmlns:a16="http://schemas.microsoft.com/office/drawing/2014/main" id="{15A9F9AE-FCD2-1DD1-6BFF-473370DF4AD8}"/>
               </a:ext>
             </a:extLst>
           </p:cNvPr>
@@ -3372,7 +3382,7 @@
           <p:cNvPr id="6" name="投影片編號版面配置區 5">
             <a:extLst>
               <a:ext uri="{FF2B5EF4-FFF2-40B4-BE49-F238E27FC236}">
-                <a16:creationId xmlns:a16="http://schemas.microsoft.com/office/drawing/2014/main" xmlns="" id="{64BB3229-6E6E-24C9-A0D6-D4E1D6ED216A}"/>
+                <a16:creationId xmlns="" xmlns:a16="http://schemas.microsoft.com/office/drawing/2014/main" id="{64BB3229-6E6E-24C9-A0D6-D4E1D6ED216A}"/>
               </a:ext>
             </a:extLst>
           </p:cNvPr>
@@ -3418,7 +3428,7 @@
     </p:spTree>
     <p:extLst>
       <p:ext uri="{BB962C8B-B14F-4D97-AF65-F5344CB8AC3E}">
-        <p14:creationId xmlns:p14="http://schemas.microsoft.com/office/powerpoint/2010/main" xmlns="" val="1475458083"/>
+        <p14:creationId xmlns="" xmlns:p14="http://schemas.microsoft.com/office/powerpoint/2010/main" val="1475458083"/>
       </p:ext>
     </p:extLst>
   </p:cSld>
@@ -3741,7 +3751,7 @@
           <p:cNvPr id="2" name="標題 1">
             <a:extLst>
               <a:ext uri="{FF2B5EF4-FFF2-40B4-BE49-F238E27FC236}">
-                <a16:creationId xmlns:a16="http://schemas.microsoft.com/office/drawing/2014/main" xmlns="" id="{6ECD5F0B-9738-DA10-3861-20F06A7D617A}"/>
+                <a16:creationId xmlns="" xmlns:a16="http://schemas.microsoft.com/office/drawing/2014/main" id="{6ECD5F0B-9738-DA10-3861-20F06A7D617A}"/>
               </a:ext>
             </a:extLst>
           </p:cNvPr>
@@ -3769,7 +3779,7 @@
           <p:cNvPr id="3" name="副標題 2">
             <a:extLst>
               <a:ext uri="{FF2B5EF4-FFF2-40B4-BE49-F238E27FC236}">
-                <a16:creationId xmlns:a16="http://schemas.microsoft.com/office/drawing/2014/main" xmlns="" id="{184B6CC8-C606-2A4F-9C4D-A0DAE905D65B}"/>
+                <a16:creationId xmlns="" xmlns:a16="http://schemas.microsoft.com/office/drawing/2014/main" id="{184B6CC8-C606-2A4F-9C4D-A0DAE905D65B}"/>
               </a:ext>
             </a:extLst>
           </p:cNvPr>
@@ -3886,7 +3896,7 @@
     </p:spTree>
     <p:extLst>
       <p:ext uri="{BB962C8B-B14F-4D97-AF65-F5344CB8AC3E}">
-        <p14:creationId xmlns:p14="http://schemas.microsoft.com/office/powerpoint/2010/main" xmlns="" val="2497985953"/>
+        <p14:creationId xmlns="" xmlns:p14="http://schemas.microsoft.com/office/powerpoint/2010/main" val="2497985953"/>
       </p:ext>
     </p:extLst>
   </p:cSld>
@@ -3897,6 +3907,85 @@
 </file>
 
 <file path=ppt/slides/slide10.xml><?xml version="1.0" encoding="utf-8"?>
+<p:sld xmlns:a="http://schemas.openxmlformats.org/drawingml/2006/main" xmlns:r="http://schemas.openxmlformats.org/officeDocument/2006/relationships" xmlns:p="http://schemas.openxmlformats.org/presentationml/2006/main">
+  <p:cSld>
+    <p:spTree>
+      <p:nvGrpSpPr>
+        <p:cNvPr id="1" name=""/>
+        <p:cNvGrpSpPr/>
+        <p:nvPr/>
+      </p:nvGrpSpPr>
+      <p:grpSpPr>
+        <a:xfrm>
+          <a:off x="0" y="0"/>
+          <a:ext cx="0" cy="0"/>
+          <a:chOff x="0" y="0"/>
+          <a:chExt cx="0" cy="0"/>
+        </a:xfrm>
+      </p:grpSpPr>
+      <p:sp>
+        <p:nvSpPr>
+          <p:cNvPr id="2" name="標題 1"/>
+          <p:cNvSpPr>
+            <a:spLocks noGrp="1"/>
+          </p:cNvSpPr>
+          <p:nvPr>
+            <p:ph type="title"/>
+          </p:nvPr>
+        </p:nvSpPr>
+        <p:spPr/>
+        <p:txBody>
+          <a:bodyPr/>
+          <a:lstStyle/>
+          <a:p>
+            <a:r>
+              <a:rPr lang="en-US" altLang="zh-TW" dirty="0" smtClean="0">
+                <a:latin typeface="Consolas" pitchFamily="49" charset="0"/>
+              </a:rPr>
+              <a:t>Multi-Classification SVMs</a:t>
+            </a:r>
+            <a:endParaRPr lang="zh-TW" altLang="en-US" dirty="0">
+              <a:latin typeface="Consolas" pitchFamily="49" charset="0"/>
+            </a:endParaRPr>
+          </a:p>
+        </p:txBody>
+      </p:sp>
+      <p:sp>
+        <p:nvSpPr>
+          <p:cNvPr id="3" name="內容版面配置區 2"/>
+          <p:cNvSpPr>
+            <a:spLocks noGrp="1"/>
+          </p:cNvSpPr>
+          <p:nvPr>
+            <p:ph idx="1"/>
+          </p:nvPr>
+        </p:nvSpPr>
+        <p:spPr/>
+        <p:txBody>
+          <a:bodyPr/>
+          <a:lstStyle/>
+          <a:p>
+            <a:r>
+              <a:rPr lang="en-US" altLang="zh-TW" dirty="0" smtClean="0">
+                <a:latin typeface="Consolas" pitchFamily="49" charset="0"/>
+              </a:rPr>
+              <a:t>Since SVM is meant to be a binary classifier, multi-classification must use a sequence of SVMs.</a:t>
+            </a:r>
+            <a:endParaRPr lang="zh-TW" altLang="en-US" dirty="0">
+              <a:latin typeface="Consolas" pitchFamily="49" charset="0"/>
+            </a:endParaRPr>
+          </a:p>
+        </p:txBody>
+      </p:sp>
+    </p:spTree>
+  </p:cSld>
+  <p:clrMapOvr>
+    <a:masterClrMapping/>
+  </p:clrMapOvr>
+</p:sld>
+</file>
+
+<file path=ppt/slides/slide11.xml><?xml version="1.0" encoding="utf-8"?>
 <p:sld xmlns:a="http://schemas.openxmlformats.org/drawingml/2006/main" xmlns:r="http://schemas.openxmlformats.org/officeDocument/2006/relationships" xmlns:p="http://schemas.openxmlformats.org/presentationml/2006/main">
   <p:cSld>
     <p:spTree>
@@ -3980,7 +4069,7 @@
 </p:sld>
 </file>
 
-<file path=ppt/slides/slide11.xml><?xml version="1.0" encoding="utf-8"?>
+<file path=ppt/slides/slide12.xml><?xml version="1.0" encoding="utf-8"?>
 <p:sld xmlns:a="http://schemas.openxmlformats.org/drawingml/2006/main" xmlns:r="http://schemas.openxmlformats.org/officeDocument/2006/relationships" xmlns:p="http://schemas.openxmlformats.org/presentationml/2006/main">
   <p:cSld>
     <p:spTree>
@@ -4058,7 +4147,7 @@
 </p:sld>
 </file>
 
-<file path=ppt/slides/slide12.xml><?xml version="1.0" encoding="utf-8"?>
+<file path=ppt/slides/slide13.xml><?xml version="1.0" encoding="utf-8"?>
 <p:sld xmlns:a="http://schemas.openxmlformats.org/drawingml/2006/main" xmlns:r="http://schemas.openxmlformats.org/officeDocument/2006/relationships" xmlns:p="http://schemas.openxmlformats.org/presentationml/2006/main">
   <p:cSld>
     <p:spTree>
@@ -4180,7 +4269,7 @@
 </p:sld>
 </file>
 
-<file path=ppt/slides/slide13.xml><?xml version="1.0" encoding="utf-8"?>
+<file path=ppt/slides/slide14.xml><?xml version="1.0" encoding="utf-8"?>
 <p:sld xmlns:a="http://schemas.openxmlformats.org/drawingml/2006/main" xmlns:r="http://schemas.openxmlformats.org/officeDocument/2006/relationships" xmlns:p="http://schemas.openxmlformats.org/presentationml/2006/main">
   <p:cSld>
     <p:spTree>
@@ -4202,7 +4291,7 @@
           <p:cNvPr id="2" name="標題 1">
             <a:extLst>
               <a:ext uri="{FF2B5EF4-FFF2-40B4-BE49-F238E27FC236}">
-                <a16:creationId xmlns:a16="http://schemas.microsoft.com/office/drawing/2014/main" xmlns="" id="{B06715E6-4E1D-883E-2493-1E78C1C902A7}"/>
+                <a16:creationId xmlns="" xmlns:a16="http://schemas.microsoft.com/office/drawing/2014/main" id="{B06715E6-4E1D-883E-2493-1E78C1C902A7}"/>
               </a:ext>
             </a:extLst>
           </p:cNvPr>
@@ -4247,7 +4336,7 @@
           <p:cNvPr id="6" name="圖片 5" descr="一張含有 設計 的圖片&#10;&#10;描述是以低可信度自動產生">
             <a:extLst>
               <a:ext uri="{FF2B5EF4-FFF2-40B4-BE49-F238E27FC236}">
-                <a16:creationId xmlns="" xmlns:a16="http://schemas.microsoft.com/office/drawing/2014/main" id="{7723406A-A76D-8A6B-FDD2-046BE714743B}"/>
+                <a16:creationId xmlns:a16="http://schemas.microsoft.com/office/drawing/2014/main" xmlns="" id="{7723406A-A76D-8A6B-FDD2-046BE714743B}"/>
               </a:ext>
             </a:extLst>
           </p:cNvPr>
@@ -4260,7 +4349,7 @@
           <a:blip r:embed="rId2" cstate="print">
             <a:extLst>
               <a:ext uri="{28A0092B-C50C-407E-A947-70E740481C1C}">
-                <a14:useLocalDpi xmlns:a14="http://schemas.microsoft.com/office/drawing/2010/main" xmlns="" val="0"/>
+                <a14:useLocalDpi xmlns="" xmlns:a14="http://schemas.microsoft.com/office/drawing/2010/main" val="0"/>
               </a:ext>
             </a:extLst>
           </a:blip>
@@ -4288,134 +4377,7 @@
     </p:spTree>
     <p:extLst>
       <p:ext uri="{BB962C8B-B14F-4D97-AF65-F5344CB8AC3E}">
-        <p14:creationId xmlns:p14="http://schemas.microsoft.com/office/powerpoint/2010/main" xmlns="" val="2053074938"/>
-      </p:ext>
-    </p:extLst>
-  </p:cSld>
-  <p:clrMapOvr>
-    <a:masterClrMapping/>
-  </p:clrMapOvr>
-</p:sld>
-</file>
-
-<file path=ppt/slides/slide14.xml><?xml version="1.0" encoding="utf-8"?>
-<p:sld xmlns:a="http://schemas.openxmlformats.org/drawingml/2006/main" xmlns:r="http://schemas.openxmlformats.org/officeDocument/2006/relationships" xmlns:p="http://schemas.openxmlformats.org/presentationml/2006/main">
-  <p:cSld>
-    <p:spTree>
-      <p:nvGrpSpPr>
-        <p:cNvPr id="1" name=""/>
-        <p:cNvGrpSpPr/>
-        <p:nvPr/>
-      </p:nvGrpSpPr>
-      <p:grpSpPr>
-        <a:xfrm>
-          <a:off x="0" y="0"/>
-          <a:ext cx="0" cy="0"/>
-          <a:chOff x="0" y="0"/>
-          <a:chExt cx="0" cy="0"/>
-        </a:xfrm>
-      </p:grpSpPr>
-      <p:sp>
-        <p:nvSpPr>
-          <p:cNvPr id="2" name="標題 1">
-            <a:extLst>
-              <a:ext uri="{FF2B5EF4-FFF2-40B4-BE49-F238E27FC236}">
-                <a16:creationId xmlns:a16="http://schemas.microsoft.com/office/drawing/2014/main" xmlns="" id="{B06715E6-4E1D-883E-2493-1E78C1C902A7}"/>
-              </a:ext>
-            </a:extLst>
-          </p:cNvPr>
-          <p:cNvSpPr>
-            <a:spLocks noGrp="1"/>
-          </p:cNvSpPr>
-          <p:nvPr>
-            <p:ph type="title"/>
-          </p:nvPr>
-        </p:nvSpPr>
-        <p:spPr/>
-        <p:txBody>
-          <a:bodyPr/>
-          <a:lstStyle/>
-          <a:p>
-            <a:r>
-              <a:rPr lang="en-US" altLang="zh-TW" dirty="0" smtClean="0">
-                <a:latin typeface="Consolas" pitchFamily="49" charset="0"/>
-              </a:rPr>
-              <a:t>SVDD</a:t>
-            </a:r>
-            <a:r>
-              <a:rPr lang="zh-TW" altLang="en-US" dirty="0" smtClean="0">
-                <a:latin typeface="Consolas" pitchFamily="49" charset="0"/>
-              </a:rPr>
-              <a:t> </a:t>
-            </a:r>
-            <a:r>
-              <a:rPr lang="en-US" altLang="zh-TW" dirty="0" smtClean="0">
-                <a:latin typeface="Consolas" pitchFamily="49" charset="0"/>
-              </a:rPr>
-              <a:t>+</a:t>
-            </a:r>
-            <a:r>
-              <a:rPr lang="zh-TW" altLang="en-US" dirty="0" smtClean="0">
-                <a:latin typeface="Consolas" pitchFamily="49" charset="0"/>
-              </a:rPr>
-              <a:t> </a:t>
-            </a:r>
-            <a:r>
-              <a:rPr lang="en-US" altLang="zh-TW" dirty="0" smtClean="0">
-                <a:latin typeface="Consolas" pitchFamily="49" charset="0"/>
-              </a:rPr>
-              <a:t>NN</a:t>
-            </a:r>
-            <a:endParaRPr lang="zh-TW" altLang="en-US" dirty="0">
-              <a:latin typeface="Consolas" pitchFamily="49" charset="0"/>
-            </a:endParaRPr>
-          </a:p>
-        </p:txBody>
-      </p:sp>
-      <p:sp>
-        <p:nvSpPr>
-          <p:cNvPr id="5" name="內容版面配置區 2"/>
-          <p:cNvSpPr>
-            <a:spLocks noGrp="1"/>
-          </p:cNvSpPr>
-          <p:nvPr>
-            <p:ph idx="1"/>
-          </p:nvPr>
-        </p:nvSpPr>
-        <p:spPr>
-          <a:xfrm>
-            <a:off x="838200" y="1825625"/>
-            <a:ext cx="10515600" cy="4351338"/>
-          </a:xfrm>
-        </p:spPr>
-        <p:txBody>
-          <a:bodyPr/>
-          <a:lstStyle/>
-          <a:p>
-            <a:r>
-              <a:rPr lang="en-US" altLang="zh-TW" dirty="0" smtClean="0">
-                <a:latin typeface="Consolas" pitchFamily="49" charset="0"/>
-              </a:rPr>
-              <a:t>Use SVDD to separate unknown types and known types first.</a:t>
-            </a:r>
-          </a:p>
-          <a:p>
-            <a:r>
-              <a:rPr lang="en-US" altLang="zh-TW" dirty="0" smtClean="0">
-                <a:latin typeface="Consolas" pitchFamily="49" charset="0"/>
-              </a:rPr>
-              <a:t>Then apply pre-trained neural network to classify known types.</a:t>
-            </a:r>
-            <a:endParaRPr lang="zh-TW" altLang="en-US" dirty="0">
-              <a:latin typeface="Consolas" pitchFamily="49" charset="0"/>
-            </a:endParaRPr>
-          </a:p>
-        </p:txBody>
-      </p:sp>
-    </p:spTree>
-    <p:extLst>
-      <p:ext uri="{BB962C8B-B14F-4D97-AF65-F5344CB8AC3E}">
-        <p14:creationId xmlns:p14="http://schemas.microsoft.com/office/powerpoint/2010/main" xmlns="" val="2053074938"/>
+        <p14:creationId xmlns="" xmlns:p14="http://schemas.microsoft.com/office/powerpoint/2010/main" val="2053074938"/>
       </p:ext>
     </p:extLst>
   </p:cSld>
@@ -4447,7 +4409,7 @@
           <p:cNvPr id="2" name="標題 1">
             <a:extLst>
               <a:ext uri="{FF2B5EF4-FFF2-40B4-BE49-F238E27FC236}">
-                <a16:creationId xmlns:a16="http://schemas.microsoft.com/office/drawing/2014/main" xmlns="" id="{B06715E6-4E1D-883E-2493-1E78C1C902A7}"/>
+                <a16:creationId xmlns="" xmlns:a16="http://schemas.microsoft.com/office/drawing/2014/main" id="{B06715E6-4E1D-883E-2493-1E78C1C902A7}"/>
               </a:ext>
             </a:extLst>
           </p:cNvPr>
@@ -4469,46 +4431,80 @@
               </a:rPr>
               <a:t>SVDD</a:t>
             </a:r>
+            <a:r>
+              <a:rPr lang="zh-TW" altLang="en-US" dirty="0" smtClean="0">
+                <a:latin typeface="Consolas" pitchFamily="49" charset="0"/>
+              </a:rPr>
+              <a:t> </a:t>
+            </a:r>
+            <a:r>
+              <a:rPr lang="en-US" altLang="zh-TW" dirty="0" smtClean="0">
+                <a:latin typeface="Consolas" pitchFamily="49" charset="0"/>
+              </a:rPr>
+              <a:t>+</a:t>
+            </a:r>
+            <a:r>
+              <a:rPr lang="zh-TW" altLang="en-US" dirty="0" smtClean="0">
+                <a:latin typeface="Consolas" pitchFamily="49" charset="0"/>
+              </a:rPr>
+              <a:t> </a:t>
+            </a:r>
+            <a:r>
+              <a:rPr lang="en-US" altLang="zh-TW" dirty="0" smtClean="0">
+                <a:latin typeface="Consolas" pitchFamily="49" charset="0"/>
+              </a:rPr>
+              <a:t>NN</a:t>
+            </a:r>
             <a:endParaRPr lang="zh-TW" altLang="en-US" dirty="0">
               <a:latin typeface="Consolas" pitchFamily="49" charset="0"/>
             </a:endParaRPr>
           </a:p>
         </p:txBody>
       </p:sp>
-      <p:pic>
-        <p:nvPicPr>
-          <p:cNvPr id="4" name="圖片 3" descr="一張含有 圖表, 圓形, 行, 字型 的圖片&#10;&#10;自動產生的描述">
-            <a:extLst>
-              <a:ext uri="{FF2B5EF4-FFF2-40B4-BE49-F238E27FC236}">
-                <a16:creationId xmlns:a16="http://schemas.microsoft.com/office/drawing/2014/main" xmlns="" id="{217F03D2-C181-F0F9-9C70-5BCF4302A9D1}"/>
-              </a:ext>
-            </a:extLst>
-          </p:cNvPr>
-          <p:cNvPicPr>
-            <a:picLocks noChangeAspect="1"/>
-          </p:cNvPicPr>
-          <p:nvPr/>
-        </p:nvPicPr>
-        <p:blipFill>
-          <a:blip r:embed="rId2" cstate="print"/>
-          <a:stretch>
-            <a:fillRect/>
-          </a:stretch>
-        </p:blipFill>
+      <p:sp>
+        <p:nvSpPr>
+          <p:cNvPr id="5" name="內容版面配置區 2"/>
+          <p:cNvSpPr>
+            <a:spLocks noGrp="1"/>
+          </p:cNvSpPr>
+          <p:nvPr>
+            <p:ph idx="1"/>
+          </p:nvPr>
+        </p:nvSpPr>
         <p:spPr>
           <a:xfrm>
-            <a:off x="3750907" y="1560025"/>
-            <a:ext cx="4422710" cy="4631110"/>
+            <a:off x="838200" y="1825625"/>
+            <a:ext cx="10515600" cy="4351338"/>
           </a:xfrm>
-          <a:prstGeom prst="rect">
-            <a:avLst/>
-          </a:prstGeom>
         </p:spPr>
-      </p:pic>
+        <p:txBody>
+          <a:bodyPr/>
+          <a:lstStyle/>
+          <a:p>
+            <a:r>
+              <a:rPr lang="en-US" altLang="zh-TW" dirty="0" smtClean="0">
+                <a:latin typeface="Consolas" pitchFamily="49" charset="0"/>
+              </a:rPr>
+              <a:t>Use SVDD to separate unknown types and known types first.</a:t>
+            </a:r>
+          </a:p>
+          <a:p>
+            <a:r>
+              <a:rPr lang="en-US" altLang="zh-TW" dirty="0" smtClean="0">
+                <a:latin typeface="Consolas" pitchFamily="49" charset="0"/>
+              </a:rPr>
+              <a:t>Then apply pre-trained neural network to classify known types.</a:t>
+            </a:r>
+            <a:endParaRPr lang="zh-TW" altLang="en-US" dirty="0">
+              <a:latin typeface="Consolas" pitchFamily="49" charset="0"/>
+            </a:endParaRPr>
+          </a:p>
+        </p:txBody>
+      </p:sp>
     </p:spTree>
     <p:extLst>
       <p:ext uri="{BB962C8B-B14F-4D97-AF65-F5344CB8AC3E}">
-        <p14:creationId xmlns:p14="http://schemas.microsoft.com/office/powerpoint/2010/main" xmlns="" val="4165772210"/>
+        <p14:creationId xmlns="" xmlns:p14="http://schemas.microsoft.com/office/powerpoint/2010/main" val="2053074938"/>
       </p:ext>
     </p:extLst>
   </p:cSld>
@@ -4537,7 +4533,13 @@
       </p:grpSpPr>
       <p:sp>
         <p:nvSpPr>
-          <p:cNvPr id="2" name="標題 1"/>
+          <p:cNvPr id="2" name="標題 1">
+            <a:extLst>
+              <a:ext uri="{FF2B5EF4-FFF2-40B4-BE49-F238E27FC236}">
+                <a16:creationId xmlns="" xmlns:a16="http://schemas.microsoft.com/office/drawing/2014/main" id="{B06715E6-4E1D-883E-2493-1E78C1C902A7}"/>
+              </a:ext>
+            </a:extLst>
+          </p:cNvPr>
           <p:cNvSpPr>
             <a:spLocks noGrp="1"/>
           </p:cNvSpPr>
@@ -4554,7 +4556,7 @@
               <a:rPr lang="en-US" altLang="zh-TW" dirty="0" smtClean="0">
                 <a:latin typeface="Consolas" pitchFamily="49" charset="0"/>
               </a:rPr>
-              <a:t>Clustering Algorithm</a:t>
+              <a:t>SVDD</a:t>
             </a:r>
             <a:endParaRPr lang="zh-TW" altLang="en-US" dirty="0">
               <a:latin typeface="Consolas" pitchFamily="49" charset="0"/>
@@ -4562,34 +4564,42 @@
           </a:p>
         </p:txBody>
       </p:sp>
-      <p:sp>
-        <p:nvSpPr>
-          <p:cNvPr id="3" name="內容版面配置區 2"/>
-          <p:cNvSpPr>
-            <a:spLocks noGrp="1"/>
-          </p:cNvSpPr>
-          <p:nvPr>
-            <p:ph idx="1"/>
-          </p:nvPr>
-        </p:nvSpPr>
-        <p:spPr/>
-        <p:txBody>
-          <a:bodyPr/>
-          <a:lstStyle/>
-          <a:p>
-            <a:r>
-              <a:rPr lang="en-US" altLang="zh-TW" dirty="0" smtClean="0">
-                <a:latin typeface="Consolas" pitchFamily="49" charset="0"/>
-              </a:rPr>
-              <a:t>DBSCAN, k-means, NN-chain</a:t>
-            </a:r>
-            <a:endParaRPr lang="zh-TW" altLang="en-US" dirty="0">
-              <a:latin typeface="Consolas" pitchFamily="49" charset="0"/>
-            </a:endParaRPr>
-          </a:p>
-        </p:txBody>
-      </p:sp>
+      <p:pic>
+        <p:nvPicPr>
+          <p:cNvPr id="4" name="圖片 3" descr="一張含有 圖表, 圓形, 行, 字型 的圖片&#10;&#10;自動產生的描述">
+            <a:extLst>
+              <a:ext uri="{FF2B5EF4-FFF2-40B4-BE49-F238E27FC236}">
+                <a16:creationId xmlns="" xmlns:a16="http://schemas.microsoft.com/office/drawing/2014/main" id="{217F03D2-C181-F0F9-9C70-5BCF4302A9D1}"/>
+              </a:ext>
+            </a:extLst>
+          </p:cNvPr>
+          <p:cNvPicPr>
+            <a:picLocks noChangeAspect="1"/>
+          </p:cNvPicPr>
+          <p:nvPr/>
+        </p:nvPicPr>
+        <p:blipFill>
+          <a:blip r:embed="rId2" cstate="print"/>
+          <a:stretch>
+            <a:fillRect/>
+          </a:stretch>
+        </p:blipFill>
+        <p:spPr>
+          <a:xfrm>
+            <a:off x="3750907" y="1560025"/>
+            <a:ext cx="4422710" cy="4631110"/>
+          </a:xfrm>
+          <a:prstGeom prst="rect">
+            <a:avLst/>
+          </a:prstGeom>
+        </p:spPr>
+      </p:pic>
     </p:spTree>
+    <p:extLst>
+      <p:ext uri="{BB962C8B-B14F-4D97-AF65-F5344CB8AC3E}">
+        <p14:creationId xmlns="" xmlns:p14="http://schemas.microsoft.com/office/powerpoint/2010/main" val="4165772210"/>
+      </p:ext>
+    </p:extLst>
   </p:cSld>
   <p:clrMapOvr>
     <a:masterClrMapping/>
@@ -4633,7 +4643,7 @@
               <a:rPr lang="en-US" altLang="zh-TW" dirty="0" smtClean="0">
                 <a:latin typeface="Consolas" pitchFamily="49" charset="0"/>
               </a:rPr>
-              <a:t>DBSCAN</a:t>
+              <a:t>Clustering Algorithm</a:t>
             </a:r>
             <a:endParaRPr lang="zh-TW" altLang="en-US" dirty="0">
               <a:latin typeface="Consolas" pitchFamily="49" charset="0"/>
@@ -4660,15 +4670,7 @@
               <a:rPr lang="en-US" altLang="zh-TW" dirty="0" smtClean="0">
                 <a:latin typeface="Consolas" pitchFamily="49" charset="0"/>
               </a:rPr>
-              <a:t>This clustering algorithm generate noisy points.</a:t>
-            </a:r>
-          </a:p>
-          <a:p>
-            <a:r>
-              <a:rPr lang="en-US" altLang="zh-TW" dirty="0" smtClean="0">
-                <a:latin typeface="Consolas" pitchFamily="49" charset="0"/>
-              </a:rPr>
-              <a:t>So after clustering, a noisy point will be marked as the type whose mass center is the closet to this noisy point.</a:t>
+              <a:t>DBSCAN, k-means, NN-chain</a:t>
             </a:r>
             <a:endParaRPr lang="zh-TW" altLang="en-US" dirty="0">
               <a:latin typeface="Consolas" pitchFamily="49" charset="0"/>
@@ -4703,10 +4705,97 @@
       </p:grpSpPr>
       <p:sp>
         <p:nvSpPr>
+          <p:cNvPr id="2" name="標題 1"/>
+          <p:cNvSpPr>
+            <a:spLocks noGrp="1"/>
+          </p:cNvSpPr>
+          <p:nvPr>
+            <p:ph type="title"/>
+          </p:nvPr>
+        </p:nvSpPr>
+        <p:spPr/>
+        <p:txBody>
+          <a:bodyPr/>
+          <a:lstStyle/>
+          <a:p>
+            <a:r>
+              <a:rPr lang="en-US" altLang="zh-TW" dirty="0" smtClean="0">
+                <a:latin typeface="Consolas" pitchFamily="49" charset="0"/>
+              </a:rPr>
+              <a:t>DBSCAN</a:t>
+            </a:r>
+            <a:endParaRPr lang="zh-TW" altLang="en-US" dirty="0">
+              <a:latin typeface="Consolas" pitchFamily="49" charset="0"/>
+            </a:endParaRPr>
+          </a:p>
+        </p:txBody>
+      </p:sp>
+      <p:sp>
+        <p:nvSpPr>
+          <p:cNvPr id="3" name="內容版面配置區 2"/>
+          <p:cNvSpPr>
+            <a:spLocks noGrp="1"/>
+          </p:cNvSpPr>
+          <p:nvPr>
+            <p:ph idx="1"/>
+          </p:nvPr>
+        </p:nvSpPr>
+        <p:spPr/>
+        <p:txBody>
+          <a:bodyPr/>
+          <a:lstStyle/>
+          <a:p>
+            <a:r>
+              <a:rPr lang="en-US" altLang="zh-TW" dirty="0" smtClean="0">
+                <a:latin typeface="Consolas" pitchFamily="49" charset="0"/>
+              </a:rPr>
+              <a:t>This clustering algorithm generate noisy points.</a:t>
+            </a:r>
+          </a:p>
+          <a:p>
+            <a:r>
+              <a:rPr lang="en-US" altLang="zh-TW" dirty="0" smtClean="0">
+                <a:latin typeface="Consolas" pitchFamily="49" charset="0"/>
+              </a:rPr>
+              <a:t>So after clustering, a noisy point will be marked as the type whose mass center is the closet to this noisy point.</a:t>
+            </a:r>
+            <a:endParaRPr lang="zh-TW" altLang="en-US" dirty="0">
+              <a:latin typeface="Consolas" pitchFamily="49" charset="0"/>
+            </a:endParaRPr>
+          </a:p>
+        </p:txBody>
+      </p:sp>
+    </p:spTree>
+  </p:cSld>
+  <p:clrMapOvr>
+    <a:masterClrMapping/>
+  </p:clrMapOvr>
+</p:sld>
+</file>
+
+<file path=ppt/slides/slide19.xml><?xml version="1.0" encoding="utf-8"?>
+<p:sld xmlns:a="http://schemas.openxmlformats.org/drawingml/2006/main" xmlns:r="http://schemas.openxmlformats.org/officeDocument/2006/relationships" xmlns:p="http://schemas.openxmlformats.org/presentationml/2006/main">
+  <p:cSld>
+    <p:spTree>
+      <p:nvGrpSpPr>
+        <p:cNvPr id="1" name=""/>
+        <p:cNvGrpSpPr/>
+        <p:nvPr/>
+      </p:nvGrpSpPr>
+      <p:grpSpPr>
+        <a:xfrm>
+          <a:off x="0" y="0"/>
+          <a:ext cx="0" cy="0"/>
+          <a:chOff x="0" y="0"/>
+          <a:chExt cx="0" cy="0"/>
+        </a:xfrm>
+      </p:grpSpPr>
+      <p:sp>
+        <p:nvSpPr>
           <p:cNvPr id="2" name="標題 1">
             <a:extLst>
               <a:ext uri="{FF2B5EF4-FFF2-40B4-BE49-F238E27FC236}">
-                <a16:creationId xmlns:a16="http://schemas.microsoft.com/office/drawing/2014/main" xmlns="" id="{B06715E6-4E1D-883E-2493-1E78C1C902A7}"/>
+                <a16:creationId xmlns="" xmlns:a16="http://schemas.microsoft.com/office/drawing/2014/main" id="{B06715E6-4E1D-883E-2493-1E78C1C902A7}"/>
               </a:ext>
             </a:extLst>
           </p:cNvPr>
@@ -4739,7 +4828,7 @@
           <p:cNvPr id="5" name="圖片 4" descr="一張含有 圓形, 圖畫, 美工圖案, 圖解 的圖片&#10;&#10;自動產生的描述">
             <a:extLst>
               <a:ext uri="{FF2B5EF4-FFF2-40B4-BE49-F238E27FC236}">
-                <a16:creationId xmlns:a16="http://schemas.microsoft.com/office/drawing/2014/main" xmlns="" id="{D589D8A7-6511-E7DB-1F5C-0BFF88C2CFAC}"/>
+                <a16:creationId xmlns="" xmlns:a16="http://schemas.microsoft.com/office/drawing/2014/main" id="{D589D8A7-6511-E7DB-1F5C-0BFF88C2CFAC}"/>
               </a:ext>
             </a:extLst>
           </p:cNvPr>
@@ -4767,68 +4856,9 @@
     </p:spTree>
     <p:extLst>
       <p:ext uri="{BB962C8B-B14F-4D97-AF65-F5344CB8AC3E}">
-        <p14:creationId xmlns:p14="http://schemas.microsoft.com/office/powerpoint/2010/main" xmlns="" val="649286207"/>
+        <p14:creationId xmlns="" xmlns:p14="http://schemas.microsoft.com/office/powerpoint/2010/main" val="649286207"/>
       </p:ext>
     </p:extLst>
-  </p:cSld>
-  <p:clrMapOvr>
-    <a:masterClrMapping/>
-  </p:clrMapOvr>
-</p:sld>
-</file>
-
-<file path=ppt/slides/slide19.xml><?xml version="1.0" encoding="utf-8"?>
-<p:sld xmlns:a="http://schemas.openxmlformats.org/drawingml/2006/main" xmlns:r="http://schemas.openxmlformats.org/officeDocument/2006/relationships" xmlns:p="http://schemas.openxmlformats.org/presentationml/2006/main">
-  <p:cSld>
-    <p:spTree>
-      <p:nvGrpSpPr>
-        <p:cNvPr id="1" name=""/>
-        <p:cNvGrpSpPr/>
-        <p:nvPr/>
-      </p:nvGrpSpPr>
-      <p:grpSpPr>
-        <a:xfrm>
-          <a:off x="0" y="0"/>
-          <a:ext cx="0" cy="0"/>
-          <a:chOff x="0" y="0"/>
-          <a:chExt cx="0" cy="0"/>
-        </a:xfrm>
-      </p:grpSpPr>
-      <p:sp>
-        <p:nvSpPr>
-          <p:cNvPr id="2" name="標題 1"/>
-          <p:cNvSpPr>
-            <a:spLocks noGrp="1"/>
-          </p:cNvSpPr>
-          <p:nvPr>
-            <p:ph type="title"/>
-          </p:nvPr>
-        </p:nvSpPr>
-        <p:spPr>
-          <a:xfrm>
-            <a:off x="810208" y="579728"/>
-            <a:ext cx="10526486" cy="5737095"/>
-          </a:xfrm>
-        </p:spPr>
-        <p:txBody>
-          <a:bodyPr>
-            <a:normAutofit/>
-          </a:bodyPr>
-          <a:lstStyle/>
-          <a:p>
-            <a:r>
-              <a:rPr lang="en-US" altLang="zh-TW" dirty="0" smtClean="0">
-                <a:latin typeface="Consolas" pitchFamily="49" charset="0"/>
-              </a:rPr>
-              <a:t>Within the framework of Main algorithm, we compare multiple combinations of those techniques.</a:t>
-            </a:r>
-            <a:endParaRPr lang="zh-TW" altLang="en-US" dirty="0">
-              <a:latin typeface="Consolas" pitchFamily="49" charset="0"/>
-            </a:endParaRPr>
-          </a:p>
-        </p:txBody>
-      </p:sp>
-    </p:spTree>
   </p:cSld>
   <p:clrMapOvr>
     <a:masterClrMapping/>
@@ -4858,7 +4888,7 @@
           <p:cNvPr id="2" name="標題 1">
             <a:extLst>
               <a:ext uri="{FF2B5EF4-FFF2-40B4-BE49-F238E27FC236}">
-                <a16:creationId xmlns:a16="http://schemas.microsoft.com/office/drawing/2014/main" xmlns="" id="{A9D9F068-8EB8-3389-A16A-AC2CFE1567AC}"/>
+                <a16:creationId xmlns="" xmlns:a16="http://schemas.microsoft.com/office/drawing/2014/main" id="{A9D9F068-8EB8-3389-A16A-AC2CFE1567AC}"/>
               </a:ext>
             </a:extLst>
           </p:cNvPr>
@@ -4921,7 +4951,7 @@
     </p:spTree>
     <p:extLst>
       <p:ext uri="{BB962C8B-B14F-4D97-AF65-F5344CB8AC3E}">
-        <p14:creationId xmlns:p14="http://schemas.microsoft.com/office/powerpoint/2010/main" xmlns="" val="3095192242"/>
+        <p14:creationId xmlns="" xmlns:p14="http://schemas.microsoft.com/office/powerpoint/2010/main" val="3095192242"/>
       </p:ext>
     </p:extLst>
   </p:cSld>
@@ -4974,7 +5004,7 @@
               <a:rPr lang="en-US" altLang="zh-TW" dirty="0" smtClean="0">
                 <a:latin typeface="Consolas" pitchFamily="49" charset="0"/>
               </a:rPr>
-              <a:t>But there’s one more thing.</a:t>
+              <a:t>Within the framework of Main algorithm, we compare multiple combinations of those techniques.</a:t>
             </a:r>
             <a:endParaRPr lang="zh-TW" altLang="en-US" dirty="0">
               <a:latin typeface="Consolas" pitchFamily="49" charset="0"/>
@@ -5017,119 +5047,27 @@
             <p:ph type="title"/>
           </p:nvPr>
         </p:nvSpPr>
-        <p:spPr/>
+        <p:spPr>
+          <a:xfrm>
+            <a:off x="810208" y="579728"/>
+            <a:ext cx="10526486" cy="5737095"/>
+          </a:xfrm>
+        </p:spPr>
         <p:txBody>
-          <a:bodyPr/>
+          <a:bodyPr>
+            <a:normAutofit/>
+          </a:bodyPr>
           <a:lstStyle/>
           <a:p>
             <a:r>
-              <a:rPr lang="en-US" altLang="zh-TW" dirty="0" err="1" smtClean="0">
-                <a:latin typeface="Consolas" pitchFamily="49" charset="0"/>
-              </a:rPr>
-              <a:t>Hyperparameters</a:t>
-            </a:r>
-            <a:r>
               <a:rPr lang="en-US" altLang="zh-TW" dirty="0" smtClean="0">
                 <a:latin typeface="Consolas" pitchFamily="49" charset="0"/>
               </a:rPr>
-              <a:t> fine-tune</a:t>
+              <a:t>But there’s one more thing.</a:t>
             </a:r>
             <a:endParaRPr lang="zh-TW" altLang="en-US" dirty="0">
               <a:latin typeface="Consolas" pitchFamily="49" charset="0"/>
             </a:endParaRPr>
-          </a:p>
-        </p:txBody>
-      </p:sp>
-      <p:sp>
-        <p:nvSpPr>
-          <p:cNvPr id="3" name="內容版面配置區 2"/>
-          <p:cNvSpPr>
-            <a:spLocks noGrp="1"/>
-          </p:cNvSpPr>
-          <p:nvPr>
-            <p:ph idx="1"/>
-          </p:nvPr>
-        </p:nvSpPr>
-        <p:spPr/>
-        <p:txBody>
-          <a:bodyPr/>
-          <a:lstStyle/>
-          <a:p>
-            <a:r>
-              <a:rPr lang="en-US" altLang="zh-TW" dirty="0" smtClean="0">
-                <a:latin typeface="Consolas" pitchFamily="49" charset="0"/>
-              </a:rPr>
-              <a:t>Take SVM</a:t>
-            </a:r>
-            <a:r>
-              <a:rPr lang="zh-TW" altLang="en-US" dirty="0" smtClean="0">
-                <a:latin typeface="Consolas" pitchFamily="49" charset="0"/>
-              </a:rPr>
-              <a:t> </a:t>
-            </a:r>
-            <a:r>
-              <a:rPr lang="en-US" altLang="zh-TW" dirty="0" smtClean="0">
-                <a:latin typeface="Consolas" pitchFamily="49" charset="0"/>
-              </a:rPr>
-              <a:t>+</a:t>
-            </a:r>
-            <a:r>
-              <a:rPr lang="zh-TW" altLang="en-US" dirty="0" smtClean="0">
-                <a:latin typeface="Consolas" pitchFamily="49" charset="0"/>
-              </a:rPr>
-              <a:t> </a:t>
-            </a:r>
-            <a:r>
-              <a:rPr lang="en-US" altLang="zh-TW" dirty="0" smtClean="0">
-                <a:latin typeface="Consolas" pitchFamily="49" charset="0"/>
-              </a:rPr>
-              <a:t>DBSCAN as example, with the 4 selectable kernels, the total number of </a:t>
-            </a:r>
-            <a:r>
-              <a:rPr lang="en-US" altLang="zh-TW" dirty="0" err="1" smtClean="0">
-                <a:latin typeface="Consolas" pitchFamily="49" charset="0"/>
-              </a:rPr>
-              <a:t>hyperparameters</a:t>
-            </a:r>
-            <a:r>
-              <a:rPr lang="en-US" altLang="zh-TW" dirty="0" smtClean="0">
-                <a:latin typeface="Consolas" pitchFamily="49" charset="0"/>
-              </a:rPr>
-              <a:t> is 8.</a:t>
-            </a:r>
-          </a:p>
-          <a:p>
-            <a:r>
-              <a:rPr lang="en-US" altLang="zh-TW" dirty="0" smtClean="0">
-                <a:latin typeface="Consolas" pitchFamily="49" charset="0"/>
-              </a:rPr>
-              <a:t>For each experiments, the total number of </a:t>
-            </a:r>
-            <a:r>
-              <a:rPr lang="en-US" altLang="zh-TW" dirty="0" err="1" smtClean="0">
-                <a:latin typeface="Consolas" pitchFamily="49" charset="0"/>
-              </a:rPr>
-              <a:t>hyperparameter</a:t>
-            </a:r>
-            <a:r>
-              <a:rPr lang="en-US" altLang="zh-TW" dirty="0" smtClean="0">
-                <a:latin typeface="Consolas" pitchFamily="49" charset="0"/>
-              </a:rPr>
-              <a:t> is 48 in both datasets.</a:t>
-            </a:r>
-          </a:p>
-          <a:p>
-            <a:endParaRPr lang="en-US" altLang="zh-TW" dirty="0" smtClean="0">
-              <a:latin typeface="Consolas" pitchFamily="49" charset="0"/>
-            </a:endParaRPr>
-          </a:p>
-          <a:p>
-            <a:r>
-              <a:rPr lang="en-US" altLang="zh-TW" dirty="0" smtClean="0">
-                <a:latin typeface="Consolas" pitchFamily="49" charset="0"/>
-              </a:rPr>
-              <a:t>Manually fine-tune? Not a chance!</a:t>
-            </a:r>
           </a:p>
         </p:txBody>
       </p:sp>
@@ -5210,19 +5148,76 @@
               <a:rPr lang="en-US" altLang="zh-TW" dirty="0" smtClean="0">
                 <a:latin typeface="Consolas" pitchFamily="49" charset="0"/>
               </a:rPr>
-              <a:t>So </a:t>
+              <a:t>Take SVM</a:t>
+            </a:r>
+            <a:r>
+              <a:rPr lang="zh-TW" altLang="en-US" dirty="0" smtClean="0">
+                <a:latin typeface="Consolas" pitchFamily="49" charset="0"/>
+              </a:rPr>
+              <a:t> </a:t>
             </a:r>
             <a:r>
               <a:rPr lang="en-US" altLang="zh-TW" dirty="0" smtClean="0">
                 <a:latin typeface="Consolas" pitchFamily="49" charset="0"/>
               </a:rPr>
-              <a:t>simulated </a:t>
+              <a:t>+</a:t>
+            </a:r>
+            <a:r>
+              <a:rPr lang="zh-TW" altLang="en-US" dirty="0" smtClean="0">
+                <a:latin typeface="Consolas" pitchFamily="49" charset="0"/>
+              </a:rPr>
+              <a:t> </a:t>
             </a:r>
             <a:r>
               <a:rPr lang="en-US" altLang="zh-TW" dirty="0" smtClean="0">
                 <a:latin typeface="Consolas" pitchFamily="49" charset="0"/>
               </a:rPr>
-              <a:t>annealing algorithm is used here.</a:t>
+              <a:t>DBSCAN as example, with the 4 selectable kernels, the total number of </a:t>
+            </a:r>
+            <a:r>
+              <a:rPr lang="en-US" altLang="zh-TW" dirty="0" err="1" smtClean="0">
+                <a:latin typeface="Consolas" pitchFamily="49" charset="0"/>
+              </a:rPr>
+              <a:t>hyperparameters</a:t>
+            </a:r>
+            <a:r>
+              <a:rPr lang="en-US" altLang="zh-TW" dirty="0" smtClean="0">
+                <a:latin typeface="Consolas" pitchFamily="49" charset="0"/>
+              </a:rPr>
+              <a:t> is 8.</a:t>
+            </a:r>
+          </a:p>
+          <a:p>
+            <a:r>
+              <a:rPr lang="en-US" altLang="zh-TW" dirty="0" smtClean="0">
+                <a:latin typeface="Consolas" pitchFamily="49" charset="0"/>
+              </a:rPr>
+              <a:t>For each experiments, the total number of </a:t>
+            </a:r>
+            <a:r>
+              <a:rPr lang="en-US" altLang="zh-TW" dirty="0" err="1" smtClean="0">
+                <a:latin typeface="Consolas" pitchFamily="49" charset="0"/>
+              </a:rPr>
+              <a:t>hyperparameter</a:t>
+            </a:r>
+            <a:r>
+              <a:rPr lang="en-US" altLang="zh-TW" dirty="0" smtClean="0">
+                <a:latin typeface="Consolas" pitchFamily="49" charset="0"/>
+              </a:rPr>
+              <a:t> is 48 in both datasets.</a:t>
+            </a:r>
+          </a:p>
+          <a:p>
+            <a:endParaRPr lang="en-US" altLang="zh-TW" dirty="0" smtClean="0">
+              <a:latin typeface="Consolas" pitchFamily="49" charset="0"/>
+            </a:endParaRPr>
+          </a:p>
+          <a:p>
+            <a:r>
+              <a:rPr lang="en-US" altLang="zh-TW" dirty="0" smtClean="0">
+                <a:latin typeface="Consolas" pitchFamily="49" charset="0"/>
+              </a:rPr>
+              <a:t>Manually fine-tune? Not a chance!</a:t>
             </a:r>
           </a:p>
         </p:txBody>
@@ -5236,6 +5231,88 @@
 </file>
 
 <file path=ppt/slides/slide23.xml><?xml version="1.0" encoding="utf-8"?>
+<p:sld xmlns:a="http://schemas.openxmlformats.org/drawingml/2006/main" xmlns:r="http://schemas.openxmlformats.org/officeDocument/2006/relationships" xmlns:p="http://schemas.openxmlformats.org/presentationml/2006/main">
+  <p:cSld>
+    <p:spTree>
+      <p:nvGrpSpPr>
+        <p:cNvPr id="1" name=""/>
+        <p:cNvGrpSpPr/>
+        <p:nvPr/>
+      </p:nvGrpSpPr>
+      <p:grpSpPr>
+        <a:xfrm>
+          <a:off x="0" y="0"/>
+          <a:ext cx="0" cy="0"/>
+          <a:chOff x="0" y="0"/>
+          <a:chExt cx="0" cy="0"/>
+        </a:xfrm>
+      </p:grpSpPr>
+      <p:sp>
+        <p:nvSpPr>
+          <p:cNvPr id="2" name="標題 1"/>
+          <p:cNvSpPr>
+            <a:spLocks noGrp="1"/>
+          </p:cNvSpPr>
+          <p:nvPr>
+            <p:ph type="title"/>
+          </p:nvPr>
+        </p:nvSpPr>
+        <p:spPr/>
+        <p:txBody>
+          <a:bodyPr/>
+          <a:lstStyle/>
+          <a:p>
+            <a:r>
+              <a:rPr lang="en-US" altLang="zh-TW" dirty="0" err="1" smtClean="0">
+                <a:latin typeface="Consolas" pitchFamily="49" charset="0"/>
+              </a:rPr>
+              <a:t>Hyperparameters</a:t>
+            </a:r>
+            <a:r>
+              <a:rPr lang="en-US" altLang="zh-TW" dirty="0" smtClean="0">
+                <a:latin typeface="Consolas" pitchFamily="49" charset="0"/>
+              </a:rPr>
+              <a:t> fine-tune</a:t>
+            </a:r>
+            <a:endParaRPr lang="zh-TW" altLang="en-US" dirty="0">
+              <a:latin typeface="Consolas" pitchFamily="49" charset="0"/>
+            </a:endParaRPr>
+          </a:p>
+        </p:txBody>
+      </p:sp>
+      <p:sp>
+        <p:nvSpPr>
+          <p:cNvPr id="3" name="內容版面配置區 2"/>
+          <p:cNvSpPr>
+            <a:spLocks noGrp="1"/>
+          </p:cNvSpPr>
+          <p:nvPr>
+            <p:ph idx="1"/>
+          </p:nvPr>
+        </p:nvSpPr>
+        <p:spPr/>
+        <p:txBody>
+          <a:bodyPr/>
+          <a:lstStyle/>
+          <a:p>
+            <a:r>
+              <a:rPr lang="en-US" altLang="zh-TW" dirty="0" smtClean="0">
+                <a:latin typeface="Consolas" pitchFamily="49" charset="0"/>
+              </a:rPr>
+              <a:t>So simulated annealing algorithm is used here.</a:t>
+            </a:r>
+          </a:p>
+        </p:txBody>
+      </p:sp>
+    </p:spTree>
+  </p:cSld>
+  <p:clrMapOvr>
+    <a:masterClrMapping/>
+  </p:clrMapOvr>
+</p:sld>
+</file>
+
+<file path=ppt/slides/slide24.xml><?xml version="1.0" encoding="utf-8"?>
 <p:sld xmlns:a="http://schemas.openxmlformats.org/drawingml/2006/main" xmlns:r="http://schemas.openxmlformats.org/officeDocument/2006/relationships" xmlns:p="http://schemas.openxmlformats.org/presentationml/2006/main">
   <p:cSld>
     <p:spTree>
@@ -5325,7 +5402,7 @@
 </p:sld>
 </file>
 
-<file path=ppt/slides/slide24.xml><?xml version="1.0" encoding="utf-8"?>
+<file path=ppt/slides/slide25.xml><?xml version="1.0" encoding="utf-8"?>
 <p:sld xmlns:a="http://schemas.openxmlformats.org/drawingml/2006/main" xmlns:r="http://schemas.openxmlformats.org/officeDocument/2006/relationships" xmlns:p="http://schemas.openxmlformats.org/presentationml/2006/main">
   <p:cSld>
     <p:spTree>
@@ -5384,613 +5461,6 @@
 </p:sld>
 </file>
 
-<file path=ppt/slides/slide25.xml><?xml version="1.0" encoding="utf-8"?>
-<p:sld xmlns:a="http://schemas.openxmlformats.org/drawingml/2006/main" xmlns:r="http://schemas.openxmlformats.org/officeDocument/2006/relationships" xmlns:p="http://schemas.openxmlformats.org/presentationml/2006/main">
-  <p:cSld>
-    <p:spTree>
-      <p:nvGrpSpPr>
-        <p:cNvPr id="1" name=""/>
-        <p:cNvGrpSpPr/>
-        <p:nvPr/>
-      </p:nvGrpSpPr>
-      <p:grpSpPr>
-        <a:xfrm>
-          <a:off x="0" y="0"/>
-          <a:ext cx="0" cy="0"/>
-          <a:chOff x="0" y="0"/>
-          <a:chExt cx="0" cy="0"/>
-        </a:xfrm>
-      </p:grpSpPr>
-      <p:sp>
-        <p:nvSpPr>
-          <p:cNvPr id="2" name="標題 1">
-            <a:extLst>
-              <a:ext uri="{FF2B5EF4-FFF2-40B4-BE49-F238E27FC236}">
-                <a16:creationId xmlns:a16="http://schemas.microsoft.com/office/drawing/2014/main" xmlns="" id="{7BDC027D-0EFD-5E87-C32C-78BCBA19CA82}"/>
-              </a:ext>
-            </a:extLst>
-          </p:cNvPr>
-          <p:cNvSpPr>
-            <a:spLocks noGrp="1"/>
-          </p:cNvSpPr>
-          <p:nvPr>
-            <p:ph type="title"/>
-          </p:nvPr>
-        </p:nvSpPr>
-        <p:spPr/>
-        <p:txBody>
-          <a:bodyPr/>
-          <a:lstStyle/>
-          <a:p>
-            <a:r>
-              <a:rPr lang="en-US" altLang="zh-TW" dirty="0">
-                <a:latin typeface="Consolas" panose="020B0609020204030204" pitchFamily="49" charset="0"/>
-              </a:rPr>
-              <a:t>KNN </a:t>
-            </a:r>
-            <a:r>
-              <a:rPr lang="en-US" altLang="zh-TW" dirty="0" smtClean="0">
-                <a:latin typeface="Consolas" panose="020B0609020204030204" pitchFamily="49" charset="0"/>
-              </a:rPr>
-              <a:t>+ DBSCAN, arrhythmia</a:t>
-            </a:r>
-            <a:endParaRPr lang="zh-TW" altLang="en-US" dirty="0"/>
-          </a:p>
-        </p:txBody>
-      </p:sp>
-      <p:graphicFrame>
-        <p:nvGraphicFramePr>
-          <p:cNvPr id="4" name="表格 4">
-            <a:extLst>
-              <a:ext uri="{FF2B5EF4-FFF2-40B4-BE49-F238E27FC236}">
-                <a16:creationId xmlns:a16="http://schemas.microsoft.com/office/drawing/2014/main" xmlns="" id="{5F3E0619-219B-E13A-0433-2F63B4B4B02D}"/>
-              </a:ext>
-            </a:extLst>
-          </p:cNvPr>
-          <p:cNvGraphicFramePr>
-            <a:graphicFrameLocks noGrp="1"/>
-          </p:cNvGraphicFramePr>
-          <p:nvPr>
-            <p:extLst>
-              <p:ext uri="{D42A27DB-BD31-4B8C-83A1-F6EECF244321}">
-                <p14:modId xmlns:p14="http://schemas.microsoft.com/office/powerpoint/2010/main" xmlns="" val="3398980393"/>
-              </p:ext>
-            </p:extLst>
-          </p:nvPr>
-        </p:nvGraphicFramePr>
-        <p:xfrm>
-          <a:off x="1239520" y="1791335"/>
-          <a:ext cx="9712959" cy="4585462"/>
-        </p:xfrm>
-        <a:graphic>
-          <a:graphicData uri="http://schemas.openxmlformats.org/drawingml/2006/table">
-            <a:tbl>
-              <a:tblPr firstRow="1" bandRow="1">
-                <a:tableStyleId>{5C22544A-7EE6-4342-B048-85BDC9FD1C3A}</a:tableStyleId>
-              </a:tblPr>
-              <a:tblGrid>
-                <a:gridCol w="3237653">
-                  <a:extLst>
-                    <a:ext uri="{9D8B030D-6E8A-4147-A177-3AD203B41FA5}">
-                      <a16:colId xmlns:a16="http://schemas.microsoft.com/office/drawing/2014/main" xmlns="" val="3991208199"/>
-                    </a:ext>
-                  </a:extLst>
-                </a:gridCol>
-                <a:gridCol w="3237653">
-                  <a:extLst>
-                    <a:ext uri="{9D8B030D-6E8A-4147-A177-3AD203B41FA5}">
-                      <a16:colId xmlns:a16="http://schemas.microsoft.com/office/drawing/2014/main" xmlns="" val="1262213421"/>
-                    </a:ext>
-                  </a:extLst>
-                </a:gridCol>
-                <a:gridCol w="3237653">
-                  <a:extLst>
-                    <a:ext uri="{9D8B030D-6E8A-4147-A177-3AD203B41FA5}">
-                      <a16:colId xmlns:a16="http://schemas.microsoft.com/office/drawing/2014/main" xmlns="" val="3788634706"/>
-                    </a:ext>
-                  </a:extLst>
-                </a:gridCol>
-              </a:tblGrid>
-              <a:tr h="655066">
-                <a:tc>
-                  <a:txBody>
-                    <a:bodyPr/>
-                    <a:lstStyle/>
-                    <a:p>
-                      <a:pPr marL="0" marR="0" lvl="0" indent="0" algn="l" defTabSz="914400" rtl="0" eaLnBrk="1" fontAlgn="auto" latinLnBrk="0" hangingPunct="1">
-                        <a:lnSpc>
-                          <a:spcPct val="100000"/>
-                        </a:lnSpc>
-                        <a:spcBef>
-                          <a:spcPts val="0"/>
-                        </a:spcBef>
-                        <a:spcAft>
-                          <a:spcPts val="0"/>
-                        </a:spcAft>
-                        <a:buClrTx/>
-                        <a:buSzTx/>
-                        <a:buFontTx/>
-                        <a:buNone/>
-                        <a:tabLst/>
-                        <a:defRPr/>
-                      </a:pPr>
-                      <a:r>
-                        <a:rPr lang="en-US" altLang="zh-TW" sz="2800" dirty="0"/>
-                        <a:t>Repeat </a:t>
-                      </a:r>
-                      <a:r>
-                        <a:rPr lang="en-US" altLang="zh-TW" sz="2800" dirty="0" smtClean="0"/>
-                        <a:t>10 </a:t>
-                      </a:r>
-                      <a:r>
-                        <a:rPr lang="en-US" altLang="zh-TW" sz="2800" dirty="0"/>
-                        <a:t>times</a:t>
-                      </a:r>
-                      <a:endParaRPr lang="zh-TW" altLang="en-US" sz="2800" dirty="0"/>
-                    </a:p>
-                  </a:txBody>
-                  <a:tcPr/>
-                </a:tc>
-                <a:tc>
-                  <a:txBody>
-                    <a:bodyPr/>
-                    <a:lstStyle/>
-                    <a:p>
-                      <a:r>
-                        <a:rPr lang="en-US" altLang="zh-TW" sz="2800" dirty="0" smtClean="0"/>
-                        <a:t>Accuracy </a:t>
-                      </a:r>
-                      <a:r>
-                        <a:rPr lang="en-US" altLang="zh-TW" sz="2800" dirty="0"/>
-                        <a:t>(%)</a:t>
-                      </a:r>
-                      <a:endParaRPr lang="zh-TW" altLang="en-US" sz="2800" dirty="0"/>
-                    </a:p>
-                  </a:txBody>
-                  <a:tcPr/>
-                </a:tc>
-                <a:tc>
-                  <a:txBody>
-                    <a:bodyPr/>
-                    <a:lstStyle/>
-                    <a:p>
-                      <a:r>
-                        <a:rPr lang="en-US" altLang="zh-TW" sz="2800" dirty="0"/>
-                        <a:t>Time (s)</a:t>
-                      </a:r>
-                      <a:endParaRPr lang="zh-TW" altLang="en-US" sz="2800" dirty="0"/>
-                    </a:p>
-                  </a:txBody>
-                  <a:tcPr/>
-                </a:tc>
-                <a:extLst>
-                  <a:ext uri="{0D108BD9-81ED-4DB2-BD59-A6C34878D82A}">
-                    <a16:rowId xmlns:a16="http://schemas.microsoft.com/office/drawing/2014/main" xmlns="" val="2028684342"/>
-                  </a:ext>
-                </a:extLst>
-              </a:tr>
-              <a:tr h="655066">
-                <a:tc>
-                  <a:txBody>
-                    <a:bodyPr/>
-                    <a:lstStyle/>
-                    <a:p>
-                      <a:r>
-                        <a:rPr lang="en-US" altLang="zh-TW" sz="2800" dirty="0" smtClean="0">
-                          <a:latin typeface="Consolas" pitchFamily="49" charset="0"/>
-                        </a:rPr>
-                        <a:t>Raw</a:t>
-                      </a:r>
-                      <a:endParaRPr lang="zh-TW" altLang="en-US" sz="2800" dirty="0"/>
-                    </a:p>
-                  </a:txBody>
-                  <a:tcPr/>
-                </a:tc>
-                <a:tc>
-                  <a:txBody>
-                    <a:bodyPr/>
-                    <a:lstStyle/>
-                    <a:p>
-                      <a:r>
-                        <a:rPr lang="en-US" altLang="zh-TW" sz="2800" b="1" dirty="0" smtClean="0"/>
-                        <a:t>47.4684% </a:t>
-                      </a:r>
-                      <a:r>
-                        <a:rPr lang="en-US" altLang="zh-TW" sz="2800" b="1" dirty="0">
-                          <a:latin typeface="Wide Latin" panose="020A0A07050505020404" pitchFamily="18" charset="0"/>
-                        </a:rPr>
-                        <a:t>±</a:t>
-                      </a:r>
-                      <a:r>
-                        <a:rPr lang="en-US" altLang="zh-TW" sz="2800" b="1" dirty="0"/>
-                        <a:t> 0%</a:t>
-                      </a:r>
-                      <a:r>
-                        <a:rPr lang="en-US" altLang="zh-TW" sz="2800" dirty="0"/>
-                        <a:t> </a:t>
-                      </a:r>
-                      <a:endParaRPr lang="zh-TW" altLang="en-US" sz="2800" dirty="0"/>
-                    </a:p>
-                  </a:txBody>
-                  <a:tcPr/>
-                </a:tc>
-                <a:tc>
-                  <a:txBody>
-                    <a:bodyPr/>
-                    <a:lstStyle/>
-                    <a:p>
-                      <a:r>
-                        <a:rPr lang="en-US" altLang="zh-TW" sz="2800" dirty="0" smtClean="0"/>
-                        <a:t>0.0285</a:t>
-                      </a:r>
-                      <a:endParaRPr lang="zh-TW" altLang="en-US" sz="2800" dirty="0"/>
-                    </a:p>
-                  </a:txBody>
-                  <a:tcPr/>
-                </a:tc>
-                <a:extLst>
-                  <a:ext uri="{0D108BD9-81ED-4DB2-BD59-A6C34878D82A}">
-                    <a16:rowId xmlns:a16="http://schemas.microsoft.com/office/drawing/2014/main" xmlns="" val="1629505054"/>
-                  </a:ext>
-                </a:extLst>
-              </a:tr>
-              <a:tr h="655066">
-                <a:tc>
-                  <a:txBody>
-                    <a:bodyPr/>
-                    <a:lstStyle/>
-                    <a:p>
-                      <a:r>
-                        <a:rPr lang="en-US" altLang="zh-TW" sz="2800" dirty="0" smtClean="0"/>
-                        <a:t>Normalized</a:t>
-                      </a:r>
-                      <a:endParaRPr lang="zh-TW" altLang="en-US" sz="2800" dirty="0"/>
-                    </a:p>
-                  </a:txBody>
-                  <a:tcPr/>
-                </a:tc>
-                <a:tc>
-                  <a:txBody>
-                    <a:bodyPr/>
-                    <a:lstStyle/>
-                    <a:p>
-                      <a:r>
-                        <a:rPr lang="en-US" altLang="zh-TW" sz="2800" dirty="0" smtClean="0"/>
-                        <a:t>46.8354% </a:t>
-                      </a:r>
-                      <a:r>
-                        <a:rPr lang="en-US" altLang="zh-TW" sz="2800" dirty="0">
-                          <a:latin typeface="Wide Latin" panose="020A0A07050505020404" pitchFamily="18" charset="0"/>
-                        </a:rPr>
-                        <a:t>±</a:t>
-                      </a:r>
-                      <a:r>
-                        <a:rPr lang="en-US" altLang="zh-TW" sz="2800" dirty="0"/>
-                        <a:t> 0% </a:t>
-                      </a:r>
-                      <a:endParaRPr lang="zh-TW" altLang="en-US" sz="2800" dirty="0"/>
-                    </a:p>
-                  </a:txBody>
-                  <a:tcPr/>
-                </a:tc>
-                <a:tc>
-                  <a:txBody>
-                    <a:bodyPr/>
-                    <a:lstStyle/>
-                    <a:p>
-                      <a:r>
-                        <a:rPr lang="en-US" altLang="zh-TW" sz="2800" dirty="0" smtClean="0"/>
-                        <a:t>0.0254</a:t>
-                      </a:r>
-                      <a:endParaRPr lang="zh-TW" altLang="en-US" sz="2800" dirty="0"/>
-                    </a:p>
-                  </a:txBody>
-                  <a:tcPr/>
-                </a:tc>
-                <a:extLst>
-                  <a:ext uri="{0D108BD9-81ED-4DB2-BD59-A6C34878D82A}">
-                    <a16:rowId xmlns:a16="http://schemas.microsoft.com/office/drawing/2014/main" xmlns="" val="2232274875"/>
-                  </a:ext>
-                </a:extLst>
-              </a:tr>
-              <a:tr h="655066">
-                <a:tc>
-                  <a:txBody>
-                    <a:bodyPr/>
-                    <a:lstStyle/>
-                    <a:p>
-                      <a:r>
-                        <a:rPr lang="en-US" altLang="zh-TW" sz="2800" dirty="0" smtClean="0"/>
-                        <a:t>PCA-32</a:t>
-                      </a:r>
-                      <a:endParaRPr lang="zh-TW" altLang="en-US" sz="2800" dirty="0"/>
-                    </a:p>
-                  </a:txBody>
-                  <a:tcPr/>
-                </a:tc>
-                <a:tc>
-                  <a:txBody>
-                    <a:bodyPr/>
-                    <a:lstStyle/>
-                    <a:p>
-                      <a:r>
-                        <a:rPr lang="en-US" altLang="zh-TW" sz="2800" dirty="0" smtClean="0"/>
-                        <a:t>38.6076% </a:t>
-                      </a:r>
-                      <a:r>
-                        <a:rPr lang="en-US" altLang="zh-TW" sz="2800" dirty="0">
-                          <a:latin typeface="Wide Latin" panose="020A0A07050505020404" pitchFamily="18" charset="0"/>
-                        </a:rPr>
-                        <a:t>±</a:t>
-                      </a:r>
-                      <a:r>
-                        <a:rPr lang="en-US" altLang="zh-TW" sz="2800" dirty="0"/>
-                        <a:t> 0%</a:t>
-                      </a:r>
-                      <a:endParaRPr lang="zh-TW" altLang="en-US" sz="2800" dirty="0"/>
-                    </a:p>
-                  </a:txBody>
-                  <a:tcPr/>
-                </a:tc>
-                <a:tc>
-                  <a:txBody>
-                    <a:bodyPr/>
-                    <a:lstStyle/>
-                    <a:p>
-                      <a:r>
-                        <a:rPr lang="en-US" altLang="zh-TW" sz="2800" dirty="0" smtClean="0"/>
-                        <a:t>0.0070</a:t>
-                      </a:r>
-                      <a:endParaRPr lang="zh-TW" altLang="en-US" sz="2800" dirty="0"/>
-                    </a:p>
-                  </a:txBody>
-                  <a:tcPr/>
-                </a:tc>
-                <a:extLst>
-                  <a:ext uri="{0D108BD9-81ED-4DB2-BD59-A6C34878D82A}">
-                    <a16:rowId xmlns:a16="http://schemas.microsoft.com/office/drawing/2014/main" xmlns="" val="4251700897"/>
-                  </a:ext>
-                </a:extLst>
-              </a:tr>
-              <a:tr h="655066">
-                <a:tc>
-                  <a:txBody>
-                    <a:bodyPr/>
-                    <a:lstStyle/>
-                    <a:p>
-                      <a:r>
-                        <a:rPr lang="en-US" altLang="zh-TW" sz="2800" dirty="0" smtClean="0"/>
-                        <a:t>PCA-32 </a:t>
-                      </a:r>
-                      <a:r>
-                        <a:rPr lang="en-US" altLang="zh-TW" sz="2800" dirty="0"/>
-                        <a:t>(normalized)</a:t>
-                      </a:r>
-                      <a:endParaRPr lang="zh-TW" altLang="en-US" sz="2800" dirty="0"/>
-                    </a:p>
-                  </a:txBody>
-                  <a:tcPr/>
-                </a:tc>
-                <a:tc>
-                  <a:txBody>
-                    <a:bodyPr/>
-                    <a:lstStyle/>
-                    <a:p>
-                      <a:pPr marL="0" marR="0" lvl="0" indent="0" algn="l" defTabSz="914400" rtl="0" eaLnBrk="1" fontAlgn="auto" latinLnBrk="0" hangingPunct="1">
-                        <a:lnSpc>
-                          <a:spcPct val="100000"/>
-                        </a:lnSpc>
-                        <a:spcBef>
-                          <a:spcPts val="0"/>
-                        </a:spcBef>
-                        <a:spcAft>
-                          <a:spcPts val="0"/>
-                        </a:spcAft>
-                        <a:buClrTx/>
-                        <a:buSzTx/>
-                        <a:buFontTx/>
-                        <a:buNone/>
-                        <a:tabLst/>
-                        <a:defRPr/>
-                      </a:pPr>
-                      <a:r>
-                        <a:rPr lang="en-US" altLang="zh-TW" sz="2800" dirty="0" smtClean="0"/>
-                        <a:t>42.4051% </a:t>
-                      </a:r>
-                      <a:r>
-                        <a:rPr lang="en-US" altLang="zh-TW" sz="2800" dirty="0">
-                          <a:latin typeface="Wide Latin" panose="020A0A07050505020404" pitchFamily="18" charset="0"/>
-                        </a:rPr>
-                        <a:t>±</a:t>
-                      </a:r>
-                      <a:r>
-                        <a:rPr lang="en-US" altLang="zh-TW" sz="2800" dirty="0"/>
-                        <a:t> 0%</a:t>
-                      </a:r>
-                      <a:endParaRPr lang="zh-TW" altLang="en-US" sz="2800" dirty="0"/>
-                    </a:p>
-                  </a:txBody>
-                  <a:tcPr/>
-                </a:tc>
-                <a:tc>
-                  <a:txBody>
-                    <a:bodyPr/>
-                    <a:lstStyle/>
-                    <a:p>
-                      <a:r>
-                        <a:rPr lang="en-US" altLang="zh-TW" sz="2800" dirty="0" smtClean="0"/>
-                        <a:t>0.0071</a:t>
-                      </a:r>
-                      <a:endParaRPr lang="zh-TW" altLang="en-US" sz="2800" dirty="0"/>
-                    </a:p>
-                  </a:txBody>
-                  <a:tcPr/>
-                </a:tc>
-                <a:extLst>
-                  <a:ext uri="{0D108BD9-81ED-4DB2-BD59-A6C34878D82A}">
-                    <a16:rowId xmlns:a16="http://schemas.microsoft.com/office/drawing/2014/main" xmlns="" val="4168020029"/>
-                  </a:ext>
-                </a:extLst>
-              </a:tr>
-              <a:tr h="655066">
-                <a:tc>
-                  <a:txBody>
-                    <a:bodyPr/>
-                    <a:lstStyle/>
-                    <a:p>
-                      <a:r>
-                        <a:rPr lang="en-US" altLang="zh-TW" sz="2800" dirty="0" smtClean="0"/>
-                        <a:t>AE-32</a:t>
-                      </a:r>
-                      <a:endParaRPr lang="zh-TW" altLang="en-US" sz="2800" dirty="0"/>
-                    </a:p>
-                  </a:txBody>
-                  <a:tcPr/>
-                </a:tc>
-                <a:tc>
-                  <a:txBody>
-                    <a:bodyPr/>
-                    <a:lstStyle/>
-                    <a:p>
-                      <a:pPr marL="0" marR="0" lvl="0" indent="0" algn="l" defTabSz="914400" rtl="0" eaLnBrk="1" fontAlgn="auto" latinLnBrk="0" hangingPunct="1">
-                        <a:lnSpc>
-                          <a:spcPct val="100000"/>
-                        </a:lnSpc>
-                        <a:spcBef>
-                          <a:spcPts val="0"/>
-                        </a:spcBef>
-                        <a:spcAft>
-                          <a:spcPts val="0"/>
-                        </a:spcAft>
-                        <a:buClrTx/>
-                        <a:buSzTx/>
-                        <a:buFontTx/>
-                        <a:buNone/>
-                        <a:tabLst/>
-                        <a:defRPr/>
-                      </a:pPr>
-                      <a:r>
-                        <a:rPr lang="en-US" altLang="zh-TW" sz="2800" dirty="0" smtClean="0"/>
-                        <a:t>37.9747% </a:t>
-                      </a:r>
-                      <a:r>
-                        <a:rPr lang="en-US" altLang="zh-TW" sz="2800" dirty="0" smtClean="0">
-                          <a:latin typeface="Wide Latin" panose="020A0A07050505020404" pitchFamily="18" charset="0"/>
-                        </a:rPr>
-                        <a:t>±</a:t>
-                      </a:r>
-                      <a:r>
-                        <a:rPr lang="en-US" altLang="zh-TW" sz="2800" dirty="0" smtClean="0"/>
-                        <a:t> 0%</a:t>
-                      </a:r>
-                      <a:endParaRPr lang="zh-TW" altLang="en-US" sz="2800" dirty="0"/>
-                    </a:p>
-                  </a:txBody>
-                  <a:tcPr/>
-                </a:tc>
-                <a:tc>
-                  <a:txBody>
-                    <a:bodyPr/>
-                    <a:lstStyle/>
-                    <a:p>
-                      <a:r>
-                        <a:rPr lang="en-US" altLang="zh-TW" sz="2800" dirty="0" smtClean="0"/>
-                        <a:t>0.0071</a:t>
-                      </a:r>
-                      <a:endParaRPr lang="zh-TW" altLang="en-US" sz="2800" dirty="0"/>
-                    </a:p>
-                  </a:txBody>
-                  <a:tcPr/>
-                </a:tc>
-              </a:tr>
-              <a:tr h="655066">
-                <a:tc>
-                  <a:txBody>
-                    <a:bodyPr/>
-                    <a:lstStyle/>
-                    <a:p>
-                      <a:r>
-                        <a:rPr lang="en-US" altLang="zh-TW" sz="2800" dirty="0" smtClean="0"/>
-                        <a:t>AE-32 (normalized)</a:t>
-                      </a:r>
-                      <a:endParaRPr lang="zh-TW" altLang="en-US" sz="2800" dirty="0"/>
-                    </a:p>
-                  </a:txBody>
-                  <a:tcPr/>
-                </a:tc>
-                <a:tc>
-                  <a:txBody>
-                    <a:bodyPr/>
-                    <a:lstStyle/>
-                    <a:p>
-                      <a:pPr marL="0" marR="0" lvl="0" indent="0" algn="l" defTabSz="914400" rtl="0" eaLnBrk="1" fontAlgn="auto" latinLnBrk="0" hangingPunct="1">
-                        <a:lnSpc>
-                          <a:spcPct val="100000"/>
-                        </a:lnSpc>
-                        <a:spcBef>
-                          <a:spcPts val="0"/>
-                        </a:spcBef>
-                        <a:spcAft>
-                          <a:spcPts val="0"/>
-                        </a:spcAft>
-                        <a:buClrTx/>
-                        <a:buSzTx/>
-                        <a:buFontTx/>
-                        <a:buNone/>
-                        <a:tabLst/>
-                        <a:defRPr/>
-                      </a:pPr>
-                      <a:r>
-                        <a:rPr lang="en-US" altLang="zh-TW" sz="2800" dirty="0" smtClean="0"/>
-                        <a:t>44.3038% </a:t>
-                      </a:r>
-                      <a:r>
-                        <a:rPr lang="en-US" altLang="zh-TW" sz="2800" dirty="0" smtClean="0">
-                          <a:latin typeface="Wide Latin" panose="020A0A07050505020404" pitchFamily="18" charset="0"/>
-                        </a:rPr>
-                        <a:t>±</a:t>
-                      </a:r>
-                      <a:r>
-                        <a:rPr lang="en-US" altLang="zh-TW" sz="2800" dirty="0" smtClean="0"/>
-                        <a:t> 0%</a:t>
-                      </a:r>
-                      <a:endParaRPr lang="zh-TW" altLang="en-US" sz="2800" dirty="0"/>
-                    </a:p>
-                  </a:txBody>
-                  <a:tcPr/>
-                </a:tc>
-                <a:tc>
-                  <a:txBody>
-                    <a:bodyPr/>
-                    <a:lstStyle/>
-                    <a:p>
-                      <a:r>
-                        <a:rPr lang="en-US" altLang="zh-TW" sz="2800" dirty="0" smtClean="0"/>
-                        <a:t>0.0071</a:t>
-                      </a:r>
-                      <a:endParaRPr lang="zh-TW" altLang="en-US" sz="2800" dirty="0"/>
-                    </a:p>
-                  </a:txBody>
-                  <a:tcPr/>
-                </a:tc>
-              </a:tr>
-            </a:tbl>
-          </a:graphicData>
-        </a:graphic>
-      </p:graphicFrame>
-    </p:spTree>
-    <p:extLst>
-      <p:ext uri="{BB962C8B-B14F-4D97-AF65-F5344CB8AC3E}">
-        <p14:creationId xmlns:p14="http://schemas.microsoft.com/office/powerpoint/2010/main" xmlns="" val="2220883863"/>
-      </p:ext>
-    </p:extLst>
-  </p:cSld>
-  <p:clrMapOvr>
-    <a:masterClrMapping/>
-  </p:clrMapOvr>
-</p:sld>
-</file>
-
 <file path=ppt/slides/slide26.xml><?xml version="1.0" encoding="utf-8"?>
 <p:sld xmlns:a="http://schemas.openxmlformats.org/drawingml/2006/main" xmlns:r="http://schemas.openxmlformats.org/officeDocument/2006/relationships" xmlns:p="http://schemas.openxmlformats.org/presentationml/2006/main">
   <p:cSld>
@@ -6013,7 +5483,7 @@
           <p:cNvPr id="2" name="標題 1">
             <a:extLst>
               <a:ext uri="{FF2B5EF4-FFF2-40B4-BE49-F238E27FC236}">
-                <a16:creationId xmlns:a16="http://schemas.microsoft.com/office/drawing/2014/main" xmlns="" id="{7BDC027D-0EFD-5E87-C32C-78BCBA19CA82}"/>
+                <a16:creationId xmlns="" xmlns:a16="http://schemas.microsoft.com/office/drawing/2014/main" id="{7BDC027D-0EFD-5E87-C32C-78BCBA19CA82}"/>
               </a:ext>
             </a:extLst>
           </p:cNvPr>
@@ -6039,7 +5509,7 @@
               <a:rPr lang="en-US" altLang="zh-TW" dirty="0" smtClean="0">
                 <a:latin typeface="Consolas" panose="020B0609020204030204" pitchFamily="49" charset="0"/>
               </a:rPr>
-              <a:t>+ k-means, arrhythmia</a:t>
+              <a:t>+ DBSCAN, arrhythmia</a:t>
             </a:r>
             <a:endParaRPr lang="zh-TW" altLang="en-US" dirty="0"/>
           </a:p>
@@ -6050,7 +5520,7 @@
           <p:cNvPr id="4" name="表格 4">
             <a:extLst>
               <a:ext uri="{FF2B5EF4-FFF2-40B4-BE49-F238E27FC236}">
-                <a16:creationId xmlns:a16="http://schemas.microsoft.com/office/drawing/2014/main" xmlns="" id="{5F3E0619-219B-E13A-0433-2F63B4B4B02D}"/>
+                <a16:creationId xmlns="" xmlns:a16="http://schemas.microsoft.com/office/drawing/2014/main" id="{5F3E0619-219B-E13A-0433-2F63B4B4B02D}"/>
               </a:ext>
             </a:extLst>
           </p:cNvPr>
@@ -6060,7 +5530,7 @@
           <p:nvPr>
             <p:extLst>
               <p:ext uri="{D42A27DB-BD31-4B8C-83A1-F6EECF244321}">
-                <p14:modId xmlns:p14="http://schemas.microsoft.com/office/powerpoint/2010/main" xmlns="" val="3398980393"/>
+                <p14:modId xmlns="" xmlns:p14="http://schemas.microsoft.com/office/powerpoint/2010/main" val="3398980393"/>
               </p:ext>
             </p:extLst>
           </p:nvPr>
@@ -6079,21 +5549,21 @@
                 <a:gridCol w="3237653">
                   <a:extLst>
                     <a:ext uri="{9D8B030D-6E8A-4147-A177-3AD203B41FA5}">
-                      <a16:colId xmlns:a16="http://schemas.microsoft.com/office/drawing/2014/main" xmlns="" val="3991208199"/>
+                      <a16:colId xmlns="" xmlns:a16="http://schemas.microsoft.com/office/drawing/2014/main" val="3991208199"/>
                     </a:ext>
                   </a:extLst>
                 </a:gridCol>
                 <a:gridCol w="3237653">
                   <a:extLst>
                     <a:ext uri="{9D8B030D-6E8A-4147-A177-3AD203B41FA5}">
-                      <a16:colId xmlns:a16="http://schemas.microsoft.com/office/drawing/2014/main" xmlns="" val="1262213421"/>
+                      <a16:colId xmlns="" xmlns:a16="http://schemas.microsoft.com/office/drawing/2014/main" val="1262213421"/>
                     </a:ext>
                   </a:extLst>
                 </a:gridCol>
                 <a:gridCol w="3237653">
                   <a:extLst>
                     <a:ext uri="{9D8B030D-6E8A-4147-A177-3AD203B41FA5}">
-                      <a16:colId xmlns:a16="http://schemas.microsoft.com/office/drawing/2014/main" xmlns="" val="3788634706"/>
+                      <a16:colId xmlns="" xmlns:a16="http://schemas.microsoft.com/office/drawing/2014/main" val="3788634706"/>
                     </a:ext>
                   </a:extLst>
                 </a:gridCol>
@@ -6172,7 +5642,7 @@
                 </a:tc>
                 <a:extLst>
                   <a:ext uri="{0D108BD9-81ED-4DB2-BD59-A6C34878D82A}">
-                    <a16:rowId xmlns:a16="http://schemas.microsoft.com/office/drawing/2014/main" xmlns="" val="2028684342"/>
+                    <a16:rowId xmlns="" xmlns:a16="http://schemas.microsoft.com/office/drawing/2014/main" val="2028684342"/>
                   </a:ext>
                 </a:extLst>
               </a:tr>
@@ -6200,7 +5670,7 @@
                     <a:p>
                       <a:r>
                         <a:rPr lang="en-US" altLang="zh-TW" sz="2800" b="1" dirty="0" smtClean="0"/>
-                        <a:t>53.1646% </a:t>
+                        <a:t>47.4684% </a:t>
                       </a:r>
                       <a:r>
                         <a:rPr lang="en-US" altLang="zh-TW" sz="2800" b="1" dirty="0">
@@ -6210,9 +5680,13 @@
                       </a:r>
                       <a:r>
                         <a:rPr lang="en-US" altLang="zh-TW" sz="2800" b="1" dirty="0"/>
-                        <a:t> 0% </a:t>
-                      </a:r>
-                      <a:endParaRPr lang="zh-TW" altLang="en-US" sz="2800" b="1" dirty="0"/>
+                        <a:t> 0%</a:t>
+                      </a:r>
+                      <a:r>
+                        <a:rPr lang="en-US" altLang="zh-TW" sz="2800" dirty="0"/>
+                        <a:t> </a:t>
+                      </a:r>
+                      <a:endParaRPr lang="zh-TW" altLang="en-US" sz="2800" dirty="0"/>
                     </a:p>
                   </a:txBody>
                   <a:tcPr/>
@@ -6224,7 +5698,7 @@
                     <a:p>
                       <a:r>
                         <a:rPr lang="en-US" altLang="zh-TW" sz="2800" dirty="0" smtClean="0"/>
-                        <a:t>0.0236</a:t>
+                        <a:t>0.0285</a:t>
                       </a:r>
                       <a:endParaRPr lang="zh-TW" altLang="en-US" sz="2800" dirty="0"/>
                     </a:p>
@@ -6233,7 +5707,7 @@
                 </a:tc>
                 <a:extLst>
                   <a:ext uri="{0D108BD9-81ED-4DB2-BD59-A6C34878D82A}">
-                    <a16:rowId xmlns:a16="http://schemas.microsoft.com/office/drawing/2014/main" xmlns="" val="1629505054"/>
+                    <a16:rowId xmlns="" xmlns:a16="http://schemas.microsoft.com/office/drawing/2014/main" val="1629505054"/>
                   </a:ext>
                 </a:extLst>
               </a:tr>
@@ -6259,7 +5733,7 @@
                     <a:p>
                       <a:r>
                         <a:rPr lang="en-US" altLang="zh-TW" sz="2800" dirty="0" smtClean="0"/>
-                        <a:t>50.6329% </a:t>
+                        <a:t>46.8354% </a:t>
                       </a:r>
                       <a:r>
                         <a:rPr lang="en-US" altLang="zh-TW" sz="2800" dirty="0">
@@ -6283,7 +5757,7 @@
                     <a:p>
                       <a:r>
                         <a:rPr lang="en-US" altLang="zh-TW" sz="2800" dirty="0" smtClean="0"/>
-                        <a:t>0.0343</a:t>
+                        <a:t>0.0254</a:t>
                       </a:r>
                       <a:endParaRPr lang="zh-TW" altLang="en-US" sz="2800" dirty="0"/>
                     </a:p>
@@ -6292,7 +5766,7 @@
                 </a:tc>
                 <a:extLst>
                   <a:ext uri="{0D108BD9-81ED-4DB2-BD59-A6C34878D82A}">
-                    <a16:rowId xmlns:a16="http://schemas.microsoft.com/office/drawing/2014/main" xmlns="" val="2232274875"/>
+                    <a16:rowId xmlns="" xmlns:a16="http://schemas.microsoft.com/office/drawing/2014/main" val="2232274875"/>
                   </a:ext>
                 </a:extLst>
               </a:tr>
@@ -6318,7 +5792,7 @@
                     <a:p>
                       <a:r>
                         <a:rPr lang="en-US" altLang="zh-TW" sz="2800" dirty="0" smtClean="0"/>
-                        <a:t>43.0380% </a:t>
+                        <a:t>38.6076% </a:t>
                       </a:r>
                       <a:r>
                         <a:rPr lang="en-US" altLang="zh-TW" sz="2800" dirty="0">
@@ -6342,7 +5816,7 @@
                     <a:p>
                       <a:r>
                         <a:rPr lang="en-US" altLang="zh-TW" sz="2800" dirty="0" smtClean="0"/>
-                        <a:t>0.0068</a:t>
+                        <a:t>0.0070</a:t>
                       </a:r>
                       <a:endParaRPr lang="zh-TW" altLang="en-US" sz="2800" dirty="0"/>
                     </a:p>
@@ -6351,7 +5825,7 @@
                 </a:tc>
                 <a:extLst>
                   <a:ext uri="{0D108BD9-81ED-4DB2-BD59-A6C34878D82A}">
-                    <a16:rowId xmlns:a16="http://schemas.microsoft.com/office/drawing/2014/main" xmlns="" val="4251700897"/>
+                    <a16:rowId xmlns="" xmlns:a16="http://schemas.microsoft.com/office/drawing/2014/main" val="4251700897"/>
                   </a:ext>
                 </a:extLst>
               </a:tr>
@@ -6398,7 +5872,7 @@
                       </a:pPr>
                       <a:r>
                         <a:rPr lang="en-US" altLang="zh-TW" sz="2800" dirty="0" smtClean="0"/>
-                        <a:t>43.0380% </a:t>
+                        <a:t>42.4051% </a:t>
                       </a:r>
                       <a:r>
                         <a:rPr lang="en-US" altLang="zh-TW" sz="2800" dirty="0">
@@ -6422,7 +5896,7 @@
                     <a:p>
                       <a:r>
                         <a:rPr lang="en-US" altLang="zh-TW" sz="2800" dirty="0" smtClean="0"/>
-                        <a:t>0.0069</a:t>
+                        <a:t>0.0071</a:t>
                       </a:r>
                       <a:endParaRPr lang="zh-TW" altLang="en-US" sz="2800" dirty="0"/>
                     </a:p>
@@ -6431,7 +5905,7 @@
                 </a:tc>
                 <a:extLst>
                   <a:ext uri="{0D108BD9-81ED-4DB2-BD59-A6C34878D82A}">
-                    <a16:rowId xmlns:a16="http://schemas.microsoft.com/office/drawing/2014/main" xmlns="" val="4168020029"/>
+                    <a16:rowId xmlns="" xmlns:a16="http://schemas.microsoft.com/office/drawing/2014/main" val="4168020029"/>
                   </a:ext>
                 </a:extLst>
               </a:tr>
@@ -6474,7 +5948,7 @@
                       </a:pPr>
                       <a:r>
                         <a:rPr lang="en-US" altLang="zh-TW" sz="2800" dirty="0" smtClean="0"/>
-                        <a:t>36.0759% </a:t>
+                        <a:t>37.9747% </a:t>
                       </a:r>
                       <a:r>
                         <a:rPr lang="en-US" altLang="zh-TW" sz="2800" dirty="0" smtClean="0">
@@ -6498,7 +5972,7 @@
                     <a:p>
                       <a:r>
                         <a:rPr lang="en-US" altLang="zh-TW" sz="2800" dirty="0" smtClean="0"/>
-                        <a:t>0.0069</a:t>
+                        <a:t>0.0071</a:t>
                       </a:r>
                       <a:endParaRPr lang="zh-TW" altLang="en-US" sz="2800" dirty="0"/>
                     </a:p>
@@ -6545,7 +6019,7 @@
                       </a:pPr>
                       <a:r>
                         <a:rPr lang="en-US" altLang="zh-TW" sz="2800" dirty="0" smtClean="0"/>
-                        <a:t>41.7722% </a:t>
+                        <a:t>44.3038% </a:t>
                       </a:r>
                       <a:r>
                         <a:rPr lang="en-US" altLang="zh-TW" sz="2800" dirty="0" smtClean="0">
@@ -6569,7 +6043,7 @@
                     <a:p>
                       <a:r>
                         <a:rPr lang="en-US" altLang="zh-TW" sz="2800" dirty="0" smtClean="0"/>
-                        <a:t>0.0080</a:t>
+                        <a:t>0.0071</a:t>
                       </a:r>
                       <a:endParaRPr lang="zh-TW" altLang="en-US" sz="2800" dirty="0"/>
                     </a:p>
@@ -6584,7 +6058,7 @@
     </p:spTree>
     <p:extLst>
       <p:ext uri="{BB962C8B-B14F-4D97-AF65-F5344CB8AC3E}">
-        <p14:creationId xmlns:p14="http://schemas.microsoft.com/office/powerpoint/2010/main" xmlns="" val="2220883863"/>
+        <p14:creationId xmlns="" xmlns:p14="http://schemas.microsoft.com/office/powerpoint/2010/main" val="2220883863"/>
       </p:ext>
     </p:extLst>
   </p:cSld>
@@ -6616,7 +6090,7 @@
           <p:cNvPr id="2" name="標題 1">
             <a:extLst>
               <a:ext uri="{FF2B5EF4-FFF2-40B4-BE49-F238E27FC236}">
-                <a16:creationId xmlns:a16="http://schemas.microsoft.com/office/drawing/2014/main" xmlns="" id="{7BDC027D-0EFD-5E87-C32C-78BCBA19CA82}"/>
+                <a16:creationId xmlns="" xmlns:a16="http://schemas.microsoft.com/office/drawing/2014/main" id="{7BDC027D-0EFD-5E87-C32C-78BCBA19CA82}"/>
               </a:ext>
             </a:extLst>
           </p:cNvPr>
@@ -6633,10 +6107,16 @@
           <a:lstStyle/>
           <a:p>
             <a:r>
+              <a:rPr lang="en-US" altLang="zh-TW" dirty="0">
+                <a:latin typeface="Consolas" panose="020B0609020204030204" pitchFamily="49" charset="0"/>
+              </a:rPr>
+              <a:t>KNN </a:t>
+            </a:r>
+            <a:r>
               <a:rPr lang="en-US" altLang="zh-TW" dirty="0" smtClean="0">
                 <a:latin typeface="Consolas" panose="020B0609020204030204" pitchFamily="49" charset="0"/>
               </a:rPr>
-              <a:t>SVM (sigmoid) + k-means, arrhythmia</a:t>
+              <a:t>+ k-means, arrhythmia</a:t>
             </a:r>
             <a:endParaRPr lang="zh-TW" altLang="en-US" dirty="0"/>
           </a:p>
@@ -6647,7 +6127,7 @@
           <p:cNvPr id="4" name="表格 4">
             <a:extLst>
               <a:ext uri="{FF2B5EF4-FFF2-40B4-BE49-F238E27FC236}">
-                <a16:creationId xmlns:a16="http://schemas.microsoft.com/office/drawing/2014/main" xmlns="" id="{5F3E0619-219B-E13A-0433-2F63B4B4B02D}"/>
+                <a16:creationId xmlns="" xmlns:a16="http://schemas.microsoft.com/office/drawing/2014/main" id="{5F3E0619-219B-E13A-0433-2F63B4B4B02D}"/>
               </a:ext>
             </a:extLst>
           </p:cNvPr>
@@ -6657,7 +6137,7 @@
           <p:nvPr>
             <p:extLst>
               <p:ext uri="{D42A27DB-BD31-4B8C-83A1-F6EECF244321}">
-                <p14:modId xmlns:p14="http://schemas.microsoft.com/office/powerpoint/2010/main" xmlns="" val="3398980393"/>
+                <p14:modId xmlns="" xmlns:p14="http://schemas.microsoft.com/office/powerpoint/2010/main" val="3398980393"/>
               </p:ext>
             </p:extLst>
           </p:nvPr>
@@ -6676,21 +6156,21 @@
                 <a:gridCol w="3237653">
                   <a:extLst>
                     <a:ext uri="{9D8B030D-6E8A-4147-A177-3AD203B41FA5}">
-                      <a16:colId xmlns:a16="http://schemas.microsoft.com/office/drawing/2014/main" xmlns="" val="3991208199"/>
+                      <a16:colId xmlns="" xmlns:a16="http://schemas.microsoft.com/office/drawing/2014/main" val="3991208199"/>
                     </a:ext>
                   </a:extLst>
                 </a:gridCol>
                 <a:gridCol w="3237653">
                   <a:extLst>
                     <a:ext uri="{9D8B030D-6E8A-4147-A177-3AD203B41FA5}">
-                      <a16:colId xmlns:a16="http://schemas.microsoft.com/office/drawing/2014/main" xmlns="" val="1262213421"/>
+                      <a16:colId xmlns="" xmlns:a16="http://schemas.microsoft.com/office/drawing/2014/main" val="1262213421"/>
                     </a:ext>
                   </a:extLst>
                 </a:gridCol>
                 <a:gridCol w="3237653">
                   <a:extLst>
                     <a:ext uri="{9D8B030D-6E8A-4147-A177-3AD203B41FA5}">
-                      <a16:colId xmlns:a16="http://schemas.microsoft.com/office/drawing/2014/main" xmlns="" val="3788634706"/>
+                      <a16:colId xmlns="" xmlns:a16="http://schemas.microsoft.com/office/drawing/2014/main" val="3788634706"/>
                     </a:ext>
                   </a:extLst>
                 </a:gridCol>
@@ -6769,7 +6249,7 @@
                 </a:tc>
                 <a:extLst>
                   <a:ext uri="{0D108BD9-81ED-4DB2-BD59-A6C34878D82A}">
-                    <a16:rowId xmlns:a16="http://schemas.microsoft.com/office/drawing/2014/main" xmlns="" val="2028684342"/>
+                    <a16:rowId xmlns="" xmlns:a16="http://schemas.microsoft.com/office/drawing/2014/main" val="2028684342"/>
                   </a:ext>
                 </a:extLst>
               </a:tr>
@@ -6796,8 +6276,67 @@
                     <a:lstStyle/>
                     <a:p>
                       <a:r>
+                        <a:rPr lang="en-US" altLang="zh-TW" sz="2800" b="1" dirty="0" smtClean="0"/>
+                        <a:t>53.1646% </a:t>
+                      </a:r>
+                      <a:r>
+                        <a:rPr lang="en-US" altLang="zh-TW" sz="2800" b="1" dirty="0">
+                          <a:latin typeface="Wide Latin" panose="020A0A07050505020404" pitchFamily="18" charset="0"/>
+                        </a:rPr>
+                        <a:t>±</a:t>
+                      </a:r>
+                      <a:r>
+                        <a:rPr lang="en-US" altLang="zh-TW" sz="2800" b="1" dirty="0"/>
+                        <a:t> 0% </a:t>
+                      </a:r>
+                      <a:endParaRPr lang="zh-TW" altLang="en-US" sz="2800" b="1" dirty="0"/>
+                    </a:p>
+                  </a:txBody>
+                  <a:tcPr/>
+                </a:tc>
+                <a:tc>
+                  <a:txBody>
+                    <a:bodyPr/>
+                    <a:lstStyle/>
+                    <a:p>
+                      <a:r>
                         <a:rPr lang="en-US" altLang="zh-TW" sz="2800" dirty="0" smtClean="0"/>
-                        <a:t>28.4810% </a:t>
+                        <a:t>0.0236</a:t>
+                      </a:r>
+                      <a:endParaRPr lang="zh-TW" altLang="en-US" sz="2800" dirty="0"/>
+                    </a:p>
+                  </a:txBody>
+                  <a:tcPr/>
+                </a:tc>
+                <a:extLst>
+                  <a:ext uri="{0D108BD9-81ED-4DB2-BD59-A6C34878D82A}">
+                    <a16:rowId xmlns="" xmlns:a16="http://schemas.microsoft.com/office/drawing/2014/main" val="1629505054"/>
+                  </a:ext>
+                </a:extLst>
+              </a:tr>
+              <a:tr h="655066">
+                <a:tc>
+                  <a:txBody>
+                    <a:bodyPr/>
+                    <a:lstStyle/>
+                    <a:p>
+                      <a:r>
+                        <a:rPr lang="en-US" altLang="zh-TW" sz="2800" dirty="0" smtClean="0"/>
+                        <a:t>Normalized</a:t>
+                      </a:r>
+                      <a:endParaRPr lang="zh-TW" altLang="en-US" sz="2800" dirty="0"/>
+                    </a:p>
+                  </a:txBody>
+                  <a:tcPr/>
+                </a:tc>
+                <a:tc>
+                  <a:txBody>
+                    <a:bodyPr/>
+                    <a:lstStyle/>
+                    <a:p>
+                      <a:r>
+                        <a:rPr lang="en-US" altLang="zh-TW" sz="2800" dirty="0" smtClean="0"/>
+                        <a:t>50.6329% </a:t>
                       </a:r>
                       <a:r>
                         <a:rPr lang="en-US" altLang="zh-TW" sz="2800" dirty="0">
@@ -6821,7 +6360,7 @@
                     <a:p>
                       <a:r>
                         <a:rPr lang="en-US" altLang="zh-TW" sz="2800" dirty="0" smtClean="0"/>
-                        <a:t>3.5272</a:t>
+                        <a:t>0.0343</a:t>
                       </a:r>
                       <a:endParaRPr lang="zh-TW" altLang="en-US" sz="2800" dirty="0"/>
                     </a:p>
@@ -6830,7 +6369,7 @@
                 </a:tc>
                 <a:extLst>
                   <a:ext uri="{0D108BD9-81ED-4DB2-BD59-A6C34878D82A}">
-                    <a16:rowId xmlns:a16="http://schemas.microsoft.com/office/drawing/2014/main" xmlns="" val="1629505054"/>
+                    <a16:rowId xmlns="" xmlns:a16="http://schemas.microsoft.com/office/drawing/2014/main" val="2232274875"/>
                   </a:ext>
                 </a:extLst>
               </a:tr>
@@ -6842,7 +6381,7 @@
                     <a:p>
                       <a:r>
                         <a:rPr lang="en-US" altLang="zh-TW" sz="2800" dirty="0" smtClean="0"/>
-                        <a:t>Normalized</a:t>
+                        <a:t>PCA-32</a:t>
                       </a:r>
                       <a:endParaRPr lang="zh-TW" altLang="en-US" sz="2800" dirty="0"/>
                     </a:p>
@@ -6856,7 +6395,7 @@
                     <a:p>
                       <a:r>
                         <a:rPr lang="en-US" altLang="zh-TW" sz="2800" dirty="0" smtClean="0"/>
-                        <a:t>20.2532% </a:t>
+                        <a:t>43.0380% </a:t>
                       </a:r>
                       <a:r>
                         <a:rPr lang="en-US" altLang="zh-TW" sz="2800" dirty="0">
@@ -6866,7 +6405,7 @@
                       </a:r>
                       <a:r>
                         <a:rPr lang="en-US" altLang="zh-TW" sz="2800" dirty="0"/>
-                        <a:t> 0% </a:t>
+                        <a:t> 0%</a:t>
                       </a:r>
                       <a:endParaRPr lang="zh-TW" altLang="en-US" sz="2800" dirty="0"/>
                     </a:p>
@@ -6880,7 +6419,7 @@
                     <a:p>
                       <a:r>
                         <a:rPr lang="en-US" altLang="zh-TW" sz="2800" dirty="0" smtClean="0"/>
-                        <a:t>6.4731</a:t>
+                        <a:t>0.0068</a:t>
                       </a:r>
                       <a:endParaRPr lang="zh-TW" altLang="en-US" sz="2800" dirty="0"/>
                     </a:p>
@@ -6889,66 +6428,7 @@
                 </a:tc>
                 <a:extLst>
                   <a:ext uri="{0D108BD9-81ED-4DB2-BD59-A6C34878D82A}">
-                    <a16:rowId xmlns:a16="http://schemas.microsoft.com/office/drawing/2014/main" xmlns="" val="2232274875"/>
-                  </a:ext>
-                </a:extLst>
-              </a:tr>
-              <a:tr h="655066">
-                <a:tc>
-                  <a:txBody>
-                    <a:bodyPr/>
-                    <a:lstStyle/>
-                    <a:p>
-                      <a:r>
-                        <a:rPr lang="en-US" altLang="zh-TW" sz="2800" dirty="0" smtClean="0"/>
-                        <a:t>PCA-32</a:t>
-                      </a:r>
-                      <a:endParaRPr lang="zh-TW" altLang="en-US" sz="2800" dirty="0"/>
-                    </a:p>
-                  </a:txBody>
-                  <a:tcPr/>
-                </a:tc>
-                <a:tc>
-                  <a:txBody>
-                    <a:bodyPr/>
-                    <a:lstStyle/>
-                    <a:p>
-                      <a:r>
-                        <a:rPr lang="en-US" altLang="zh-TW" sz="2800" dirty="0" smtClean="0"/>
-                        <a:t>30.3797% </a:t>
-                      </a:r>
-                      <a:r>
-                        <a:rPr lang="en-US" altLang="zh-TW" sz="2800" dirty="0">
-                          <a:latin typeface="Wide Latin" panose="020A0A07050505020404" pitchFamily="18" charset="0"/>
-                        </a:rPr>
-                        <a:t>±</a:t>
-                      </a:r>
-                      <a:r>
-                        <a:rPr lang="en-US" altLang="zh-TW" sz="2800" dirty="0"/>
-                        <a:t> 0%</a:t>
-                      </a:r>
-                      <a:endParaRPr lang="zh-TW" altLang="en-US" sz="2800" dirty="0"/>
-                    </a:p>
-                  </a:txBody>
-                  <a:tcPr/>
-                </a:tc>
-                <a:tc>
-                  <a:txBody>
-                    <a:bodyPr/>
-                    <a:lstStyle/>
-                    <a:p>
-                      <a:r>
-                        <a:rPr lang="en-US" altLang="zh-TW" sz="2800" dirty="0" smtClean="0"/>
-                        <a:t>1.5779</a:t>
-                      </a:r>
-                      <a:endParaRPr lang="zh-TW" altLang="en-US" sz="2800" dirty="0"/>
-                    </a:p>
-                  </a:txBody>
-                  <a:tcPr/>
-                </a:tc>
-                <a:extLst>
-                  <a:ext uri="{0D108BD9-81ED-4DB2-BD59-A6C34878D82A}">
-                    <a16:rowId xmlns:a16="http://schemas.microsoft.com/office/drawing/2014/main" xmlns="" val="4251700897"/>
+                    <a16:rowId xmlns="" xmlns:a16="http://schemas.microsoft.com/office/drawing/2014/main" val="4251700897"/>
                   </a:ext>
                 </a:extLst>
               </a:tr>
@@ -6995,7 +6475,7 @@
                       </a:pPr>
                       <a:r>
                         <a:rPr lang="en-US" altLang="zh-TW" sz="2800" dirty="0" smtClean="0"/>
-                        <a:t>36.0759% </a:t>
+                        <a:t>43.0380% </a:t>
                       </a:r>
                       <a:r>
                         <a:rPr lang="en-US" altLang="zh-TW" sz="2800" dirty="0">
@@ -7019,7 +6499,7 @@
                     <a:p>
                       <a:r>
                         <a:rPr lang="en-US" altLang="zh-TW" sz="2800" dirty="0" smtClean="0"/>
-                        <a:t>0.9797</a:t>
+                        <a:t>0.0069</a:t>
                       </a:r>
                       <a:endParaRPr lang="zh-TW" altLang="en-US" sz="2800" dirty="0"/>
                     </a:p>
@@ -7028,7 +6508,7 @@
                 </a:tc>
                 <a:extLst>
                   <a:ext uri="{0D108BD9-81ED-4DB2-BD59-A6C34878D82A}">
-                    <a16:rowId xmlns:a16="http://schemas.microsoft.com/office/drawing/2014/main" xmlns="" val="4168020029"/>
+                    <a16:rowId xmlns="" xmlns:a16="http://schemas.microsoft.com/office/drawing/2014/main" val="4168020029"/>
                   </a:ext>
                 </a:extLst>
               </a:tr>
@@ -7071,7 +6551,7 @@
                       </a:pPr>
                       <a:r>
                         <a:rPr lang="en-US" altLang="zh-TW" sz="2800" dirty="0" smtClean="0"/>
-                        <a:t>22.1519 % </a:t>
+                        <a:t>36.0759% </a:t>
                       </a:r>
                       <a:r>
                         <a:rPr lang="en-US" altLang="zh-TW" sz="2800" dirty="0" smtClean="0">
@@ -7095,7 +6575,7 @@
                     <a:p>
                       <a:r>
                         <a:rPr lang="en-US" altLang="zh-TW" sz="2800" dirty="0" smtClean="0"/>
-                        <a:t>0.5284</a:t>
+                        <a:t>0.0069</a:t>
                       </a:r>
                       <a:endParaRPr lang="zh-TW" altLang="en-US" sz="2800" dirty="0"/>
                     </a:p>
@@ -7142,7 +6622,7 @@
                       </a:pPr>
                       <a:r>
                         <a:rPr lang="en-US" altLang="zh-TW" sz="2800" dirty="0" smtClean="0"/>
-                        <a:t>24.6835% </a:t>
+                        <a:t>41.7722% </a:t>
                       </a:r>
                       <a:r>
                         <a:rPr lang="en-US" altLang="zh-TW" sz="2800" dirty="0" smtClean="0">
@@ -7166,7 +6646,7 @@
                     <a:p>
                       <a:r>
                         <a:rPr lang="en-US" altLang="zh-TW" sz="2800" dirty="0" smtClean="0"/>
-                        <a:t>0.8430</a:t>
+                        <a:t>0.0080</a:t>
                       </a:r>
                       <a:endParaRPr lang="zh-TW" altLang="en-US" sz="2800" dirty="0"/>
                     </a:p>
@@ -7181,7 +6661,7 @@
     </p:spTree>
     <p:extLst>
       <p:ext uri="{BB962C8B-B14F-4D97-AF65-F5344CB8AC3E}">
-        <p14:creationId xmlns:p14="http://schemas.microsoft.com/office/powerpoint/2010/main" xmlns="" val="2220883863"/>
+        <p14:creationId xmlns="" xmlns:p14="http://schemas.microsoft.com/office/powerpoint/2010/main" val="2220883863"/>
       </p:ext>
     </p:extLst>
   </p:cSld>
@@ -7226,27 +6706,14 @@
         </p:nvSpPr>
         <p:spPr/>
         <p:txBody>
-          <a:bodyPr>
-            <a:normAutofit/>
-          </a:bodyPr>
+          <a:bodyPr/>
           <a:lstStyle/>
           <a:p>
             <a:r>
-              <a:rPr lang="en-US" altLang="zh-TW" dirty="0">
+              <a:rPr lang="en-US" altLang="zh-TW" dirty="0" smtClean="0">
                 <a:latin typeface="Consolas" panose="020B0609020204030204" pitchFamily="49" charset="0"/>
               </a:rPr>
-              <a:t>Naive Bayes classifier (GA) </a:t>
-            </a:r>
-            <a:br>
-              <a:rPr lang="en-US" altLang="zh-TW" dirty="0">
-                <a:latin typeface="Consolas" panose="020B0609020204030204" pitchFamily="49" charset="0"/>
-              </a:rPr>
-            </a:br>
-            <a:r>
-              <a:rPr lang="en-US" altLang="zh-TW" dirty="0">
-                <a:latin typeface="Consolas" panose="020B0609020204030204" pitchFamily="49" charset="0"/>
-              </a:rPr>
-              <a:t>+ k-means, arrhythmia</a:t>
+              <a:t>SVM (sigmoid) + k-means, arrhythmia</a:t>
             </a:r>
             <a:endParaRPr lang="zh-TW" altLang="en-US" dirty="0"/>
           </a:p>
@@ -7267,7 +6734,7 @@
           <p:nvPr>
             <p:extLst>
               <p:ext uri="{D42A27DB-BD31-4B8C-83A1-F6EECF244321}">
-                <p14:modId xmlns:p14="http://schemas.microsoft.com/office/powerpoint/2010/main" xmlns="" val="518369097"/>
+                <p14:modId xmlns="" xmlns:p14="http://schemas.microsoft.com/office/powerpoint/2010/main" val="3398980393"/>
               </p:ext>
             </p:extLst>
           </p:nvPr>
@@ -7330,21 +6797,33 @@
                       </a:pPr>
                       <a:r>
                         <a:rPr lang="en-US" altLang="zh-TW" sz="2800" dirty="0"/>
-                        <a:t>Repeat 10 times</a:t>
-                      </a:r>
-                      <a:endParaRPr lang="zh-TW" altLang="en-US" sz="2800" dirty="0"/>
-                    </a:p>
-                  </a:txBody>
-                  <a:tcPr/>
-                </a:tc>
-                <a:tc>
-                  <a:txBody>
-                    <a:bodyPr/>
-                    <a:lstStyle/>
-                    <a:p>
+                        <a:t>Repeat </a:t>
+                      </a:r>
+                      <a:r>
+                        <a:rPr lang="en-US" altLang="zh-TW" sz="2800" dirty="0" smtClean="0"/>
+                        <a:t>10 </a:t>
+                      </a:r>
                       <a:r>
                         <a:rPr lang="en-US" altLang="zh-TW" sz="2800" dirty="0"/>
-                        <a:t>Accuracy (%)</a:t>
+                        <a:t>times</a:t>
+                      </a:r>
+                      <a:endParaRPr lang="zh-TW" altLang="en-US" sz="2800" dirty="0"/>
+                    </a:p>
+                  </a:txBody>
+                  <a:tcPr/>
+                </a:tc>
+                <a:tc>
+                  <a:txBody>
+                    <a:bodyPr/>
+                    <a:lstStyle/>
+                    <a:p>
+                      <a:r>
+                        <a:rPr lang="en-US" altLang="zh-TW" sz="2800" dirty="0" smtClean="0"/>
+                        <a:t>Accuracy </a:t>
+                      </a:r>
+                      <a:r>
+                        <a:rPr lang="en-US" altLang="zh-TW" sz="2800" dirty="0"/>
+                        <a:t>(%)</a:t>
                       </a:r>
                       <a:endParaRPr lang="zh-TW" altLang="en-US" sz="2800" dirty="0"/>
                     </a:p>
@@ -7378,7 +6857,7 @@
                     <a:lstStyle/>
                     <a:p>
                       <a:r>
-                        <a:rPr lang="en-US" altLang="zh-TW" sz="2800" dirty="0">
+                        <a:rPr lang="en-US" altLang="zh-TW" sz="2800" dirty="0" smtClean="0">
                           <a:latin typeface="Consolas" pitchFamily="49" charset="0"/>
                         </a:rPr>
                         <a:t>Raw</a:t>
@@ -7394,8 +6873,8 @@
                     <a:lstStyle/>
                     <a:p>
                       <a:r>
-                        <a:rPr lang="en-US" altLang="zh-TW" sz="2800" dirty="0"/>
-                        <a:t>13.2911% </a:t>
+                        <a:rPr lang="en-US" altLang="zh-TW" sz="2800" dirty="0" smtClean="0"/>
+                        <a:t>28.4810% </a:t>
                       </a:r>
                       <a:r>
                         <a:rPr lang="en-US" altLang="zh-TW" sz="2800" dirty="0">
@@ -7418,8 +6897,8 @@
                     <a:lstStyle/>
                     <a:p>
                       <a:r>
-                        <a:rPr lang="en-US" altLang="zh-TW" sz="2800" dirty="0"/>
-                        <a:t>0.1342</a:t>
+                        <a:rPr lang="en-US" altLang="zh-TW" sz="2800" dirty="0" smtClean="0"/>
+                        <a:t>3.5272</a:t>
                       </a:r>
                       <a:endParaRPr lang="zh-TW" altLang="en-US" sz="2800" dirty="0"/>
                     </a:p>
@@ -7439,36 +6918,46 @@
                     <a:lstStyle/>
                     <a:p>
                       <a:r>
+                        <a:rPr lang="en-US" altLang="zh-TW" sz="2800" dirty="0" smtClean="0"/>
+                        <a:t>Normalized</a:t>
+                      </a:r>
+                      <a:endParaRPr lang="zh-TW" altLang="en-US" sz="2800" dirty="0"/>
+                    </a:p>
+                  </a:txBody>
+                  <a:tcPr/>
+                </a:tc>
+                <a:tc>
+                  <a:txBody>
+                    <a:bodyPr/>
+                    <a:lstStyle/>
+                    <a:p>
+                      <a:r>
+                        <a:rPr lang="en-US" altLang="zh-TW" sz="2800" dirty="0" smtClean="0"/>
+                        <a:t>20.2532% </a:t>
+                      </a:r>
+                      <a:r>
+                        <a:rPr lang="en-US" altLang="zh-TW" sz="2800" dirty="0">
+                          <a:latin typeface="Wide Latin" panose="020A0A07050505020404" pitchFamily="18" charset="0"/>
+                        </a:rPr>
+                        <a:t>±</a:t>
+                      </a:r>
+                      <a:r>
                         <a:rPr lang="en-US" altLang="zh-TW" sz="2800" dirty="0"/>
-                        <a:t>Normalized</a:t>
-                      </a:r>
-                      <a:endParaRPr lang="zh-TW" altLang="en-US" sz="2800" dirty="0"/>
-                    </a:p>
-                  </a:txBody>
-                  <a:tcPr/>
-                </a:tc>
-                <a:tc>
-                  <a:txBody>
-                    <a:bodyPr/>
-                    <a:lstStyle/>
-                    <a:p>
-                      <a:r>
-                        <a:rPr lang="en-US" altLang="zh-TW" sz="2800" dirty="0"/>
-                        <a:t>-</a:t>
-                      </a:r>
-                      <a:endParaRPr lang="zh-TW" altLang="en-US" sz="2800" dirty="0"/>
-                    </a:p>
-                  </a:txBody>
-                  <a:tcPr/>
-                </a:tc>
-                <a:tc>
-                  <a:txBody>
-                    <a:bodyPr/>
-                    <a:lstStyle/>
-                    <a:p>
-                      <a:r>
-                        <a:rPr lang="en-US" altLang="zh-TW" sz="2800" dirty="0"/>
-                        <a:t>-</a:t>
+                        <a:t> 0% </a:t>
+                      </a:r>
+                      <a:endParaRPr lang="zh-TW" altLang="en-US" sz="2800" dirty="0"/>
+                    </a:p>
+                  </a:txBody>
+                  <a:tcPr/>
+                </a:tc>
+                <a:tc>
+                  <a:txBody>
+                    <a:bodyPr/>
+                    <a:lstStyle/>
+                    <a:p>
+                      <a:r>
+                        <a:rPr lang="en-US" altLang="zh-TW" sz="2800" dirty="0" smtClean="0"/>
+                        <a:t>6.4731</a:t>
                       </a:r>
                       <a:endParaRPr lang="zh-TW" altLang="en-US" sz="2800" dirty="0"/>
                     </a:p>
@@ -7488,7 +6977,7 @@
                     <a:lstStyle/>
                     <a:p>
                       <a:r>
-                        <a:rPr lang="en-US" altLang="zh-TW" sz="2800" dirty="0"/>
+                        <a:rPr lang="en-US" altLang="zh-TW" sz="2800" dirty="0" smtClean="0"/>
                         <a:t>PCA-32</a:t>
                       </a:r>
                       <a:endParaRPr lang="zh-TW" altLang="en-US" sz="2800" dirty="0"/>
@@ -7502,8 +6991,8 @@
                     <a:lstStyle/>
                     <a:p>
                       <a:r>
-                        <a:rPr lang="en-US" altLang="zh-TW" sz="2800" dirty="0"/>
-                        <a:t>13.2911% </a:t>
+                        <a:rPr lang="en-US" altLang="zh-TW" sz="2800" dirty="0" smtClean="0"/>
+                        <a:t>30.3797% </a:t>
                       </a:r>
                       <a:r>
                         <a:rPr lang="en-US" altLang="zh-TW" sz="2800" dirty="0">
@@ -7526,8 +7015,8 @@
                     <a:lstStyle/>
                     <a:p>
                       <a:r>
-                        <a:rPr lang="en-US" altLang="zh-TW" sz="2800" dirty="0"/>
-                        <a:t>0.0296</a:t>
+                        <a:rPr lang="en-US" altLang="zh-TW" sz="2800" dirty="0" smtClean="0"/>
+                        <a:t>1.5779</a:t>
                       </a:r>
                       <a:endParaRPr lang="zh-TW" altLang="en-US" sz="2800" dirty="0"/>
                     </a:p>
@@ -7547,8 +7036,12 @@
                     <a:lstStyle/>
                     <a:p>
                       <a:r>
+                        <a:rPr lang="en-US" altLang="zh-TW" sz="2800" dirty="0" smtClean="0"/>
+                        <a:t>PCA-32 </a:t>
+                      </a:r>
+                      <a:r>
                         <a:rPr lang="en-US" altLang="zh-TW" sz="2800" dirty="0"/>
-                        <a:t>PCA-32 (normalized)</a:t>
+                        <a:t>(normalized)</a:t>
                       </a:r>
                       <a:endParaRPr lang="zh-TW" altLang="en-US" sz="2800" dirty="0"/>
                     </a:p>
@@ -7578,8 +7071,8 @@
                         <a:defRPr/>
                       </a:pPr>
                       <a:r>
-                        <a:rPr lang="en-US" altLang="zh-TW" sz="2800" dirty="0"/>
-                        <a:t>31.6455% </a:t>
+                        <a:rPr lang="en-US" altLang="zh-TW" sz="2800" dirty="0" smtClean="0"/>
+                        <a:t>36.0759% </a:t>
                       </a:r>
                       <a:r>
                         <a:rPr lang="en-US" altLang="zh-TW" sz="2800" dirty="0">
@@ -7602,8 +7095,8 @@
                     <a:lstStyle/>
                     <a:p>
                       <a:r>
-                        <a:rPr lang="en-US" altLang="zh-TW" sz="2800" dirty="0"/>
-                        <a:t>0.0400</a:t>
+                        <a:rPr lang="en-US" altLang="zh-TW" sz="2800" dirty="0" smtClean="0"/>
+                        <a:t>0.9797</a:t>
                       </a:r>
                       <a:endParaRPr lang="zh-TW" altLang="en-US" sz="2800" dirty="0"/>
                     </a:p>
@@ -7623,7 +7116,7 @@
                     <a:lstStyle/>
                     <a:p>
                       <a:r>
-                        <a:rPr lang="en-US" altLang="zh-TW" sz="2800" dirty="0"/>
+                        <a:rPr lang="en-US" altLang="zh-TW" sz="2800" dirty="0" smtClean="0"/>
                         <a:t>AE-32</a:t>
                       </a:r>
                       <a:endParaRPr lang="zh-TW" altLang="en-US" sz="2800" dirty="0"/>
@@ -7654,17 +7147,17 @@
                         <a:defRPr/>
                       </a:pPr>
                       <a:r>
-                        <a:rPr lang="en-US" altLang="zh-TW" sz="2800" dirty="0"/>
-                        <a:t>11.8607% </a:t>
-                      </a:r>
-                      <a:r>
-                        <a:rPr lang="en-US" altLang="zh-TW" sz="2800" dirty="0">
+                        <a:rPr lang="en-US" altLang="zh-TW" sz="2800" dirty="0" smtClean="0"/>
+                        <a:t>22.1519 % </a:t>
+                      </a:r>
+                      <a:r>
+                        <a:rPr lang="en-US" altLang="zh-TW" sz="2800" dirty="0" smtClean="0">
                           <a:latin typeface="Wide Latin" panose="020A0A07050505020404" pitchFamily="18" charset="0"/>
                         </a:rPr>
                         <a:t>±</a:t>
                       </a:r>
                       <a:r>
-                        <a:rPr lang="en-US" altLang="zh-TW" sz="2800" dirty="0"/>
+                        <a:rPr lang="en-US" altLang="zh-TW" sz="2800" dirty="0" smtClean="0"/>
                         <a:t> 0%</a:t>
                       </a:r>
                       <a:endParaRPr lang="zh-TW" altLang="en-US" sz="2800" dirty="0"/>
@@ -7678,19 +7171,14 @@
                     <a:lstStyle/>
                     <a:p>
                       <a:r>
-                        <a:rPr lang="en-US" altLang="zh-TW" sz="2800" dirty="0"/>
-                        <a:t>0.0300</a:t>
-                      </a:r>
-                      <a:endParaRPr lang="zh-TW" altLang="en-US" sz="2800" dirty="0"/>
-                    </a:p>
-                  </a:txBody>
-                  <a:tcPr/>
-                </a:tc>
-                <a:extLst>
-                  <a:ext uri="{0D108BD9-81ED-4DB2-BD59-A6C34878D82A}">
-                    <a16:rowId xmlns="" xmlns:a16="http://schemas.microsoft.com/office/drawing/2014/main" val="10005"/>
-                  </a:ext>
-                </a:extLst>
+                        <a:rPr lang="en-US" altLang="zh-TW" sz="2800" dirty="0" smtClean="0"/>
+                        <a:t>0.5284</a:t>
+                      </a:r>
+                      <a:endParaRPr lang="zh-TW" altLang="en-US" sz="2800" dirty="0"/>
+                    </a:p>
+                  </a:txBody>
+                  <a:tcPr/>
+                </a:tc>
               </a:tr>
               <a:tr h="655066">
                 <a:tc>
@@ -7699,7 +7187,7 @@
                     <a:lstStyle/>
                     <a:p>
                       <a:r>
-                        <a:rPr lang="en-US" altLang="zh-TW" sz="2800" dirty="0"/>
+                        <a:rPr lang="en-US" altLang="zh-TW" sz="2800" dirty="0" smtClean="0"/>
                         <a:t>AE-32 (normalized)</a:t>
                       </a:r>
                       <a:endParaRPr lang="zh-TW" altLang="en-US" sz="2800" dirty="0"/>
@@ -7730,17 +7218,17 @@
                         <a:defRPr/>
                       </a:pPr>
                       <a:r>
-                        <a:rPr lang="en-US" altLang="zh-TW" sz="2800" dirty="0"/>
-                        <a:t>31.6455% </a:t>
-                      </a:r>
-                      <a:r>
-                        <a:rPr lang="en-US" altLang="zh-TW" sz="2800" dirty="0">
+                        <a:rPr lang="en-US" altLang="zh-TW" sz="2800" dirty="0" smtClean="0"/>
+                        <a:t>24.6835% </a:t>
+                      </a:r>
+                      <a:r>
+                        <a:rPr lang="en-US" altLang="zh-TW" sz="2800" dirty="0" smtClean="0">
                           <a:latin typeface="Wide Latin" panose="020A0A07050505020404" pitchFamily="18" charset="0"/>
                         </a:rPr>
                         <a:t>±</a:t>
                       </a:r>
                       <a:r>
-                        <a:rPr lang="en-US" altLang="zh-TW" sz="2800" dirty="0"/>
+                        <a:rPr lang="en-US" altLang="zh-TW" sz="2800" dirty="0" smtClean="0"/>
                         <a:t> 0%</a:t>
                       </a:r>
                       <a:endParaRPr lang="zh-TW" altLang="en-US" sz="2800" dirty="0"/>
@@ -7754,19 +7242,14 @@
                     <a:lstStyle/>
                     <a:p>
                       <a:r>
-                        <a:rPr lang="en-US" altLang="zh-TW" sz="2800" dirty="0"/>
-                        <a:t>0.0398</a:t>
-                      </a:r>
-                      <a:endParaRPr lang="zh-TW" altLang="en-US" sz="2800" dirty="0"/>
-                    </a:p>
-                  </a:txBody>
-                  <a:tcPr/>
-                </a:tc>
-                <a:extLst>
-                  <a:ext uri="{0D108BD9-81ED-4DB2-BD59-A6C34878D82A}">
-                    <a16:rowId xmlns="" xmlns:a16="http://schemas.microsoft.com/office/drawing/2014/main" val="10006"/>
-                  </a:ext>
-                </a:extLst>
+                        <a:rPr lang="en-US" altLang="zh-TW" sz="2800" dirty="0" smtClean="0"/>
+                        <a:t>0.8430</a:t>
+                      </a:r>
+                      <a:endParaRPr lang="zh-TW" altLang="en-US" sz="2800" dirty="0"/>
+                    </a:p>
+                  </a:txBody>
+                  <a:tcPr/>
+                </a:tc>
               </a:tr>
             </a:tbl>
           </a:graphicData>
@@ -7775,7 +7258,7 @@
     </p:spTree>
     <p:extLst>
       <p:ext uri="{BB962C8B-B14F-4D97-AF65-F5344CB8AC3E}">
-        <p14:creationId xmlns:p14="http://schemas.microsoft.com/office/powerpoint/2010/main" xmlns="" val="766643794"/>
+        <p14:creationId xmlns="" xmlns:p14="http://schemas.microsoft.com/office/powerpoint/2010/main" val="2220883863"/>
       </p:ext>
     </p:extLst>
   </p:cSld>
@@ -7820,26 +7303,27 @@
         </p:nvSpPr>
         <p:spPr/>
         <p:txBody>
-          <a:bodyPr/>
+          <a:bodyPr>
+            <a:normAutofit/>
+          </a:bodyPr>
           <a:lstStyle/>
           <a:p>
             <a:r>
               <a:rPr lang="en-US" altLang="zh-TW" dirty="0">
                 <a:latin typeface="Consolas" panose="020B0609020204030204" pitchFamily="49" charset="0"/>
               </a:rPr>
-              <a:t>KNN </a:t>
-            </a:r>
-            <a:r>
-              <a:rPr lang="en-US" altLang="zh-TW" dirty="0" smtClean="0">
+              <a:t>Naive Bayes classifier (GA) </a:t>
+            </a:r>
+            <a:br>
+              <a:rPr lang="en-US" altLang="zh-TW" dirty="0">
                 <a:latin typeface="Consolas" panose="020B0609020204030204" pitchFamily="49" charset="0"/>
               </a:rPr>
-              <a:t>+ DBSCAN, Cancer RNA-</a:t>
-            </a:r>
-            <a:r>
-              <a:rPr lang="en-US" altLang="zh-TW" dirty="0" err="1" smtClean="0">
+            </a:br>
+            <a:r>
+              <a:rPr lang="en-US" altLang="zh-TW" dirty="0">
                 <a:latin typeface="Consolas" panose="020B0609020204030204" pitchFamily="49" charset="0"/>
               </a:rPr>
-              <a:t>Seq</a:t>
+              <a:t>+ k-means, arrhythmia</a:t>
             </a:r>
             <a:endParaRPr lang="zh-TW" altLang="en-US" dirty="0"/>
           </a:p>
@@ -7860,7 +7344,7 @@
           <p:nvPr>
             <p:extLst>
               <p:ext uri="{D42A27DB-BD31-4B8C-83A1-F6EECF244321}">
-                <p14:modId xmlns:p14="http://schemas.microsoft.com/office/powerpoint/2010/main" xmlns="" val="3398980393"/>
+                <p14:modId xmlns="" xmlns:p14="http://schemas.microsoft.com/office/powerpoint/2010/main" val="518369097"/>
               </p:ext>
             </p:extLst>
           </p:nvPr>
@@ -7923,33 +7407,21 @@
                       </a:pPr>
                       <a:r>
                         <a:rPr lang="en-US" altLang="zh-TW" sz="2800" dirty="0"/>
-                        <a:t>Repeat </a:t>
-                      </a:r>
-                      <a:r>
-                        <a:rPr lang="en-US" altLang="zh-TW" sz="2800" dirty="0" smtClean="0"/>
-                        <a:t>10 </a:t>
-                      </a:r>
+                        <a:t>Repeat 10 times</a:t>
+                      </a:r>
+                      <a:endParaRPr lang="zh-TW" altLang="en-US" sz="2800" dirty="0"/>
+                    </a:p>
+                  </a:txBody>
+                  <a:tcPr/>
+                </a:tc>
+                <a:tc>
+                  <a:txBody>
+                    <a:bodyPr/>
+                    <a:lstStyle/>
+                    <a:p>
                       <a:r>
                         <a:rPr lang="en-US" altLang="zh-TW" sz="2800" dirty="0"/>
-                        <a:t>times</a:t>
-                      </a:r>
-                      <a:endParaRPr lang="zh-TW" altLang="en-US" sz="2800" dirty="0"/>
-                    </a:p>
-                  </a:txBody>
-                  <a:tcPr/>
-                </a:tc>
-                <a:tc>
-                  <a:txBody>
-                    <a:bodyPr/>
-                    <a:lstStyle/>
-                    <a:p>
-                      <a:r>
-                        <a:rPr lang="en-US" altLang="zh-TW" sz="2800" dirty="0" smtClean="0"/>
-                        <a:t>Accuracy </a:t>
-                      </a:r>
-                      <a:r>
-                        <a:rPr lang="en-US" altLang="zh-TW" sz="2800" dirty="0"/>
-                        <a:t>(%)</a:t>
+                        <a:t>Accuracy (%)</a:t>
                       </a:r>
                       <a:endParaRPr lang="zh-TW" altLang="en-US" sz="2800" dirty="0"/>
                     </a:p>
@@ -7983,7 +7455,7 @@
                     <a:lstStyle/>
                     <a:p>
                       <a:r>
-                        <a:rPr lang="en-US" altLang="zh-TW" sz="2800" dirty="0" smtClean="0">
+                        <a:rPr lang="en-US" altLang="zh-TW" sz="2800" dirty="0">
                           <a:latin typeface="Consolas" pitchFamily="49" charset="0"/>
                         </a:rPr>
                         <a:t>Raw</a:t>
@@ -7999,8 +7471,8 @@
                     <a:lstStyle/>
                     <a:p>
                       <a:r>
-                        <a:rPr lang="en-US" altLang="zh-TW" sz="2800" dirty="0" smtClean="0"/>
-                        <a:t>59.0361% </a:t>
+                        <a:rPr lang="en-US" altLang="zh-TW" sz="2800" dirty="0"/>
+                        <a:t>13.2911% </a:t>
                       </a:r>
                       <a:r>
                         <a:rPr lang="en-US" altLang="zh-TW" sz="2800" dirty="0">
@@ -8023,8 +7495,8 @@
                     <a:lstStyle/>
                     <a:p>
                       <a:r>
-                        <a:rPr lang="en-US" altLang="zh-TW" sz="2800" dirty="0" smtClean="0"/>
-                        <a:t>14.5101</a:t>
+                        <a:rPr lang="en-US" altLang="zh-TW" sz="2800" dirty="0"/>
+                        <a:t>0.1342</a:t>
                       </a:r>
                       <a:endParaRPr lang="zh-TW" altLang="en-US" sz="2800" dirty="0"/>
                     </a:p>
@@ -8044,46 +7516,40 @@
                     <a:lstStyle/>
                     <a:p>
                       <a:r>
+                        <a:rPr lang="en-US" altLang="zh-TW" sz="2800" dirty="0"/>
+                        <a:t>Normalized</a:t>
+                      </a:r>
+                      <a:endParaRPr lang="zh-TW" altLang="en-US" sz="2800" dirty="0"/>
+                    </a:p>
+                  </a:txBody>
+                  <a:tcPr/>
+                </a:tc>
+                <a:tc>
+                  <a:txBody>
+                    <a:bodyPr/>
+                    <a:lstStyle/>
+                    <a:p>
+                      <a:r>
                         <a:rPr lang="en-US" altLang="zh-TW" sz="2800" dirty="0" smtClean="0"/>
-                        <a:t>Normalized</a:t>
-                      </a:r>
-                      <a:endParaRPr lang="zh-TW" altLang="en-US" sz="2800" dirty="0"/>
-                    </a:p>
-                  </a:txBody>
-                  <a:tcPr/>
-                </a:tc>
-                <a:tc>
-                  <a:txBody>
-                    <a:bodyPr/>
-                    <a:lstStyle/>
-                    <a:p>
-                      <a:r>
-                        <a:rPr lang="en-US" altLang="zh-TW" sz="2800" dirty="0" smtClean="0"/>
-                        <a:t>66.5663% </a:t>
-                      </a:r>
-                      <a:r>
-                        <a:rPr lang="en-US" altLang="zh-TW" sz="2800" dirty="0">
-                          <a:latin typeface="Wide Latin" panose="020A0A07050505020404" pitchFamily="18" charset="0"/>
-                        </a:rPr>
-                        <a:t>±</a:t>
-                      </a:r>
+                        <a:t>Not</a:t>
+                      </a:r>
+                      <a:r>
+                        <a:rPr lang="en-US" altLang="zh-TW" sz="2800" baseline="0" dirty="0" smtClean="0"/>
+                        <a:t> converge</a:t>
+                      </a:r>
+                      <a:endParaRPr lang="zh-TW" altLang="en-US" sz="2800" dirty="0"/>
+                    </a:p>
+                  </a:txBody>
+                  <a:tcPr/>
+                </a:tc>
+                <a:tc>
+                  <a:txBody>
+                    <a:bodyPr/>
+                    <a:lstStyle/>
+                    <a:p>
                       <a:r>
                         <a:rPr lang="en-US" altLang="zh-TW" sz="2800" dirty="0"/>
-                        <a:t> 0% </a:t>
-                      </a:r>
-                      <a:endParaRPr lang="zh-TW" altLang="en-US" sz="2800" dirty="0"/>
-                    </a:p>
-                  </a:txBody>
-                  <a:tcPr/>
-                </a:tc>
-                <a:tc>
-                  <a:txBody>
-                    <a:bodyPr/>
-                    <a:lstStyle/>
-                    <a:p>
-                      <a:r>
-                        <a:rPr lang="en-US" altLang="zh-TW" sz="2800" dirty="0" smtClean="0"/>
-                        <a:t>10.3013</a:t>
+                        <a:t>-</a:t>
                       </a:r>
                       <a:endParaRPr lang="zh-TW" altLang="en-US" sz="2800" dirty="0"/>
                     </a:p>
@@ -8103,7 +7569,7 @@
                     <a:lstStyle/>
                     <a:p>
                       <a:r>
-                        <a:rPr lang="en-US" altLang="zh-TW" sz="2800" dirty="0" smtClean="0"/>
+                        <a:rPr lang="en-US" altLang="zh-TW" sz="2800" dirty="0"/>
                         <a:t>PCA-32</a:t>
                       </a:r>
                       <a:endParaRPr lang="zh-TW" altLang="en-US" sz="2800" dirty="0"/>
@@ -8117,32 +7583,32 @@
                     <a:lstStyle/>
                     <a:p>
                       <a:r>
-                        <a:rPr lang="en-US" altLang="zh-TW" sz="2800" b="1" dirty="0" smtClean="0"/>
-                        <a:t>94.5783% </a:t>
-                      </a:r>
-                      <a:r>
-                        <a:rPr lang="en-US" altLang="zh-TW" sz="2800" b="1" dirty="0">
+                        <a:rPr lang="en-US" altLang="zh-TW" sz="2800" dirty="0"/>
+                        <a:t>13.2911% </a:t>
+                      </a:r>
+                      <a:r>
+                        <a:rPr lang="en-US" altLang="zh-TW" sz="2800" dirty="0">
                           <a:latin typeface="Wide Latin" panose="020A0A07050505020404" pitchFamily="18" charset="0"/>
                         </a:rPr>
                         <a:t>±</a:t>
                       </a:r>
                       <a:r>
-                        <a:rPr lang="en-US" altLang="zh-TW" sz="2800" b="1" dirty="0"/>
+                        <a:rPr lang="en-US" altLang="zh-TW" sz="2800" dirty="0"/>
                         <a:t> 0%</a:t>
                       </a:r>
-                      <a:endParaRPr lang="zh-TW" altLang="en-US" sz="2800" b="1" dirty="0"/>
-                    </a:p>
-                  </a:txBody>
-                  <a:tcPr/>
-                </a:tc>
-                <a:tc>
-                  <a:txBody>
-                    <a:bodyPr/>
-                    <a:lstStyle/>
-                    <a:p>
-                      <a:r>
-                        <a:rPr lang="en-US" altLang="zh-TW" sz="2800" dirty="0" smtClean="0"/>
-                        <a:t>0.0224</a:t>
+                      <a:endParaRPr lang="zh-TW" altLang="en-US" sz="2800" dirty="0"/>
+                    </a:p>
+                  </a:txBody>
+                  <a:tcPr/>
+                </a:tc>
+                <a:tc>
+                  <a:txBody>
+                    <a:bodyPr/>
+                    <a:lstStyle/>
+                    <a:p>
+                      <a:r>
+                        <a:rPr lang="en-US" altLang="zh-TW" sz="2800" dirty="0"/>
+                        <a:t>0.0296</a:t>
                       </a:r>
                       <a:endParaRPr lang="zh-TW" altLang="en-US" sz="2800" dirty="0"/>
                     </a:p>
@@ -8162,12 +7628,8 @@
                     <a:lstStyle/>
                     <a:p>
                       <a:r>
-                        <a:rPr lang="en-US" altLang="zh-TW" sz="2800" dirty="0" smtClean="0"/>
-                        <a:t>PCA-32 </a:t>
-                      </a:r>
-                      <a:r>
                         <a:rPr lang="en-US" altLang="zh-TW" sz="2800" dirty="0"/>
-                        <a:t>(normalized)</a:t>
+                        <a:t>PCA-32 (normalized)</a:t>
                       </a:r>
                       <a:endParaRPr lang="zh-TW" altLang="en-US" sz="2800" dirty="0"/>
                     </a:p>
@@ -8197,8 +7659,8 @@
                         <a:defRPr/>
                       </a:pPr>
                       <a:r>
-                        <a:rPr lang="en-US" altLang="zh-TW" sz="2800" dirty="0" smtClean="0"/>
-                        <a:t>78.3133% </a:t>
+                        <a:rPr lang="en-US" altLang="zh-TW" sz="2800" dirty="0"/>
+                        <a:t>31.6455% </a:t>
                       </a:r>
                       <a:r>
                         <a:rPr lang="en-US" altLang="zh-TW" sz="2800" dirty="0">
@@ -8221,8 +7683,8 @@
                     <a:lstStyle/>
                     <a:p>
                       <a:r>
-                        <a:rPr lang="en-US" altLang="zh-TW" sz="2800" dirty="0" smtClean="0"/>
-                        <a:t>0.0237</a:t>
+                        <a:rPr lang="en-US" altLang="zh-TW" sz="2800" dirty="0"/>
+                        <a:t>0.0400</a:t>
                       </a:r>
                       <a:endParaRPr lang="zh-TW" altLang="en-US" sz="2800" dirty="0"/>
                     </a:p>
@@ -8242,7 +7704,7 @@
                     <a:lstStyle/>
                     <a:p>
                       <a:r>
-                        <a:rPr lang="en-US" altLang="zh-TW" sz="2800" dirty="0" smtClean="0"/>
+                        <a:rPr lang="en-US" altLang="zh-TW" sz="2800" dirty="0"/>
                         <a:t>AE-32</a:t>
                       </a:r>
                       <a:endParaRPr lang="zh-TW" altLang="en-US" sz="2800" dirty="0"/>
@@ -8273,17 +7735,17 @@
                         <a:defRPr/>
                       </a:pPr>
                       <a:r>
-                        <a:rPr lang="en-US" altLang="zh-TW" sz="2800" dirty="0" smtClean="0"/>
-                        <a:t>64.4578% </a:t>
-                      </a:r>
-                      <a:r>
-                        <a:rPr lang="en-US" altLang="zh-TW" sz="2800" dirty="0" smtClean="0">
+                        <a:rPr lang="en-US" altLang="zh-TW" sz="2800" dirty="0"/>
+                        <a:t>11.8607% </a:t>
+                      </a:r>
+                      <a:r>
+                        <a:rPr lang="en-US" altLang="zh-TW" sz="2800" dirty="0">
                           <a:latin typeface="Wide Latin" panose="020A0A07050505020404" pitchFamily="18" charset="0"/>
                         </a:rPr>
                         <a:t>±</a:t>
                       </a:r>
                       <a:r>
-                        <a:rPr lang="en-US" altLang="zh-TW" sz="2800" dirty="0" smtClean="0"/>
+                        <a:rPr lang="en-US" altLang="zh-TW" sz="2800" dirty="0"/>
                         <a:t> 0%</a:t>
                       </a:r>
                       <a:endParaRPr lang="zh-TW" altLang="en-US" sz="2800" dirty="0"/>
@@ -8297,14 +7759,19 @@
                     <a:lstStyle/>
                     <a:p>
                       <a:r>
-                        <a:rPr lang="en-US" altLang="zh-TW" sz="2800" dirty="0" smtClean="0"/>
-                        <a:t>0.0258</a:t>
-                      </a:r>
-                      <a:endParaRPr lang="zh-TW" altLang="en-US" sz="2800" dirty="0"/>
-                    </a:p>
-                  </a:txBody>
-                  <a:tcPr/>
-                </a:tc>
+                        <a:rPr lang="en-US" altLang="zh-TW" sz="2800" dirty="0"/>
+                        <a:t>0.0300</a:t>
+                      </a:r>
+                      <a:endParaRPr lang="zh-TW" altLang="en-US" sz="2800" dirty="0"/>
+                    </a:p>
+                  </a:txBody>
+                  <a:tcPr/>
+                </a:tc>
+                <a:extLst>
+                  <a:ext uri="{0D108BD9-81ED-4DB2-BD59-A6C34878D82A}">
+                    <a16:rowId xmlns:a16="http://schemas.microsoft.com/office/drawing/2014/main" xmlns="" val="10005"/>
+                  </a:ext>
+                </a:extLst>
               </a:tr>
               <a:tr h="655066">
                 <a:tc>
@@ -8313,7 +7780,7 @@
                     <a:lstStyle/>
                     <a:p>
                       <a:r>
-                        <a:rPr lang="en-US" altLang="zh-TW" sz="2800" dirty="0" smtClean="0"/>
+                        <a:rPr lang="en-US" altLang="zh-TW" sz="2800" dirty="0"/>
                         <a:t>AE-32 (normalized)</a:t>
                       </a:r>
                       <a:endParaRPr lang="zh-TW" altLang="en-US" sz="2800" dirty="0"/>
@@ -8344,17 +7811,17 @@
                         <a:defRPr/>
                       </a:pPr>
                       <a:r>
-                        <a:rPr lang="en-US" altLang="zh-TW" sz="2800" dirty="0" smtClean="0"/>
-                        <a:t>59.3373% </a:t>
-                      </a:r>
-                      <a:r>
-                        <a:rPr lang="en-US" altLang="zh-TW" sz="2800" dirty="0" smtClean="0">
+                        <a:rPr lang="en-US" altLang="zh-TW" sz="2800" dirty="0"/>
+                        <a:t>31.6455% </a:t>
+                      </a:r>
+                      <a:r>
+                        <a:rPr lang="en-US" altLang="zh-TW" sz="2800" dirty="0">
                           <a:latin typeface="Wide Latin" panose="020A0A07050505020404" pitchFamily="18" charset="0"/>
                         </a:rPr>
                         <a:t>±</a:t>
                       </a:r>
                       <a:r>
-                        <a:rPr lang="en-US" altLang="zh-TW" sz="2800" dirty="0" smtClean="0"/>
+                        <a:rPr lang="en-US" altLang="zh-TW" sz="2800" dirty="0"/>
                         <a:t> 0%</a:t>
                       </a:r>
                       <a:endParaRPr lang="zh-TW" altLang="en-US" sz="2800" dirty="0"/>
@@ -8368,14 +7835,19 @@
                     <a:lstStyle/>
                     <a:p>
                       <a:r>
-                        <a:rPr lang="en-US" altLang="zh-TW" sz="2800" dirty="0" smtClean="0"/>
-                        <a:t>0.0235</a:t>
-                      </a:r>
-                      <a:endParaRPr lang="zh-TW" altLang="en-US" sz="2800" dirty="0"/>
-                    </a:p>
-                  </a:txBody>
-                  <a:tcPr/>
-                </a:tc>
+                        <a:rPr lang="en-US" altLang="zh-TW" sz="2800" dirty="0"/>
+                        <a:t>0.0398</a:t>
+                      </a:r>
+                      <a:endParaRPr lang="zh-TW" altLang="en-US" sz="2800" dirty="0"/>
+                    </a:p>
+                  </a:txBody>
+                  <a:tcPr/>
+                </a:tc>
+                <a:extLst>
+                  <a:ext uri="{0D108BD9-81ED-4DB2-BD59-A6C34878D82A}">
+                    <a16:rowId xmlns:a16="http://schemas.microsoft.com/office/drawing/2014/main" xmlns="" val="10006"/>
+                  </a:ext>
+                </a:extLst>
               </a:tr>
             </a:tbl>
           </a:graphicData>
@@ -8384,7 +7856,7 @@
     </p:spTree>
     <p:extLst>
       <p:ext uri="{BB962C8B-B14F-4D97-AF65-F5344CB8AC3E}">
-        <p14:creationId xmlns:p14="http://schemas.microsoft.com/office/powerpoint/2010/main" xmlns="" val="2220883863"/>
+        <p14:creationId xmlns="" xmlns:p14="http://schemas.microsoft.com/office/powerpoint/2010/main" val="766643794"/>
       </p:ext>
     </p:extLst>
   </p:cSld>
@@ -8520,26 +7992,16 @@
         </p:nvSpPr>
         <p:spPr/>
         <p:txBody>
-          <a:bodyPr/>
+          <a:bodyPr>
+            <a:normAutofit/>
+          </a:bodyPr>
           <a:lstStyle/>
           <a:p>
             <a:r>
               <a:rPr lang="en-US" altLang="zh-TW" dirty="0">
                 <a:latin typeface="Consolas" panose="020B0609020204030204" pitchFamily="49" charset="0"/>
               </a:rPr>
-              <a:t>KNN </a:t>
-            </a:r>
-            <a:r>
-              <a:rPr lang="en-US" altLang="zh-TW" dirty="0" smtClean="0">
-                <a:latin typeface="Consolas" panose="020B0609020204030204" pitchFamily="49" charset="0"/>
-              </a:rPr>
-              <a:t>+ k-means, Cancer RNA-</a:t>
-            </a:r>
-            <a:r>
-              <a:rPr lang="en-US" altLang="zh-TW" dirty="0" err="1" smtClean="0">
-                <a:latin typeface="Consolas" panose="020B0609020204030204" pitchFamily="49" charset="0"/>
-              </a:rPr>
-              <a:t>Seq</a:t>
+              <a:t>NN + NN Chain, arrhythmia</a:t>
             </a:r>
             <a:endParaRPr lang="zh-TW" altLang="en-US" dirty="0"/>
           </a:p>
@@ -8560,7 +8022,7 @@
           <p:nvPr>
             <p:extLst>
               <p:ext uri="{D42A27DB-BD31-4B8C-83A1-F6EECF244321}">
-                <p14:modId xmlns:p14="http://schemas.microsoft.com/office/powerpoint/2010/main" xmlns="" val="3398980393"/>
+                <p14:modId xmlns:p14="http://schemas.microsoft.com/office/powerpoint/2010/main" xmlns="" val="2219938862"/>
               </p:ext>
             </p:extLst>
           </p:nvPr>
@@ -8623,33 +8085,21 @@
                       </a:pPr>
                       <a:r>
                         <a:rPr lang="en-US" altLang="zh-TW" sz="2800" dirty="0"/>
-                        <a:t>Repeat </a:t>
-                      </a:r>
-                      <a:r>
-                        <a:rPr lang="en-US" altLang="zh-TW" sz="2800" dirty="0" smtClean="0"/>
-                        <a:t>10 </a:t>
-                      </a:r>
+                        <a:t>Repeat 10 times</a:t>
+                      </a:r>
+                      <a:endParaRPr lang="zh-TW" altLang="en-US" sz="2800" dirty="0"/>
+                    </a:p>
+                  </a:txBody>
+                  <a:tcPr/>
+                </a:tc>
+                <a:tc>
+                  <a:txBody>
+                    <a:bodyPr/>
+                    <a:lstStyle/>
+                    <a:p>
                       <a:r>
                         <a:rPr lang="en-US" altLang="zh-TW" sz="2800" dirty="0"/>
-                        <a:t>times</a:t>
-                      </a:r>
-                      <a:endParaRPr lang="zh-TW" altLang="en-US" sz="2800" dirty="0"/>
-                    </a:p>
-                  </a:txBody>
-                  <a:tcPr/>
-                </a:tc>
-                <a:tc>
-                  <a:txBody>
-                    <a:bodyPr/>
-                    <a:lstStyle/>
-                    <a:p>
-                      <a:r>
-                        <a:rPr lang="en-US" altLang="zh-TW" sz="2800" dirty="0" smtClean="0"/>
-                        <a:t>Accuracy </a:t>
-                      </a:r>
-                      <a:r>
-                        <a:rPr lang="en-US" altLang="zh-TW" sz="2800" dirty="0"/>
-                        <a:t>(%)</a:t>
+                        <a:t>Accuracy (%)</a:t>
                       </a:r>
                       <a:endParaRPr lang="zh-TW" altLang="en-US" sz="2800" dirty="0"/>
                     </a:p>
@@ -8683,191 +8133,10 @@
                     <a:lstStyle/>
                     <a:p>
                       <a:r>
-                        <a:rPr lang="en-US" altLang="zh-TW" sz="2800" dirty="0" smtClean="0">
+                        <a:rPr lang="en-US" altLang="zh-TW" sz="2800" dirty="0">
                           <a:latin typeface="Consolas" pitchFamily="49" charset="0"/>
                         </a:rPr>
                         <a:t>Raw</a:t>
-                      </a:r>
-                      <a:endParaRPr lang="zh-TW" altLang="en-US" sz="2800" dirty="0"/>
-                    </a:p>
-                  </a:txBody>
-                  <a:tcPr/>
-                </a:tc>
-                <a:tc>
-                  <a:txBody>
-                    <a:bodyPr/>
-                    <a:lstStyle/>
-                    <a:p>
-                      <a:r>
-                        <a:rPr lang="en-US" altLang="zh-TW" sz="2800" b="0" dirty="0" smtClean="0"/>
-                        <a:t>74.0964% </a:t>
-                      </a:r>
-                      <a:r>
-                        <a:rPr lang="en-US" altLang="zh-TW" sz="2800" b="0" dirty="0">
-                          <a:latin typeface="Wide Latin" panose="020A0A07050505020404" pitchFamily="18" charset="0"/>
-                        </a:rPr>
-                        <a:t>±</a:t>
-                      </a:r>
-                      <a:r>
-                        <a:rPr lang="en-US" altLang="zh-TW" sz="2800" b="0" dirty="0"/>
-                        <a:t> 0% </a:t>
-                      </a:r>
-                      <a:endParaRPr lang="zh-TW" altLang="en-US" sz="2800" b="0" dirty="0"/>
-                    </a:p>
-                  </a:txBody>
-                  <a:tcPr/>
-                </a:tc>
-                <a:tc>
-                  <a:txBody>
-                    <a:bodyPr/>
-                    <a:lstStyle/>
-                    <a:p>
-                      <a:r>
-                        <a:rPr lang="en-US" altLang="zh-TW" sz="2800" dirty="0" smtClean="0"/>
-                        <a:t>22.754</a:t>
-                      </a:r>
-                      <a:endParaRPr lang="zh-TW" altLang="en-US" sz="2800" dirty="0"/>
-                    </a:p>
-                  </a:txBody>
-                  <a:tcPr/>
-                </a:tc>
-                <a:extLst>
-                  <a:ext uri="{0D108BD9-81ED-4DB2-BD59-A6C34878D82A}">
-                    <a16:rowId xmlns:a16="http://schemas.microsoft.com/office/drawing/2014/main" xmlns="" val="1629505054"/>
-                  </a:ext>
-                </a:extLst>
-              </a:tr>
-              <a:tr h="655066">
-                <a:tc>
-                  <a:txBody>
-                    <a:bodyPr/>
-                    <a:lstStyle/>
-                    <a:p>
-                      <a:r>
-                        <a:rPr lang="en-US" altLang="zh-TW" sz="2800" dirty="0" smtClean="0"/>
-                        <a:t>Normalized</a:t>
-                      </a:r>
-                      <a:endParaRPr lang="zh-TW" altLang="en-US" sz="2800" dirty="0"/>
-                    </a:p>
-                  </a:txBody>
-                  <a:tcPr/>
-                </a:tc>
-                <a:tc>
-                  <a:txBody>
-                    <a:bodyPr/>
-                    <a:lstStyle/>
-                    <a:p>
-                      <a:r>
-                        <a:rPr lang="en-US" altLang="zh-TW" sz="2800" dirty="0" smtClean="0"/>
-                        <a:t>53.6145% </a:t>
-                      </a:r>
-                      <a:r>
-                        <a:rPr lang="en-US" altLang="zh-TW" sz="2800" dirty="0">
-                          <a:latin typeface="Wide Latin" panose="020A0A07050505020404" pitchFamily="18" charset="0"/>
-                        </a:rPr>
-                        <a:t>±</a:t>
-                      </a:r>
-                      <a:r>
-                        <a:rPr lang="en-US" altLang="zh-TW" sz="2800" dirty="0"/>
-                        <a:t> 0% </a:t>
-                      </a:r>
-                      <a:endParaRPr lang="zh-TW" altLang="en-US" sz="2800" dirty="0"/>
-                    </a:p>
-                  </a:txBody>
-                  <a:tcPr/>
-                </a:tc>
-                <a:tc>
-                  <a:txBody>
-                    <a:bodyPr/>
-                    <a:lstStyle/>
-                    <a:p>
-                      <a:r>
-                        <a:rPr lang="en-US" altLang="zh-TW" sz="2800" dirty="0" smtClean="0"/>
-                        <a:t>6.3558</a:t>
-                      </a:r>
-                      <a:endParaRPr lang="zh-TW" altLang="en-US" sz="2800" dirty="0"/>
-                    </a:p>
-                  </a:txBody>
-                  <a:tcPr/>
-                </a:tc>
-                <a:extLst>
-                  <a:ext uri="{0D108BD9-81ED-4DB2-BD59-A6C34878D82A}">
-                    <a16:rowId xmlns:a16="http://schemas.microsoft.com/office/drawing/2014/main" xmlns="" val="2232274875"/>
-                  </a:ext>
-                </a:extLst>
-              </a:tr>
-              <a:tr h="655066">
-                <a:tc>
-                  <a:txBody>
-                    <a:bodyPr/>
-                    <a:lstStyle/>
-                    <a:p>
-                      <a:r>
-                        <a:rPr lang="en-US" altLang="zh-TW" sz="2800" dirty="0" smtClean="0"/>
-                        <a:t>PCA-32</a:t>
-                      </a:r>
-                      <a:endParaRPr lang="zh-TW" altLang="en-US" sz="2800" dirty="0"/>
-                    </a:p>
-                  </a:txBody>
-                  <a:tcPr/>
-                </a:tc>
-                <a:tc>
-                  <a:txBody>
-                    <a:bodyPr/>
-                    <a:lstStyle/>
-                    <a:p>
-                      <a:r>
-                        <a:rPr lang="en-US" altLang="zh-TW" sz="2800" b="1" dirty="0" smtClean="0"/>
-                        <a:t>94.8795% </a:t>
-                      </a:r>
-                      <a:r>
-                        <a:rPr lang="en-US" altLang="zh-TW" sz="2800" b="1" dirty="0">
-                          <a:latin typeface="Wide Latin" panose="020A0A07050505020404" pitchFamily="18" charset="0"/>
-                        </a:rPr>
-                        <a:t>±</a:t>
-                      </a:r>
-                      <a:r>
-                        <a:rPr lang="en-US" altLang="zh-TW" sz="2800" b="1" dirty="0"/>
-                        <a:t> 0%</a:t>
-                      </a:r>
-                      <a:endParaRPr lang="zh-TW" altLang="en-US" sz="2800" b="1" dirty="0"/>
-                    </a:p>
-                  </a:txBody>
-                  <a:tcPr/>
-                </a:tc>
-                <a:tc>
-                  <a:txBody>
-                    <a:bodyPr/>
-                    <a:lstStyle/>
-                    <a:p>
-                      <a:r>
-                        <a:rPr lang="en-US" altLang="zh-TW" sz="2800" dirty="0" smtClean="0"/>
-                        <a:t>0.0212</a:t>
-                      </a:r>
-                      <a:endParaRPr lang="zh-TW" altLang="en-US" sz="2800" dirty="0"/>
-                    </a:p>
-                  </a:txBody>
-                  <a:tcPr/>
-                </a:tc>
-                <a:extLst>
-                  <a:ext uri="{0D108BD9-81ED-4DB2-BD59-A6C34878D82A}">
-                    <a16:rowId xmlns:a16="http://schemas.microsoft.com/office/drawing/2014/main" xmlns="" val="4251700897"/>
-                  </a:ext>
-                </a:extLst>
-              </a:tr>
-              <a:tr h="655066">
-                <a:tc>
-                  <a:txBody>
-                    <a:bodyPr/>
-                    <a:lstStyle/>
-                    <a:p>
-                      <a:r>
-                        <a:rPr lang="en-US" altLang="zh-TW" sz="2800" dirty="0" smtClean="0"/>
-                        <a:t>PCA-32 </a:t>
-                      </a:r>
-                      <a:r>
-                        <a:rPr lang="en-US" altLang="zh-TW" sz="2800" dirty="0"/>
-                        <a:t>(normalized)</a:t>
                       </a:r>
                       <a:endParaRPr lang="zh-TW" altLang="en-US" sz="2800" dirty="0"/>
                     </a:p>
@@ -8897,41 +8166,59 @@
                         <a:defRPr/>
                       </a:pPr>
                       <a:r>
-                        <a:rPr lang="en-US" altLang="zh-TW" sz="2800" dirty="0" smtClean="0"/>
-                        <a:t>84.9398% </a:t>
-                      </a:r>
-                      <a:r>
-                        <a:rPr lang="en-US" altLang="zh-TW" sz="2800" dirty="0">
-                          <a:latin typeface="Wide Latin" panose="020A0A07050505020404" pitchFamily="18" charset="0"/>
+                        <a:rPr lang="en-US" altLang="zh-TW" sz="2800" kern="1200" dirty="0">
+                          <a:solidFill>
+                            <a:schemeClr val="dk1"/>
+                          </a:solidFill>
+                          <a:latin typeface="+mn-lt"/>
+                          <a:ea typeface="+mn-ea"/>
+                          <a:cs typeface="+mn-cs"/>
                         </a:rPr>
-                        <a:t>±</a:t>
-                      </a:r>
-                      <a:r>
-                        <a:rPr lang="en-US" altLang="zh-TW" sz="2800" dirty="0"/>
-                        <a:t> 0%</a:t>
-                      </a:r>
-                      <a:endParaRPr lang="zh-TW" altLang="en-US" sz="2800" dirty="0"/>
-                    </a:p>
-                  </a:txBody>
-                  <a:tcPr/>
-                </a:tc>
-                <a:tc>
-                  <a:txBody>
-                    <a:bodyPr/>
-                    <a:lstStyle/>
-                    <a:p>
-                      <a:r>
-                        <a:rPr lang="en-US" altLang="zh-TW" sz="2800" dirty="0" smtClean="0"/>
-                        <a:t>0.0214</a:t>
-                      </a:r>
-                      <a:endParaRPr lang="zh-TW" altLang="en-US" sz="2800" dirty="0"/>
+                        <a:t>31.6456 ± 0% </a:t>
+                      </a:r>
+                      <a:endParaRPr lang="zh-TW" altLang="en-US" sz="2800" kern="1200" dirty="0">
+                        <a:solidFill>
+                          <a:schemeClr val="dk1"/>
+                        </a:solidFill>
+                        <a:latin typeface="+mn-lt"/>
+                        <a:ea typeface="+mn-ea"/>
+                        <a:cs typeface="+mn-cs"/>
+                      </a:endParaRPr>
+                    </a:p>
+                  </a:txBody>
+                  <a:tcPr/>
+                </a:tc>
+                <a:tc>
+                  <a:txBody>
+                    <a:bodyPr/>
+                    <a:lstStyle/>
+                    <a:p>
+                      <a:r>
+                        <a:rPr lang="en-US" altLang="zh-TW" sz="2800" kern="1200" dirty="0">
+                          <a:solidFill>
+                            <a:schemeClr val="dk1"/>
+                          </a:solidFill>
+                          <a:latin typeface="+mn-lt"/>
+                          <a:ea typeface="+mn-ea"/>
+                          <a:cs typeface="+mn-cs"/>
+                        </a:rPr>
+                        <a:t>0.6338</a:t>
+                      </a:r>
+                      <a:endParaRPr lang="zh-TW" altLang="en-US" sz="2800" kern="1200" dirty="0">
+                        <a:solidFill>
+                          <a:schemeClr val="dk1"/>
+                        </a:solidFill>
+                        <a:latin typeface="+mn-lt"/>
+                        <a:ea typeface="+mn-ea"/>
+                        <a:cs typeface="+mn-cs"/>
+                      </a:endParaRPr>
                     </a:p>
                   </a:txBody>
                   <a:tcPr/>
                 </a:tc>
                 <a:extLst>
                   <a:ext uri="{0D108BD9-81ED-4DB2-BD59-A6C34878D82A}">
-                    <a16:rowId xmlns:a16="http://schemas.microsoft.com/office/drawing/2014/main" xmlns="" val="4168020029"/>
+                    <a16:rowId xmlns:a16="http://schemas.microsoft.com/office/drawing/2014/main" xmlns="" val="1629505054"/>
                   </a:ext>
                 </a:extLst>
               </a:tr>
@@ -8942,8 +8229,8 @@
                     <a:lstStyle/>
                     <a:p>
                       <a:r>
-                        <a:rPr lang="en-US" altLang="zh-TW" sz="2800" dirty="0" smtClean="0"/>
-                        <a:t>AE-32</a:t>
+                        <a:rPr lang="en-US" altLang="zh-TW" sz="2800" dirty="0"/>
+                        <a:t>Normalized</a:t>
                       </a:r>
                       <a:endParaRPr lang="zh-TW" altLang="en-US" sz="2800" dirty="0"/>
                     </a:p>
@@ -8973,38 +8260,61 @@
                         <a:defRPr/>
                       </a:pPr>
                       <a:r>
-                        <a:rPr lang="en-US" altLang="zh-TW" sz="2800" dirty="0" smtClean="0"/>
-                        <a:t>42.1687% </a:t>
-                      </a:r>
-                      <a:r>
-                        <a:rPr lang="en-US" altLang="zh-TW" sz="2800" dirty="0" smtClean="0">
-                          <a:latin typeface="Wide Latin" panose="020A0A07050505020404" pitchFamily="18" charset="0"/>
+                        <a:rPr lang="en-US" altLang="zh-TW" sz="2800" kern="1200" dirty="0">
+                          <a:solidFill>
+                            <a:schemeClr val="dk1"/>
+                          </a:solidFill>
+                          <a:latin typeface="+mn-lt"/>
+                          <a:ea typeface="+mn-ea"/>
+                          <a:cs typeface="+mn-cs"/>
                         </a:rPr>
-                        <a:t>±</a:t>
-                      </a:r>
-                      <a:r>
-                        <a:rPr lang="en-US" altLang="zh-TW" sz="2800" dirty="0" smtClean="0"/>
-                        <a:t> 0%</a:t>
-                      </a:r>
-                      <a:endParaRPr lang="zh-TW" altLang="en-US" sz="2800" dirty="0"/>
-                    </a:p>
-                  </a:txBody>
-                  <a:tcPr/>
-                </a:tc>
-                <a:tc>
-                  <a:txBody>
-                    <a:bodyPr/>
-                    <a:lstStyle/>
-                    <a:p>
-                      <a:r>
-                        <a:rPr lang="en-US" altLang="zh-TW" sz="2800" dirty="0" smtClean="0"/>
-                        <a:t>0.0214</a:t>
-                      </a:r>
-                      <a:endParaRPr lang="zh-TW" altLang="en-US" sz="2800" dirty="0"/>
-                    </a:p>
-                  </a:txBody>
-                  <a:tcPr/>
-                </a:tc>
+                        <a:t>29.7468± 0% </a:t>
+                      </a:r>
+                      <a:endParaRPr lang="zh-TW" altLang="en-US" sz="2800" kern="1200" dirty="0">
+                        <a:solidFill>
+                          <a:schemeClr val="dk1"/>
+                        </a:solidFill>
+                        <a:latin typeface="+mn-lt"/>
+                        <a:ea typeface="+mn-ea"/>
+                        <a:cs typeface="+mn-cs"/>
+                      </a:endParaRPr>
+                    </a:p>
+                  </a:txBody>
+                  <a:tcPr/>
+                </a:tc>
+                <a:tc>
+                  <a:txBody>
+                    <a:bodyPr/>
+                    <a:lstStyle/>
+                    <a:p>
+                      <a:r>
+                        <a:rPr lang="en-US" altLang="zh-TW" sz="2800" kern="1200" dirty="0">
+                          <a:solidFill>
+                            <a:schemeClr val="dk1"/>
+                          </a:solidFill>
+                          <a:latin typeface="+mn-lt"/>
+                          <a:ea typeface="+mn-ea"/>
+                          <a:cs typeface="+mn-cs"/>
+                        </a:rPr>
+                        <a:t>0.633</a:t>
+                      </a:r>
+                      <a:endParaRPr lang="zh-TW" altLang="en-US" sz="2800" kern="1200" dirty="0">
+                        <a:solidFill>
+                          <a:schemeClr val="dk1"/>
+                        </a:solidFill>
+                        <a:latin typeface="+mn-lt"/>
+                        <a:ea typeface="+mn-ea"/>
+                        <a:cs typeface="+mn-cs"/>
+                      </a:endParaRPr>
+                    </a:p>
+                  </a:txBody>
+                  <a:tcPr/>
+                </a:tc>
+                <a:extLst>
+                  <a:ext uri="{0D108BD9-81ED-4DB2-BD59-A6C34878D82A}">
+                    <a16:rowId xmlns:a16="http://schemas.microsoft.com/office/drawing/2014/main" xmlns="" val="2232274875"/>
+                  </a:ext>
+                </a:extLst>
               </a:tr>
               <a:tr h="655066">
                 <a:tc>
@@ -9013,8 +8323,8 @@
                     <a:lstStyle/>
                     <a:p>
                       <a:r>
-                        <a:rPr lang="en-US" altLang="zh-TW" sz="2800" dirty="0" smtClean="0"/>
-                        <a:t>AE-32 (normalized)</a:t>
+                        <a:rPr lang="en-US" altLang="zh-TW" sz="2800" dirty="0"/>
+                        <a:t>PCA-32</a:t>
                       </a:r>
                       <a:endParaRPr lang="zh-TW" altLang="en-US" sz="2800" dirty="0"/>
                     </a:p>
@@ -9044,38 +8354,343 @@
                         <a:defRPr/>
                       </a:pPr>
                       <a:r>
-                        <a:rPr lang="en-US" altLang="zh-TW" sz="2800" dirty="0" smtClean="0"/>
-                        <a:t>65.9639% </a:t>
-                      </a:r>
-                      <a:r>
-                        <a:rPr lang="en-US" altLang="zh-TW" sz="2800" dirty="0" smtClean="0">
-                          <a:latin typeface="Wide Latin" panose="020A0A07050505020404" pitchFamily="18" charset="0"/>
+                        <a:rPr lang="en-US" altLang="zh-TW" sz="2800" kern="1200" dirty="0">
+                          <a:solidFill>
+                            <a:schemeClr val="dk1"/>
+                          </a:solidFill>
+                          <a:latin typeface="+mn-lt"/>
+                          <a:ea typeface="+mn-ea"/>
+                          <a:cs typeface="+mn-cs"/>
                         </a:rPr>
-                        <a:t>±</a:t>
-                      </a:r>
-                      <a:r>
-                        <a:rPr lang="en-US" altLang="zh-TW" sz="2800" dirty="0" smtClean="0"/>
-                        <a:t> 0%</a:t>
-                      </a:r>
-                      <a:endParaRPr lang="zh-TW" altLang="en-US" sz="2800" dirty="0"/>
-                    </a:p>
-                  </a:txBody>
-                  <a:tcPr/>
-                </a:tc>
-                <a:tc>
-                  <a:txBody>
-                    <a:bodyPr/>
-                    <a:lstStyle/>
-                    <a:p>
-                      <a:r>
-                        <a:rPr lang="en-US" altLang="zh-TW" sz="2800" dirty="0" smtClean="0"/>
-                        <a:t>0.0220</a:t>
-                      </a:r>
-                      <a:endParaRPr lang="zh-TW" altLang="en-US" sz="2800" dirty="0"/>
-                    </a:p>
-                  </a:txBody>
-                  <a:tcPr/>
-                </a:tc>
+                        <a:t>31.6456% ± 0%</a:t>
+                      </a:r>
+                      <a:endParaRPr lang="zh-TW" altLang="en-US" sz="2800" kern="1200" dirty="0">
+                        <a:solidFill>
+                          <a:schemeClr val="dk1"/>
+                        </a:solidFill>
+                        <a:latin typeface="+mn-lt"/>
+                        <a:ea typeface="+mn-ea"/>
+                        <a:cs typeface="+mn-cs"/>
+                      </a:endParaRPr>
+                    </a:p>
+                  </a:txBody>
+                  <a:tcPr/>
+                </a:tc>
+                <a:tc>
+                  <a:txBody>
+                    <a:bodyPr/>
+                    <a:lstStyle/>
+                    <a:p>
+                      <a:r>
+                        <a:rPr lang="en-US" altLang="zh-TW" sz="2800" kern="1200" dirty="0">
+                          <a:solidFill>
+                            <a:schemeClr val="dk1"/>
+                          </a:solidFill>
+                          <a:latin typeface="+mn-lt"/>
+                          <a:ea typeface="+mn-ea"/>
+                          <a:cs typeface="+mn-cs"/>
+                        </a:rPr>
+                        <a:t>0.9358</a:t>
+                      </a:r>
+                      <a:endParaRPr lang="zh-TW" altLang="en-US" sz="2800" kern="1200" dirty="0">
+                        <a:solidFill>
+                          <a:schemeClr val="dk1"/>
+                        </a:solidFill>
+                        <a:latin typeface="+mn-lt"/>
+                        <a:ea typeface="+mn-ea"/>
+                        <a:cs typeface="+mn-cs"/>
+                      </a:endParaRPr>
+                    </a:p>
+                  </a:txBody>
+                  <a:tcPr/>
+                </a:tc>
+                <a:extLst>
+                  <a:ext uri="{0D108BD9-81ED-4DB2-BD59-A6C34878D82A}">
+                    <a16:rowId xmlns:a16="http://schemas.microsoft.com/office/drawing/2014/main" xmlns="" val="4251700897"/>
+                  </a:ext>
+                </a:extLst>
+              </a:tr>
+              <a:tr h="655066">
+                <a:tc>
+                  <a:txBody>
+                    <a:bodyPr/>
+                    <a:lstStyle/>
+                    <a:p>
+                      <a:r>
+                        <a:rPr lang="en-US" altLang="zh-TW" sz="2800" dirty="0"/>
+                        <a:t>PCA-32 (normalized)</a:t>
+                      </a:r>
+                      <a:endParaRPr lang="zh-TW" altLang="en-US" sz="2800" dirty="0"/>
+                    </a:p>
+                  </a:txBody>
+                  <a:tcPr/>
+                </a:tc>
+                <a:tc>
+                  <a:txBody>
+                    <a:bodyPr/>
+                    <a:lstStyle/>
+                    <a:p>
+                      <a:pPr marL="0" marR="0" lvl="0" indent="0" algn="l" defTabSz="914400" rtl="0" eaLnBrk="1" fontAlgn="auto" latinLnBrk="0" hangingPunct="1">
+                        <a:lnSpc>
+                          <a:spcPct val="100000"/>
+                        </a:lnSpc>
+                        <a:spcBef>
+                          <a:spcPts val="0"/>
+                        </a:spcBef>
+                        <a:spcAft>
+                          <a:spcPts val="0"/>
+                        </a:spcAft>
+                        <a:buClrTx/>
+                        <a:buSzTx/>
+                        <a:buFontTx/>
+                        <a:buNone/>
+                        <a:tabLst/>
+                        <a:defRPr/>
+                      </a:pPr>
+                      <a:r>
+                        <a:rPr lang="en-US" altLang="zh-TW" sz="2800" kern="1200" dirty="0">
+                          <a:solidFill>
+                            <a:schemeClr val="dk1"/>
+                          </a:solidFill>
+                          <a:latin typeface="+mn-lt"/>
+                          <a:ea typeface="+mn-ea"/>
+                          <a:cs typeface="+mn-cs"/>
+                        </a:rPr>
+                        <a:t>30.3797% ± 0%</a:t>
+                      </a:r>
+                      <a:endParaRPr lang="zh-TW" altLang="en-US" sz="2800" kern="1200" dirty="0">
+                        <a:solidFill>
+                          <a:schemeClr val="dk1"/>
+                        </a:solidFill>
+                        <a:latin typeface="+mn-lt"/>
+                        <a:ea typeface="+mn-ea"/>
+                        <a:cs typeface="+mn-cs"/>
+                      </a:endParaRPr>
+                    </a:p>
+                  </a:txBody>
+                  <a:tcPr/>
+                </a:tc>
+                <a:tc>
+                  <a:txBody>
+                    <a:bodyPr/>
+                    <a:lstStyle/>
+                    <a:p>
+                      <a:r>
+                        <a:rPr lang="en-US" altLang="zh-TW" sz="2800" kern="1200" dirty="0">
+                          <a:solidFill>
+                            <a:schemeClr val="dk1"/>
+                          </a:solidFill>
+                          <a:latin typeface="+mn-lt"/>
+                          <a:ea typeface="+mn-ea"/>
+                          <a:cs typeface="+mn-cs"/>
+                        </a:rPr>
+                        <a:t>0.8370</a:t>
+                      </a:r>
+                      <a:endParaRPr lang="zh-TW" altLang="en-US" sz="2800" kern="1200" dirty="0">
+                        <a:solidFill>
+                          <a:schemeClr val="dk1"/>
+                        </a:solidFill>
+                        <a:latin typeface="+mn-lt"/>
+                        <a:ea typeface="+mn-ea"/>
+                        <a:cs typeface="+mn-cs"/>
+                      </a:endParaRPr>
+                    </a:p>
+                  </a:txBody>
+                  <a:tcPr/>
+                </a:tc>
+                <a:extLst>
+                  <a:ext uri="{0D108BD9-81ED-4DB2-BD59-A6C34878D82A}">
+                    <a16:rowId xmlns:a16="http://schemas.microsoft.com/office/drawing/2014/main" xmlns="" val="4168020029"/>
+                  </a:ext>
+                </a:extLst>
+              </a:tr>
+              <a:tr h="655066">
+                <a:tc>
+                  <a:txBody>
+                    <a:bodyPr/>
+                    <a:lstStyle/>
+                    <a:p>
+                      <a:r>
+                        <a:rPr lang="en-US" altLang="zh-TW" sz="2800" dirty="0"/>
+                        <a:t>AE-32</a:t>
+                      </a:r>
+                      <a:endParaRPr lang="zh-TW" altLang="en-US" sz="2800" dirty="0"/>
+                    </a:p>
+                  </a:txBody>
+                  <a:tcPr/>
+                </a:tc>
+                <a:tc>
+                  <a:txBody>
+                    <a:bodyPr/>
+                    <a:lstStyle/>
+                    <a:p>
+                      <a:r>
+                        <a:rPr lang="en-US" altLang="zh-TW" sz="2800" kern="1200" dirty="0">
+                          <a:solidFill>
+                            <a:schemeClr val="dk1"/>
+                          </a:solidFill>
+                          <a:latin typeface="+mn-lt"/>
+                          <a:ea typeface="+mn-ea"/>
+                          <a:cs typeface="+mn-cs"/>
+                        </a:rPr>
+                        <a:t>29.7468% ± 0%</a:t>
+                      </a:r>
+                      <a:endParaRPr lang="zh-TW" altLang="en-US" sz="2800" kern="1200" dirty="0">
+                        <a:solidFill>
+                          <a:schemeClr val="dk1"/>
+                        </a:solidFill>
+                        <a:latin typeface="+mn-lt"/>
+                        <a:ea typeface="+mn-ea"/>
+                        <a:cs typeface="+mn-cs"/>
+                      </a:endParaRPr>
+                    </a:p>
+                  </a:txBody>
+                  <a:tcPr/>
+                </a:tc>
+                <a:tc>
+                  <a:txBody>
+                    <a:bodyPr/>
+                    <a:lstStyle/>
+                    <a:p>
+                      <a:pPr marL="0" marR="0" lvl="0" indent="0" algn="l" defTabSz="914400" rtl="0" eaLnBrk="1" fontAlgn="auto" latinLnBrk="0" hangingPunct="1">
+                        <a:lnSpc>
+                          <a:spcPct val="100000"/>
+                        </a:lnSpc>
+                        <a:spcBef>
+                          <a:spcPts val="0"/>
+                        </a:spcBef>
+                        <a:spcAft>
+                          <a:spcPts val="0"/>
+                        </a:spcAft>
+                        <a:buClrTx/>
+                        <a:buSzTx/>
+                        <a:buFontTx/>
+                        <a:buNone/>
+                        <a:tabLst/>
+                        <a:defRPr/>
+                      </a:pPr>
+                      <a:r>
+                        <a:rPr lang="en-US" altLang="zh-TW" sz="2800" kern="1200" dirty="0" smtClean="0">
+                          <a:solidFill>
+                            <a:schemeClr val="dk1"/>
+                          </a:solidFill>
+                          <a:latin typeface="+mn-lt"/>
+                          <a:ea typeface="+mn-ea"/>
+                          <a:cs typeface="+mn-cs"/>
+                        </a:rPr>
+                        <a:t>1.0540</a:t>
+                      </a:r>
+                      <a:endParaRPr lang="zh-TW" altLang="en-US" sz="2800" kern="1200" dirty="0">
+                        <a:solidFill>
+                          <a:schemeClr val="dk1"/>
+                        </a:solidFill>
+                        <a:latin typeface="+mn-lt"/>
+                        <a:ea typeface="+mn-ea"/>
+                        <a:cs typeface="+mn-cs"/>
+                      </a:endParaRPr>
+                    </a:p>
+                  </a:txBody>
+                  <a:tcPr/>
+                </a:tc>
+                <a:extLst>
+                  <a:ext uri="{0D108BD9-81ED-4DB2-BD59-A6C34878D82A}">
+                    <a16:rowId xmlns:a16="http://schemas.microsoft.com/office/drawing/2014/main" xmlns="" val="10005"/>
+                  </a:ext>
+                </a:extLst>
+              </a:tr>
+              <a:tr h="655066">
+                <a:tc>
+                  <a:txBody>
+                    <a:bodyPr/>
+                    <a:lstStyle/>
+                    <a:p>
+                      <a:r>
+                        <a:rPr lang="en-US" altLang="zh-TW" sz="2800" dirty="0"/>
+                        <a:t>AE-32 (normalized)</a:t>
+                      </a:r>
+                      <a:endParaRPr lang="zh-TW" altLang="en-US" sz="2800" dirty="0"/>
+                    </a:p>
+                  </a:txBody>
+                  <a:tcPr/>
+                </a:tc>
+                <a:tc>
+                  <a:txBody>
+                    <a:bodyPr/>
+                    <a:lstStyle/>
+                    <a:p>
+                      <a:pPr marL="0" marR="0" lvl="0" indent="0" algn="l" defTabSz="914400" rtl="0" eaLnBrk="1" fontAlgn="auto" latinLnBrk="0" hangingPunct="1">
+                        <a:lnSpc>
+                          <a:spcPct val="100000"/>
+                        </a:lnSpc>
+                        <a:spcBef>
+                          <a:spcPts val="0"/>
+                        </a:spcBef>
+                        <a:spcAft>
+                          <a:spcPts val="0"/>
+                        </a:spcAft>
+                        <a:buClrTx/>
+                        <a:buSzTx/>
+                        <a:buFontTx/>
+                        <a:buNone/>
+                        <a:tabLst/>
+                        <a:defRPr/>
+                      </a:pPr>
+                      <a:r>
+                        <a:rPr lang="en-US" altLang="zh-TW" sz="2800" kern="1200" dirty="0">
+                          <a:solidFill>
+                            <a:schemeClr val="dk1"/>
+                          </a:solidFill>
+                          <a:latin typeface="+mn-lt"/>
+                          <a:ea typeface="+mn-ea"/>
+                          <a:cs typeface="+mn-cs"/>
+                        </a:rPr>
+                        <a:t>29.7468% ± 0%</a:t>
+                      </a:r>
+                      <a:endParaRPr lang="zh-TW" altLang="en-US" sz="2800" kern="1200" dirty="0">
+                        <a:solidFill>
+                          <a:schemeClr val="dk1"/>
+                        </a:solidFill>
+                        <a:latin typeface="+mn-lt"/>
+                        <a:ea typeface="+mn-ea"/>
+                        <a:cs typeface="+mn-cs"/>
+                      </a:endParaRPr>
+                    </a:p>
+                  </a:txBody>
+                  <a:tcPr/>
+                </a:tc>
+                <a:tc>
+                  <a:txBody>
+                    <a:bodyPr/>
+                    <a:lstStyle/>
+                    <a:p>
+                      <a:r>
+                        <a:rPr lang="en-US" altLang="zh-TW" sz="2800" kern="1200" dirty="0">
+                          <a:solidFill>
+                            <a:schemeClr val="dk1"/>
+                          </a:solidFill>
+                          <a:latin typeface="+mn-lt"/>
+                          <a:ea typeface="+mn-ea"/>
+                          <a:cs typeface="+mn-cs"/>
+                        </a:rPr>
+                        <a:t>1.0540</a:t>
+                      </a:r>
+                      <a:endParaRPr lang="zh-TW" altLang="en-US" sz="2800" kern="1200" dirty="0">
+                        <a:solidFill>
+                          <a:schemeClr val="dk1"/>
+                        </a:solidFill>
+                        <a:latin typeface="+mn-lt"/>
+                        <a:ea typeface="+mn-ea"/>
+                        <a:cs typeface="+mn-cs"/>
+                      </a:endParaRPr>
+                    </a:p>
+                  </a:txBody>
+                  <a:tcPr/>
+                </a:tc>
+                <a:extLst>
+                  <a:ext uri="{0D108BD9-81ED-4DB2-BD59-A6C34878D82A}">
+                    <a16:rowId xmlns:a16="http://schemas.microsoft.com/office/drawing/2014/main" xmlns="" val="10006"/>
+                  </a:ext>
+                </a:extLst>
               </a:tr>
             </a:tbl>
           </a:graphicData>
@@ -9084,7 +8699,7 @@
     </p:spTree>
     <p:extLst>
       <p:ext uri="{BB962C8B-B14F-4D97-AF65-F5344CB8AC3E}">
-        <p14:creationId xmlns:p14="http://schemas.microsoft.com/office/powerpoint/2010/main" xmlns="" val="2220883863"/>
+        <p14:creationId xmlns:p14="http://schemas.microsoft.com/office/powerpoint/2010/main" xmlns="" val="459577940"/>
       </p:ext>
     </p:extLst>
   </p:cSld>
@@ -9116,7 +8731,7 @@
           <p:cNvPr id="2" name="標題 1">
             <a:extLst>
               <a:ext uri="{FF2B5EF4-FFF2-40B4-BE49-F238E27FC236}">
-                <a16:creationId xmlns:a16="http://schemas.microsoft.com/office/drawing/2014/main" xmlns="" id="{7BDC027D-0EFD-5E87-C32C-78BCBA19CA82}"/>
+                <a16:creationId xmlns="" xmlns:a16="http://schemas.microsoft.com/office/drawing/2014/main" id="{7BDC027D-0EFD-5E87-C32C-78BCBA19CA82}"/>
               </a:ext>
             </a:extLst>
           </p:cNvPr>
@@ -9133,10 +8748,16 @@
           <a:lstStyle/>
           <a:p>
             <a:r>
+              <a:rPr lang="en-US" altLang="zh-TW" dirty="0">
+                <a:latin typeface="Consolas" panose="020B0609020204030204" pitchFamily="49" charset="0"/>
+              </a:rPr>
+              <a:t>KNN </a:t>
+            </a:r>
+            <a:r>
               <a:rPr lang="en-US" altLang="zh-TW" dirty="0" smtClean="0">
                 <a:latin typeface="Consolas" panose="020B0609020204030204" pitchFamily="49" charset="0"/>
               </a:rPr>
-              <a:t>SVM (poly) + k-means, Cancer RNA-</a:t>
+              <a:t>+ DBSCAN, Cancer RNA-</a:t>
             </a:r>
             <a:r>
               <a:rPr lang="en-US" altLang="zh-TW" dirty="0" err="1" smtClean="0">
@@ -9153,7 +8774,7 @@
           <p:cNvPr id="4" name="表格 4">
             <a:extLst>
               <a:ext uri="{FF2B5EF4-FFF2-40B4-BE49-F238E27FC236}">
-                <a16:creationId xmlns:a16="http://schemas.microsoft.com/office/drawing/2014/main" xmlns="" id="{5F3E0619-219B-E13A-0433-2F63B4B4B02D}"/>
+                <a16:creationId xmlns="" xmlns:a16="http://schemas.microsoft.com/office/drawing/2014/main" id="{5F3E0619-219B-E13A-0433-2F63B4B4B02D}"/>
               </a:ext>
             </a:extLst>
           </p:cNvPr>
@@ -9163,7 +8784,7 @@
           <p:nvPr>
             <p:extLst>
               <p:ext uri="{D42A27DB-BD31-4B8C-83A1-F6EECF244321}">
-                <p14:modId xmlns:p14="http://schemas.microsoft.com/office/powerpoint/2010/main" xmlns="" val="3398980393"/>
+                <p14:modId xmlns="" xmlns:p14="http://schemas.microsoft.com/office/powerpoint/2010/main" val="3398980393"/>
               </p:ext>
             </p:extLst>
           </p:nvPr>
@@ -9182,21 +8803,21 @@
                 <a:gridCol w="3237653">
                   <a:extLst>
                     <a:ext uri="{9D8B030D-6E8A-4147-A177-3AD203B41FA5}">
-                      <a16:colId xmlns:a16="http://schemas.microsoft.com/office/drawing/2014/main" xmlns="" val="3991208199"/>
+                      <a16:colId xmlns="" xmlns:a16="http://schemas.microsoft.com/office/drawing/2014/main" val="3991208199"/>
                     </a:ext>
                   </a:extLst>
                 </a:gridCol>
                 <a:gridCol w="3237653">
                   <a:extLst>
                     <a:ext uri="{9D8B030D-6E8A-4147-A177-3AD203B41FA5}">
-                      <a16:colId xmlns:a16="http://schemas.microsoft.com/office/drawing/2014/main" xmlns="" val="1262213421"/>
+                      <a16:colId xmlns="" xmlns:a16="http://schemas.microsoft.com/office/drawing/2014/main" val="1262213421"/>
                     </a:ext>
                   </a:extLst>
                 </a:gridCol>
                 <a:gridCol w="3237653">
                   <a:extLst>
                     <a:ext uri="{9D8B030D-6E8A-4147-A177-3AD203B41FA5}">
-                      <a16:colId xmlns:a16="http://schemas.microsoft.com/office/drawing/2014/main" xmlns="" val="3788634706"/>
+                      <a16:colId xmlns="" xmlns:a16="http://schemas.microsoft.com/office/drawing/2014/main" val="3788634706"/>
                     </a:ext>
                   </a:extLst>
                 </a:gridCol>
@@ -9275,7 +8896,7 @@
                 </a:tc>
                 <a:extLst>
                   <a:ext uri="{0D108BD9-81ED-4DB2-BD59-A6C34878D82A}">
-                    <a16:rowId xmlns:a16="http://schemas.microsoft.com/office/drawing/2014/main" xmlns="" val="2028684342"/>
+                    <a16:rowId xmlns="" xmlns:a16="http://schemas.microsoft.com/office/drawing/2014/main" val="2028684342"/>
                   </a:ext>
                 </a:extLst>
               </a:tr>
@@ -9303,7 +8924,7 @@
                     <a:p>
                       <a:r>
                         <a:rPr lang="en-US" altLang="zh-TW" sz="2800" dirty="0" smtClean="0"/>
-                        <a:t>61.7470% </a:t>
+                        <a:t>59.0361% </a:t>
                       </a:r>
                       <a:r>
                         <a:rPr lang="en-US" altLang="zh-TW" sz="2800" dirty="0">
@@ -9327,7 +8948,7 @@
                     <a:p>
                       <a:r>
                         <a:rPr lang="en-US" altLang="zh-TW" sz="2800" dirty="0" smtClean="0"/>
-                        <a:t>81.6495</a:t>
+                        <a:t>14.5101</a:t>
                       </a:r>
                       <a:endParaRPr lang="zh-TW" altLang="en-US" sz="2800" dirty="0"/>
                     </a:p>
@@ -9336,7 +8957,7 @@
                 </a:tc>
                 <a:extLst>
                   <a:ext uri="{0D108BD9-81ED-4DB2-BD59-A6C34878D82A}">
-                    <a16:rowId xmlns:a16="http://schemas.microsoft.com/office/drawing/2014/main" xmlns="" val="1629505054"/>
+                    <a16:rowId xmlns="" xmlns:a16="http://schemas.microsoft.com/office/drawing/2014/main" val="1629505054"/>
                   </a:ext>
                 </a:extLst>
               </a:tr>
@@ -9362,7 +8983,7 @@
                     <a:p>
                       <a:r>
                         <a:rPr lang="en-US" altLang="zh-TW" sz="2800" dirty="0" smtClean="0"/>
-                        <a:t>1.2048% </a:t>
+                        <a:t>66.5663% </a:t>
                       </a:r>
                       <a:r>
                         <a:rPr lang="en-US" altLang="zh-TW" sz="2800" dirty="0">
@@ -9386,7 +9007,7 @@
                     <a:p>
                       <a:r>
                         <a:rPr lang="en-US" altLang="zh-TW" sz="2800" dirty="0" smtClean="0"/>
-                        <a:t>86.6406</a:t>
+                        <a:t>10.3013</a:t>
                       </a:r>
                       <a:endParaRPr lang="zh-TW" altLang="en-US" sz="2800" dirty="0"/>
                     </a:p>
@@ -9395,7 +9016,7 @@
                 </a:tc>
                 <a:extLst>
                   <a:ext uri="{0D108BD9-81ED-4DB2-BD59-A6C34878D82A}">
-                    <a16:rowId xmlns:a16="http://schemas.microsoft.com/office/drawing/2014/main" xmlns="" val="2232274875"/>
+                    <a16:rowId xmlns="" xmlns:a16="http://schemas.microsoft.com/office/drawing/2014/main" val="2232274875"/>
                   </a:ext>
                 </a:extLst>
               </a:tr>
@@ -9420,20 +9041,20 @@
                     <a:lstStyle/>
                     <a:p>
                       <a:r>
-                        <a:rPr lang="en-US" altLang="zh-TW" sz="2800" dirty="0" smtClean="0"/>
-                        <a:t>64.4578% </a:t>
-                      </a:r>
-                      <a:r>
-                        <a:rPr lang="en-US" altLang="zh-TW" sz="2800" dirty="0">
+                        <a:rPr lang="en-US" altLang="zh-TW" sz="2800" b="1" dirty="0" smtClean="0"/>
+                        <a:t>94.5783% </a:t>
+                      </a:r>
+                      <a:r>
+                        <a:rPr lang="en-US" altLang="zh-TW" sz="2800" b="1" dirty="0">
                           <a:latin typeface="Wide Latin" panose="020A0A07050505020404" pitchFamily="18" charset="0"/>
                         </a:rPr>
                         <a:t>±</a:t>
                       </a:r>
                       <a:r>
-                        <a:rPr lang="en-US" altLang="zh-TW" sz="2800" dirty="0"/>
+                        <a:rPr lang="en-US" altLang="zh-TW" sz="2800" b="1" dirty="0"/>
                         <a:t> 0%</a:t>
                       </a:r>
-                      <a:endParaRPr lang="zh-TW" altLang="en-US" sz="2800" dirty="0"/>
+                      <a:endParaRPr lang="zh-TW" altLang="en-US" sz="2800" b="1" dirty="0"/>
                     </a:p>
                   </a:txBody>
                   <a:tcPr/>
@@ -9445,7 +9066,7 @@
                     <a:p>
                       <a:r>
                         <a:rPr lang="en-US" altLang="zh-TW" sz="2800" dirty="0" smtClean="0"/>
-                        <a:t>0.2585</a:t>
+                        <a:t>0.0224</a:t>
                       </a:r>
                       <a:endParaRPr lang="zh-TW" altLang="en-US" sz="2800" dirty="0"/>
                     </a:p>
@@ -9454,7 +9075,7 @@
                 </a:tc>
                 <a:extLst>
                   <a:ext uri="{0D108BD9-81ED-4DB2-BD59-A6C34878D82A}">
-                    <a16:rowId xmlns:a16="http://schemas.microsoft.com/office/drawing/2014/main" xmlns="" val="4251700897"/>
+                    <a16:rowId xmlns="" xmlns:a16="http://schemas.microsoft.com/office/drawing/2014/main" val="4251700897"/>
                   </a:ext>
                 </a:extLst>
               </a:tr>
@@ -9501,7 +9122,7 @@
                       </a:pPr>
                       <a:r>
                         <a:rPr lang="en-US" altLang="zh-TW" sz="2800" dirty="0" smtClean="0"/>
-                        <a:t>61.1446% </a:t>
+                        <a:t>78.3133% </a:t>
                       </a:r>
                       <a:r>
                         <a:rPr lang="en-US" altLang="zh-TW" sz="2800" dirty="0">
@@ -9525,7 +9146,7 @@
                     <a:p>
                       <a:r>
                         <a:rPr lang="en-US" altLang="zh-TW" sz="2800" dirty="0" smtClean="0"/>
-                        <a:t>0.3012</a:t>
+                        <a:t>0.0237</a:t>
                       </a:r>
                       <a:endParaRPr lang="zh-TW" altLang="en-US" sz="2800" dirty="0"/>
                     </a:p>
@@ -9534,7 +9155,7 @@
                 </a:tc>
                 <a:extLst>
                   <a:ext uri="{0D108BD9-81ED-4DB2-BD59-A6C34878D82A}">
-                    <a16:rowId xmlns:a16="http://schemas.microsoft.com/office/drawing/2014/main" xmlns="" val="4168020029"/>
+                    <a16:rowId xmlns="" xmlns:a16="http://schemas.microsoft.com/office/drawing/2014/main" val="4168020029"/>
                   </a:ext>
                 </a:extLst>
               </a:tr>
@@ -9577,7 +9198,7 @@
                       </a:pPr>
                       <a:r>
                         <a:rPr lang="en-US" altLang="zh-TW" sz="2800" dirty="0" smtClean="0"/>
-                        <a:t>63.2530 % </a:t>
+                        <a:t>64.4578% </a:t>
                       </a:r>
                       <a:r>
                         <a:rPr lang="en-US" altLang="zh-TW" sz="2800" dirty="0" smtClean="0">
@@ -9601,7 +9222,7 @@
                     <a:p>
                       <a:r>
                         <a:rPr lang="en-US" altLang="zh-TW" sz="2800" dirty="0" smtClean="0"/>
-                        <a:t>0.2013</a:t>
+                        <a:t>0.0258</a:t>
                       </a:r>
                       <a:endParaRPr lang="zh-TW" altLang="en-US" sz="2800" dirty="0"/>
                     </a:p>
@@ -9648,7 +9269,7 @@
                       </a:pPr>
                       <a:r>
                         <a:rPr lang="en-US" altLang="zh-TW" sz="2800" dirty="0" smtClean="0"/>
-                        <a:t>50.3012% </a:t>
+                        <a:t>59.3373% </a:t>
                       </a:r>
                       <a:r>
                         <a:rPr lang="en-US" altLang="zh-TW" sz="2800" dirty="0" smtClean="0">
@@ -9672,7 +9293,7 @@
                     <a:p>
                       <a:r>
                         <a:rPr lang="en-US" altLang="zh-TW" sz="2800" dirty="0" smtClean="0"/>
-                        <a:t>0.2056</a:t>
+                        <a:t>0.0235</a:t>
                       </a:r>
                       <a:endParaRPr lang="zh-TW" altLang="en-US" sz="2800" dirty="0"/>
                     </a:p>
@@ -9687,7 +9308,7 @@
     </p:spTree>
     <p:extLst>
       <p:ext uri="{BB962C8B-B14F-4D97-AF65-F5344CB8AC3E}">
-        <p14:creationId xmlns:p14="http://schemas.microsoft.com/office/powerpoint/2010/main" xmlns="" val="2220883863"/>
+        <p14:creationId xmlns="" xmlns:p14="http://schemas.microsoft.com/office/powerpoint/2010/main" val="2220883863"/>
       </p:ext>
     </p:extLst>
   </p:cSld>
@@ -9732,27 +9353,26 @@
         </p:nvSpPr>
         <p:spPr/>
         <p:txBody>
-          <a:bodyPr>
-            <a:normAutofit/>
-          </a:bodyPr>
+          <a:bodyPr/>
           <a:lstStyle/>
           <a:p>
             <a:r>
               <a:rPr lang="en-US" altLang="zh-TW" dirty="0">
                 <a:latin typeface="Consolas" panose="020B0609020204030204" pitchFamily="49" charset="0"/>
               </a:rPr>
-              <a:t>Naive Bayes classifier (GA) </a:t>
-            </a:r>
-            <a:br>
-              <a:rPr lang="en-US" altLang="zh-TW" dirty="0">
+              <a:t>KNN </a:t>
+            </a:r>
+            <a:r>
+              <a:rPr lang="en-US" altLang="zh-TW" dirty="0" smtClean="0">
                 <a:latin typeface="Consolas" panose="020B0609020204030204" pitchFamily="49" charset="0"/>
               </a:rPr>
-            </a:br>
-            <a:r>
-              <a:rPr lang="en-US" altLang="zh-TW" dirty="0">
+              <a:t>+ k-means, Cancer RNA-</a:t>
+            </a:r>
+            <a:r>
+              <a:rPr lang="en-US" altLang="zh-TW" dirty="0" err="1" smtClean="0">
                 <a:latin typeface="Consolas" panose="020B0609020204030204" pitchFamily="49" charset="0"/>
               </a:rPr>
-              <a:t>+ k-means, Cancer RNA-Seq</a:t>
+              <a:t>Seq</a:t>
             </a:r>
             <a:endParaRPr lang="zh-TW" altLang="en-US" dirty="0"/>
           </a:p>
@@ -9773,7 +9393,7 @@
           <p:nvPr>
             <p:extLst>
               <p:ext uri="{D42A27DB-BD31-4B8C-83A1-F6EECF244321}">
-                <p14:modId xmlns:p14="http://schemas.microsoft.com/office/powerpoint/2010/main" xmlns="" val="1087413213"/>
+                <p14:modId xmlns="" xmlns:p14="http://schemas.microsoft.com/office/powerpoint/2010/main" val="3398980393"/>
               </p:ext>
             </p:extLst>
           </p:nvPr>
@@ -9836,21 +9456,33 @@
                       </a:pPr>
                       <a:r>
                         <a:rPr lang="en-US" altLang="zh-TW" sz="2800" dirty="0"/>
-                        <a:t>Repeat 10 times</a:t>
-                      </a:r>
-                      <a:endParaRPr lang="zh-TW" altLang="en-US" sz="2800" dirty="0"/>
-                    </a:p>
-                  </a:txBody>
-                  <a:tcPr/>
-                </a:tc>
-                <a:tc>
-                  <a:txBody>
-                    <a:bodyPr/>
-                    <a:lstStyle/>
-                    <a:p>
+                        <a:t>Repeat </a:t>
+                      </a:r>
+                      <a:r>
+                        <a:rPr lang="en-US" altLang="zh-TW" sz="2800" dirty="0" smtClean="0"/>
+                        <a:t>10 </a:t>
+                      </a:r>
                       <a:r>
                         <a:rPr lang="en-US" altLang="zh-TW" sz="2800" dirty="0"/>
-                        <a:t>Accuracy (%)</a:t>
+                        <a:t>times</a:t>
+                      </a:r>
+                      <a:endParaRPr lang="zh-TW" altLang="en-US" sz="2800" dirty="0"/>
+                    </a:p>
+                  </a:txBody>
+                  <a:tcPr/>
+                </a:tc>
+                <a:tc>
+                  <a:txBody>
+                    <a:bodyPr/>
+                    <a:lstStyle/>
+                    <a:p>
+                      <a:r>
+                        <a:rPr lang="en-US" altLang="zh-TW" sz="2800" dirty="0" smtClean="0"/>
+                        <a:t>Accuracy </a:t>
+                      </a:r>
+                      <a:r>
+                        <a:rPr lang="en-US" altLang="zh-TW" sz="2800" dirty="0"/>
+                        <a:t>(%)</a:t>
                       </a:r>
                       <a:endParaRPr lang="zh-TW" altLang="en-US" sz="2800" dirty="0"/>
                     </a:p>
@@ -9884,7 +9516,7 @@
                     <a:lstStyle/>
                     <a:p>
                       <a:r>
-                        <a:rPr lang="en-US" altLang="zh-TW" sz="2800" dirty="0">
+                        <a:rPr lang="en-US" altLang="zh-TW" sz="2800" dirty="0" smtClean="0">
                           <a:latin typeface="Consolas" pitchFamily="49" charset="0"/>
                         </a:rPr>
                         <a:t>Raw</a:t>
@@ -9900,32 +9532,32 @@
                     <a:lstStyle/>
                     <a:p>
                       <a:r>
-                        <a:rPr lang="en-US" altLang="zh-TW" sz="2800" dirty="0"/>
-                        <a:t>43.3674% </a:t>
-                      </a:r>
-                      <a:r>
-                        <a:rPr lang="en-US" altLang="zh-TW" sz="2800" dirty="0">
+                        <a:rPr lang="en-US" altLang="zh-TW" sz="2800" b="0" dirty="0" smtClean="0"/>
+                        <a:t>74.0964% </a:t>
+                      </a:r>
+                      <a:r>
+                        <a:rPr lang="en-US" altLang="zh-TW" sz="2800" b="0" dirty="0">
                           <a:latin typeface="Wide Latin" panose="020A0A07050505020404" pitchFamily="18" charset="0"/>
                         </a:rPr>
                         <a:t>±</a:t>
                       </a:r>
                       <a:r>
-                        <a:rPr lang="en-US" altLang="zh-TW" sz="2800" dirty="0"/>
+                        <a:rPr lang="en-US" altLang="zh-TW" sz="2800" b="0" dirty="0"/>
                         <a:t> 0% </a:t>
                       </a:r>
-                      <a:endParaRPr lang="zh-TW" altLang="en-US" sz="2800" dirty="0"/>
-                    </a:p>
-                  </a:txBody>
-                  <a:tcPr/>
-                </a:tc>
-                <a:tc>
-                  <a:txBody>
-                    <a:bodyPr/>
-                    <a:lstStyle/>
-                    <a:p>
-                      <a:r>
-                        <a:rPr lang="en-US" altLang="zh-TW" sz="2800" dirty="0"/>
-                        <a:t>2.2308</a:t>
+                      <a:endParaRPr lang="zh-TW" altLang="en-US" sz="2800" b="0" dirty="0"/>
+                    </a:p>
+                  </a:txBody>
+                  <a:tcPr/>
+                </a:tc>
+                <a:tc>
+                  <a:txBody>
+                    <a:bodyPr/>
+                    <a:lstStyle/>
+                    <a:p>
+                      <a:r>
+                        <a:rPr lang="en-US" altLang="zh-TW" sz="2800" dirty="0" smtClean="0"/>
+                        <a:t>22.754</a:t>
                       </a:r>
                       <a:endParaRPr lang="zh-TW" altLang="en-US" sz="2800" dirty="0"/>
                     </a:p>
@@ -9945,36 +9577,46 @@
                     <a:lstStyle/>
                     <a:p>
                       <a:r>
+                        <a:rPr lang="en-US" altLang="zh-TW" sz="2800" dirty="0" smtClean="0"/>
+                        <a:t>Normalized</a:t>
+                      </a:r>
+                      <a:endParaRPr lang="zh-TW" altLang="en-US" sz="2800" dirty="0"/>
+                    </a:p>
+                  </a:txBody>
+                  <a:tcPr/>
+                </a:tc>
+                <a:tc>
+                  <a:txBody>
+                    <a:bodyPr/>
+                    <a:lstStyle/>
+                    <a:p>
+                      <a:r>
+                        <a:rPr lang="en-US" altLang="zh-TW" sz="2800" dirty="0" smtClean="0"/>
+                        <a:t>53.6145% </a:t>
+                      </a:r>
+                      <a:r>
+                        <a:rPr lang="en-US" altLang="zh-TW" sz="2800" dirty="0">
+                          <a:latin typeface="Wide Latin" panose="020A0A07050505020404" pitchFamily="18" charset="0"/>
+                        </a:rPr>
+                        <a:t>±</a:t>
+                      </a:r>
+                      <a:r>
                         <a:rPr lang="en-US" altLang="zh-TW" sz="2800" dirty="0"/>
-                        <a:t>Normalized</a:t>
-                      </a:r>
-                      <a:endParaRPr lang="zh-TW" altLang="en-US" sz="2800" dirty="0"/>
-                    </a:p>
-                  </a:txBody>
-                  <a:tcPr/>
-                </a:tc>
-                <a:tc>
-                  <a:txBody>
-                    <a:bodyPr/>
-                    <a:lstStyle/>
-                    <a:p>
-                      <a:r>
-                        <a:rPr lang="en-US" altLang="zh-TW" sz="2800" dirty="0"/>
-                        <a:t>-</a:t>
-                      </a:r>
-                      <a:endParaRPr lang="zh-TW" altLang="en-US" sz="2800" dirty="0"/>
-                    </a:p>
-                  </a:txBody>
-                  <a:tcPr/>
-                </a:tc>
-                <a:tc>
-                  <a:txBody>
-                    <a:bodyPr/>
-                    <a:lstStyle/>
-                    <a:p>
-                      <a:r>
-                        <a:rPr lang="en-US" altLang="zh-TW" sz="2800" dirty="0"/>
-                        <a:t>-</a:t>
+                        <a:t> 0% </a:t>
+                      </a:r>
+                      <a:endParaRPr lang="zh-TW" altLang="en-US" sz="2800" dirty="0"/>
+                    </a:p>
+                  </a:txBody>
+                  <a:tcPr/>
+                </a:tc>
+                <a:tc>
+                  <a:txBody>
+                    <a:bodyPr/>
+                    <a:lstStyle/>
+                    <a:p>
+                      <a:r>
+                        <a:rPr lang="en-US" altLang="zh-TW" sz="2800" dirty="0" smtClean="0"/>
+                        <a:t>6.3558</a:t>
                       </a:r>
                       <a:endParaRPr lang="zh-TW" altLang="en-US" sz="2800" dirty="0"/>
                     </a:p>
@@ -9994,7 +9636,7 @@
                     <a:lstStyle/>
                     <a:p>
                       <a:r>
-                        <a:rPr lang="en-US" altLang="zh-TW" sz="2800" dirty="0"/>
+                        <a:rPr lang="en-US" altLang="zh-TW" sz="2800" dirty="0" smtClean="0"/>
                         <a:t>PCA-32</a:t>
                       </a:r>
                       <a:endParaRPr lang="zh-TW" altLang="en-US" sz="2800" dirty="0"/>
@@ -10008,32 +9650,32 @@
                     <a:lstStyle/>
                     <a:p>
                       <a:r>
-                        <a:rPr lang="en-US" altLang="zh-TW" sz="2800" dirty="0"/>
-                        <a:t>34.0436% </a:t>
-                      </a:r>
-                      <a:r>
-                        <a:rPr lang="en-US" altLang="zh-TW" sz="2800" dirty="0">
+                        <a:rPr lang="en-US" altLang="zh-TW" sz="2800" b="1" dirty="0" smtClean="0"/>
+                        <a:t>94.8795% </a:t>
+                      </a:r>
+                      <a:r>
+                        <a:rPr lang="en-US" altLang="zh-TW" sz="2800" b="1" dirty="0">
                           <a:latin typeface="Wide Latin" panose="020A0A07050505020404" pitchFamily="18" charset="0"/>
                         </a:rPr>
                         <a:t>±</a:t>
                       </a:r>
                       <a:r>
-                        <a:rPr lang="en-US" altLang="zh-TW" sz="2800" dirty="0"/>
+                        <a:rPr lang="en-US" altLang="zh-TW" sz="2800" b="1" dirty="0"/>
                         <a:t> 0%</a:t>
                       </a:r>
-                      <a:endParaRPr lang="zh-TW" altLang="en-US" sz="2800" dirty="0"/>
-                    </a:p>
-                  </a:txBody>
-                  <a:tcPr/>
-                </a:tc>
-                <a:tc>
-                  <a:txBody>
-                    <a:bodyPr/>
-                    <a:lstStyle/>
-                    <a:p>
-                      <a:r>
-                        <a:rPr lang="en-US" altLang="zh-TW" sz="2800" dirty="0"/>
-                        <a:t>0.0327</a:t>
+                      <a:endParaRPr lang="zh-TW" altLang="en-US" sz="2800" b="1" dirty="0"/>
+                    </a:p>
+                  </a:txBody>
+                  <a:tcPr/>
+                </a:tc>
+                <a:tc>
+                  <a:txBody>
+                    <a:bodyPr/>
+                    <a:lstStyle/>
+                    <a:p>
+                      <a:r>
+                        <a:rPr lang="en-US" altLang="zh-TW" sz="2800" dirty="0" smtClean="0"/>
+                        <a:t>0.0212</a:t>
                       </a:r>
                       <a:endParaRPr lang="zh-TW" altLang="en-US" sz="2800" dirty="0"/>
                     </a:p>
@@ -10053,67 +9695,12 @@
                     <a:lstStyle/>
                     <a:p>
                       <a:r>
+                        <a:rPr lang="en-US" altLang="zh-TW" sz="2800" dirty="0" smtClean="0"/>
+                        <a:t>PCA-32 </a:t>
+                      </a:r>
+                      <a:r>
                         <a:rPr lang="en-US" altLang="zh-TW" sz="2800" dirty="0"/>
-                        <a:t>PCA-32 (normalized)</a:t>
-                      </a:r>
-                      <a:endParaRPr lang="zh-TW" altLang="en-US" sz="2800" dirty="0"/>
-                    </a:p>
-                  </a:txBody>
-                  <a:tcPr/>
-                </a:tc>
-                <a:tc>
-                  <a:txBody>
-                    <a:bodyPr/>
-                    <a:lstStyle/>
-                    <a:p>
-                      <a:r>
-                        <a:rPr lang="en-US" altLang="zh-TW" sz="2800" dirty="0"/>
-                        <a:t>16.8674% </a:t>
-                      </a:r>
-                      <a:r>
-                        <a:rPr lang="en-US" altLang="zh-TW" sz="2800" dirty="0">
-                          <a:latin typeface="Wide Latin" panose="020A0A07050505020404" pitchFamily="18" charset="0"/>
-                        </a:rPr>
-                        <a:t>±</a:t>
-                      </a:r>
-                      <a:r>
-                        <a:rPr lang="en-US" altLang="zh-TW" sz="2800" dirty="0"/>
-                        <a:t> 0%</a:t>
-                      </a:r>
-                      <a:endParaRPr lang="zh-TW" altLang="en-US" sz="2800" dirty="0"/>
-                    </a:p>
-                  </a:txBody>
-                  <a:tcPr/>
-                </a:tc>
-                <a:tc>
-                  <a:txBody>
-                    <a:bodyPr/>
-                    <a:lstStyle/>
-                    <a:p>
-                      <a:r>
-                        <a:rPr lang="en-US" altLang="zh-TW" sz="2800" dirty="0"/>
-                        <a:t>0.0364</a:t>
-                      </a:r>
-                      <a:endParaRPr lang="zh-TW" altLang="en-US" sz="2800" dirty="0"/>
-                    </a:p>
-                  </a:txBody>
-                  <a:tcPr/>
-                </a:tc>
-                <a:extLst>
-                  <a:ext uri="{0D108BD9-81ED-4DB2-BD59-A6C34878D82A}">
-                    <a16:rowId xmlns="" xmlns:a16="http://schemas.microsoft.com/office/drawing/2014/main" val="4168020029"/>
-                  </a:ext>
-                </a:extLst>
-              </a:tr>
-              <a:tr h="655066">
-                <a:tc>
-                  <a:txBody>
-                    <a:bodyPr/>
-                    <a:lstStyle/>
-                    <a:p>
-                      <a:r>
-                        <a:rPr lang="en-US" altLang="zh-TW" sz="2800" dirty="0"/>
-                        <a:t>AE-32</a:t>
+                        <a:t>(normalized)</a:t>
                       </a:r>
                       <a:endParaRPr lang="zh-TW" altLang="en-US" sz="2800" dirty="0"/>
                     </a:p>
@@ -10143,8 +9730,8 @@
                         <a:defRPr/>
                       </a:pPr>
                       <a:r>
-                        <a:rPr lang="en-US" altLang="zh-TW" sz="2800" dirty="0"/>
-                        <a:t>21.9879% </a:t>
+                        <a:rPr lang="en-US" altLang="zh-TW" sz="2800" dirty="0" smtClean="0"/>
+                        <a:t>84.9398% </a:t>
                       </a:r>
                       <a:r>
                         <a:rPr lang="en-US" altLang="zh-TW" sz="2800" dirty="0">
@@ -10167,8 +9754,8 @@
                     <a:lstStyle/>
                     <a:p>
                       <a:r>
-                        <a:rPr lang="en-US" altLang="zh-TW" sz="2800" dirty="0"/>
-                        <a:t>0.0317</a:t>
+                        <a:rPr lang="en-US" altLang="zh-TW" sz="2800" dirty="0" smtClean="0"/>
+                        <a:t>0.0214</a:t>
                       </a:r>
                       <a:endParaRPr lang="zh-TW" altLang="en-US" sz="2800" dirty="0"/>
                     </a:p>
@@ -10177,7 +9764,7 @@
                 </a:tc>
                 <a:extLst>
                   <a:ext uri="{0D108BD9-81ED-4DB2-BD59-A6C34878D82A}">
-                    <a16:rowId xmlns="" xmlns:a16="http://schemas.microsoft.com/office/drawing/2014/main" val="10005"/>
+                    <a16:rowId xmlns="" xmlns:a16="http://schemas.microsoft.com/office/drawing/2014/main" val="4168020029"/>
                   </a:ext>
                 </a:extLst>
               </a:tr>
@@ -10188,8 +9775,8 @@
                     <a:lstStyle/>
                     <a:p>
                       <a:r>
-                        <a:rPr lang="en-US" altLang="zh-TW" sz="2800" dirty="0"/>
-                        <a:t>AE-32 (normalized)</a:t>
+                        <a:rPr lang="en-US" altLang="zh-TW" sz="2800" dirty="0" smtClean="0"/>
+                        <a:t>AE-32</a:t>
                       </a:r>
                       <a:endParaRPr lang="zh-TW" altLang="en-US" sz="2800" dirty="0"/>
                     </a:p>
@@ -10219,8 +9806,337 @@
                         <a:defRPr/>
                       </a:pPr>
                       <a:r>
+                        <a:rPr lang="en-US" altLang="zh-TW" sz="2800" dirty="0" smtClean="0"/>
+                        <a:t>42.1687% </a:t>
+                      </a:r>
+                      <a:r>
+                        <a:rPr lang="en-US" altLang="zh-TW" sz="2800" dirty="0" smtClean="0">
+                          <a:latin typeface="Wide Latin" panose="020A0A07050505020404" pitchFamily="18" charset="0"/>
+                        </a:rPr>
+                        <a:t>±</a:t>
+                      </a:r>
+                      <a:r>
+                        <a:rPr lang="en-US" altLang="zh-TW" sz="2800" dirty="0" smtClean="0"/>
+                        <a:t> 0%</a:t>
+                      </a:r>
+                      <a:endParaRPr lang="zh-TW" altLang="en-US" sz="2800" dirty="0"/>
+                    </a:p>
+                  </a:txBody>
+                  <a:tcPr/>
+                </a:tc>
+                <a:tc>
+                  <a:txBody>
+                    <a:bodyPr/>
+                    <a:lstStyle/>
+                    <a:p>
+                      <a:r>
+                        <a:rPr lang="en-US" altLang="zh-TW" sz="2800" dirty="0" smtClean="0"/>
+                        <a:t>0.0214</a:t>
+                      </a:r>
+                      <a:endParaRPr lang="zh-TW" altLang="en-US" sz="2800" dirty="0"/>
+                    </a:p>
+                  </a:txBody>
+                  <a:tcPr/>
+                </a:tc>
+              </a:tr>
+              <a:tr h="655066">
+                <a:tc>
+                  <a:txBody>
+                    <a:bodyPr/>
+                    <a:lstStyle/>
+                    <a:p>
+                      <a:r>
+                        <a:rPr lang="en-US" altLang="zh-TW" sz="2800" dirty="0" smtClean="0"/>
+                        <a:t>AE-32 (normalized)</a:t>
+                      </a:r>
+                      <a:endParaRPr lang="zh-TW" altLang="en-US" sz="2800" dirty="0"/>
+                    </a:p>
+                  </a:txBody>
+                  <a:tcPr/>
+                </a:tc>
+                <a:tc>
+                  <a:txBody>
+                    <a:bodyPr/>
+                    <a:lstStyle/>
+                    <a:p>
+                      <a:pPr marL="0" marR="0" lvl="0" indent="0" algn="l" defTabSz="914400" rtl="0" eaLnBrk="1" fontAlgn="auto" latinLnBrk="0" hangingPunct="1">
+                        <a:lnSpc>
+                          <a:spcPct val="100000"/>
+                        </a:lnSpc>
+                        <a:spcBef>
+                          <a:spcPts val="0"/>
+                        </a:spcBef>
+                        <a:spcAft>
+                          <a:spcPts val="0"/>
+                        </a:spcAft>
+                        <a:buClrTx/>
+                        <a:buSzTx/>
+                        <a:buFontTx/>
+                        <a:buNone/>
+                        <a:tabLst/>
+                        <a:defRPr/>
+                      </a:pPr>
+                      <a:r>
+                        <a:rPr lang="en-US" altLang="zh-TW" sz="2800" dirty="0" smtClean="0"/>
+                        <a:t>65.9639% </a:t>
+                      </a:r>
+                      <a:r>
+                        <a:rPr lang="en-US" altLang="zh-TW" sz="2800" dirty="0" smtClean="0">
+                          <a:latin typeface="Wide Latin" panose="020A0A07050505020404" pitchFamily="18" charset="0"/>
+                        </a:rPr>
+                        <a:t>±</a:t>
+                      </a:r>
+                      <a:r>
+                        <a:rPr lang="en-US" altLang="zh-TW" sz="2800" dirty="0" smtClean="0"/>
+                        <a:t> 0%</a:t>
+                      </a:r>
+                      <a:endParaRPr lang="zh-TW" altLang="en-US" sz="2800" dirty="0"/>
+                    </a:p>
+                  </a:txBody>
+                  <a:tcPr/>
+                </a:tc>
+                <a:tc>
+                  <a:txBody>
+                    <a:bodyPr/>
+                    <a:lstStyle/>
+                    <a:p>
+                      <a:r>
+                        <a:rPr lang="en-US" altLang="zh-TW" sz="2800" dirty="0" smtClean="0"/>
+                        <a:t>0.0220</a:t>
+                      </a:r>
+                      <a:endParaRPr lang="zh-TW" altLang="en-US" sz="2800" dirty="0"/>
+                    </a:p>
+                  </a:txBody>
+                  <a:tcPr/>
+                </a:tc>
+              </a:tr>
+            </a:tbl>
+          </a:graphicData>
+        </a:graphic>
+      </p:graphicFrame>
+    </p:spTree>
+    <p:extLst>
+      <p:ext uri="{BB962C8B-B14F-4D97-AF65-F5344CB8AC3E}">
+        <p14:creationId xmlns="" xmlns:p14="http://schemas.microsoft.com/office/powerpoint/2010/main" val="2220883863"/>
+      </p:ext>
+    </p:extLst>
+  </p:cSld>
+  <p:clrMapOvr>
+    <a:masterClrMapping/>
+  </p:clrMapOvr>
+</p:sld>
+</file>
+
+<file path=ppt/slides/slide33.xml><?xml version="1.0" encoding="utf-8"?>
+<p:sld xmlns:a="http://schemas.openxmlformats.org/drawingml/2006/main" xmlns:r="http://schemas.openxmlformats.org/officeDocument/2006/relationships" xmlns:p="http://schemas.openxmlformats.org/presentationml/2006/main">
+  <p:cSld>
+    <p:spTree>
+      <p:nvGrpSpPr>
+        <p:cNvPr id="1" name=""/>
+        <p:cNvGrpSpPr/>
+        <p:nvPr/>
+      </p:nvGrpSpPr>
+      <p:grpSpPr>
+        <a:xfrm>
+          <a:off x="0" y="0"/>
+          <a:ext cx="0" cy="0"/>
+          <a:chOff x="0" y="0"/>
+          <a:chExt cx="0" cy="0"/>
+        </a:xfrm>
+      </p:grpSpPr>
+      <p:sp>
+        <p:nvSpPr>
+          <p:cNvPr id="2" name="標題 1">
+            <a:extLst>
+              <a:ext uri="{FF2B5EF4-FFF2-40B4-BE49-F238E27FC236}">
+                <a16:creationId xmlns="" xmlns:a16="http://schemas.microsoft.com/office/drawing/2014/main" id="{7BDC027D-0EFD-5E87-C32C-78BCBA19CA82}"/>
+              </a:ext>
+            </a:extLst>
+          </p:cNvPr>
+          <p:cNvSpPr>
+            <a:spLocks noGrp="1"/>
+          </p:cNvSpPr>
+          <p:nvPr>
+            <p:ph type="title"/>
+          </p:nvPr>
+        </p:nvSpPr>
+        <p:spPr/>
+        <p:txBody>
+          <a:bodyPr/>
+          <a:lstStyle/>
+          <a:p>
+            <a:r>
+              <a:rPr lang="en-US" altLang="zh-TW" dirty="0" smtClean="0">
+                <a:latin typeface="Consolas" panose="020B0609020204030204" pitchFamily="49" charset="0"/>
+              </a:rPr>
+              <a:t>SVM (poly) + k-means, Cancer RNA-</a:t>
+            </a:r>
+            <a:r>
+              <a:rPr lang="en-US" altLang="zh-TW" dirty="0" err="1" smtClean="0">
+                <a:latin typeface="Consolas" panose="020B0609020204030204" pitchFamily="49" charset="0"/>
+              </a:rPr>
+              <a:t>Seq</a:t>
+            </a:r>
+            <a:endParaRPr lang="zh-TW" altLang="en-US" dirty="0"/>
+          </a:p>
+        </p:txBody>
+      </p:sp>
+      <p:graphicFrame>
+        <p:nvGraphicFramePr>
+          <p:cNvPr id="4" name="表格 4">
+            <a:extLst>
+              <a:ext uri="{FF2B5EF4-FFF2-40B4-BE49-F238E27FC236}">
+                <a16:creationId xmlns="" xmlns:a16="http://schemas.microsoft.com/office/drawing/2014/main" id="{5F3E0619-219B-E13A-0433-2F63B4B4B02D}"/>
+              </a:ext>
+            </a:extLst>
+          </p:cNvPr>
+          <p:cNvGraphicFramePr>
+            <a:graphicFrameLocks noGrp="1"/>
+          </p:cNvGraphicFramePr>
+          <p:nvPr>
+            <p:extLst>
+              <p:ext uri="{D42A27DB-BD31-4B8C-83A1-F6EECF244321}">
+                <p14:modId xmlns="" xmlns:p14="http://schemas.microsoft.com/office/powerpoint/2010/main" val="3398980393"/>
+              </p:ext>
+            </p:extLst>
+          </p:nvPr>
+        </p:nvGraphicFramePr>
+        <p:xfrm>
+          <a:off x="1239520" y="1791335"/>
+          <a:ext cx="9712959" cy="4585462"/>
+        </p:xfrm>
+        <a:graphic>
+          <a:graphicData uri="http://schemas.openxmlformats.org/drawingml/2006/table">
+            <a:tbl>
+              <a:tblPr firstRow="1" bandRow="1">
+                <a:tableStyleId>{5C22544A-7EE6-4342-B048-85BDC9FD1C3A}</a:tableStyleId>
+              </a:tblPr>
+              <a:tblGrid>
+                <a:gridCol w="3237653">
+                  <a:extLst>
+                    <a:ext uri="{9D8B030D-6E8A-4147-A177-3AD203B41FA5}">
+                      <a16:colId xmlns="" xmlns:a16="http://schemas.microsoft.com/office/drawing/2014/main" val="3991208199"/>
+                    </a:ext>
+                  </a:extLst>
+                </a:gridCol>
+                <a:gridCol w="3237653">
+                  <a:extLst>
+                    <a:ext uri="{9D8B030D-6E8A-4147-A177-3AD203B41FA5}">
+                      <a16:colId xmlns="" xmlns:a16="http://schemas.microsoft.com/office/drawing/2014/main" val="1262213421"/>
+                    </a:ext>
+                  </a:extLst>
+                </a:gridCol>
+                <a:gridCol w="3237653">
+                  <a:extLst>
+                    <a:ext uri="{9D8B030D-6E8A-4147-A177-3AD203B41FA5}">
+                      <a16:colId xmlns="" xmlns:a16="http://schemas.microsoft.com/office/drawing/2014/main" val="3788634706"/>
+                    </a:ext>
+                  </a:extLst>
+                </a:gridCol>
+              </a:tblGrid>
+              <a:tr h="655066">
+                <a:tc>
+                  <a:txBody>
+                    <a:bodyPr/>
+                    <a:lstStyle/>
+                    <a:p>
+                      <a:pPr marL="0" marR="0" lvl="0" indent="0" algn="l" defTabSz="914400" rtl="0" eaLnBrk="1" fontAlgn="auto" latinLnBrk="0" hangingPunct="1">
+                        <a:lnSpc>
+                          <a:spcPct val="100000"/>
+                        </a:lnSpc>
+                        <a:spcBef>
+                          <a:spcPts val="0"/>
+                        </a:spcBef>
+                        <a:spcAft>
+                          <a:spcPts val="0"/>
+                        </a:spcAft>
+                        <a:buClrTx/>
+                        <a:buSzTx/>
+                        <a:buFontTx/>
+                        <a:buNone/>
+                        <a:tabLst/>
+                        <a:defRPr/>
+                      </a:pPr>
+                      <a:r>
                         <a:rPr lang="en-US" altLang="zh-TW" sz="2800" dirty="0"/>
-                        <a:t>16.8674% </a:t>
+                        <a:t>Repeat </a:t>
+                      </a:r>
+                      <a:r>
+                        <a:rPr lang="en-US" altLang="zh-TW" sz="2800" dirty="0" smtClean="0"/>
+                        <a:t>10 </a:t>
+                      </a:r>
+                      <a:r>
+                        <a:rPr lang="en-US" altLang="zh-TW" sz="2800" dirty="0"/>
+                        <a:t>times</a:t>
+                      </a:r>
+                      <a:endParaRPr lang="zh-TW" altLang="en-US" sz="2800" dirty="0"/>
+                    </a:p>
+                  </a:txBody>
+                  <a:tcPr/>
+                </a:tc>
+                <a:tc>
+                  <a:txBody>
+                    <a:bodyPr/>
+                    <a:lstStyle/>
+                    <a:p>
+                      <a:r>
+                        <a:rPr lang="en-US" altLang="zh-TW" sz="2800" dirty="0" smtClean="0"/>
+                        <a:t>Accuracy </a:t>
+                      </a:r>
+                      <a:r>
+                        <a:rPr lang="en-US" altLang="zh-TW" sz="2800" dirty="0"/>
+                        <a:t>(%)</a:t>
+                      </a:r>
+                      <a:endParaRPr lang="zh-TW" altLang="en-US" sz="2800" dirty="0"/>
+                    </a:p>
+                  </a:txBody>
+                  <a:tcPr/>
+                </a:tc>
+                <a:tc>
+                  <a:txBody>
+                    <a:bodyPr/>
+                    <a:lstStyle/>
+                    <a:p>
+                      <a:r>
+                        <a:rPr lang="en-US" altLang="zh-TW" sz="2800" dirty="0"/>
+                        <a:t>Time (s)</a:t>
+                      </a:r>
+                      <a:endParaRPr lang="zh-TW" altLang="en-US" sz="2800" dirty="0"/>
+                    </a:p>
+                  </a:txBody>
+                  <a:tcPr/>
+                </a:tc>
+                <a:extLst>
+                  <a:ext uri="{0D108BD9-81ED-4DB2-BD59-A6C34878D82A}">
+                    <a16:rowId xmlns="" xmlns:a16="http://schemas.microsoft.com/office/drawing/2014/main" val="2028684342"/>
+                  </a:ext>
+                </a:extLst>
+              </a:tr>
+              <a:tr h="655066">
+                <a:tc>
+                  <a:txBody>
+                    <a:bodyPr/>
+                    <a:lstStyle/>
+                    <a:p>
+                      <a:r>
+                        <a:rPr lang="en-US" altLang="zh-TW" sz="2800" dirty="0" smtClean="0">
+                          <a:latin typeface="Consolas" pitchFamily="49" charset="0"/>
+                        </a:rPr>
+                        <a:t>Raw</a:t>
+                      </a:r>
+                      <a:endParaRPr lang="zh-TW" altLang="en-US" sz="2800" dirty="0"/>
+                    </a:p>
+                  </a:txBody>
+                  <a:tcPr/>
+                </a:tc>
+                <a:tc>
+                  <a:txBody>
+                    <a:bodyPr/>
+                    <a:lstStyle/>
+                    <a:p>
+                      <a:r>
+                        <a:rPr lang="en-US" altLang="zh-TW" sz="2800" dirty="0" smtClean="0"/>
+                        <a:t>61.7470% </a:t>
                       </a:r>
                       <a:r>
                         <a:rPr lang="en-US" altLang="zh-TW" sz="2800" dirty="0">
@@ -10230,6 +10146,927 @@
                       </a:r>
                       <a:r>
                         <a:rPr lang="en-US" altLang="zh-TW" sz="2800" dirty="0"/>
+                        <a:t> 0% </a:t>
+                      </a:r>
+                      <a:endParaRPr lang="zh-TW" altLang="en-US" sz="2800" dirty="0"/>
+                    </a:p>
+                  </a:txBody>
+                  <a:tcPr/>
+                </a:tc>
+                <a:tc>
+                  <a:txBody>
+                    <a:bodyPr/>
+                    <a:lstStyle/>
+                    <a:p>
+                      <a:r>
+                        <a:rPr lang="en-US" altLang="zh-TW" sz="2800" dirty="0" smtClean="0"/>
+                        <a:t>81.6495</a:t>
+                      </a:r>
+                      <a:endParaRPr lang="zh-TW" altLang="en-US" sz="2800" dirty="0"/>
+                    </a:p>
+                  </a:txBody>
+                  <a:tcPr/>
+                </a:tc>
+                <a:extLst>
+                  <a:ext uri="{0D108BD9-81ED-4DB2-BD59-A6C34878D82A}">
+                    <a16:rowId xmlns="" xmlns:a16="http://schemas.microsoft.com/office/drawing/2014/main" val="1629505054"/>
+                  </a:ext>
+                </a:extLst>
+              </a:tr>
+              <a:tr h="655066">
+                <a:tc>
+                  <a:txBody>
+                    <a:bodyPr/>
+                    <a:lstStyle/>
+                    <a:p>
+                      <a:r>
+                        <a:rPr lang="en-US" altLang="zh-TW" sz="2800" dirty="0" smtClean="0"/>
+                        <a:t>Normalized</a:t>
+                      </a:r>
+                      <a:endParaRPr lang="zh-TW" altLang="en-US" sz="2800" dirty="0"/>
+                    </a:p>
+                  </a:txBody>
+                  <a:tcPr/>
+                </a:tc>
+                <a:tc>
+                  <a:txBody>
+                    <a:bodyPr/>
+                    <a:lstStyle/>
+                    <a:p>
+                      <a:r>
+                        <a:rPr lang="en-US" altLang="zh-TW" sz="2800" dirty="0" smtClean="0"/>
+                        <a:t>1.2048% </a:t>
+                      </a:r>
+                      <a:r>
+                        <a:rPr lang="en-US" altLang="zh-TW" sz="2800" dirty="0">
+                          <a:latin typeface="Wide Latin" panose="020A0A07050505020404" pitchFamily="18" charset="0"/>
+                        </a:rPr>
+                        <a:t>±</a:t>
+                      </a:r>
+                      <a:r>
+                        <a:rPr lang="en-US" altLang="zh-TW" sz="2800" dirty="0"/>
+                        <a:t> 0% </a:t>
+                      </a:r>
+                      <a:endParaRPr lang="zh-TW" altLang="en-US" sz="2800" dirty="0"/>
+                    </a:p>
+                  </a:txBody>
+                  <a:tcPr/>
+                </a:tc>
+                <a:tc>
+                  <a:txBody>
+                    <a:bodyPr/>
+                    <a:lstStyle/>
+                    <a:p>
+                      <a:r>
+                        <a:rPr lang="en-US" altLang="zh-TW" sz="2800" dirty="0" smtClean="0"/>
+                        <a:t>86.6406</a:t>
+                      </a:r>
+                      <a:endParaRPr lang="zh-TW" altLang="en-US" sz="2800" dirty="0"/>
+                    </a:p>
+                  </a:txBody>
+                  <a:tcPr/>
+                </a:tc>
+                <a:extLst>
+                  <a:ext uri="{0D108BD9-81ED-4DB2-BD59-A6C34878D82A}">
+                    <a16:rowId xmlns="" xmlns:a16="http://schemas.microsoft.com/office/drawing/2014/main" val="2232274875"/>
+                  </a:ext>
+                </a:extLst>
+              </a:tr>
+              <a:tr h="655066">
+                <a:tc>
+                  <a:txBody>
+                    <a:bodyPr/>
+                    <a:lstStyle/>
+                    <a:p>
+                      <a:r>
+                        <a:rPr lang="en-US" altLang="zh-TW" sz="2800" dirty="0" smtClean="0"/>
+                        <a:t>PCA-32</a:t>
+                      </a:r>
+                      <a:endParaRPr lang="zh-TW" altLang="en-US" sz="2800" dirty="0"/>
+                    </a:p>
+                  </a:txBody>
+                  <a:tcPr/>
+                </a:tc>
+                <a:tc>
+                  <a:txBody>
+                    <a:bodyPr/>
+                    <a:lstStyle/>
+                    <a:p>
+                      <a:r>
+                        <a:rPr lang="en-US" altLang="zh-TW" sz="2800" dirty="0" smtClean="0"/>
+                        <a:t>64.4578% </a:t>
+                      </a:r>
+                      <a:r>
+                        <a:rPr lang="en-US" altLang="zh-TW" sz="2800" dirty="0">
+                          <a:latin typeface="Wide Latin" panose="020A0A07050505020404" pitchFamily="18" charset="0"/>
+                        </a:rPr>
+                        <a:t>±</a:t>
+                      </a:r>
+                      <a:r>
+                        <a:rPr lang="en-US" altLang="zh-TW" sz="2800" dirty="0"/>
+                        <a:t> 0%</a:t>
+                      </a:r>
+                      <a:endParaRPr lang="zh-TW" altLang="en-US" sz="2800" dirty="0"/>
+                    </a:p>
+                  </a:txBody>
+                  <a:tcPr/>
+                </a:tc>
+                <a:tc>
+                  <a:txBody>
+                    <a:bodyPr/>
+                    <a:lstStyle/>
+                    <a:p>
+                      <a:r>
+                        <a:rPr lang="en-US" altLang="zh-TW" sz="2800" dirty="0" smtClean="0"/>
+                        <a:t>0.2585</a:t>
+                      </a:r>
+                      <a:endParaRPr lang="zh-TW" altLang="en-US" sz="2800" dirty="0"/>
+                    </a:p>
+                  </a:txBody>
+                  <a:tcPr/>
+                </a:tc>
+                <a:extLst>
+                  <a:ext uri="{0D108BD9-81ED-4DB2-BD59-A6C34878D82A}">
+                    <a16:rowId xmlns="" xmlns:a16="http://schemas.microsoft.com/office/drawing/2014/main" val="4251700897"/>
+                  </a:ext>
+                </a:extLst>
+              </a:tr>
+              <a:tr h="655066">
+                <a:tc>
+                  <a:txBody>
+                    <a:bodyPr/>
+                    <a:lstStyle/>
+                    <a:p>
+                      <a:r>
+                        <a:rPr lang="en-US" altLang="zh-TW" sz="2800" dirty="0" smtClean="0"/>
+                        <a:t>PCA-32 </a:t>
+                      </a:r>
+                      <a:r>
+                        <a:rPr lang="en-US" altLang="zh-TW" sz="2800" dirty="0"/>
+                        <a:t>(normalized)</a:t>
+                      </a:r>
+                      <a:endParaRPr lang="zh-TW" altLang="en-US" sz="2800" dirty="0"/>
+                    </a:p>
+                  </a:txBody>
+                  <a:tcPr/>
+                </a:tc>
+                <a:tc>
+                  <a:txBody>
+                    <a:bodyPr/>
+                    <a:lstStyle/>
+                    <a:p>
+                      <a:pPr marL="0" marR="0" lvl="0" indent="0" algn="l" defTabSz="914400" rtl="0" eaLnBrk="1" fontAlgn="auto" latinLnBrk="0" hangingPunct="1">
+                        <a:lnSpc>
+                          <a:spcPct val="100000"/>
+                        </a:lnSpc>
+                        <a:spcBef>
+                          <a:spcPts val="0"/>
+                        </a:spcBef>
+                        <a:spcAft>
+                          <a:spcPts val="0"/>
+                        </a:spcAft>
+                        <a:buClrTx/>
+                        <a:buSzTx/>
+                        <a:buFontTx/>
+                        <a:buNone/>
+                        <a:tabLst/>
+                        <a:defRPr/>
+                      </a:pPr>
+                      <a:r>
+                        <a:rPr lang="en-US" altLang="zh-TW" sz="2800" dirty="0" smtClean="0"/>
+                        <a:t>61.1446% </a:t>
+                      </a:r>
+                      <a:r>
+                        <a:rPr lang="en-US" altLang="zh-TW" sz="2800" dirty="0">
+                          <a:latin typeface="Wide Latin" panose="020A0A07050505020404" pitchFamily="18" charset="0"/>
+                        </a:rPr>
+                        <a:t>±</a:t>
+                      </a:r>
+                      <a:r>
+                        <a:rPr lang="en-US" altLang="zh-TW" sz="2800" dirty="0"/>
+                        <a:t> 0%</a:t>
+                      </a:r>
+                      <a:endParaRPr lang="zh-TW" altLang="en-US" sz="2800" dirty="0"/>
+                    </a:p>
+                  </a:txBody>
+                  <a:tcPr/>
+                </a:tc>
+                <a:tc>
+                  <a:txBody>
+                    <a:bodyPr/>
+                    <a:lstStyle/>
+                    <a:p>
+                      <a:r>
+                        <a:rPr lang="en-US" altLang="zh-TW" sz="2800" dirty="0" smtClean="0"/>
+                        <a:t>0.3012</a:t>
+                      </a:r>
+                      <a:endParaRPr lang="zh-TW" altLang="en-US" sz="2800" dirty="0"/>
+                    </a:p>
+                  </a:txBody>
+                  <a:tcPr/>
+                </a:tc>
+                <a:extLst>
+                  <a:ext uri="{0D108BD9-81ED-4DB2-BD59-A6C34878D82A}">
+                    <a16:rowId xmlns="" xmlns:a16="http://schemas.microsoft.com/office/drawing/2014/main" val="4168020029"/>
+                  </a:ext>
+                </a:extLst>
+              </a:tr>
+              <a:tr h="655066">
+                <a:tc>
+                  <a:txBody>
+                    <a:bodyPr/>
+                    <a:lstStyle/>
+                    <a:p>
+                      <a:r>
+                        <a:rPr lang="en-US" altLang="zh-TW" sz="2800" dirty="0" smtClean="0"/>
+                        <a:t>AE-32</a:t>
+                      </a:r>
+                      <a:endParaRPr lang="zh-TW" altLang="en-US" sz="2800" dirty="0"/>
+                    </a:p>
+                  </a:txBody>
+                  <a:tcPr/>
+                </a:tc>
+                <a:tc>
+                  <a:txBody>
+                    <a:bodyPr/>
+                    <a:lstStyle/>
+                    <a:p>
+                      <a:pPr marL="0" marR="0" lvl="0" indent="0" algn="l" defTabSz="914400" rtl="0" eaLnBrk="1" fontAlgn="auto" latinLnBrk="0" hangingPunct="1">
+                        <a:lnSpc>
+                          <a:spcPct val="100000"/>
+                        </a:lnSpc>
+                        <a:spcBef>
+                          <a:spcPts val="0"/>
+                        </a:spcBef>
+                        <a:spcAft>
+                          <a:spcPts val="0"/>
+                        </a:spcAft>
+                        <a:buClrTx/>
+                        <a:buSzTx/>
+                        <a:buFontTx/>
+                        <a:buNone/>
+                        <a:tabLst/>
+                        <a:defRPr/>
+                      </a:pPr>
+                      <a:r>
+                        <a:rPr lang="en-US" altLang="zh-TW" sz="2800" dirty="0" smtClean="0"/>
+                        <a:t>63.2530 % </a:t>
+                      </a:r>
+                      <a:r>
+                        <a:rPr lang="en-US" altLang="zh-TW" sz="2800" dirty="0" smtClean="0">
+                          <a:latin typeface="Wide Latin" panose="020A0A07050505020404" pitchFamily="18" charset="0"/>
+                        </a:rPr>
+                        <a:t>±</a:t>
+                      </a:r>
+                      <a:r>
+                        <a:rPr lang="en-US" altLang="zh-TW" sz="2800" dirty="0" smtClean="0"/>
+                        <a:t> 0%</a:t>
+                      </a:r>
+                      <a:endParaRPr lang="zh-TW" altLang="en-US" sz="2800" dirty="0"/>
+                    </a:p>
+                  </a:txBody>
+                  <a:tcPr/>
+                </a:tc>
+                <a:tc>
+                  <a:txBody>
+                    <a:bodyPr/>
+                    <a:lstStyle/>
+                    <a:p>
+                      <a:r>
+                        <a:rPr lang="en-US" altLang="zh-TW" sz="2800" dirty="0" smtClean="0"/>
+                        <a:t>0.2013</a:t>
+                      </a:r>
+                      <a:endParaRPr lang="zh-TW" altLang="en-US" sz="2800" dirty="0"/>
+                    </a:p>
+                  </a:txBody>
+                  <a:tcPr/>
+                </a:tc>
+              </a:tr>
+              <a:tr h="655066">
+                <a:tc>
+                  <a:txBody>
+                    <a:bodyPr/>
+                    <a:lstStyle/>
+                    <a:p>
+                      <a:r>
+                        <a:rPr lang="en-US" altLang="zh-TW" sz="2800" dirty="0" smtClean="0"/>
+                        <a:t>AE-32 (normalized)</a:t>
+                      </a:r>
+                      <a:endParaRPr lang="zh-TW" altLang="en-US" sz="2800" dirty="0"/>
+                    </a:p>
+                  </a:txBody>
+                  <a:tcPr/>
+                </a:tc>
+                <a:tc>
+                  <a:txBody>
+                    <a:bodyPr/>
+                    <a:lstStyle/>
+                    <a:p>
+                      <a:pPr marL="0" marR="0" lvl="0" indent="0" algn="l" defTabSz="914400" rtl="0" eaLnBrk="1" fontAlgn="auto" latinLnBrk="0" hangingPunct="1">
+                        <a:lnSpc>
+                          <a:spcPct val="100000"/>
+                        </a:lnSpc>
+                        <a:spcBef>
+                          <a:spcPts val="0"/>
+                        </a:spcBef>
+                        <a:spcAft>
+                          <a:spcPts val="0"/>
+                        </a:spcAft>
+                        <a:buClrTx/>
+                        <a:buSzTx/>
+                        <a:buFontTx/>
+                        <a:buNone/>
+                        <a:tabLst/>
+                        <a:defRPr/>
+                      </a:pPr>
+                      <a:r>
+                        <a:rPr lang="en-US" altLang="zh-TW" sz="2800" dirty="0" smtClean="0"/>
+                        <a:t>50.3012% </a:t>
+                      </a:r>
+                      <a:r>
+                        <a:rPr lang="en-US" altLang="zh-TW" sz="2800" dirty="0" smtClean="0">
+                          <a:latin typeface="Wide Latin" panose="020A0A07050505020404" pitchFamily="18" charset="0"/>
+                        </a:rPr>
+                        <a:t>±</a:t>
+                      </a:r>
+                      <a:r>
+                        <a:rPr lang="en-US" altLang="zh-TW" sz="2800" dirty="0" smtClean="0"/>
+                        <a:t> 0%</a:t>
+                      </a:r>
+                      <a:endParaRPr lang="zh-TW" altLang="en-US" sz="2800" dirty="0"/>
+                    </a:p>
+                  </a:txBody>
+                  <a:tcPr/>
+                </a:tc>
+                <a:tc>
+                  <a:txBody>
+                    <a:bodyPr/>
+                    <a:lstStyle/>
+                    <a:p>
+                      <a:r>
+                        <a:rPr lang="en-US" altLang="zh-TW" sz="2800" dirty="0" smtClean="0"/>
+                        <a:t>0.2056</a:t>
+                      </a:r>
+                      <a:endParaRPr lang="zh-TW" altLang="en-US" sz="2800" dirty="0"/>
+                    </a:p>
+                  </a:txBody>
+                  <a:tcPr/>
+                </a:tc>
+              </a:tr>
+            </a:tbl>
+          </a:graphicData>
+        </a:graphic>
+      </p:graphicFrame>
+    </p:spTree>
+    <p:extLst>
+      <p:ext uri="{BB962C8B-B14F-4D97-AF65-F5344CB8AC3E}">
+        <p14:creationId xmlns="" xmlns:p14="http://schemas.microsoft.com/office/powerpoint/2010/main" val="2220883863"/>
+      </p:ext>
+    </p:extLst>
+  </p:cSld>
+  <p:clrMapOvr>
+    <a:masterClrMapping/>
+  </p:clrMapOvr>
+</p:sld>
+</file>
+
+<file path=ppt/slides/slide34.xml><?xml version="1.0" encoding="utf-8"?>
+<p:sld xmlns:a="http://schemas.openxmlformats.org/drawingml/2006/main" xmlns:r="http://schemas.openxmlformats.org/officeDocument/2006/relationships" xmlns:p="http://schemas.openxmlformats.org/presentationml/2006/main">
+  <p:cSld>
+    <p:spTree>
+      <p:nvGrpSpPr>
+        <p:cNvPr id="1" name=""/>
+        <p:cNvGrpSpPr/>
+        <p:nvPr/>
+      </p:nvGrpSpPr>
+      <p:grpSpPr>
+        <a:xfrm>
+          <a:off x="0" y="0"/>
+          <a:ext cx="0" cy="0"/>
+          <a:chOff x="0" y="0"/>
+          <a:chExt cx="0" cy="0"/>
+        </a:xfrm>
+      </p:grpSpPr>
+      <p:sp>
+        <p:nvSpPr>
+          <p:cNvPr id="2" name="標題 1">
+            <a:extLst>
+              <a:ext uri="{FF2B5EF4-FFF2-40B4-BE49-F238E27FC236}">
+                <a16:creationId xmlns:a16="http://schemas.microsoft.com/office/drawing/2014/main" xmlns="" id="{7BDC027D-0EFD-5E87-C32C-78BCBA19CA82}"/>
+              </a:ext>
+            </a:extLst>
+          </p:cNvPr>
+          <p:cNvSpPr>
+            <a:spLocks noGrp="1"/>
+          </p:cNvSpPr>
+          <p:nvPr>
+            <p:ph type="title"/>
+          </p:nvPr>
+        </p:nvSpPr>
+        <p:spPr/>
+        <p:txBody>
+          <a:bodyPr>
+            <a:normAutofit/>
+          </a:bodyPr>
+          <a:lstStyle/>
+          <a:p>
+            <a:r>
+              <a:rPr lang="en-US" altLang="zh-TW" dirty="0">
+                <a:latin typeface="Consolas" panose="020B0609020204030204" pitchFamily="49" charset="0"/>
+              </a:rPr>
+              <a:t>Naive Bayes classifier (GA) </a:t>
+            </a:r>
+            <a:br>
+              <a:rPr lang="en-US" altLang="zh-TW" dirty="0">
+                <a:latin typeface="Consolas" panose="020B0609020204030204" pitchFamily="49" charset="0"/>
+              </a:rPr>
+            </a:br>
+            <a:r>
+              <a:rPr lang="en-US" altLang="zh-TW" dirty="0">
+                <a:latin typeface="Consolas" panose="020B0609020204030204" pitchFamily="49" charset="0"/>
+              </a:rPr>
+              <a:t>+ k-means, Cancer RNA-Seq</a:t>
+            </a:r>
+            <a:endParaRPr lang="zh-TW" altLang="en-US" dirty="0"/>
+          </a:p>
+        </p:txBody>
+      </p:sp>
+      <p:graphicFrame>
+        <p:nvGraphicFramePr>
+          <p:cNvPr id="4" name="表格 4">
+            <a:extLst>
+              <a:ext uri="{FF2B5EF4-FFF2-40B4-BE49-F238E27FC236}">
+                <a16:creationId xmlns:a16="http://schemas.microsoft.com/office/drawing/2014/main" xmlns="" id="{5F3E0619-219B-E13A-0433-2F63B4B4B02D}"/>
+              </a:ext>
+            </a:extLst>
+          </p:cNvPr>
+          <p:cNvGraphicFramePr>
+            <a:graphicFrameLocks noGrp="1"/>
+          </p:cNvGraphicFramePr>
+          <p:nvPr>
+            <p:extLst>
+              <p:ext uri="{D42A27DB-BD31-4B8C-83A1-F6EECF244321}">
+                <p14:modId xmlns="" xmlns:p14="http://schemas.microsoft.com/office/powerpoint/2010/main" val="1087413213"/>
+              </p:ext>
+            </p:extLst>
+          </p:nvPr>
+        </p:nvGraphicFramePr>
+        <p:xfrm>
+          <a:off x="1239520" y="1791335"/>
+          <a:ext cx="9712959" cy="4585462"/>
+        </p:xfrm>
+        <a:graphic>
+          <a:graphicData uri="http://schemas.openxmlformats.org/drawingml/2006/table">
+            <a:tbl>
+              <a:tblPr firstRow="1" bandRow="1">
+                <a:tableStyleId>{5C22544A-7EE6-4342-B048-85BDC9FD1C3A}</a:tableStyleId>
+              </a:tblPr>
+              <a:tblGrid>
+                <a:gridCol w="3237653">
+                  <a:extLst>
+                    <a:ext uri="{9D8B030D-6E8A-4147-A177-3AD203B41FA5}">
+                      <a16:colId xmlns:a16="http://schemas.microsoft.com/office/drawing/2014/main" xmlns="" val="3991208199"/>
+                    </a:ext>
+                  </a:extLst>
+                </a:gridCol>
+                <a:gridCol w="3237653">
+                  <a:extLst>
+                    <a:ext uri="{9D8B030D-6E8A-4147-A177-3AD203B41FA5}">
+                      <a16:colId xmlns:a16="http://schemas.microsoft.com/office/drawing/2014/main" xmlns="" val="1262213421"/>
+                    </a:ext>
+                  </a:extLst>
+                </a:gridCol>
+                <a:gridCol w="3237653">
+                  <a:extLst>
+                    <a:ext uri="{9D8B030D-6E8A-4147-A177-3AD203B41FA5}">
+                      <a16:colId xmlns:a16="http://schemas.microsoft.com/office/drawing/2014/main" xmlns="" val="3788634706"/>
+                    </a:ext>
+                  </a:extLst>
+                </a:gridCol>
+              </a:tblGrid>
+              <a:tr h="655066">
+                <a:tc>
+                  <a:txBody>
+                    <a:bodyPr/>
+                    <a:lstStyle/>
+                    <a:p>
+                      <a:pPr marL="0" marR="0" lvl="0" indent="0" algn="l" defTabSz="914400" rtl="0" eaLnBrk="1" fontAlgn="auto" latinLnBrk="0" hangingPunct="1">
+                        <a:lnSpc>
+                          <a:spcPct val="100000"/>
+                        </a:lnSpc>
+                        <a:spcBef>
+                          <a:spcPts val="0"/>
+                        </a:spcBef>
+                        <a:spcAft>
+                          <a:spcPts val="0"/>
+                        </a:spcAft>
+                        <a:buClrTx/>
+                        <a:buSzTx/>
+                        <a:buFontTx/>
+                        <a:buNone/>
+                        <a:tabLst/>
+                        <a:defRPr/>
+                      </a:pPr>
+                      <a:r>
+                        <a:rPr lang="en-US" altLang="zh-TW" sz="2800" dirty="0"/>
+                        <a:t>Repeat 10 times</a:t>
+                      </a:r>
+                      <a:endParaRPr lang="zh-TW" altLang="en-US" sz="2800" dirty="0"/>
+                    </a:p>
+                  </a:txBody>
+                  <a:tcPr/>
+                </a:tc>
+                <a:tc>
+                  <a:txBody>
+                    <a:bodyPr/>
+                    <a:lstStyle/>
+                    <a:p>
+                      <a:r>
+                        <a:rPr lang="en-US" altLang="zh-TW" sz="2800" dirty="0"/>
+                        <a:t>Accuracy (%)</a:t>
+                      </a:r>
+                      <a:endParaRPr lang="zh-TW" altLang="en-US" sz="2800" dirty="0"/>
+                    </a:p>
+                  </a:txBody>
+                  <a:tcPr/>
+                </a:tc>
+                <a:tc>
+                  <a:txBody>
+                    <a:bodyPr/>
+                    <a:lstStyle/>
+                    <a:p>
+                      <a:r>
+                        <a:rPr lang="en-US" altLang="zh-TW" sz="2800" dirty="0"/>
+                        <a:t>Time (s)</a:t>
+                      </a:r>
+                      <a:endParaRPr lang="zh-TW" altLang="en-US" sz="2800" dirty="0"/>
+                    </a:p>
+                  </a:txBody>
+                  <a:tcPr/>
+                </a:tc>
+                <a:extLst>
+                  <a:ext uri="{0D108BD9-81ED-4DB2-BD59-A6C34878D82A}">
+                    <a16:rowId xmlns:a16="http://schemas.microsoft.com/office/drawing/2014/main" xmlns="" val="2028684342"/>
+                  </a:ext>
+                </a:extLst>
+              </a:tr>
+              <a:tr h="655066">
+                <a:tc>
+                  <a:txBody>
+                    <a:bodyPr/>
+                    <a:lstStyle/>
+                    <a:p>
+                      <a:r>
+                        <a:rPr lang="en-US" altLang="zh-TW" sz="2800" dirty="0">
+                          <a:latin typeface="Consolas" pitchFamily="49" charset="0"/>
+                        </a:rPr>
+                        <a:t>Raw</a:t>
+                      </a:r>
+                      <a:endParaRPr lang="zh-TW" altLang="en-US" sz="2800" dirty="0"/>
+                    </a:p>
+                  </a:txBody>
+                  <a:tcPr/>
+                </a:tc>
+                <a:tc>
+                  <a:txBody>
+                    <a:bodyPr/>
+                    <a:lstStyle/>
+                    <a:p>
+                      <a:r>
+                        <a:rPr lang="en-US" altLang="zh-TW" sz="2800" dirty="0"/>
+                        <a:t>43.3674% </a:t>
+                      </a:r>
+                      <a:r>
+                        <a:rPr lang="en-US" altLang="zh-TW" sz="2800" dirty="0">
+                          <a:latin typeface="Wide Latin" panose="020A0A07050505020404" pitchFamily="18" charset="0"/>
+                        </a:rPr>
+                        <a:t>±</a:t>
+                      </a:r>
+                      <a:r>
+                        <a:rPr lang="en-US" altLang="zh-TW" sz="2800" dirty="0"/>
+                        <a:t> 0% </a:t>
+                      </a:r>
+                      <a:endParaRPr lang="zh-TW" altLang="en-US" sz="2800" dirty="0"/>
+                    </a:p>
+                  </a:txBody>
+                  <a:tcPr/>
+                </a:tc>
+                <a:tc>
+                  <a:txBody>
+                    <a:bodyPr/>
+                    <a:lstStyle/>
+                    <a:p>
+                      <a:r>
+                        <a:rPr lang="en-US" altLang="zh-TW" sz="2800" dirty="0"/>
+                        <a:t>2.2308</a:t>
+                      </a:r>
+                      <a:endParaRPr lang="zh-TW" altLang="en-US" sz="2800" dirty="0"/>
+                    </a:p>
+                  </a:txBody>
+                  <a:tcPr/>
+                </a:tc>
+                <a:extLst>
+                  <a:ext uri="{0D108BD9-81ED-4DB2-BD59-A6C34878D82A}">
+                    <a16:rowId xmlns:a16="http://schemas.microsoft.com/office/drawing/2014/main" xmlns="" val="1629505054"/>
+                  </a:ext>
+                </a:extLst>
+              </a:tr>
+              <a:tr h="655066">
+                <a:tc>
+                  <a:txBody>
+                    <a:bodyPr/>
+                    <a:lstStyle/>
+                    <a:p>
+                      <a:r>
+                        <a:rPr lang="en-US" altLang="zh-TW" sz="2800" dirty="0"/>
+                        <a:t>Normalized</a:t>
+                      </a:r>
+                      <a:endParaRPr lang="zh-TW" altLang="en-US" sz="2800" dirty="0"/>
+                    </a:p>
+                  </a:txBody>
+                  <a:tcPr/>
+                </a:tc>
+                <a:tc>
+                  <a:txBody>
+                    <a:bodyPr/>
+                    <a:lstStyle/>
+                    <a:p>
+                      <a:r>
+                        <a:rPr lang="en-US" altLang="zh-TW" sz="2800" dirty="0" smtClean="0"/>
+                        <a:t>Not</a:t>
+                      </a:r>
+                      <a:r>
+                        <a:rPr lang="en-US" altLang="zh-TW" sz="2800" baseline="0" dirty="0" smtClean="0"/>
+                        <a:t> converge</a:t>
+                      </a:r>
+                      <a:endParaRPr lang="zh-TW" altLang="en-US" sz="2800" dirty="0"/>
+                    </a:p>
+                  </a:txBody>
+                  <a:tcPr/>
+                </a:tc>
+                <a:tc>
+                  <a:txBody>
+                    <a:bodyPr/>
+                    <a:lstStyle/>
+                    <a:p>
+                      <a:r>
+                        <a:rPr lang="en-US" altLang="zh-TW" sz="2800" dirty="0"/>
+                        <a:t>-</a:t>
+                      </a:r>
+                      <a:endParaRPr lang="zh-TW" altLang="en-US" sz="2800" dirty="0"/>
+                    </a:p>
+                  </a:txBody>
+                  <a:tcPr/>
+                </a:tc>
+                <a:extLst>
+                  <a:ext uri="{0D108BD9-81ED-4DB2-BD59-A6C34878D82A}">
+                    <a16:rowId xmlns:a16="http://schemas.microsoft.com/office/drawing/2014/main" xmlns="" val="2232274875"/>
+                  </a:ext>
+                </a:extLst>
+              </a:tr>
+              <a:tr h="655066">
+                <a:tc>
+                  <a:txBody>
+                    <a:bodyPr/>
+                    <a:lstStyle/>
+                    <a:p>
+                      <a:r>
+                        <a:rPr lang="en-US" altLang="zh-TW" sz="2800" dirty="0"/>
+                        <a:t>PCA-32</a:t>
+                      </a:r>
+                      <a:endParaRPr lang="zh-TW" altLang="en-US" sz="2800" dirty="0"/>
+                    </a:p>
+                  </a:txBody>
+                  <a:tcPr/>
+                </a:tc>
+                <a:tc>
+                  <a:txBody>
+                    <a:bodyPr/>
+                    <a:lstStyle/>
+                    <a:p>
+                      <a:r>
+                        <a:rPr lang="en-US" altLang="zh-TW" sz="2800" dirty="0"/>
+                        <a:t>34.0436% </a:t>
+                      </a:r>
+                      <a:r>
+                        <a:rPr lang="en-US" altLang="zh-TW" sz="2800" dirty="0">
+                          <a:latin typeface="Wide Latin" panose="020A0A07050505020404" pitchFamily="18" charset="0"/>
+                        </a:rPr>
+                        <a:t>±</a:t>
+                      </a:r>
+                      <a:r>
+                        <a:rPr lang="en-US" altLang="zh-TW" sz="2800" dirty="0"/>
+                        <a:t> 0%</a:t>
+                      </a:r>
+                      <a:endParaRPr lang="zh-TW" altLang="en-US" sz="2800" dirty="0"/>
+                    </a:p>
+                  </a:txBody>
+                  <a:tcPr/>
+                </a:tc>
+                <a:tc>
+                  <a:txBody>
+                    <a:bodyPr/>
+                    <a:lstStyle/>
+                    <a:p>
+                      <a:r>
+                        <a:rPr lang="en-US" altLang="zh-TW" sz="2800" dirty="0"/>
+                        <a:t>0.0327</a:t>
+                      </a:r>
+                      <a:endParaRPr lang="zh-TW" altLang="en-US" sz="2800" dirty="0"/>
+                    </a:p>
+                  </a:txBody>
+                  <a:tcPr/>
+                </a:tc>
+                <a:extLst>
+                  <a:ext uri="{0D108BD9-81ED-4DB2-BD59-A6C34878D82A}">
+                    <a16:rowId xmlns:a16="http://schemas.microsoft.com/office/drawing/2014/main" xmlns="" val="4251700897"/>
+                  </a:ext>
+                </a:extLst>
+              </a:tr>
+              <a:tr h="655066">
+                <a:tc>
+                  <a:txBody>
+                    <a:bodyPr/>
+                    <a:lstStyle/>
+                    <a:p>
+                      <a:r>
+                        <a:rPr lang="en-US" altLang="zh-TW" sz="2800" dirty="0"/>
+                        <a:t>PCA-32 (normalized)</a:t>
+                      </a:r>
+                      <a:endParaRPr lang="zh-TW" altLang="en-US" sz="2800" dirty="0"/>
+                    </a:p>
+                  </a:txBody>
+                  <a:tcPr/>
+                </a:tc>
+                <a:tc>
+                  <a:txBody>
+                    <a:bodyPr/>
+                    <a:lstStyle/>
+                    <a:p>
+                      <a:r>
+                        <a:rPr lang="en-US" altLang="zh-TW" sz="2800" dirty="0"/>
+                        <a:t>16.8674% </a:t>
+                      </a:r>
+                      <a:r>
+                        <a:rPr lang="en-US" altLang="zh-TW" sz="2800" dirty="0">
+                          <a:latin typeface="Wide Latin" panose="020A0A07050505020404" pitchFamily="18" charset="0"/>
+                        </a:rPr>
+                        <a:t>±</a:t>
+                      </a:r>
+                      <a:r>
+                        <a:rPr lang="en-US" altLang="zh-TW" sz="2800" dirty="0"/>
+                        <a:t> 0%</a:t>
+                      </a:r>
+                      <a:endParaRPr lang="zh-TW" altLang="en-US" sz="2800" dirty="0"/>
+                    </a:p>
+                  </a:txBody>
+                  <a:tcPr/>
+                </a:tc>
+                <a:tc>
+                  <a:txBody>
+                    <a:bodyPr/>
+                    <a:lstStyle/>
+                    <a:p>
+                      <a:r>
+                        <a:rPr lang="en-US" altLang="zh-TW" sz="2800" dirty="0"/>
+                        <a:t>0.0364</a:t>
+                      </a:r>
+                      <a:endParaRPr lang="zh-TW" altLang="en-US" sz="2800" dirty="0"/>
+                    </a:p>
+                  </a:txBody>
+                  <a:tcPr/>
+                </a:tc>
+                <a:extLst>
+                  <a:ext uri="{0D108BD9-81ED-4DB2-BD59-A6C34878D82A}">
+                    <a16:rowId xmlns:a16="http://schemas.microsoft.com/office/drawing/2014/main" xmlns="" val="4168020029"/>
+                  </a:ext>
+                </a:extLst>
+              </a:tr>
+              <a:tr h="655066">
+                <a:tc>
+                  <a:txBody>
+                    <a:bodyPr/>
+                    <a:lstStyle/>
+                    <a:p>
+                      <a:r>
+                        <a:rPr lang="en-US" altLang="zh-TW" sz="2800" dirty="0"/>
+                        <a:t>AE-32</a:t>
+                      </a:r>
+                      <a:endParaRPr lang="zh-TW" altLang="en-US" sz="2800" dirty="0"/>
+                    </a:p>
+                  </a:txBody>
+                  <a:tcPr/>
+                </a:tc>
+                <a:tc>
+                  <a:txBody>
+                    <a:bodyPr/>
+                    <a:lstStyle/>
+                    <a:p>
+                      <a:pPr marL="0" marR="0" lvl="0" indent="0" algn="l" defTabSz="914400" rtl="0" eaLnBrk="1" fontAlgn="auto" latinLnBrk="0" hangingPunct="1">
+                        <a:lnSpc>
+                          <a:spcPct val="100000"/>
+                        </a:lnSpc>
+                        <a:spcBef>
+                          <a:spcPts val="0"/>
+                        </a:spcBef>
+                        <a:spcAft>
+                          <a:spcPts val="0"/>
+                        </a:spcAft>
+                        <a:buClrTx/>
+                        <a:buSzTx/>
+                        <a:buFontTx/>
+                        <a:buNone/>
+                        <a:tabLst/>
+                        <a:defRPr/>
+                      </a:pPr>
+                      <a:r>
+                        <a:rPr lang="en-US" altLang="zh-TW" sz="2800" dirty="0"/>
+                        <a:t>21.9879% </a:t>
+                      </a:r>
+                      <a:r>
+                        <a:rPr lang="en-US" altLang="zh-TW" sz="2800" dirty="0">
+                          <a:latin typeface="Wide Latin" panose="020A0A07050505020404" pitchFamily="18" charset="0"/>
+                        </a:rPr>
+                        <a:t>±</a:t>
+                      </a:r>
+                      <a:r>
+                        <a:rPr lang="en-US" altLang="zh-TW" sz="2800" dirty="0"/>
+                        <a:t> 0%</a:t>
+                      </a:r>
+                      <a:endParaRPr lang="zh-TW" altLang="en-US" sz="2800" dirty="0"/>
+                    </a:p>
+                  </a:txBody>
+                  <a:tcPr/>
+                </a:tc>
+                <a:tc>
+                  <a:txBody>
+                    <a:bodyPr/>
+                    <a:lstStyle/>
+                    <a:p>
+                      <a:r>
+                        <a:rPr lang="en-US" altLang="zh-TW" sz="2800" dirty="0"/>
+                        <a:t>0.0317</a:t>
+                      </a:r>
+                      <a:endParaRPr lang="zh-TW" altLang="en-US" sz="2800" dirty="0"/>
+                    </a:p>
+                  </a:txBody>
+                  <a:tcPr/>
+                </a:tc>
+                <a:extLst>
+                  <a:ext uri="{0D108BD9-81ED-4DB2-BD59-A6C34878D82A}">
+                    <a16:rowId xmlns:a16="http://schemas.microsoft.com/office/drawing/2014/main" xmlns="" val="10005"/>
+                  </a:ext>
+                </a:extLst>
+              </a:tr>
+              <a:tr h="655066">
+                <a:tc>
+                  <a:txBody>
+                    <a:bodyPr/>
+                    <a:lstStyle/>
+                    <a:p>
+                      <a:r>
+                        <a:rPr lang="en-US" altLang="zh-TW" sz="2800" dirty="0"/>
+                        <a:t>AE-32 (normalized)</a:t>
+                      </a:r>
+                      <a:endParaRPr lang="zh-TW" altLang="en-US" sz="2800" dirty="0"/>
+                    </a:p>
+                  </a:txBody>
+                  <a:tcPr/>
+                </a:tc>
+                <a:tc>
+                  <a:txBody>
+                    <a:bodyPr/>
+                    <a:lstStyle/>
+                    <a:p>
+                      <a:pPr marL="0" marR="0" lvl="0" indent="0" algn="l" defTabSz="914400" rtl="0" eaLnBrk="1" fontAlgn="auto" latinLnBrk="0" hangingPunct="1">
+                        <a:lnSpc>
+                          <a:spcPct val="100000"/>
+                        </a:lnSpc>
+                        <a:spcBef>
+                          <a:spcPts val="0"/>
+                        </a:spcBef>
+                        <a:spcAft>
+                          <a:spcPts val="0"/>
+                        </a:spcAft>
+                        <a:buClrTx/>
+                        <a:buSzTx/>
+                        <a:buFontTx/>
+                        <a:buNone/>
+                        <a:tabLst/>
+                        <a:defRPr/>
+                      </a:pPr>
+                      <a:r>
+                        <a:rPr lang="en-US" altLang="zh-TW" sz="2800" dirty="0"/>
+                        <a:t>16.8674% </a:t>
+                      </a:r>
+                      <a:r>
+                        <a:rPr lang="en-US" altLang="zh-TW" sz="2800" dirty="0">
+                          <a:latin typeface="Wide Latin" panose="020A0A07050505020404" pitchFamily="18" charset="0"/>
+                        </a:rPr>
+                        <a:t>±</a:t>
+                      </a:r>
+                      <a:r>
+                        <a:rPr lang="en-US" altLang="zh-TW" sz="2800" dirty="0"/>
                         <a:t> 0%</a:t>
                       </a:r>
                       <a:endParaRPr lang="zh-TW" altLang="en-US" sz="2800" dirty="0"/>
@@ -10253,7 +11090,7 @@
                 </a:tc>
                 <a:extLst>
                   <a:ext uri="{0D108BD9-81ED-4DB2-BD59-A6C34878D82A}">
-                    <a16:rowId xmlns="" xmlns:a16="http://schemas.microsoft.com/office/drawing/2014/main" val="10006"/>
+                    <a16:rowId xmlns:a16="http://schemas.microsoft.com/office/drawing/2014/main" xmlns="" val="10006"/>
                   </a:ext>
                 </a:extLst>
               </a:tr>
@@ -10264,7 +11101,7 @@
     </p:spTree>
     <p:extLst>
       <p:ext uri="{BB962C8B-B14F-4D97-AF65-F5344CB8AC3E}">
-        <p14:creationId xmlns:p14="http://schemas.microsoft.com/office/powerpoint/2010/main" xmlns="" val="3308929122"/>
+        <p14:creationId xmlns="" xmlns:p14="http://schemas.microsoft.com/office/powerpoint/2010/main" val="3308929122"/>
       </p:ext>
     </p:extLst>
   </p:cSld>
@@ -10274,7 +11111,1343 @@
 </p:sld>
 </file>
 
-<file path=ppt/slides/slide33.xml><?xml version="1.0" encoding="utf-8"?>
+<file path=ppt/slides/slide35.xml><?xml version="1.0" encoding="utf-8"?>
+<p:sld xmlns:a="http://schemas.openxmlformats.org/drawingml/2006/main" xmlns:r="http://schemas.openxmlformats.org/officeDocument/2006/relationships" xmlns:p="http://schemas.openxmlformats.org/presentationml/2006/main">
+  <p:cSld>
+    <p:spTree>
+      <p:nvGrpSpPr>
+        <p:cNvPr id="1" name=""/>
+        <p:cNvGrpSpPr/>
+        <p:nvPr/>
+      </p:nvGrpSpPr>
+      <p:grpSpPr>
+        <a:xfrm>
+          <a:off x="0" y="0"/>
+          <a:ext cx="0" cy="0"/>
+          <a:chOff x="0" y="0"/>
+          <a:chExt cx="0" cy="0"/>
+        </a:xfrm>
+      </p:grpSpPr>
+      <p:sp>
+        <p:nvSpPr>
+          <p:cNvPr id="2" name="標題 1">
+            <a:extLst>
+              <a:ext uri="{FF2B5EF4-FFF2-40B4-BE49-F238E27FC236}">
+                <a16:creationId xmlns:a16="http://schemas.microsoft.com/office/drawing/2014/main" xmlns="" id="{7BDC027D-0EFD-5E87-C32C-78BCBA19CA82}"/>
+              </a:ext>
+            </a:extLst>
+          </p:cNvPr>
+          <p:cNvSpPr>
+            <a:spLocks noGrp="1"/>
+          </p:cNvSpPr>
+          <p:nvPr>
+            <p:ph type="title"/>
+          </p:nvPr>
+        </p:nvSpPr>
+        <p:spPr/>
+        <p:txBody>
+          <a:bodyPr>
+            <a:normAutofit/>
+          </a:bodyPr>
+          <a:lstStyle/>
+          <a:p>
+            <a:r>
+              <a:rPr lang="en-US" altLang="zh-TW" dirty="0">
+                <a:latin typeface="Consolas" panose="020B0609020204030204" pitchFamily="49" charset="0"/>
+              </a:rPr>
+              <a:t>NN + NN Chain, Cancer RNA-</a:t>
+            </a:r>
+            <a:r>
+              <a:rPr lang="en-US" altLang="zh-TW" dirty="0" err="1">
+                <a:latin typeface="Consolas" panose="020B0609020204030204" pitchFamily="49" charset="0"/>
+              </a:rPr>
+              <a:t>Seq</a:t>
+            </a:r>
+            <a:endParaRPr lang="zh-TW" altLang="en-US" dirty="0"/>
+          </a:p>
+        </p:txBody>
+      </p:sp>
+      <p:graphicFrame>
+        <p:nvGraphicFramePr>
+          <p:cNvPr id="4" name="表格 4">
+            <a:extLst>
+              <a:ext uri="{FF2B5EF4-FFF2-40B4-BE49-F238E27FC236}">
+                <a16:creationId xmlns:a16="http://schemas.microsoft.com/office/drawing/2014/main" xmlns="" id="{5F3E0619-219B-E13A-0433-2F63B4B4B02D}"/>
+              </a:ext>
+            </a:extLst>
+          </p:cNvPr>
+          <p:cNvGraphicFramePr>
+            <a:graphicFrameLocks noGrp="1"/>
+          </p:cNvGraphicFramePr>
+          <p:nvPr>
+            <p:extLst>
+              <p:ext uri="{D42A27DB-BD31-4B8C-83A1-F6EECF244321}">
+                <p14:modId xmlns:p14="http://schemas.microsoft.com/office/powerpoint/2010/main" xmlns="" val="2225793453"/>
+              </p:ext>
+            </p:extLst>
+          </p:nvPr>
+        </p:nvGraphicFramePr>
+        <p:xfrm>
+          <a:off x="1239520" y="1791335"/>
+          <a:ext cx="9712959" cy="4585462"/>
+        </p:xfrm>
+        <a:graphic>
+          <a:graphicData uri="http://schemas.openxmlformats.org/drawingml/2006/table">
+            <a:tbl>
+              <a:tblPr firstRow="1" bandRow="1">
+                <a:tableStyleId>{5C22544A-7EE6-4342-B048-85BDC9FD1C3A}</a:tableStyleId>
+              </a:tblPr>
+              <a:tblGrid>
+                <a:gridCol w="3237653">
+                  <a:extLst>
+                    <a:ext uri="{9D8B030D-6E8A-4147-A177-3AD203B41FA5}">
+                      <a16:colId xmlns:a16="http://schemas.microsoft.com/office/drawing/2014/main" xmlns="" val="3991208199"/>
+                    </a:ext>
+                  </a:extLst>
+                </a:gridCol>
+                <a:gridCol w="3237653">
+                  <a:extLst>
+                    <a:ext uri="{9D8B030D-6E8A-4147-A177-3AD203B41FA5}">
+                      <a16:colId xmlns:a16="http://schemas.microsoft.com/office/drawing/2014/main" xmlns="" val="1262213421"/>
+                    </a:ext>
+                  </a:extLst>
+                </a:gridCol>
+                <a:gridCol w="3237653">
+                  <a:extLst>
+                    <a:ext uri="{9D8B030D-6E8A-4147-A177-3AD203B41FA5}">
+                      <a16:colId xmlns:a16="http://schemas.microsoft.com/office/drawing/2014/main" xmlns="" val="3788634706"/>
+                    </a:ext>
+                  </a:extLst>
+                </a:gridCol>
+              </a:tblGrid>
+              <a:tr h="655066">
+                <a:tc>
+                  <a:txBody>
+                    <a:bodyPr/>
+                    <a:lstStyle/>
+                    <a:p>
+                      <a:pPr marL="0" marR="0" lvl="0" indent="0" algn="l" defTabSz="914400" rtl="0" eaLnBrk="1" fontAlgn="auto" latinLnBrk="0" hangingPunct="1">
+                        <a:lnSpc>
+                          <a:spcPct val="100000"/>
+                        </a:lnSpc>
+                        <a:spcBef>
+                          <a:spcPts val="0"/>
+                        </a:spcBef>
+                        <a:spcAft>
+                          <a:spcPts val="0"/>
+                        </a:spcAft>
+                        <a:buClrTx/>
+                        <a:buSzTx/>
+                        <a:buFontTx/>
+                        <a:buNone/>
+                        <a:tabLst/>
+                        <a:defRPr/>
+                      </a:pPr>
+                      <a:r>
+                        <a:rPr lang="en-US" altLang="zh-TW" sz="2800" dirty="0"/>
+                        <a:t>Repeat 10 times</a:t>
+                      </a:r>
+                      <a:endParaRPr lang="zh-TW" altLang="en-US" sz="2800" dirty="0"/>
+                    </a:p>
+                  </a:txBody>
+                  <a:tcPr/>
+                </a:tc>
+                <a:tc>
+                  <a:txBody>
+                    <a:bodyPr/>
+                    <a:lstStyle/>
+                    <a:p>
+                      <a:r>
+                        <a:rPr lang="en-US" altLang="zh-TW" sz="2800" dirty="0"/>
+                        <a:t>Accuracy (%)</a:t>
+                      </a:r>
+                      <a:endParaRPr lang="zh-TW" altLang="en-US" sz="2800" dirty="0"/>
+                    </a:p>
+                  </a:txBody>
+                  <a:tcPr/>
+                </a:tc>
+                <a:tc>
+                  <a:txBody>
+                    <a:bodyPr/>
+                    <a:lstStyle/>
+                    <a:p>
+                      <a:r>
+                        <a:rPr lang="en-US" altLang="zh-TW" sz="2800" dirty="0"/>
+                        <a:t>Time (s)</a:t>
+                      </a:r>
+                      <a:endParaRPr lang="zh-TW" altLang="en-US" sz="2800" dirty="0"/>
+                    </a:p>
+                  </a:txBody>
+                  <a:tcPr/>
+                </a:tc>
+                <a:extLst>
+                  <a:ext uri="{0D108BD9-81ED-4DB2-BD59-A6C34878D82A}">
+                    <a16:rowId xmlns:a16="http://schemas.microsoft.com/office/drawing/2014/main" xmlns="" val="2028684342"/>
+                  </a:ext>
+                </a:extLst>
+              </a:tr>
+              <a:tr h="655066">
+                <a:tc>
+                  <a:txBody>
+                    <a:bodyPr/>
+                    <a:lstStyle/>
+                    <a:p>
+                      <a:r>
+                        <a:rPr lang="en-US" altLang="zh-TW" sz="2800" dirty="0">
+                          <a:latin typeface="Consolas" pitchFamily="49" charset="0"/>
+                        </a:rPr>
+                        <a:t>Raw</a:t>
+                      </a:r>
+                      <a:endParaRPr lang="zh-TW" altLang="en-US" sz="2800" dirty="0"/>
+                    </a:p>
+                  </a:txBody>
+                  <a:tcPr/>
+                </a:tc>
+                <a:tc>
+                  <a:txBody>
+                    <a:bodyPr/>
+                    <a:lstStyle/>
+                    <a:p>
+                      <a:pPr marL="0" marR="0" lvl="0" indent="0" algn="l" defTabSz="914400" rtl="0" eaLnBrk="1" fontAlgn="auto" latinLnBrk="0" hangingPunct="1">
+                        <a:lnSpc>
+                          <a:spcPct val="100000"/>
+                        </a:lnSpc>
+                        <a:spcBef>
+                          <a:spcPts val="0"/>
+                        </a:spcBef>
+                        <a:spcAft>
+                          <a:spcPts val="0"/>
+                        </a:spcAft>
+                        <a:buClrTx/>
+                        <a:buSzTx/>
+                        <a:buFontTx/>
+                        <a:buNone/>
+                        <a:tabLst/>
+                        <a:defRPr/>
+                      </a:pPr>
+                      <a:r>
+                        <a:rPr lang="en-US" altLang="zh-TW" sz="2800" kern="1200" dirty="0">
+                          <a:solidFill>
+                            <a:schemeClr val="dk1"/>
+                          </a:solidFill>
+                          <a:latin typeface="+mn-lt"/>
+                          <a:ea typeface="+mn-ea"/>
+                          <a:cs typeface="+mn-cs"/>
+                        </a:rPr>
+                        <a:t>40.96% ± 0% </a:t>
+                      </a:r>
+                      <a:endParaRPr lang="zh-TW" altLang="en-US" sz="2800" kern="1200" dirty="0">
+                        <a:solidFill>
+                          <a:schemeClr val="dk1"/>
+                        </a:solidFill>
+                        <a:latin typeface="+mn-lt"/>
+                        <a:ea typeface="+mn-ea"/>
+                        <a:cs typeface="+mn-cs"/>
+                      </a:endParaRPr>
+                    </a:p>
+                  </a:txBody>
+                  <a:tcPr/>
+                </a:tc>
+                <a:tc>
+                  <a:txBody>
+                    <a:bodyPr/>
+                    <a:lstStyle/>
+                    <a:p>
+                      <a:r>
+                        <a:rPr lang="en-US" altLang="zh-TW" sz="2800" kern="1200" dirty="0">
+                          <a:solidFill>
+                            <a:schemeClr val="dk1"/>
+                          </a:solidFill>
+                          <a:latin typeface="+mn-lt"/>
+                          <a:ea typeface="+mn-ea"/>
+                          <a:cs typeface="+mn-cs"/>
+                        </a:rPr>
+                        <a:t>163.359</a:t>
+                      </a:r>
+                      <a:endParaRPr lang="zh-TW" altLang="en-US" sz="2800" kern="1200" dirty="0">
+                        <a:solidFill>
+                          <a:schemeClr val="dk1"/>
+                        </a:solidFill>
+                        <a:latin typeface="+mn-lt"/>
+                        <a:ea typeface="+mn-ea"/>
+                        <a:cs typeface="+mn-cs"/>
+                      </a:endParaRPr>
+                    </a:p>
+                  </a:txBody>
+                  <a:tcPr/>
+                </a:tc>
+                <a:extLst>
+                  <a:ext uri="{0D108BD9-81ED-4DB2-BD59-A6C34878D82A}">
+                    <a16:rowId xmlns:a16="http://schemas.microsoft.com/office/drawing/2014/main" xmlns="" val="1629505054"/>
+                  </a:ext>
+                </a:extLst>
+              </a:tr>
+              <a:tr h="655066">
+                <a:tc>
+                  <a:txBody>
+                    <a:bodyPr/>
+                    <a:lstStyle/>
+                    <a:p>
+                      <a:r>
+                        <a:rPr lang="en-US" altLang="zh-TW" sz="2800" dirty="0"/>
+                        <a:t>Normalized</a:t>
+                      </a:r>
+                      <a:endParaRPr lang="zh-TW" altLang="en-US" sz="2800" dirty="0"/>
+                    </a:p>
+                  </a:txBody>
+                  <a:tcPr/>
+                </a:tc>
+                <a:tc>
+                  <a:txBody>
+                    <a:bodyPr/>
+                    <a:lstStyle/>
+                    <a:p>
+                      <a:r>
+                        <a:rPr lang="en-US" altLang="zh-TW" sz="2800" kern="1200" dirty="0">
+                          <a:solidFill>
+                            <a:schemeClr val="dk1"/>
+                          </a:solidFill>
+                          <a:latin typeface="+mn-lt"/>
+                          <a:ea typeface="+mn-ea"/>
+                          <a:cs typeface="+mn-cs"/>
+                        </a:rPr>
+                        <a:t>41.2651</a:t>
+                      </a:r>
+                      <a:r>
+                        <a:rPr lang="zh-TW" altLang="en-US" sz="2800" kern="1200" dirty="0">
+                          <a:solidFill>
+                            <a:schemeClr val="dk1"/>
+                          </a:solidFill>
+                          <a:latin typeface="+mn-lt"/>
+                          <a:ea typeface="+mn-ea"/>
+                          <a:cs typeface="+mn-cs"/>
+                        </a:rPr>
+                        <a:t> </a:t>
+                      </a:r>
+                      <a:r>
+                        <a:rPr lang="en-US" altLang="zh-TW" sz="2800" kern="1200" dirty="0">
+                          <a:solidFill>
+                            <a:schemeClr val="dk1"/>
+                          </a:solidFill>
+                          <a:latin typeface="+mn-lt"/>
+                          <a:ea typeface="+mn-ea"/>
+                          <a:cs typeface="+mn-cs"/>
+                        </a:rPr>
+                        <a:t>± 0% </a:t>
+                      </a:r>
+                      <a:endParaRPr lang="zh-TW" altLang="en-US" sz="2800" kern="1200" dirty="0">
+                        <a:solidFill>
+                          <a:schemeClr val="dk1"/>
+                        </a:solidFill>
+                        <a:latin typeface="+mn-lt"/>
+                        <a:ea typeface="+mn-ea"/>
+                        <a:cs typeface="+mn-cs"/>
+                      </a:endParaRPr>
+                    </a:p>
+                  </a:txBody>
+                  <a:tcPr/>
+                </a:tc>
+                <a:tc>
+                  <a:txBody>
+                    <a:bodyPr/>
+                    <a:lstStyle/>
+                    <a:p>
+                      <a:r>
+                        <a:rPr lang="en-US" altLang="zh-TW" sz="2800" kern="1200" dirty="0">
+                          <a:solidFill>
+                            <a:schemeClr val="dk1"/>
+                          </a:solidFill>
+                          <a:latin typeface="+mn-lt"/>
+                          <a:ea typeface="+mn-ea"/>
+                          <a:cs typeface="+mn-cs"/>
+                        </a:rPr>
+                        <a:t>169.031</a:t>
+                      </a:r>
+                      <a:endParaRPr lang="zh-TW" altLang="en-US" sz="2800" kern="1200" dirty="0">
+                        <a:solidFill>
+                          <a:schemeClr val="dk1"/>
+                        </a:solidFill>
+                        <a:latin typeface="+mn-lt"/>
+                        <a:ea typeface="+mn-ea"/>
+                        <a:cs typeface="+mn-cs"/>
+                      </a:endParaRPr>
+                    </a:p>
+                  </a:txBody>
+                  <a:tcPr/>
+                </a:tc>
+                <a:extLst>
+                  <a:ext uri="{0D108BD9-81ED-4DB2-BD59-A6C34878D82A}">
+                    <a16:rowId xmlns:a16="http://schemas.microsoft.com/office/drawing/2014/main" xmlns="" val="2232274875"/>
+                  </a:ext>
+                </a:extLst>
+              </a:tr>
+              <a:tr h="655066">
+                <a:tc>
+                  <a:txBody>
+                    <a:bodyPr/>
+                    <a:lstStyle/>
+                    <a:p>
+                      <a:r>
+                        <a:rPr lang="en-US" altLang="zh-TW" sz="2800" dirty="0"/>
+                        <a:t>PCA-32</a:t>
+                      </a:r>
+                      <a:endParaRPr lang="zh-TW" altLang="en-US" sz="2800" dirty="0"/>
+                    </a:p>
+                  </a:txBody>
+                  <a:tcPr/>
+                </a:tc>
+                <a:tc>
+                  <a:txBody>
+                    <a:bodyPr/>
+                    <a:lstStyle/>
+                    <a:p>
+                      <a:pPr marL="0" marR="0" lvl="0" indent="0" algn="l" defTabSz="914400" rtl="0" eaLnBrk="1" fontAlgn="auto" latinLnBrk="0" hangingPunct="1">
+                        <a:lnSpc>
+                          <a:spcPct val="100000"/>
+                        </a:lnSpc>
+                        <a:spcBef>
+                          <a:spcPts val="0"/>
+                        </a:spcBef>
+                        <a:spcAft>
+                          <a:spcPts val="0"/>
+                        </a:spcAft>
+                        <a:buClrTx/>
+                        <a:buSzTx/>
+                        <a:buFontTx/>
+                        <a:buNone/>
+                        <a:tabLst/>
+                        <a:defRPr/>
+                      </a:pPr>
+                      <a:r>
+                        <a:rPr lang="en-US" altLang="zh-TW" sz="2800" kern="1200" dirty="0">
+                          <a:solidFill>
+                            <a:schemeClr val="dk1"/>
+                          </a:solidFill>
+                          <a:latin typeface="+mn-lt"/>
+                          <a:ea typeface="+mn-ea"/>
+                          <a:cs typeface="+mn-cs"/>
+                        </a:rPr>
+                        <a:t>35.5421% ± 0%</a:t>
+                      </a:r>
+                      <a:endParaRPr lang="zh-TW" altLang="en-US" sz="2800" kern="1200" dirty="0">
+                        <a:solidFill>
+                          <a:schemeClr val="dk1"/>
+                        </a:solidFill>
+                        <a:latin typeface="+mn-lt"/>
+                        <a:ea typeface="+mn-ea"/>
+                        <a:cs typeface="+mn-cs"/>
+                      </a:endParaRPr>
+                    </a:p>
+                  </a:txBody>
+                  <a:tcPr/>
+                </a:tc>
+                <a:tc>
+                  <a:txBody>
+                    <a:bodyPr/>
+                    <a:lstStyle/>
+                    <a:p>
+                      <a:r>
+                        <a:rPr lang="en-US" altLang="zh-TW" sz="2800" kern="1200" dirty="0">
+                          <a:solidFill>
+                            <a:schemeClr val="dk1"/>
+                          </a:solidFill>
+                          <a:latin typeface="+mn-lt"/>
+                          <a:ea typeface="+mn-ea"/>
+                          <a:cs typeface="+mn-cs"/>
+                        </a:rPr>
+                        <a:t>1.1779</a:t>
+                      </a:r>
+                      <a:endParaRPr lang="zh-TW" altLang="en-US" sz="2800" kern="1200" dirty="0">
+                        <a:solidFill>
+                          <a:schemeClr val="dk1"/>
+                        </a:solidFill>
+                        <a:latin typeface="+mn-lt"/>
+                        <a:ea typeface="+mn-ea"/>
+                        <a:cs typeface="+mn-cs"/>
+                      </a:endParaRPr>
+                    </a:p>
+                  </a:txBody>
+                  <a:tcPr/>
+                </a:tc>
+                <a:extLst>
+                  <a:ext uri="{0D108BD9-81ED-4DB2-BD59-A6C34878D82A}">
+                    <a16:rowId xmlns:a16="http://schemas.microsoft.com/office/drawing/2014/main" xmlns="" val="4251700897"/>
+                  </a:ext>
+                </a:extLst>
+              </a:tr>
+              <a:tr h="655066">
+                <a:tc>
+                  <a:txBody>
+                    <a:bodyPr/>
+                    <a:lstStyle/>
+                    <a:p>
+                      <a:r>
+                        <a:rPr lang="en-US" altLang="zh-TW" sz="2800" dirty="0"/>
+                        <a:t>PCA-32 (normalized)</a:t>
+                      </a:r>
+                      <a:endParaRPr lang="zh-TW" altLang="en-US" sz="2800" dirty="0"/>
+                    </a:p>
+                  </a:txBody>
+                  <a:tcPr/>
+                </a:tc>
+                <a:tc>
+                  <a:txBody>
+                    <a:bodyPr/>
+                    <a:lstStyle/>
+                    <a:p>
+                      <a:pPr marL="0" marR="0" lvl="0" indent="0" algn="l" defTabSz="914400" rtl="0" eaLnBrk="1" fontAlgn="auto" latinLnBrk="0" hangingPunct="1">
+                        <a:lnSpc>
+                          <a:spcPct val="100000"/>
+                        </a:lnSpc>
+                        <a:spcBef>
+                          <a:spcPts val="0"/>
+                        </a:spcBef>
+                        <a:spcAft>
+                          <a:spcPts val="0"/>
+                        </a:spcAft>
+                        <a:buClrTx/>
+                        <a:buSzTx/>
+                        <a:buFontTx/>
+                        <a:buNone/>
+                        <a:tabLst/>
+                        <a:defRPr/>
+                      </a:pPr>
+                      <a:r>
+                        <a:rPr lang="en-US" altLang="zh-TW" sz="2800" kern="1200" dirty="0">
+                          <a:solidFill>
+                            <a:schemeClr val="dk1"/>
+                          </a:solidFill>
+                          <a:latin typeface="+mn-lt"/>
+                          <a:ea typeface="+mn-ea"/>
+                          <a:cs typeface="+mn-cs"/>
+                        </a:rPr>
+                        <a:t>40.96% ± 0%</a:t>
+                      </a:r>
+                      <a:endParaRPr lang="zh-TW" altLang="en-US" sz="2800" kern="1200" dirty="0">
+                        <a:solidFill>
+                          <a:schemeClr val="dk1"/>
+                        </a:solidFill>
+                        <a:latin typeface="+mn-lt"/>
+                        <a:ea typeface="+mn-ea"/>
+                        <a:cs typeface="+mn-cs"/>
+                      </a:endParaRPr>
+                    </a:p>
+                  </a:txBody>
+                  <a:tcPr/>
+                </a:tc>
+                <a:tc>
+                  <a:txBody>
+                    <a:bodyPr/>
+                    <a:lstStyle/>
+                    <a:p>
+                      <a:r>
+                        <a:rPr lang="en-US" altLang="zh-TW" sz="2800" kern="1200" dirty="0">
+                          <a:solidFill>
+                            <a:schemeClr val="dk1"/>
+                          </a:solidFill>
+                          <a:latin typeface="+mn-lt"/>
+                          <a:ea typeface="+mn-ea"/>
+                          <a:cs typeface="+mn-cs"/>
+                        </a:rPr>
+                        <a:t>1.1170</a:t>
+                      </a:r>
+                      <a:endParaRPr lang="zh-TW" altLang="en-US" sz="2800" kern="1200" dirty="0">
+                        <a:solidFill>
+                          <a:schemeClr val="dk1"/>
+                        </a:solidFill>
+                        <a:latin typeface="+mn-lt"/>
+                        <a:ea typeface="+mn-ea"/>
+                        <a:cs typeface="+mn-cs"/>
+                      </a:endParaRPr>
+                    </a:p>
+                  </a:txBody>
+                  <a:tcPr/>
+                </a:tc>
+                <a:extLst>
+                  <a:ext uri="{0D108BD9-81ED-4DB2-BD59-A6C34878D82A}">
+                    <a16:rowId xmlns:a16="http://schemas.microsoft.com/office/drawing/2014/main" xmlns="" val="4168020029"/>
+                  </a:ext>
+                </a:extLst>
+              </a:tr>
+              <a:tr h="655066">
+                <a:tc>
+                  <a:txBody>
+                    <a:bodyPr/>
+                    <a:lstStyle/>
+                    <a:p>
+                      <a:r>
+                        <a:rPr lang="en-US" altLang="zh-TW" sz="2800" dirty="0"/>
+                        <a:t>AE-32</a:t>
+                      </a:r>
+                      <a:endParaRPr lang="zh-TW" altLang="en-US" sz="2800" dirty="0"/>
+                    </a:p>
+                  </a:txBody>
+                  <a:tcPr/>
+                </a:tc>
+                <a:tc>
+                  <a:txBody>
+                    <a:bodyPr/>
+                    <a:lstStyle/>
+                    <a:p>
+                      <a:pPr marL="0" marR="0" lvl="0" indent="0" algn="l" defTabSz="914400" rtl="0" eaLnBrk="1" fontAlgn="auto" latinLnBrk="0" hangingPunct="1">
+                        <a:lnSpc>
+                          <a:spcPct val="100000"/>
+                        </a:lnSpc>
+                        <a:spcBef>
+                          <a:spcPts val="0"/>
+                        </a:spcBef>
+                        <a:spcAft>
+                          <a:spcPts val="0"/>
+                        </a:spcAft>
+                        <a:buClrTx/>
+                        <a:buSzTx/>
+                        <a:buFontTx/>
+                        <a:buNone/>
+                        <a:tabLst/>
+                        <a:defRPr/>
+                      </a:pPr>
+                      <a:r>
+                        <a:rPr lang="en-US" altLang="zh-TW" sz="2800" kern="1200" dirty="0">
+                          <a:solidFill>
+                            <a:schemeClr val="dk1"/>
+                          </a:solidFill>
+                          <a:latin typeface="+mn-lt"/>
+                          <a:ea typeface="+mn-ea"/>
+                          <a:cs typeface="+mn-cs"/>
+                        </a:rPr>
+                        <a:t>16.4634% ± 0%</a:t>
+                      </a:r>
+                      <a:endParaRPr lang="zh-TW" altLang="en-US" sz="2800" kern="1200" dirty="0">
+                        <a:solidFill>
+                          <a:schemeClr val="dk1"/>
+                        </a:solidFill>
+                        <a:latin typeface="+mn-lt"/>
+                        <a:ea typeface="+mn-ea"/>
+                        <a:cs typeface="+mn-cs"/>
+                      </a:endParaRPr>
+                    </a:p>
+                  </a:txBody>
+                  <a:tcPr/>
+                </a:tc>
+                <a:tc>
+                  <a:txBody>
+                    <a:bodyPr/>
+                    <a:lstStyle/>
+                    <a:p>
+                      <a:r>
+                        <a:rPr lang="en-US" altLang="zh-TW" sz="2800" kern="1200" dirty="0">
+                          <a:solidFill>
+                            <a:schemeClr val="dk1"/>
+                          </a:solidFill>
+                          <a:latin typeface="+mn-lt"/>
+                          <a:ea typeface="+mn-ea"/>
+                          <a:cs typeface="+mn-cs"/>
+                        </a:rPr>
+                        <a:t>0.9979</a:t>
+                      </a:r>
+                      <a:endParaRPr lang="zh-TW" altLang="en-US" sz="2800" kern="1200" dirty="0">
+                        <a:solidFill>
+                          <a:schemeClr val="dk1"/>
+                        </a:solidFill>
+                        <a:latin typeface="+mn-lt"/>
+                        <a:ea typeface="+mn-ea"/>
+                        <a:cs typeface="+mn-cs"/>
+                      </a:endParaRPr>
+                    </a:p>
+                  </a:txBody>
+                  <a:tcPr/>
+                </a:tc>
+                <a:extLst>
+                  <a:ext uri="{0D108BD9-81ED-4DB2-BD59-A6C34878D82A}">
+                    <a16:rowId xmlns:a16="http://schemas.microsoft.com/office/drawing/2014/main" xmlns="" val="10005"/>
+                  </a:ext>
+                </a:extLst>
+              </a:tr>
+              <a:tr h="655066">
+                <a:tc>
+                  <a:txBody>
+                    <a:bodyPr/>
+                    <a:lstStyle/>
+                    <a:p>
+                      <a:r>
+                        <a:rPr lang="en-US" altLang="zh-TW" sz="2800" dirty="0"/>
+                        <a:t>AE-32 (normalized)</a:t>
+                      </a:r>
+                      <a:endParaRPr lang="zh-TW" altLang="en-US" sz="2800" dirty="0"/>
+                    </a:p>
+                  </a:txBody>
+                  <a:tcPr/>
+                </a:tc>
+                <a:tc>
+                  <a:txBody>
+                    <a:bodyPr/>
+                    <a:lstStyle/>
+                    <a:p>
+                      <a:pPr marL="0" marR="0" lvl="0" indent="0" algn="l" defTabSz="914400" rtl="0" eaLnBrk="1" fontAlgn="auto" latinLnBrk="0" hangingPunct="1">
+                        <a:lnSpc>
+                          <a:spcPct val="100000"/>
+                        </a:lnSpc>
+                        <a:spcBef>
+                          <a:spcPts val="0"/>
+                        </a:spcBef>
+                        <a:spcAft>
+                          <a:spcPts val="0"/>
+                        </a:spcAft>
+                        <a:buClrTx/>
+                        <a:buSzTx/>
+                        <a:buFontTx/>
+                        <a:buNone/>
+                        <a:tabLst/>
+                        <a:defRPr/>
+                      </a:pPr>
+                      <a:r>
+                        <a:rPr lang="en-US" altLang="zh-TW" sz="2800" kern="1200" dirty="0">
+                          <a:solidFill>
+                            <a:schemeClr val="dk1"/>
+                          </a:solidFill>
+                          <a:latin typeface="+mn-lt"/>
+                          <a:ea typeface="+mn-ea"/>
+                          <a:cs typeface="+mn-cs"/>
+                        </a:rPr>
+                        <a:t>41.2651% ± 0%</a:t>
+                      </a:r>
+                      <a:endParaRPr lang="zh-TW" altLang="en-US" sz="2800" kern="1200" dirty="0">
+                        <a:solidFill>
+                          <a:schemeClr val="dk1"/>
+                        </a:solidFill>
+                        <a:latin typeface="+mn-lt"/>
+                        <a:ea typeface="+mn-ea"/>
+                        <a:cs typeface="+mn-cs"/>
+                      </a:endParaRPr>
+                    </a:p>
+                  </a:txBody>
+                  <a:tcPr/>
+                </a:tc>
+                <a:tc>
+                  <a:txBody>
+                    <a:bodyPr/>
+                    <a:lstStyle/>
+                    <a:p>
+                      <a:r>
+                        <a:rPr lang="en-US" altLang="zh-TW" sz="2800" kern="1200" dirty="0">
+                          <a:solidFill>
+                            <a:schemeClr val="dk1"/>
+                          </a:solidFill>
+                          <a:latin typeface="+mn-lt"/>
+                          <a:ea typeface="+mn-ea"/>
+                          <a:cs typeface="+mn-cs"/>
+                        </a:rPr>
+                        <a:t>1.0220</a:t>
+                      </a:r>
+                      <a:endParaRPr lang="zh-TW" altLang="en-US" sz="2800" kern="1200" dirty="0">
+                        <a:solidFill>
+                          <a:schemeClr val="dk1"/>
+                        </a:solidFill>
+                        <a:latin typeface="+mn-lt"/>
+                        <a:ea typeface="+mn-ea"/>
+                        <a:cs typeface="+mn-cs"/>
+                      </a:endParaRPr>
+                    </a:p>
+                  </a:txBody>
+                  <a:tcPr/>
+                </a:tc>
+                <a:extLst>
+                  <a:ext uri="{0D108BD9-81ED-4DB2-BD59-A6C34878D82A}">
+                    <a16:rowId xmlns:a16="http://schemas.microsoft.com/office/drawing/2014/main" xmlns="" val="10006"/>
+                  </a:ext>
+                </a:extLst>
+              </a:tr>
+            </a:tbl>
+          </a:graphicData>
+        </a:graphic>
+      </p:graphicFrame>
+    </p:spTree>
+    <p:extLst>
+      <p:ext uri="{BB962C8B-B14F-4D97-AF65-F5344CB8AC3E}">
+        <p14:creationId xmlns:p14="http://schemas.microsoft.com/office/powerpoint/2010/main" xmlns="" val="413883346"/>
+      </p:ext>
+    </p:extLst>
+  </p:cSld>
+  <p:clrMapOvr>
+    <a:masterClrMapping/>
+  </p:clrMapOvr>
+</p:sld>
+</file>
+
+<file path=ppt/slides/slide36.xml><?xml version="1.0" encoding="utf-8"?>
+<p:sld xmlns:a="http://schemas.openxmlformats.org/drawingml/2006/main" xmlns:r="http://schemas.openxmlformats.org/officeDocument/2006/relationships" xmlns:p="http://schemas.openxmlformats.org/presentationml/2006/main">
+  <p:cSld>
+    <p:spTree>
+      <p:nvGrpSpPr>
+        <p:cNvPr id="1" name=""/>
+        <p:cNvGrpSpPr/>
+        <p:nvPr/>
+      </p:nvGrpSpPr>
+      <p:grpSpPr>
+        <a:xfrm>
+          <a:off x="0" y="0"/>
+          <a:ext cx="0" cy="0"/>
+          <a:chOff x="0" y="0"/>
+          <a:chExt cx="0" cy="0"/>
+        </a:xfrm>
+      </p:grpSpPr>
+      <p:sp>
+        <p:nvSpPr>
+          <p:cNvPr id="2" name="標題 1"/>
+          <p:cNvSpPr>
+            <a:spLocks noGrp="1"/>
+          </p:cNvSpPr>
+          <p:nvPr>
+            <p:ph type="title"/>
+          </p:nvPr>
+        </p:nvSpPr>
+        <p:spPr>
+          <a:xfrm>
+            <a:off x="838200" y="365125"/>
+            <a:ext cx="10515600" cy="5690442"/>
+          </a:xfrm>
+        </p:spPr>
+        <p:txBody>
+          <a:bodyPr/>
+          <a:lstStyle/>
+          <a:p>
+            <a:r>
+              <a:rPr lang="en-US" altLang="zh-TW" dirty="0" smtClean="0">
+                <a:latin typeface="Consolas" pitchFamily="49" charset="0"/>
+              </a:rPr>
+              <a:t>Just now, </a:t>
+            </a:r>
+            <a:r>
+              <a:rPr lang="en-US" altLang="zh-TW" dirty="0" smtClean="0">
+                <a:latin typeface="Consolas" pitchFamily="49" charset="0"/>
+              </a:rPr>
+              <a:t>we </a:t>
+            </a:r>
+            <a:r>
+              <a:rPr lang="en-US" altLang="zh-TW" dirty="0" smtClean="0">
+                <a:latin typeface="Consolas" pitchFamily="49" charset="0"/>
+              </a:rPr>
+              <a:t>found </a:t>
+            </a:r>
+            <a:r>
+              <a:rPr lang="en-US" altLang="zh-TW" dirty="0" smtClean="0">
+                <a:latin typeface="Consolas" pitchFamily="49" charset="0"/>
+              </a:rPr>
+              <a:t>that …</a:t>
+            </a:r>
+            <a:endParaRPr lang="zh-TW" altLang="en-US" dirty="0">
+              <a:latin typeface="Consolas" pitchFamily="49" charset="0"/>
+            </a:endParaRPr>
+          </a:p>
+        </p:txBody>
+      </p:sp>
+    </p:spTree>
+  </p:cSld>
+  <p:clrMapOvr>
+    <a:masterClrMapping/>
+  </p:clrMapOvr>
+</p:sld>
+</file>
+
+<file path=ppt/slides/slide37.xml><?xml version="1.0" encoding="utf-8"?>
+<p:sld xmlns:a="http://schemas.openxmlformats.org/drawingml/2006/main" xmlns:r="http://schemas.openxmlformats.org/officeDocument/2006/relationships" xmlns:p="http://schemas.openxmlformats.org/presentationml/2006/main">
+  <p:cSld>
+    <p:spTree>
+      <p:nvGrpSpPr>
+        <p:cNvPr id="1" name=""/>
+        <p:cNvGrpSpPr/>
+        <p:nvPr/>
+      </p:nvGrpSpPr>
+      <p:grpSpPr>
+        <a:xfrm>
+          <a:off x="0" y="0"/>
+          <a:ext cx="0" cy="0"/>
+          <a:chOff x="0" y="0"/>
+          <a:chExt cx="0" cy="0"/>
+        </a:xfrm>
+      </p:grpSpPr>
+      <p:sp>
+        <p:nvSpPr>
+          <p:cNvPr id="2" name="標題 1"/>
+          <p:cNvSpPr>
+            <a:spLocks noGrp="1"/>
+          </p:cNvSpPr>
+          <p:nvPr>
+            <p:ph type="title"/>
+          </p:nvPr>
+        </p:nvSpPr>
+        <p:spPr>
+          <a:xfrm>
+            <a:off x="810208" y="579729"/>
+            <a:ext cx="10526486" cy="1762255"/>
+          </a:xfrm>
+        </p:spPr>
+        <p:txBody>
+          <a:bodyPr>
+            <a:normAutofit fontScale="90000"/>
+          </a:bodyPr>
+          <a:lstStyle/>
+          <a:p>
+            <a:r>
+              <a:rPr lang="en-US" altLang="zh-TW" dirty="0" smtClean="0">
+                <a:latin typeface="Consolas" pitchFamily="49" charset="0"/>
+              </a:rPr>
+              <a:t>With PCA-100, SVDD + NN with DBSCAN </a:t>
+            </a:r>
+            <a:br>
+              <a:rPr lang="en-US" altLang="zh-TW" dirty="0" smtClean="0">
+                <a:latin typeface="Consolas" pitchFamily="49" charset="0"/>
+              </a:rPr>
+            </a:br>
+            <a:r>
+              <a:rPr lang="en-US" altLang="zh-TW" dirty="0" smtClean="0">
+                <a:latin typeface="Consolas" pitchFamily="49" charset="0"/>
+              </a:rPr>
+              <a:t>in Cancer RNA-</a:t>
+            </a:r>
+            <a:r>
+              <a:rPr lang="en-US" altLang="zh-TW" dirty="0" err="1" smtClean="0">
+                <a:latin typeface="Consolas" pitchFamily="49" charset="0"/>
+              </a:rPr>
+              <a:t>Seq</a:t>
+            </a:r>
+            <a:r>
+              <a:rPr lang="en-US" altLang="zh-TW" dirty="0" smtClean="0">
+                <a:latin typeface="Consolas" pitchFamily="49" charset="0"/>
+              </a:rPr>
+              <a:t> dataset</a:t>
+            </a:r>
+            <a:endParaRPr lang="zh-TW" altLang="en-US" dirty="0">
+              <a:latin typeface="Consolas" pitchFamily="49" charset="0"/>
+            </a:endParaRPr>
+          </a:p>
+        </p:txBody>
+      </p:sp>
+      <p:graphicFrame>
+        <p:nvGraphicFramePr>
+          <p:cNvPr id="3" name="表格 4">
+            <a:extLst>
+              <a:ext uri="{FF2B5EF4-FFF2-40B4-BE49-F238E27FC236}">
+                <a16:creationId xmlns:a16="http://schemas.microsoft.com/office/drawing/2014/main" xmlns="" id="{5F3E0619-219B-E13A-0433-2F63B4B4B02D}"/>
+              </a:ext>
+            </a:extLst>
+          </p:cNvPr>
+          <p:cNvGraphicFramePr>
+            <a:graphicFrameLocks noGrp="1"/>
+          </p:cNvGraphicFramePr>
+          <p:nvPr>
+            <p:extLst>
+              <p:ext uri="{D42A27DB-BD31-4B8C-83A1-F6EECF244321}">
+                <p14:modId xmlns:p14="http://schemas.microsoft.com/office/powerpoint/2010/main" xmlns="" val="2225793453"/>
+              </p:ext>
+            </p:extLst>
+          </p:nvPr>
+        </p:nvGraphicFramePr>
+        <p:xfrm>
+          <a:off x="2723087" y="3181596"/>
+          <a:ext cx="6475306" cy="1310132"/>
+        </p:xfrm>
+        <a:graphic>
+          <a:graphicData uri="http://schemas.openxmlformats.org/drawingml/2006/table">
+            <a:tbl>
+              <a:tblPr firstRow="1" bandRow="1">
+                <a:tableStyleId>{5C22544A-7EE6-4342-B048-85BDC9FD1C3A}</a:tableStyleId>
+              </a:tblPr>
+              <a:tblGrid>
+                <a:gridCol w="3237653">
+                  <a:extLst>
+                    <a:ext uri="{9D8B030D-6E8A-4147-A177-3AD203B41FA5}">
+                      <a16:colId xmlns:a16="http://schemas.microsoft.com/office/drawing/2014/main" xmlns="" val="3991208199"/>
+                    </a:ext>
+                  </a:extLst>
+                </a:gridCol>
+                <a:gridCol w="3237653">
+                  <a:extLst>
+                    <a:ext uri="{9D8B030D-6E8A-4147-A177-3AD203B41FA5}">
+                      <a16:colId xmlns:a16="http://schemas.microsoft.com/office/drawing/2014/main" xmlns="" val="1262213421"/>
+                    </a:ext>
+                  </a:extLst>
+                </a:gridCol>
+              </a:tblGrid>
+              <a:tr h="655066">
+                <a:tc>
+                  <a:txBody>
+                    <a:bodyPr/>
+                    <a:lstStyle/>
+                    <a:p>
+                      <a:pPr marL="0" marR="0" lvl="0" indent="0" algn="l" defTabSz="914400" rtl="0" eaLnBrk="1" fontAlgn="auto" latinLnBrk="0" hangingPunct="1">
+                        <a:lnSpc>
+                          <a:spcPct val="100000"/>
+                        </a:lnSpc>
+                        <a:spcBef>
+                          <a:spcPts val="0"/>
+                        </a:spcBef>
+                        <a:spcAft>
+                          <a:spcPts val="0"/>
+                        </a:spcAft>
+                        <a:buClrTx/>
+                        <a:buSzTx/>
+                        <a:buFontTx/>
+                        <a:buNone/>
+                        <a:tabLst/>
+                        <a:defRPr/>
+                      </a:pPr>
+                      <a:endParaRPr lang="zh-TW" altLang="en-US" sz="2800" dirty="0"/>
+                    </a:p>
+                  </a:txBody>
+                  <a:tcPr/>
+                </a:tc>
+                <a:tc>
+                  <a:txBody>
+                    <a:bodyPr/>
+                    <a:lstStyle/>
+                    <a:p>
+                      <a:r>
+                        <a:rPr lang="en-US" altLang="zh-TW" sz="2800" smtClean="0"/>
+                        <a:t>Accuracy (%)</a:t>
+                      </a:r>
+                      <a:endParaRPr lang="zh-TW" altLang="en-US" sz="2800" dirty="0"/>
+                    </a:p>
+                  </a:txBody>
+                  <a:tcPr/>
+                </a:tc>
+                <a:extLst>
+                  <a:ext uri="{0D108BD9-81ED-4DB2-BD59-A6C34878D82A}">
+                    <a16:rowId xmlns:a16="http://schemas.microsoft.com/office/drawing/2014/main" xmlns="" val="2028684342"/>
+                  </a:ext>
+                </a:extLst>
+              </a:tr>
+              <a:tr h="655066">
+                <a:tc>
+                  <a:txBody>
+                    <a:bodyPr/>
+                    <a:lstStyle/>
+                    <a:p>
+                      <a:r>
+                        <a:rPr lang="en-US" altLang="zh-TW" sz="2800" dirty="0" smtClean="0"/>
+                        <a:t>PCA-100</a:t>
+                      </a:r>
+                      <a:endParaRPr lang="zh-TW" altLang="en-US" sz="2800" dirty="0"/>
+                    </a:p>
+                  </a:txBody>
+                  <a:tcPr/>
+                </a:tc>
+                <a:tc>
+                  <a:txBody>
+                    <a:bodyPr/>
+                    <a:lstStyle/>
+                    <a:p>
+                      <a:pPr marL="0" marR="0" lvl="0" indent="0" algn="l" defTabSz="914400" rtl="0" eaLnBrk="1" fontAlgn="auto" latinLnBrk="0" hangingPunct="1">
+                        <a:lnSpc>
+                          <a:spcPct val="100000"/>
+                        </a:lnSpc>
+                        <a:spcBef>
+                          <a:spcPts val="0"/>
+                        </a:spcBef>
+                        <a:spcAft>
+                          <a:spcPts val="0"/>
+                        </a:spcAft>
+                        <a:buClrTx/>
+                        <a:buSzTx/>
+                        <a:buFontTx/>
+                        <a:buNone/>
+                        <a:tabLst/>
+                        <a:defRPr/>
+                      </a:pPr>
+                      <a:r>
+                        <a:rPr lang="en-US" altLang="zh-TW" sz="2800" b="1" kern="1200" dirty="0" smtClean="0">
+                          <a:solidFill>
+                            <a:schemeClr val="dk1"/>
+                          </a:solidFill>
+                          <a:latin typeface="+mn-lt"/>
+                          <a:ea typeface="+mn-ea"/>
+                          <a:cs typeface="+mn-cs"/>
+                        </a:rPr>
+                        <a:t>97.8916%</a:t>
+                      </a:r>
+                      <a:endParaRPr lang="zh-TW" altLang="en-US" sz="2800" b="1" kern="1200" dirty="0">
+                        <a:solidFill>
+                          <a:schemeClr val="dk1"/>
+                        </a:solidFill>
+                        <a:latin typeface="+mn-lt"/>
+                        <a:ea typeface="+mn-ea"/>
+                        <a:cs typeface="+mn-cs"/>
+                      </a:endParaRPr>
+                    </a:p>
+                  </a:txBody>
+                  <a:tcPr/>
+                </a:tc>
+                <a:extLst>
+                  <a:ext uri="{0D108BD9-81ED-4DB2-BD59-A6C34878D82A}">
+                    <a16:rowId xmlns:a16="http://schemas.microsoft.com/office/drawing/2014/main" xmlns="" val="4251700897"/>
+                  </a:ext>
+                </a:extLst>
+              </a:tr>
+            </a:tbl>
+          </a:graphicData>
+        </a:graphic>
+      </p:graphicFrame>
+    </p:spTree>
+  </p:cSld>
+  <p:clrMapOvr>
+    <a:masterClrMapping/>
+  </p:clrMapOvr>
+</p:sld>
+</file>
+
+<file path=ppt/slides/slide38.xml><?xml version="1.0" encoding="utf-8"?>
+<p:sld xmlns:a="http://schemas.openxmlformats.org/drawingml/2006/main" xmlns:r="http://schemas.openxmlformats.org/officeDocument/2006/relationships" xmlns:p="http://schemas.openxmlformats.org/presentationml/2006/main">
+  <p:cSld>
+    <p:spTree>
+      <p:nvGrpSpPr>
+        <p:cNvPr id="1" name=""/>
+        <p:cNvGrpSpPr/>
+        <p:nvPr/>
+      </p:nvGrpSpPr>
+      <p:grpSpPr>
+        <a:xfrm>
+          <a:off x="0" y="0"/>
+          <a:ext cx="0" cy="0"/>
+          <a:chOff x="0" y="0"/>
+          <a:chExt cx="0" cy="0"/>
+        </a:xfrm>
+      </p:grpSpPr>
+      <p:sp>
+        <p:nvSpPr>
+          <p:cNvPr id="2" name="標題 1"/>
+          <p:cNvSpPr>
+            <a:spLocks noGrp="1"/>
+          </p:cNvSpPr>
+          <p:nvPr>
+            <p:ph type="title"/>
+          </p:nvPr>
+        </p:nvSpPr>
+        <p:spPr>
+          <a:xfrm>
+            <a:off x="810208" y="579729"/>
+            <a:ext cx="10526486" cy="1678280"/>
+          </a:xfrm>
+        </p:spPr>
+        <p:txBody>
+          <a:bodyPr>
+            <a:normAutofit/>
+          </a:bodyPr>
+          <a:lstStyle/>
+          <a:p>
+            <a:r>
+              <a:rPr lang="en-US" altLang="zh-TW" dirty="0" smtClean="0">
+                <a:latin typeface="Consolas" pitchFamily="49" charset="0"/>
+              </a:rPr>
+              <a:t>With PCA-100, SVDD + NN with </a:t>
+            </a:r>
+            <a:br>
+              <a:rPr lang="en-US" altLang="zh-TW" dirty="0" smtClean="0">
+                <a:latin typeface="Consolas" pitchFamily="49" charset="0"/>
+              </a:rPr>
+            </a:br>
+            <a:r>
+              <a:rPr lang="en-US" altLang="zh-TW" dirty="0" smtClean="0">
+                <a:latin typeface="Consolas" pitchFamily="49" charset="0"/>
+              </a:rPr>
+              <a:t>k-means </a:t>
+            </a:r>
+            <a:r>
+              <a:rPr lang="en-US" altLang="zh-TW" dirty="0" smtClean="0">
+                <a:latin typeface="Consolas" pitchFamily="49" charset="0"/>
+              </a:rPr>
+              <a:t>in Cancer RNA-</a:t>
+            </a:r>
+            <a:r>
+              <a:rPr lang="en-US" altLang="zh-TW" dirty="0" err="1" smtClean="0">
+                <a:latin typeface="Consolas" pitchFamily="49" charset="0"/>
+              </a:rPr>
+              <a:t>Seq</a:t>
+            </a:r>
+            <a:r>
+              <a:rPr lang="en-US" altLang="zh-TW" dirty="0" smtClean="0">
+                <a:latin typeface="Consolas" pitchFamily="49" charset="0"/>
+              </a:rPr>
+              <a:t> dataset</a:t>
+            </a:r>
+            <a:endParaRPr lang="zh-TW" altLang="en-US" dirty="0">
+              <a:latin typeface="Consolas" pitchFamily="49" charset="0"/>
+            </a:endParaRPr>
+          </a:p>
+        </p:txBody>
+      </p:sp>
+      <p:graphicFrame>
+        <p:nvGraphicFramePr>
+          <p:cNvPr id="3" name="表格 4">
+            <a:extLst>
+              <a:ext uri="{FF2B5EF4-FFF2-40B4-BE49-F238E27FC236}">
+                <a16:creationId xmlns:a16="http://schemas.microsoft.com/office/drawing/2014/main" xmlns="" id="{5F3E0619-219B-E13A-0433-2F63B4B4B02D}"/>
+              </a:ext>
+            </a:extLst>
+          </p:cNvPr>
+          <p:cNvGraphicFramePr>
+            <a:graphicFrameLocks noGrp="1"/>
+          </p:cNvGraphicFramePr>
+          <p:nvPr>
+            <p:extLst>
+              <p:ext uri="{D42A27DB-BD31-4B8C-83A1-F6EECF244321}">
+                <p14:modId xmlns:p14="http://schemas.microsoft.com/office/powerpoint/2010/main" xmlns="" val="2225793453"/>
+              </p:ext>
+            </p:extLst>
+          </p:nvPr>
+        </p:nvGraphicFramePr>
+        <p:xfrm>
+          <a:off x="2723087" y="3181596"/>
+          <a:ext cx="6475306" cy="1310132"/>
+        </p:xfrm>
+        <a:graphic>
+          <a:graphicData uri="http://schemas.openxmlformats.org/drawingml/2006/table">
+            <a:tbl>
+              <a:tblPr firstRow="1" bandRow="1">
+                <a:tableStyleId>{5C22544A-7EE6-4342-B048-85BDC9FD1C3A}</a:tableStyleId>
+              </a:tblPr>
+              <a:tblGrid>
+                <a:gridCol w="3237653">
+                  <a:extLst>
+                    <a:ext uri="{9D8B030D-6E8A-4147-A177-3AD203B41FA5}">
+                      <a16:colId xmlns:a16="http://schemas.microsoft.com/office/drawing/2014/main" xmlns="" val="3991208199"/>
+                    </a:ext>
+                  </a:extLst>
+                </a:gridCol>
+                <a:gridCol w="3237653">
+                  <a:extLst>
+                    <a:ext uri="{9D8B030D-6E8A-4147-A177-3AD203B41FA5}">
+                      <a16:colId xmlns:a16="http://schemas.microsoft.com/office/drawing/2014/main" xmlns="" val="1262213421"/>
+                    </a:ext>
+                  </a:extLst>
+                </a:gridCol>
+              </a:tblGrid>
+              <a:tr h="655066">
+                <a:tc>
+                  <a:txBody>
+                    <a:bodyPr/>
+                    <a:lstStyle/>
+                    <a:p>
+                      <a:pPr marL="0" marR="0" lvl="0" indent="0" algn="l" defTabSz="914400" rtl="0" eaLnBrk="1" fontAlgn="auto" latinLnBrk="0" hangingPunct="1">
+                        <a:lnSpc>
+                          <a:spcPct val="100000"/>
+                        </a:lnSpc>
+                        <a:spcBef>
+                          <a:spcPts val="0"/>
+                        </a:spcBef>
+                        <a:spcAft>
+                          <a:spcPts val="0"/>
+                        </a:spcAft>
+                        <a:buClrTx/>
+                        <a:buSzTx/>
+                        <a:buFontTx/>
+                        <a:buNone/>
+                        <a:tabLst/>
+                        <a:defRPr/>
+                      </a:pPr>
+                      <a:endParaRPr lang="zh-TW" altLang="en-US" sz="2800" dirty="0"/>
+                    </a:p>
+                  </a:txBody>
+                  <a:tcPr/>
+                </a:tc>
+                <a:tc>
+                  <a:txBody>
+                    <a:bodyPr/>
+                    <a:lstStyle/>
+                    <a:p>
+                      <a:r>
+                        <a:rPr lang="en-US" altLang="zh-TW" sz="2800" smtClean="0"/>
+                        <a:t>Accuracy (%)</a:t>
+                      </a:r>
+                      <a:endParaRPr lang="zh-TW" altLang="en-US" sz="2800" dirty="0"/>
+                    </a:p>
+                  </a:txBody>
+                  <a:tcPr/>
+                </a:tc>
+                <a:extLst>
+                  <a:ext uri="{0D108BD9-81ED-4DB2-BD59-A6C34878D82A}">
+                    <a16:rowId xmlns:a16="http://schemas.microsoft.com/office/drawing/2014/main" xmlns="" val="2028684342"/>
+                  </a:ext>
+                </a:extLst>
+              </a:tr>
+              <a:tr h="655066">
+                <a:tc>
+                  <a:txBody>
+                    <a:bodyPr/>
+                    <a:lstStyle/>
+                    <a:p>
+                      <a:r>
+                        <a:rPr lang="en-US" altLang="zh-TW" sz="2800" dirty="0" smtClean="0"/>
+                        <a:t>PCA-100</a:t>
+                      </a:r>
+                      <a:endParaRPr lang="zh-TW" altLang="en-US" sz="2800" dirty="0"/>
+                    </a:p>
+                  </a:txBody>
+                  <a:tcPr/>
+                </a:tc>
+                <a:tc>
+                  <a:txBody>
+                    <a:bodyPr/>
+                    <a:lstStyle/>
+                    <a:p>
+                      <a:pPr marL="0" marR="0" lvl="0" indent="0" algn="l" defTabSz="914400" rtl="0" eaLnBrk="1" fontAlgn="auto" latinLnBrk="0" hangingPunct="1">
+                        <a:lnSpc>
+                          <a:spcPct val="100000"/>
+                        </a:lnSpc>
+                        <a:spcBef>
+                          <a:spcPts val="0"/>
+                        </a:spcBef>
+                        <a:spcAft>
+                          <a:spcPts val="0"/>
+                        </a:spcAft>
+                        <a:buClrTx/>
+                        <a:buSzTx/>
+                        <a:buFontTx/>
+                        <a:buNone/>
+                        <a:tabLst/>
+                        <a:defRPr/>
+                      </a:pPr>
+                      <a:r>
+                        <a:rPr lang="en-US" altLang="zh-TW" sz="2800" b="1" kern="1200" dirty="0" smtClean="0">
+                          <a:solidFill>
+                            <a:schemeClr val="dk1"/>
+                          </a:solidFill>
+                          <a:latin typeface="+mn-lt"/>
+                          <a:ea typeface="+mn-ea"/>
+                          <a:cs typeface="+mn-cs"/>
+                        </a:rPr>
+                        <a:t>98.4940%</a:t>
+                      </a:r>
+                      <a:endParaRPr lang="zh-TW" altLang="en-US" sz="2800" b="1" kern="1200" dirty="0">
+                        <a:solidFill>
+                          <a:schemeClr val="dk1"/>
+                        </a:solidFill>
+                        <a:latin typeface="+mn-lt"/>
+                        <a:ea typeface="+mn-ea"/>
+                        <a:cs typeface="+mn-cs"/>
+                      </a:endParaRPr>
+                    </a:p>
+                  </a:txBody>
+                  <a:tcPr/>
+                </a:tc>
+                <a:extLst>
+                  <a:ext uri="{0D108BD9-81ED-4DB2-BD59-A6C34878D82A}">
+                    <a16:rowId xmlns:a16="http://schemas.microsoft.com/office/drawing/2014/main" xmlns="" val="4251700897"/>
+                  </a:ext>
+                </a:extLst>
+              </a:tr>
+            </a:tbl>
+          </a:graphicData>
+        </a:graphic>
+      </p:graphicFrame>
+    </p:spTree>
+  </p:cSld>
+  <p:clrMapOvr>
+    <a:masterClrMapping/>
+  </p:clrMapOvr>
+</p:sld>
+</file>
+
+<file path=ppt/slides/slide39.xml><?xml version="1.0" encoding="utf-8"?>
 <p:sld xmlns:a="http://schemas.openxmlformats.org/drawingml/2006/main" xmlns:r="http://schemas.openxmlformats.org/officeDocument/2006/relationships" xmlns:p="http://schemas.openxmlformats.org/presentationml/2006/main">
   <p:cSld>
     <p:spTree>
@@ -10307,27 +12480,31 @@
           <a:lstStyle/>
           <a:p>
             <a:r>
-              <a:rPr lang="zh-TW" altLang="en-US" dirty="0" smtClean="0"/>
-              <a:t>工作分配</a:t>
-            </a:r>
-            <a:endParaRPr lang="zh-TW" altLang="en-US" dirty="0"/>
+              <a:rPr lang="en-US" altLang="zh-TW" dirty="0" smtClean="0">
+                <a:latin typeface="Consolas" pitchFamily="49" charset="0"/>
+              </a:rPr>
+              <a:t>Conclusion</a:t>
+            </a:r>
+            <a:endParaRPr lang="zh-TW" altLang="en-US" dirty="0">
+              <a:latin typeface="Consolas" pitchFamily="49" charset="0"/>
+            </a:endParaRPr>
           </a:p>
         </p:txBody>
       </p:sp>
       <p:sp>
         <p:nvSpPr>
-          <p:cNvPr id="3" name="內容版面配置區 2"/>
+          <p:cNvPr id="4" name="內容版面配置區 2"/>
           <p:cNvSpPr>
             <a:spLocks noGrp="1"/>
           </p:cNvSpPr>
           <p:nvPr>
-            <p:ph sz="half" idx="1"/>
+            <p:ph idx="1"/>
           </p:nvPr>
         </p:nvSpPr>
         <p:spPr>
           <a:xfrm>
-            <a:off x="838199" y="1825625"/>
-            <a:ext cx="10451841" cy="4351338"/>
+            <a:off x="838200" y="1825625"/>
+            <a:ext cx="10515600" cy="4351338"/>
           </a:xfrm>
         </p:spPr>
         <p:txBody>
@@ -10338,155 +12515,9 @@
               <a:rPr lang="en-US" altLang="zh-TW" dirty="0" smtClean="0">
                 <a:latin typeface="Consolas" pitchFamily="49" charset="0"/>
               </a:rPr>
-              <a:t>B103040012 </a:t>
-            </a:r>
-            <a:r>
-              <a:rPr lang="zh-TW" altLang="en-US" dirty="0" smtClean="0">
-                <a:latin typeface="Consolas" pitchFamily="49" charset="0"/>
-              </a:rPr>
-              <a:t>謝承翰</a:t>
-            </a:r>
-            <a:r>
-              <a:rPr lang="en-US" altLang="zh-TW" dirty="0" smtClean="0">
-                <a:latin typeface="Consolas" pitchFamily="49" charset="0"/>
-              </a:rPr>
-              <a:t>:</a:t>
-            </a:r>
-            <a:r>
-              <a:rPr lang="zh-TW" altLang="en-US" dirty="0" smtClean="0">
-                <a:latin typeface="Consolas" pitchFamily="49" charset="0"/>
-              </a:rPr>
-              <a:t> </a:t>
-            </a:r>
-            <a:r>
-              <a:rPr lang="en-US" altLang="zh-TW" dirty="0" smtClean="0">
-                <a:latin typeface="Consolas" pitchFamily="49" charset="0"/>
-              </a:rPr>
-              <a:t>KNN, SVM, DBSCAN, paper, </a:t>
-            </a:r>
-            <a:r>
-              <a:rPr lang="en-US" altLang="zh-TW" dirty="0" err="1" smtClean="0">
-                <a:latin typeface="Consolas" pitchFamily="49" charset="0"/>
-              </a:rPr>
-              <a:t>ppt</a:t>
+              <a:t>The results of Multi-classification SVMs are not as good as KNN, because it’s hard to separate.</a:t>
             </a:r>
             <a:endParaRPr lang="en-US" altLang="zh-TW" dirty="0" smtClean="0">
-              <a:latin typeface="Consolas" pitchFamily="49" charset="0"/>
-            </a:endParaRPr>
-          </a:p>
-          <a:p>
-            <a:r>
-              <a:rPr lang="en-US" altLang="zh-TW" dirty="0" smtClean="0">
-                <a:latin typeface="Consolas" pitchFamily="49" charset="0"/>
-              </a:rPr>
-              <a:t>B103040001</a:t>
-            </a:r>
-            <a:r>
-              <a:rPr lang="zh-TW" altLang="en-US" dirty="0" smtClean="0">
-                <a:latin typeface="Consolas" pitchFamily="49" charset="0"/>
-              </a:rPr>
-              <a:t> 孫世諭</a:t>
-            </a:r>
-            <a:r>
-              <a:rPr lang="en-US" altLang="zh-TW" dirty="0" smtClean="0">
-                <a:latin typeface="Consolas" pitchFamily="49" charset="0"/>
-              </a:rPr>
-              <a:t>: SVM, k-means, paper</a:t>
-            </a:r>
-          </a:p>
-          <a:p>
-            <a:r>
-              <a:rPr lang="en-US" altLang="zh-TW" dirty="0" smtClean="0">
-                <a:latin typeface="Consolas" pitchFamily="49" charset="0"/>
-              </a:rPr>
-              <a:t>B103040003 </a:t>
-            </a:r>
-            <a:r>
-              <a:rPr lang="zh-TW" altLang="en-US" dirty="0" smtClean="0">
-                <a:latin typeface="Consolas" pitchFamily="49" charset="0"/>
-              </a:rPr>
-              <a:t>魯喆元</a:t>
-            </a:r>
-            <a:r>
-              <a:rPr lang="en-US" altLang="zh-TW" dirty="0" smtClean="0">
-                <a:latin typeface="Consolas" pitchFamily="49" charset="0"/>
-              </a:rPr>
-              <a:t>: naive </a:t>
-            </a:r>
-            <a:r>
-              <a:rPr lang="en-US" altLang="zh-TW" dirty="0" err="1" smtClean="0">
-                <a:latin typeface="Consolas" pitchFamily="49" charset="0"/>
-              </a:rPr>
-              <a:t>Bayes</a:t>
-            </a:r>
-            <a:r>
-              <a:rPr lang="en-US" altLang="zh-TW" dirty="0" smtClean="0">
-                <a:latin typeface="Consolas" pitchFamily="49" charset="0"/>
-              </a:rPr>
-              <a:t> classifier</a:t>
-            </a:r>
-          </a:p>
-          <a:p>
-            <a:r>
-              <a:rPr lang="en-US" altLang="zh-TW" dirty="0" smtClean="0">
-                <a:latin typeface="Consolas" pitchFamily="49" charset="0"/>
-              </a:rPr>
-              <a:t>B103040008 </a:t>
-            </a:r>
-            <a:r>
-              <a:rPr lang="zh-TW" altLang="en-US" dirty="0" smtClean="0">
-                <a:latin typeface="Consolas" pitchFamily="49" charset="0"/>
-              </a:rPr>
-              <a:t>許廷豪</a:t>
-            </a:r>
-            <a:r>
-              <a:rPr lang="en-US" altLang="zh-TW" dirty="0" smtClean="0">
-                <a:latin typeface="Consolas" pitchFamily="49" charset="0"/>
-              </a:rPr>
-              <a:t>: NN, SVDD, NN-Chain, paper, </a:t>
-            </a:r>
-            <a:r>
-              <a:rPr lang="en-US" altLang="zh-TW" dirty="0" err="1" smtClean="0">
-                <a:latin typeface="Consolas" pitchFamily="49" charset="0"/>
-              </a:rPr>
-              <a:t>ppt</a:t>
-            </a:r>
-            <a:endParaRPr lang="en-US" altLang="zh-TW" dirty="0" smtClean="0">
-              <a:latin typeface="Consolas" pitchFamily="49" charset="0"/>
-            </a:endParaRPr>
-          </a:p>
-          <a:p>
-            <a:r>
-              <a:rPr lang="en-US" altLang="zh-TW" dirty="0" smtClean="0">
-                <a:latin typeface="Consolas" pitchFamily="49" charset="0"/>
-              </a:rPr>
-              <a:t>B103040051 </a:t>
-            </a:r>
-            <a:r>
-              <a:rPr lang="zh-TW" altLang="en-US" dirty="0" smtClean="0">
-                <a:latin typeface="Consolas" pitchFamily="49" charset="0"/>
-              </a:rPr>
-              <a:t>黃嘉彥</a:t>
-            </a:r>
-            <a:r>
-              <a:rPr lang="en-US" altLang="zh-TW" dirty="0" smtClean="0">
-                <a:latin typeface="Consolas" pitchFamily="49" charset="0"/>
-              </a:rPr>
-              <a:t>: naive </a:t>
-            </a:r>
-            <a:r>
-              <a:rPr lang="en-US" altLang="zh-TW" dirty="0" err="1" smtClean="0">
-                <a:latin typeface="Consolas" pitchFamily="49" charset="0"/>
-              </a:rPr>
-              <a:t>Bayes</a:t>
-            </a:r>
-            <a:r>
-              <a:rPr lang="en-US" altLang="zh-TW" dirty="0" smtClean="0">
-                <a:latin typeface="Consolas" pitchFamily="49" charset="0"/>
-              </a:rPr>
-              <a:t> classifier, paper, poster</a:t>
-            </a:r>
-            <a:endParaRPr lang="zh-TW" altLang="en-US" dirty="0" smtClean="0">
               <a:latin typeface="Consolas" pitchFamily="49" charset="0"/>
             </a:endParaRPr>
           </a:p>
@@ -10593,6 +12624,495 @@
 </p:sld>
 </file>
 
+<file path=ppt/slides/slide40.xml><?xml version="1.0" encoding="utf-8"?>
+<p:sld xmlns:a="http://schemas.openxmlformats.org/drawingml/2006/main" xmlns:r="http://schemas.openxmlformats.org/officeDocument/2006/relationships" xmlns:p="http://schemas.openxmlformats.org/presentationml/2006/main">
+  <p:cSld>
+    <p:spTree>
+      <p:nvGrpSpPr>
+        <p:cNvPr id="1" name=""/>
+        <p:cNvGrpSpPr/>
+        <p:nvPr/>
+      </p:nvGrpSpPr>
+      <p:grpSpPr>
+        <a:xfrm>
+          <a:off x="0" y="0"/>
+          <a:ext cx="0" cy="0"/>
+          <a:chOff x="0" y="0"/>
+          <a:chExt cx="0" cy="0"/>
+        </a:xfrm>
+      </p:grpSpPr>
+      <p:pic>
+        <p:nvPicPr>
+          <p:cNvPr id="4" name="Picture 2"/>
+          <p:cNvPicPr>
+            <a:picLocks noChangeAspect="1" noChangeArrowheads="1"/>
+          </p:cNvPicPr>
+          <p:nvPr/>
+        </p:nvPicPr>
+        <p:blipFill>
+          <a:blip r:embed="rId2" cstate="print"/>
+          <a:srcRect/>
+          <a:stretch>
+            <a:fillRect/>
+          </a:stretch>
+        </p:blipFill>
+        <p:spPr bwMode="auto">
+          <a:xfrm>
+            <a:off x="2425960" y="408136"/>
+            <a:ext cx="6848669" cy="5910714"/>
+          </a:xfrm>
+          <a:prstGeom prst="rect">
+            <a:avLst/>
+          </a:prstGeom>
+          <a:noFill/>
+          <a:ln w="9525">
+            <a:noFill/>
+            <a:miter lim="800000"/>
+            <a:headEnd/>
+            <a:tailEnd/>
+          </a:ln>
+        </p:spPr>
+      </p:pic>
+    </p:spTree>
+  </p:cSld>
+  <p:clrMapOvr>
+    <a:masterClrMapping/>
+  </p:clrMapOvr>
+</p:sld>
+</file>
+
+<file path=ppt/slides/slide41.xml><?xml version="1.0" encoding="utf-8"?>
+<p:sld xmlns:a="http://schemas.openxmlformats.org/drawingml/2006/main" xmlns:r="http://schemas.openxmlformats.org/officeDocument/2006/relationships" xmlns:p="http://schemas.openxmlformats.org/presentationml/2006/main">
+  <p:cSld>
+    <p:spTree>
+      <p:nvGrpSpPr>
+        <p:cNvPr id="1" name=""/>
+        <p:cNvGrpSpPr/>
+        <p:nvPr/>
+      </p:nvGrpSpPr>
+      <p:grpSpPr>
+        <a:xfrm>
+          <a:off x="0" y="0"/>
+          <a:ext cx="0" cy="0"/>
+          <a:chOff x="0" y="0"/>
+          <a:chExt cx="0" cy="0"/>
+        </a:xfrm>
+      </p:grpSpPr>
+      <p:sp>
+        <p:nvSpPr>
+          <p:cNvPr id="2" name="標題 1"/>
+          <p:cNvSpPr>
+            <a:spLocks noGrp="1"/>
+          </p:cNvSpPr>
+          <p:nvPr>
+            <p:ph type="title"/>
+          </p:nvPr>
+        </p:nvSpPr>
+        <p:spPr/>
+        <p:txBody>
+          <a:bodyPr/>
+          <a:lstStyle/>
+          <a:p>
+            <a:r>
+              <a:rPr lang="en-US" altLang="zh-TW" dirty="0" smtClean="0">
+                <a:latin typeface="Consolas" pitchFamily="49" charset="0"/>
+              </a:rPr>
+              <a:t>Conclusion</a:t>
+            </a:r>
+            <a:endParaRPr lang="zh-TW" altLang="en-US" dirty="0">
+              <a:latin typeface="Consolas" pitchFamily="49" charset="0"/>
+            </a:endParaRPr>
+          </a:p>
+        </p:txBody>
+      </p:sp>
+      <p:sp>
+        <p:nvSpPr>
+          <p:cNvPr id="4" name="內容版面配置區 2"/>
+          <p:cNvSpPr>
+            <a:spLocks noGrp="1"/>
+          </p:cNvSpPr>
+          <p:nvPr>
+            <p:ph idx="1"/>
+          </p:nvPr>
+        </p:nvSpPr>
+        <p:spPr>
+          <a:xfrm>
+            <a:off x="838200" y="1825625"/>
+            <a:ext cx="10515600" cy="4351338"/>
+          </a:xfrm>
+        </p:spPr>
+        <p:txBody>
+          <a:bodyPr/>
+          <a:lstStyle/>
+          <a:p>
+            <a:r>
+              <a:rPr lang="en-US" altLang="zh-TW" dirty="0" smtClean="0">
+                <a:latin typeface="Consolas" pitchFamily="49" charset="0"/>
+              </a:rPr>
+              <a:t>Maybe for each SVM, the kernel shall be different.</a:t>
+            </a:r>
+          </a:p>
+          <a:p>
+            <a:r>
+              <a:rPr lang="en-US" altLang="zh-TW" dirty="0" smtClean="0">
+                <a:latin typeface="Consolas" pitchFamily="49" charset="0"/>
+              </a:rPr>
+              <a:t>Then the pain may ease.</a:t>
+            </a:r>
+            <a:endParaRPr lang="en-US" altLang="zh-TW" dirty="0" smtClean="0">
+              <a:latin typeface="Consolas" pitchFamily="49" charset="0"/>
+            </a:endParaRPr>
+          </a:p>
+        </p:txBody>
+      </p:sp>
+    </p:spTree>
+  </p:cSld>
+  <p:clrMapOvr>
+    <a:masterClrMapping/>
+  </p:clrMapOvr>
+</p:sld>
+</file>
+
+<file path=ppt/slides/slide42.xml><?xml version="1.0" encoding="utf-8"?>
+<p:sld xmlns:a="http://schemas.openxmlformats.org/drawingml/2006/main" xmlns:r="http://schemas.openxmlformats.org/officeDocument/2006/relationships" xmlns:p="http://schemas.openxmlformats.org/presentationml/2006/main">
+  <p:cSld>
+    <p:spTree>
+      <p:nvGrpSpPr>
+        <p:cNvPr id="1" name=""/>
+        <p:cNvGrpSpPr/>
+        <p:nvPr/>
+      </p:nvGrpSpPr>
+      <p:grpSpPr>
+        <a:xfrm>
+          <a:off x="0" y="0"/>
+          <a:ext cx="0" cy="0"/>
+          <a:chOff x="0" y="0"/>
+          <a:chExt cx="0" cy="0"/>
+        </a:xfrm>
+      </p:grpSpPr>
+      <p:sp>
+        <p:nvSpPr>
+          <p:cNvPr id="2" name="標題 1"/>
+          <p:cNvSpPr>
+            <a:spLocks noGrp="1"/>
+          </p:cNvSpPr>
+          <p:nvPr>
+            <p:ph type="title"/>
+          </p:nvPr>
+        </p:nvSpPr>
+        <p:spPr/>
+        <p:txBody>
+          <a:bodyPr/>
+          <a:lstStyle/>
+          <a:p>
+            <a:r>
+              <a:rPr lang="en-US" altLang="zh-TW" dirty="0" smtClean="0">
+                <a:latin typeface="Consolas" pitchFamily="49" charset="0"/>
+              </a:rPr>
+              <a:t>Conclusion</a:t>
+            </a:r>
+            <a:endParaRPr lang="zh-TW" altLang="en-US" dirty="0">
+              <a:latin typeface="Consolas" pitchFamily="49" charset="0"/>
+            </a:endParaRPr>
+          </a:p>
+        </p:txBody>
+      </p:sp>
+      <p:sp>
+        <p:nvSpPr>
+          <p:cNvPr id="4" name="內容版面配置區 2"/>
+          <p:cNvSpPr>
+            <a:spLocks noGrp="1"/>
+          </p:cNvSpPr>
+          <p:nvPr>
+            <p:ph idx="1"/>
+          </p:nvPr>
+        </p:nvSpPr>
+        <p:spPr>
+          <a:xfrm>
+            <a:off x="838200" y="1825625"/>
+            <a:ext cx="10515600" cy="4351338"/>
+          </a:xfrm>
+        </p:spPr>
+        <p:txBody>
+          <a:bodyPr/>
+          <a:lstStyle/>
+          <a:p>
+            <a:r>
+              <a:rPr lang="en-US" altLang="zh-TW" dirty="0" smtClean="0">
+                <a:latin typeface="Consolas" pitchFamily="49" charset="0"/>
+              </a:rPr>
+              <a:t>SVDD can’t separate known and unknown types.</a:t>
+            </a:r>
+          </a:p>
+          <a:p>
+            <a:r>
+              <a:rPr lang="en-US" altLang="zh-TW" dirty="0" smtClean="0">
+                <a:latin typeface="Consolas" pitchFamily="49" charset="0"/>
+              </a:rPr>
+              <a:t>This maybe is because the distance in low dimension between data points is too close.</a:t>
+            </a:r>
+          </a:p>
+          <a:p>
+            <a:r>
+              <a:rPr lang="en-US" altLang="zh-TW" dirty="0" smtClean="0">
+                <a:latin typeface="Consolas" pitchFamily="49" charset="0"/>
+              </a:rPr>
+              <a:t>By </a:t>
+            </a:r>
+            <a:r>
+              <a:rPr lang="en-US" altLang="zh-TW" b="1" dirty="0" smtClean="0">
+                <a:latin typeface="Consolas" pitchFamily="49" charset="0"/>
+              </a:rPr>
+              <a:t>reducing the dimension to a relatively higher dimension </a:t>
+            </a:r>
+            <a:r>
+              <a:rPr lang="en-US" altLang="zh-TW" dirty="0" smtClean="0">
+                <a:latin typeface="Consolas" pitchFamily="49" charset="0"/>
+              </a:rPr>
+              <a:t>can solve the problem.</a:t>
+            </a:r>
+          </a:p>
+          <a:p>
+            <a:endParaRPr lang="en-US" altLang="zh-TW" dirty="0" smtClean="0">
+              <a:latin typeface="Consolas" pitchFamily="49" charset="0"/>
+            </a:endParaRPr>
+          </a:p>
+        </p:txBody>
+      </p:sp>
+    </p:spTree>
+  </p:cSld>
+  <p:clrMapOvr>
+    <a:masterClrMapping/>
+  </p:clrMapOvr>
+</p:sld>
+</file>
+
+<file path=ppt/slides/slide43.xml><?xml version="1.0" encoding="utf-8"?>
+<p:sld xmlns:a="http://schemas.openxmlformats.org/drawingml/2006/main" xmlns:r="http://schemas.openxmlformats.org/officeDocument/2006/relationships" xmlns:p="http://schemas.openxmlformats.org/presentationml/2006/main">
+  <p:cSld>
+    <p:spTree>
+      <p:nvGrpSpPr>
+        <p:cNvPr id="1" name=""/>
+        <p:cNvGrpSpPr/>
+        <p:nvPr/>
+      </p:nvGrpSpPr>
+      <p:grpSpPr>
+        <a:xfrm>
+          <a:off x="0" y="0"/>
+          <a:ext cx="0" cy="0"/>
+          <a:chOff x="0" y="0"/>
+          <a:chExt cx="0" cy="0"/>
+        </a:xfrm>
+      </p:grpSpPr>
+      <p:sp>
+        <p:nvSpPr>
+          <p:cNvPr id="2" name="標題 1"/>
+          <p:cNvSpPr>
+            <a:spLocks noGrp="1"/>
+          </p:cNvSpPr>
+          <p:nvPr>
+            <p:ph type="title"/>
+          </p:nvPr>
+        </p:nvSpPr>
+        <p:spPr/>
+        <p:txBody>
+          <a:bodyPr/>
+          <a:lstStyle/>
+          <a:p>
+            <a:r>
+              <a:rPr lang="zh-TW" altLang="en-US" dirty="0" smtClean="0"/>
+              <a:t>工作分配</a:t>
+            </a:r>
+            <a:endParaRPr lang="zh-TW" altLang="en-US" dirty="0"/>
+          </a:p>
+        </p:txBody>
+      </p:sp>
+      <p:sp>
+        <p:nvSpPr>
+          <p:cNvPr id="3" name="內容版面配置區 2"/>
+          <p:cNvSpPr>
+            <a:spLocks noGrp="1"/>
+          </p:cNvSpPr>
+          <p:nvPr>
+            <p:ph sz="half" idx="1"/>
+          </p:nvPr>
+        </p:nvSpPr>
+        <p:spPr>
+          <a:xfrm>
+            <a:off x="838199" y="1825625"/>
+            <a:ext cx="10451841" cy="4351338"/>
+          </a:xfrm>
+        </p:spPr>
+        <p:txBody>
+          <a:bodyPr/>
+          <a:lstStyle/>
+          <a:p>
+            <a:r>
+              <a:rPr lang="en-US" altLang="zh-TW" dirty="0" smtClean="0">
+                <a:latin typeface="Consolas" pitchFamily="49" charset="0"/>
+              </a:rPr>
+              <a:t>B103040012 </a:t>
+            </a:r>
+            <a:r>
+              <a:rPr lang="zh-TW" altLang="en-US" dirty="0" smtClean="0">
+                <a:latin typeface="Consolas" pitchFamily="49" charset="0"/>
+              </a:rPr>
+              <a:t>謝承翰</a:t>
+            </a:r>
+            <a:r>
+              <a:rPr lang="en-US" altLang="zh-TW" dirty="0" smtClean="0">
+                <a:latin typeface="Consolas" pitchFamily="49" charset="0"/>
+              </a:rPr>
+              <a:t>:</a:t>
+            </a:r>
+            <a:r>
+              <a:rPr lang="zh-TW" altLang="en-US" dirty="0" smtClean="0">
+                <a:latin typeface="Consolas" pitchFamily="49" charset="0"/>
+              </a:rPr>
+              <a:t> </a:t>
+            </a:r>
+            <a:r>
+              <a:rPr lang="en-US" altLang="zh-TW" dirty="0" smtClean="0">
+                <a:latin typeface="Consolas" pitchFamily="49" charset="0"/>
+              </a:rPr>
+              <a:t>KNN, SVM, DBSCAN, paper, </a:t>
+            </a:r>
+            <a:r>
+              <a:rPr lang="en-US" altLang="zh-TW" dirty="0" err="1" smtClean="0">
+                <a:latin typeface="Consolas" pitchFamily="49" charset="0"/>
+              </a:rPr>
+              <a:t>ppt</a:t>
+            </a:r>
+            <a:endParaRPr lang="en-US" altLang="zh-TW" dirty="0" smtClean="0">
+              <a:latin typeface="Consolas" pitchFamily="49" charset="0"/>
+            </a:endParaRPr>
+          </a:p>
+          <a:p>
+            <a:r>
+              <a:rPr lang="en-US" altLang="zh-TW" dirty="0" smtClean="0">
+                <a:latin typeface="Consolas" pitchFamily="49" charset="0"/>
+              </a:rPr>
+              <a:t>B103040001</a:t>
+            </a:r>
+            <a:r>
+              <a:rPr lang="zh-TW" altLang="en-US" dirty="0" smtClean="0">
+                <a:latin typeface="Consolas" pitchFamily="49" charset="0"/>
+              </a:rPr>
+              <a:t> 孫世諭</a:t>
+            </a:r>
+            <a:r>
+              <a:rPr lang="en-US" altLang="zh-TW" dirty="0" smtClean="0">
+                <a:latin typeface="Consolas" pitchFamily="49" charset="0"/>
+              </a:rPr>
+              <a:t>: SVM, k-means, paper</a:t>
+            </a:r>
+          </a:p>
+          <a:p>
+            <a:r>
+              <a:rPr lang="en-US" altLang="zh-TW" dirty="0" smtClean="0">
+                <a:latin typeface="Consolas" pitchFamily="49" charset="0"/>
+              </a:rPr>
+              <a:t>B103040003 </a:t>
+            </a:r>
+            <a:r>
+              <a:rPr lang="zh-TW" altLang="en-US" dirty="0" smtClean="0">
+                <a:latin typeface="Consolas" pitchFamily="49" charset="0"/>
+              </a:rPr>
+              <a:t>魯喆元</a:t>
+            </a:r>
+            <a:r>
+              <a:rPr lang="en-US" altLang="zh-TW" dirty="0" smtClean="0">
+                <a:latin typeface="Consolas" pitchFamily="49" charset="0"/>
+              </a:rPr>
+              <a:t>: naive </a:t>
+            </a:r>
+            <a:r>
+              <a:rPr lang="en-US" altLang="zh-TW" dirty="0" err="1" smtClean="0">
+                <a:latin typeface="Consolas" pitchFamily="49" charset="0"/>
+              </a:rPr>
+              <a:t>Bayes</a:t>
+            </a:r>
+            <a:r>
+              <a:rPr lang="en-US" altLang="zh-TW" dirty="0" smtClean="0">
+                <a:latin typeface="Consolas" pitchFamily="49" charset="0"/>
+              </a:rPr>
+              <a:t> classifier</a:t>
+            </a:r>
+          </a:p>
+          <a:p>
+            <a:r>
+              <a:rPr lang="en-US" altLang="zh-TW" dirty="0" smtClean="0">
+                <a:latin typeface="Consolas" pitchFamily="49" charset="0"/>
+              </a:rPr>
+              <a:t>B103040008 </a:t>
+            </a:r>
+            <a:r>
+              <a:rPr lang="zh-TW" altLang="en-US" dirty="0" smtClean="0">
+                <a:latin typeface="Consolas" pitchFamily="49" charset="0"/>
+              </a:rPr>
+              <a:t>許廷豪</a:t>
+            </a:r>
+            <a:r>
+              <a:rPr lang="en-US" altLang="zh-TW" dirty="0" smtClean="0">
+                <a:latin typeface="Consolas" pitchFamily="49" charset="0"/>
+              </a:rPr>
+              <a:t>: NN, SVDD, NN-Chain, paper, </a:t>
+            </a:r>
+            <a:r>
+              <a:rPr lang="en-US" altLang="zh-TW" dirty="0" err="1" smtClean="0">
+                <a:latin typeface="Consolas" pitchFamily="49" charset="0"/>
+              </a:rPr>
+              <a:t>ppt</a:t>
+            </a:r>
+            <a:endParaRPr lang="en-US" altLang="zh-TW" dirty="0" smtClean="0">
+              <a:latin typeface="Consolas" pitchFamily="49" charset="0"/>
+            </a:endParaRPr>
+          </a:p>
+          <a:p>
+            <a:r>
+              <a:rPr lang="en-US" altLang="zh-TW" dirty="0" smtClean="0">
+                <a:latin typeface="Consolas" pitchFamily="49" charset="0"/>
+              </a:rPr>
+              <a:t>B103040051 </a:t>
+            </a:r>
+            <a:r>
+              <a:rPr lang="zh-TW" altLang="en-US" dirty="0" smtClean="0">
+                <a:latin typeface="Consolas" pitchFamily="49" charset="0"/>
+              </a:rPr>
+              <a:t>黃嘉彥</a:t>
+            </a:r>
+            <a:r>
+              <a:rPr lang="en-US" altLang="zh-TW" dirty="0" smtClean="0">
+                <a:latin typeface="Consolas" pitchFamily="49" charset="0"/>
+              </a:rPr>
+              <a:t>: naive </a:t>
+            </a:r>
+            <a:r>
+              <a:rPr lang="en-US" altLang="zh-TW" dirty="0" err="1" smtClean="0">
+                <a:latin typeface="Consolas" pitchFamily="49" charset="0"/>
+              </a:rPr>
+              <a:t>Bayes</a:t>
+            </a:r>
+            <a:r>
+              <a:rPr lang="en-US" altLang="zh-TW" dirty="0" smtClean="0">
+                <a:latin typeface="Consolas" pitchFamily="49" charset="0"/>
+              </a:rPr>
+              <a:t> classifier, paper, poster</a:t>
+            </a:r>
+            <a:endParaRPr lang="zh-TW" altLang="en-US" dirty="0" smtClean="0">
+              <a:latin typeface="Consolas" pitchFamily="49" charset="0"/>
+            </a:endParaRPr>
+          </a:p>
+        </p:txBody>
+      </p:sp>
+    </p:spTree>
+  </p:cSld>
+  <p:clrMapOvr>
+    <a:masterClrMapping/>
+  </p:clrMapOvr>
+</p:sld>
+</file>
+
 <file path=ppt/slides/slide5.xml><?xml version="1.0" encoding="utf-8"?>
 <p:sld xmlns:a="http://schemas.openxmlformats.org/drawingml/2006/main" xmlns:r="http://schemas.openxmlformats.org/officeDocument/2006/relationships" xmlns:p="http://schemas.openxmlformats.org/presentationml/2006/main">
   <p:cSld>
@@ -10759,13 +13279,7 @@
               <a:rPr lang="en-US" altLang="zh-TW" dirty="0" smtClean="0">
                 <a:latin typeface="Consolas" pitchFamily="49" charset="0"/>
               </a:rPr>
-              <a:t>KNN, SVM, SVDD + </a:t>
-            </a:r>
-            <a:r>
-              <a:rPr lang="en-US" altLang="zh-TW" dirty="0" smtClean="0">
-                <a:latin typeface="Consolas" pitchFamily="49" charset="0"/>
-              </a:rPr>
-              <a:t>NN, Naïve </a:t>
+              <a:t>KNN, SVM, SVDD + NN, Naïve </a:t>
             </a:r>
             <a:r>
               <a:rPr lang="en-US" altLang="zh-TW" dirty="0" err="1" smtClean="0">
@@ -11131,36 +13645,224 @@
               <a:rPr lang="en-US" altLang="zh-TW" dirty="0" smtClean="0">
                 <a:latin typeface="Consolas" pitchFamily="49" charset="0"/>
               </a:rPr>
-              <a:t>Multi-Classification SVMs</a:t>
+              <a:t>KNN</a:t>
             </a:r>
             <a:endParaRPr lang="zh-TW" altLang="en-US" dirty="0">
               <a:latin typeface="Consolas" pitchFamily="49" charset="0"/>
             </a:endParaRPr>
+          </a:p>
+        </p:txBody>
+      </p:sp>
+      <p:pic>
+        <p:nvPicPr>
+          <p:cNvPr id="4099" name="Picture 3"/>
+          <p:cNvPicPr>
+            <a:picLocks noChangeAspect="1" noChangeArrowheads="1"/>
+          </p:cNvPicPr>
+          <p:nvPr/>
+        </p:nvPicPr>
+        <p:blipFill>
+          <a:blip r:embed="rId2" cstate="print"/>
+          <a:srcRect/>
+          <a:stretch>
+            <a:fillRect/>
+          </a:stretch>
+        </p:blipFill>
+        <p:spPr bwMode="auto">
+          <a:xfrm>
+            <a:off x="4108257" y="1204718"/>
+            <a:ext cx="7651750" cy="5380037"/>
+          </a:xfrm>
+          <a:prstGeom prst="rect">
+            <a:avLst/>
+          </a:prstGeom>
+          <a:noFill/>
+          <a:ln w="9525">
+            <a:noFill/>
+            <a:miter lim="800000"/>
+            <a:headEnd/>
+            <a:tailEnd/>
+          </a:ln>
+        </p:spPr>
+      </p:pic>
+      <p:sp>
+        <p:nvSpPr>
+          <p:cNvPr id="13" name="文字方塊 12"/>
+          <p:cNvSpPr txBox="1"/>
+          <p:nvPr/>
+        </p:nvSpPr>
+        <p:spPr>
+          <a:xfrm>
+            <a:off x="279918" y="2360646"/>
+            <a:ext cx="4497355" cy="2308324"/>
+          </a:xfrm>
+          <a:prstGeom prst="rect">
+            <a:avLst/>
+          </a:prstGeom>
+          <a:noFill/>
+        </p:spPr>
+        <p:txBody>
+          <a:bodyPr wrap="square" rtlCol="0">
+            <a:spAutoFit/>
+          </a:bodyPr>
+          <a:lstStyle/>
+          <a:p>
+            <a:r>
+              <a:rPr lang="en-US" altLang="zh-TW" dirty="0" smtClean="0">
+                <a:latin typeface="Consolas" pitchFamily="49" charset="0"/>
+              </a:rPr>
+              <a:t>Probability that belong to </a:t>
+            </a:r>
+            <a:r>
+              <a:rPr lang="en-US" altLang="zh-TW" dirty="0" smtClean="0">
+                <a:solidFill>
+                  <a:srgbClr val="FF0000"/>
+                </a:solidFill>
+                <a:latin typeface="Consolas" pitchFamily="49" charset="0"/>
+              </a:rPr>
+              <a:t>red</a:t>
+            </a:r>
+            <a:r>
+              <a:rPr lang="en-US" altLang="zh-TW" dirty="0" smtClean="0">
+                <a:latin typeface="Consolas" pitchFamily="49" charset="0"/>
+              </a:rPr>
+              <a:t>: </a:t>
+            </a:r>
+          </a:p>
+          <a:p>
+            <a:r>
+              <a:rPr lang="en-US" altLang="zh-TW" dirty="0" smtClean="0">
+                <a:latin typeface="Consolas" pitchFamily="49" charset="0"/>
+              </a:rPr>
+              <a:t>2/(1+2+0)=2/3</a:t>
+            </a:r>
+          </a:p>
+          <a:p>
+            <a:endParaRPr lang="en-US" altLang="zh-TW" dirty="0" smtClean="0">
+              <a:latin typeface="Consolas" pitchFamily="49" charset="0"/>
+            </a:endParaRPr>
+          </a:p>
+          <a:p>
+            <a:r>
+              <a:rPr lang="en-US" altLang="zh-TW" dirty="0" smtClean="0">
+                <a:latin typeface="Consolas" pitchFamily="49" charset="0"/>
+              </a:rPr>
+              <a:t>Probability that belong to </a:t>
+            </a:r>
+            <a:r>
+              <a:rPr lang="en-US" altLang="zh-TW" dirty="0" smtClean="0">
+                <a:solidFill>
+                  <a:srgbClr val="00B050"/>
+                </a:solidFill>
+                <a:latin typeface="Consolas" pitchFamily="49" charset="0"/>
+              </a:rPr>
+              <a:t>green</a:t>
+            </a:r>
+            <a:r>
+              <a:rPr lang="en-US" altLang="zh-TW" dirty="0" smtClean="0">
+                <a:latin typeface="Consolas" pitchFamily="49" charset="0"/>
+              </a:rPr>
+              <a:t>: </a:t>
+            </a:r>
+          </a:p>
+          <a:p>
+            <a:r>
+              <a:rPr lang="en-US" altLang="zh-TW" dirty="0" smtClean="0">
+                <a:latin typeface="Consolas" pitchFamily="49" charset="0"/>
+              </a:rPr>
+              <a:t>1/(1+2+0)=1/3</a:t>
+            </a:r>
+          </a:p>
+          <a:p>
+            <a:endParaRPr lang="en-US" altLang="zh-TW" dirty="0" smtClean="0">
+              <a:latin typeface="Consolas" pitchFamily="49" charset="0"/>
+            </a:endParaRPr>
+          </a:p>
+          <a:p>
+            <a:r>
+              <a:rPr lang="en-US" altLang="zh-TW" dirty="0" smtClean="0">
+                <a:latin typeface="Consolas" pitchFamily="49" charset="0"/>
+              </a:rPr>
+              <a:t>Probability that belong to </a:t>
+            </a:r>
+            <a:r>
+              <a:rPr lang="en-US" altLang="zh-TW" dirty="0" smtClean="0">
+                <a:solidFill>
+                  <a:srgbClr val="00B0F0"/>
+                </a:solidFill>
+                <a:latin typeface="Consolas" pitchFamily="49" charset="0"/>
+              </a:rPr>
+              <a:t>blue</a:t>
+            </a:r>
+            <a:r>
+              <a:rPr lang="en-US" altLang="zh-TW" dirty="0" smtClean="0">
+                <a:latin typeface="Consolas" pitchFamily="49" charset="0"/>
+              </a:rPr>
+              <a:t>: </a:t>
+            </a:r>
+          </a:p>
+          <a:p>
+            <a:r>
+              <a:rPr lang="en-US" altLang="zh-TW" dirty="0" smtClean="0">
+                <a:latin typeface="Consolas" pitchFamily="49" charset="0"/>
+              </a:rPr>
+              <a:t>0/(1+2+0)=1/3</a:t>
+            </a:r>
           </a:p>
         </p:txBody>
       </p:sp>
       <p:sp>
         <p:nvSpPr>
-          <p:cNvPr id="3" name="內容版面配置區 2"/>
-          <p:cNvSpPr>
-            <a:spLocks noGrp="1"/>
-          </p:cNvSpPr>
-          <p:nvPr>
-            <p:ph idx="1"/>
-          </p:nvPr>
+          <p:cNvPr id="5" name="文字方塊 4"/>
+          <p:cNvSpPr txBox="1"/>
+          <p:nvPr/>
         </p:nvSpPr>
-        <p:spPr/>
+        <p:spPr>
+          <a:xfrm>
+            <a:off x="320350" y="4901683"/>
+            <a:ext cx="5082074" cy="677108"/>
+          </a:xfrm>
+          <a:prstGeom prst="rect">
+            <a:avLst/>
+          </a:prstGeom>
+          <a:noFill/>
+        </p:spPr>
         <p:txBody>
-          <a:bodyPr/>
+          <a:bodyPr wrap="square" rtlCol="0">
+            <a:spAutoFit/>
+          </a:bodyPr>
           <a:lstStyle/>
           <a:p>
             <a:r>
               <a:rPr lang="en-US" altLang="zh-TW" dirty="0" smtClean="0">
                 <a:latin typeface="Consolas" pitchFamily="49" charset="0"/>
               </a:rPr>
-              <a:t>Since SVM is meant to be a binary classifier, multi-classification must use a sequence of SVMs.</a:t>
-            </a:r>
-            <a:endParaRPr lang="zh-TW" altLang="en-US" dirty="0">
+              <a:t>Determine whether it’s unknown type if </a:t>
+            </a:r>
+          </a:p>
+          <a:p>
+            <a:r>
+              <a:rPr lang="en-US" altLang="zh-TW" sz="2000" b="1" dirty="0" smtClean="0">
+                <a:solidFill>
+                  <a:srgbClr val="FF0000"/>
+                </a:solidFill>
+                <a:latin typeface="Consolas" pitchFamily="49" charset="0"/>
+              </a:rPr>
+              <a:t>highest probability </a:t>
+            </a:r>
+            <a:r>
+              <a:rPr lang="en-US" altLang="zh-TW" sz="2000" b="1" dirty="0" smtClean="0">
+                <a:latin typeface="Consolas" pitchFamily="49" charset="0"/>
+              </a:rPr>
+              <a:t>&lt; </a:t>
+            </a:r>
+            <a:r>
+              <a:rPr lang="en-US" altLang="zh-TW" sz="2000" b="1" dirty="0" err="1" smtClean="0">
+                <a:latin typeface="Consolas" pitchFamily="49" charset="0"/>
+              </a:rPr>
+              <a:t>prob_threhold</a:t>
+            </a:r>
+            <a:endParaRPr lang="en-US" altLang="zh-TW" sz="2000" b="1" dirty="0" smtClean="0">
               <a:latin typeface="Consolas" pitchFamily="49" charset="0"/>
             </a:endParaRPr>
           </a:p>
@@ -11463,7 +14165,7 @@
   <a:extraClrSchemeLst/>
   <a:extLst>
     <a:ext uri="{05A4C25C-085E-4340-85A3-A5531E510DB2}">
-      <thm15:themeFamily xmlns:thm15="http://schemas.microsoft.com/office/thememl/2012/main" xmlns="" name="Office Theme" id="{62F939B6-93AF-4DB8-9C6B-D6C7DFDC589F}" vid="{4A3C46E8-61CC-4603-A589-7422A47A8E4A}"/>
+      <thm15:themeFamily xmlns="" xmlns:thm15="http://schemas.microsoft.com/office/thememl/2012/main" name="Office Theme" id="{62F939B6-93AF-4DB8-9C6B-D6C7DFDC589F}" vid="{4A3C46E8-61CC-4603-A589-7422A47A8E4A}"/>
     </a:ext>
   </a:extLst>
 </a:theme>
@@ -11758,7 +14460,7 @@
   <a:extraClrSchemeLst/>
   <a:extLst>
     <a:ext uri="{05A4C25C-085E-4340-85A3-A5531E510DB2}">
-      <thm15:themeFamily xmlns:thm15="http://schemas.microsoft.com/office/thememl/2012/main" xmlns="" name="Office Theme" id="{62F939B6-93AF-4DB8-9C6B-D6C7DFDC589F}" vid="{4A3C46E8-61CC-4603-A589-7422A47A8E4A}"/>
+      <thm15:themeFamily xmlns="" xmlns:thm15="http://schemas.microsoft.com/office/thememl/2012/main" name="Office Theme" id="{62F939B6-93AF-4DB8-9C6B-D6C7DFDC589F}" vid="{4A3C46E8-61CC-4603-A589-7422A47A8E4A}"/>
     </a:ext>
   </a:extLst>
 </a:theme>
